--- a/VGMC 2022 Spring Slides.pptx
+++ b/VGMC 2022 Spring Slides.pptx
@@ -8,7 +8,7 @@
     <p:sldId id="256" r:id="rId7"/>
     <p:sldId id="257" r:id="rId8"/>
   </p:sldIdLst>
-  <p:sldSz cx="14630400" cy="8229600" type="screen4x3"/>
+  <p:sldSz cx="12191695" cy="6858000" type="screen4x3"/>
   <p:notesSz cx="6858000" cy="9144000"/>
   <p:defaultTextStyle>
     <a:defPPr>
@@ -3104,6 +3104,9 @@
           <a:bodyPr/>
           <a:lstStyle/>
           <a:p>
+            <a:pPr>
+              <a:defRPr sz="5400"/>
+            </a:pPr>
             <a:r>
               <a:t>Video Game Music Guessing Competition</a:t>
             </a:r>
@@ -3125,6 +3128,9 @@
           <a:bodyPr/>
           <a:lstStyle/>
           <a:p>
+            <a:pPr>
+              <a:defRPr sz="1800" b="0" i="0"/>
+            </a:pPr>
             <a:r>
               <a:t>Sponsored by the Computer Science Club</a:t>
             </a:r>
@@ -3164,6 +3170,9 @@
           <a:bodyPr/>
           <a:lstStyle/>
           <a:p>
+            <a:pPr>
+              <a:defRPr sz="5400"/>
+            </a:pPr>
             <a:r>
               <a:t>Rules and Scoring</a:t>
             </a:r>
@@ -3185,39 +3194,57 @@
           <a:bodyPr/>
           <a:lstStyle/>
           <a:p>
+            <a:pPr>
+              <a:defRPr sz="2000" b="0" i="0"/>
+            </a:pPr>
             <a:r>
               <a:t>There will be 5 Rounds of 10 Tracks</a:t>
             </a:r>
           </a:p>
           <a:p>
+            <a:pPr>
+              <a:defRPr sz="2000" b="0" i="0"/>
+            </a:pPr>
             <a:r>
               <a:t>You will get roughly 30 – 45 seconds of music to guess from.</a:t>
             </a:r>
           </a:p>
           <a:p>
+            <a:pPr>
+              <a:defRPr sz="2000" b="0" i="0"/>
+            </a:pPr>
             <a:r>
               <a:t>Scoring is as follows:</a:t>
             </a:r>
           </a:p>
           <a:p>
-            <a:pPr lvl="1"/>
+            <a:pPr lvl="1">
+              <a:defRPr sz="1800" b="0" i="0"/>
+            </a:pPr>
             <a:r>
               <a:t>1 point for Game Franchise</a:t>
             </a:r>
           </a:p>
           <a:p>
-            <a:pPr lvl="1"/>
+            <a:pPr lvl="1">
+              <a:defRPr sz="1800" b="0" i="1"/>
+            </a:pPr>
             <a:r>
               <a:t>1 point for Specific Game</a:t>
             </a:r>
           </a:p>
           <a:p>
-            <a:pPr lvl="1"/>
+            <a:pPr lvl="1">
+              <a:defRPr sz="1800" b="1" i="0"/>
+            </a:pPr>
             <a:r>
               <a:t>1 point for Track Name/Place</a:t>
             </a:r>
           </a:p>
           <a:p>
+            <a:pPr>
+              <a:defRPr sz="2000" b="0" i="0"/>
+            </a:pPr>
             <a:r>
               <a:t>A couple songs don’t have official releases, or play in multiple places. Those have a star listed on the answer key, and if you put something close to it you’ll still receive the point.</a:t>
             </a:r>

--- a/VGMC 2022 Spring Slides.pptx
+++ b/VGMC 2022 Spring Slides.pptx
@@ -1580,7 +1580,7 @@
           <a:p>
             <a:fld id="{CE60F759-2DB9-45EC-93E5-4C9B94ABF359}" type="datetimeFigureOut">
               <a:rPr lang="en-US" smtClean="0"/>
-              <a:t>3/5/2022</a:t>
+              <a:t>3/6/2022</a:t>
             </a:fld>
             <a:endParaRPr lang="en-US"/>
           </a:p>
@@ -3034,7 +3034,7 @@
           <a:p>
             <a:fld id="{CE60F759-2DB9-45EC-93E5-4C9B94ABF359}" type="datetimeFigureOut">
               <a:rPr lang="en-US" smtClean="0"/>
-              <a:t>3/5/2022</a:t>
+              <a:t>3/6/2022</a:t>
             </a:fld>
             <a:endParaRPr lang="en-US"/>
           </a:p>
@@ -4422,7 +4422,7 @@
           <a:p>
             <a:fld id="{CE60F759-2DB9-45EC-93E5-4C9B94ABF359}" type="datetimeFigureOut">
               <a:rPr lang="en-US" smtClean="0"/>
-              <a:t>3/5/2022</a:t>
+              <a:t>3/6/2022</a:t>
             </a:fld>
             <a:endParaRPr lang="en-US"/>
           </a:p>
@@ -5825,7 +5825,7 @@
           <a:p>
             <a:fld id="{CE60F759-2DB9-45EC-93E5-4C9B94ABF359}" type="datetimeFigureOut">
               <a:rPr lang="en-US" smtClean="0"/>
-              <a:t>3/5/2022</a:t>
+              <a:t>3/6/2022</a:t>
             </a:fld>
             <a:endParaRPr lang="en-US"/>
           </a:p>
@@ -5887,7 +5887,7 @@
 </file>
 
 <file path=ppt/slideLayouts/slideLayout5.xml><?xml version="1.0" encoding="utf-8"?>
-<p:sldLayout xmlns:a="http://schemas.openxmlformats.org/drawingml/2006/main" xmlns:r="http://schemas.openxmlformats.org/officeDocument/2006/relationships" xmlns:p="http://schemas.openxmlformats.org/presentationml/2006/main" type="obj" preserve="1">
+<p:sldLayout xmlns:a="http://schemas.openxmlformats.org/drawingml/2006/main" xmlns:r="http://schemas.openxmlformats.org/officeDocument/2006/relationships" xmlns:p="http://schemas.openxmlformats.org/presentationml/2006/main" preserve="1" userDrawn="1">
   <p:cSld name="Review">
     <p:spTree>
       <p:nvGrpSpPr>
@@ -6981,7 +6981,7 @@
           <p:nvSpPr>
             <p:cNvPr id="101" name="Freeform 25"/>
             <p:cNvSpPr/>
-            <p:nvPr/>
+            <p:nvPr userDrawn="1"/>
           </p:nvSpPr>
           <p:spPr bwMode="auto">
             <a:xfrm>
@@ -7199,46 +7199,38 @@
       </p:sp>
       <p:sp>
         <p:nvSpPr>
-          <p:cNvPr id="3" name="Content Placeholder 2"/>
+          <p:cNvPr id="5" name="Content Placeholder 4">
+            <a:extLst>
+              <a:ext uri="{FF2B5EF4-FFF2-40B4-BE49-F238E27FC236}">
+                <a16:creationId xmlns:a16="http://schemas.microsoft.com/office/drawing/2014/main" id="{9C143A25-4028-4D17-B80D-F98572EBAFC3}"/>
+              </a:ext>
+            </a:extLst>
+          </p:cNvPr>
           <p:cNvSpPr>
             <a:spLocks noGrp="1"/>
           </p:cNvSpPr>
           <p:nvPr>
-            <p:ph idx="1" hasCustomPrompt="1"/>
+            <p:ph sz="quarter" idx="10" hasCustomPrompt="1"/>
           </p:nvPr>
         </p:nvSpPr>
         <p:spPr>
           <a:xfrm>
-            <a:off x="1747538" y="722349"/>
+            <a:off x="1751646" y="722349"/>
             <a:ext cx="2834640" cy="914400"/>
           </a:xfrm>
         </p:spPr>
         <p:txBody>
-          <a:bodyPr anchor="ctr">
-            <a:normAutofit/>
-          </a:bodyPr>
+          <a:bodyPr/>
           <a:lstStyle>
             <a:lvl1pPr>
               <a:defRPr sz="4400"/>
             </a:lvl1pPr>
-            <a:lvl2pPr>
-              <a:defRPr sz="2200"/>
-            </a:lvl2pPr>
-            <a:lvl3pPr>
-              <a:defRPr sz="2000"/>
-            </a:lvl3pPr>
-            <a:lvl4pPr>
-              <a:defRPr sz="1800"/>
-            </a:lvl4pPr>
-            <a:lvl5pPr>
-              <a:defRPr sz="1800"/>
-            </a:lvl5pPr>
           </a:lstStyle>
           <a:p>
             <a:pPr lvl="0"/>
             <a:r>
               <a:rPr lang="en-US" dirty="0"/>
-              <a:t>Track #</a:t>
+              <a:t> Track #</a:t>
             </a:r>
           </a:p>
         </p:txBody>
@@ -8638,7 +8630,7 @@
           <a:p>
             <a:fld id="{CE60F759-2DB9-45EC-93E5-4C9B94ABF359}" type="datetimeFigureOut">
               <a:rPr lang="en-US" smtClean="0"/>
-              <a:t>3/5/2022</a:t>
+              <a:t>3/6/2022</a:t>
             </a:fld>
             <a:endParaRPr lang="en-US"/>
           </a:p>
@@ -8867,7 +8859,7 @@
           <a:p>
             <a:fld id="{CE60F759-2DB9-45EC-93E5-4C9B94ABF359}" type="datetimeFigureOut">
               <a:rPr lang="en-US" smtClean="0"/>
-              <a:t>3/5/2022</a:t>
+              <a:t>3/6/2022</a:t>
             </a:fld>
             <a:endParaRPr lang="en-US"/>
           </a:p>
@@ -9808,29 +9800,12 @@
             <a:spLocks noGrp="1"/>
           </p:cNvSpPr>
           <p:nvPr>
-            <p:ph idx="1"/>
-          </p:nvPr>
-        </p:nvSpPr>
-        <p:spPr/>
-        <p:txBody>
-          <a:bodyPr/>
-          <a:lstStyle/>
-          <a:p/>
-        </p:txBody>
-      </p:sp>
-      <p:sp>
-        <p:nvSpPr>
-          <p:cNvPr id="3" name="Content Placeholder 2"/>
-          <p:cNvSpPr>
-            <a:spLocks noGrp="1"/>
-          </p:cNvSpPr>
-          <p:nvPr>
-            <p:ph idx="1"/>
+            <p:ph idx="10" sz="quarter"/>
           </p:nvPr>
         </p:nvSpPr>
         <p:spPr>
           <a:xfrm>
-            <a:off x="6912864" y="3730752"/>
+            <a:off x="6912864" y="1828800"/>
             <a:ext cx="2834640" cy="914400"/>
           </a:xfrm>
         </p:spPr>
@@ -9851,12 +9826,12 @@
             <a:spLocks noGrp="1"/>
           </p:cNvSpPr>
           <p:nvPr>
-            <p:ph idx="1"/>
+            <p:ph idx="10" sz="quarter"/>
           </p:nvPr>
         </p:nvSpPr>
         <p:spPr>
           <a:xfrm>
-            <a:off x="11018520" y="3730752"/>
+            <a:off x="11018520" y="1828800"/>
             <a:ext cx="2834640" cy="914400"/>
           </a:xfrm>
         </p:spPr>
@@ -9877,12 +9852,12 @@
             <a:spLocks noGrp="1"/>
           </p:cNvSpPr>
           <p:nvPr>
-            <p:ph idx="1"/>
+            <p:ph idx="10" sz="quarter"/>
           </p:nvPr>
         </p:nvSpPr>
         <p:spPr>
           <a:xfrm>
-            <a:off x="6912864" y="4727448"/>
+            <a:off x="6912864" y="2743200"/>
             <a:ext cx="2834640" cy="914400"/>
           </a:xfrm>
         </p:spPr>
@@ -9903,12 +9878,12 @@
             <a:spLocks noGrp="1"/>
           </p:cNvSpPr>
           <p:nvPr>
-            <p:ph idx="1"/>
+            <p:ph idx="10" sz="quarter"/>
           </p:nvPr>
         </p:nvSpPr>
         <p:spPr>
           <a:xfrm>
-            <a:off x="11018520" y="4727448"/>
+            <a:off x="11018520" y="2743200"/>
             <a:ext cx="2834640" cy="914400"/>
           </a:xfrm>
         </p:spPr>
@@ -9929,12 +9904,12 @@
             <a:spLocks noGrp="1"/>
           </p:cNvSpPr>
           <p:nvPr>
-            <p:ph idx="1"/>
+            <p:ph idx="10" sz="quarter"/>
           </p:nvPr>
         </p:nvSpPr>
         <p:spPr>
           <a:xfrm>
-            <a:off x="6912864" y="5724144"/>
+            <a:off x="6912864" y="3657600"/>
             <a:ext cx="2834640" cy="914400"/>
           </a:xfrm>
         </p:spPr>
@@ -9955,12 +9930,12 @@
             <a:spLocks noGrp="1"/>
           </p:cNvSpPr>
           <p:nvPr>
-            <p:ph idx="1"/>
+            <p:ph idx="10" sz="quarter"/>
           </p:nvPr>
         </p:nvSpPr>
         <p:spPr>
           <a:xfrm>
-            <a:off x="11018520" y="5724144"/>
+            <a:off x="11018520" y="3657600"/>
             <a:ext cx="2834640" cy="914400"/>
           </a:xfrm>
         </p:spPr>
@@ -9981,12 +9956,12 @@
             <a:spLocks noGrp="1"/>
           </p:cNvSpPr>
           <p:nvPr>
-            <p:ph idx="1"/>
+            <p:ph idx="10" sz="quarter"/>
           </p:nvPr>
         </p:nvSpPr>
         <p:spPr>
           <a:xfrm>
-            <a:off x="6912864" y="6720840"/>
+            <a:off x="6912864" y="4572000"/>
             <a:ext cx="2834640" cy="914400"/>
           </a:xfrm>
         </p:spPr>
@@ -10007,12 +9982,12 @@
             <a:spLocks noGrp="1"/>
           </p:cNvSpPr>
           <p:nvPr>
-            <p:ph idx="1"/>
+            <p:ph idx="10" sz="quarter"/>
           </p:nvPr>
         </p:nvSpPr>
         <p:spPr>
           <a:xfrm>
-            <a:off x="11018520" y="6720840"/>
+            <a:off x="11018520" y="4572000"/>
             <a:ext cx="2834640" cy="914400"/>
           </a:xfrm>
         </p:spPr>
@@ -10033,12 +10008,12 @@
             <a:spLocks noGrp="1"/>
           </p:cNvSpPr>
           <p:nvPr>
-            <p:ph idx="1"/>
+            <p:ph idx="10" sz="quarter"/>
           </p:nvPr>
         </p:nvSpPr>
         <p:spPr>
           <a:xfrm>
-            <a:off x="6912864" y="7717536"/>
+            <a:off x="6912864" y="5486400"/>
             <a:ext cx="2834640" cy="914400"/>
           </a:xfrm>
         </p:spPr>
@@ -10059,12 +10034,12 @@
             <a:spLocks noGrp="1"/>
           </p:cNvSpPr>
           <p:nvPr>
-            <p:ph idx="1"/>
+            <p:ph idx="10" sz="quarter"/>
           </p:nvPr>
         </p:nvSpPr>
         <p:spPr>
           <a:xfrm>
-            <a:off x="11018520" y="7717536"/>
+            <a:off x="11018520" y="5486400"/>
             <a:ext cx="2834640" cy="914400"/>
           </a:xfrm>
         </p:spPr>
@@ -11214,29 +11189,12 @@
             <a:spLocks noGrp="1"/>
           </p:cNvSpPr>
           <p:nvPr>
-            <p:ph idx="1"/>
-          </p:nvPr>
-        </p:nvSpPr>
-        <p:spPr/>
-        <p:txBody>
-          <a:bodyPr/>
-          <a:lstStyle/>
-          <a:p/>
-        </p:txBody>
-      </p:sp>
-      <p:sp>
-        <p:nvSpPr>
-          <p:cNvPr id="3" name="Content Placeholder 2"/>
-          <p:cNvSpPr>
-            <a:spLocks noGrp="1"/>
-          </p:cNvSpPr>
-          <p:nvPr>
-            <p:ph idx="1"/>
+            <p:ph idx="10" sz="quarter"/>
           </p:nvPr>
         </p:nvSpPr>
         <p:spPr>
           <a:xfrm>
-            <a:off x="6912864" y="3730752"/>
+            <a:off x="6912864" y="1828800"/>
             <a:ext cx="2834640" cy="914400"/>
           </a:xfrm>
         </p:spPr>
@@ -11257,12 +11215,12 @@
             <a:spLocks noGrp="1"/>
           </p:cNvSpPr>
           <p:nvPr>
-            <p:ph idx="1"/>
+            <p:ph idx="10" sz="quarter"/>
           </p:nvPr>
         </p:nvSpPr>
         <p:spPr>
           <a:xfrm>
-            <a:off x="11018520" y="3730752"/>
+            <a:off x="11018520" y="1828800"/>
             <a:ext cx="2834640" cy="914400"/>
           </a:xfrm>
         </p:spPr>
@@ -11283,12 +11241,12 @@
             <a:spLocks noGrp="1"/>
           </p:cNvSpPr>
           <p:nvPr>
-            <p:ph idx="1"/>
+            <p:ph idx="10" sz="quarter"/>
           </p:nvPr>
         </p:nvSpPr>
         <p:spPr>
           <a:xfrm>
-            <a:off x="6912864" y="4727448"/>
+            <a:off x="6912864" y="2743200"/>
             <a:ext cx="2834640" cy="914400"/>
           </a:xfrm>
         </p:spPr>
@@ -11309,12 +11267,12 @@
             <a:spLocks noGrp="1"/>
           </p:cNvSpPr>
           <p:nvPr>
-            <p:ph idx="1"/>
+            <p:ph idx="10" sz="quarter"/>
           </p:nvPr>
         </p:nvSpPr>
         <p:spPr>
           <a:xfrm>
-            <a:off x="11018520" y="4727448"/>
+            <a:off x="11018520" y="2743200"/>
             <a:ext cx="2834640" cy="914400"/>
           </a:xfrm>
         </p:spPr>
@@ -11335,12 +11293,12 @@
             <a:spLocks noGrp="1"/>
           </p:cNvSpPr>
           <p:nvPr>
-            <p:ph idx="1"/>
+            <p:ph idx="10" sz="quarter"/>
           </p:nvPr>
         </p:nvSpPr>
         <p:spPr>
           <a:xfrm>
-            <a:off x="6912864" y="5724144"/>
+            <a:off x="6912864" y="3657600"/>
             <a:ext cx="2834640" cy="914400"/>
           </a:xfrm>
         </p:spPr>
@@ -11361,12 +11319,12 @@
             <a:spLocks noGrp="1"/>
           </p:cNvSpPr>
           <p:nvPr>
-            <p:ph idx="1"/>
+            <p:ph idx="10" sz="quarter"/>
           </p:nvPr>
         </p:nvSpPr>
         <p:spPr>
           <a:xfrm>
-            <a:off x="11018520" y="5724144"/>
+            <a:off x="11018520" y="3657600"/>
             <a:ext cx="2834640" cy="914400"/>
           </a:xfrm>
         </p:spPr>
@@ -11387,12 +11345,12 @@
             <a:spLocks noGrp="1"/>
           </p:cNvSpPr>
           <p:nvPr>
-            <p:ph idx="1"/>
+            <p:ph idx="10" sz="quarter"/>
           </p:nvPr>
         </p:nvSpPr>
         <p:spPr>
           <a:xfrm>
-            <a:off x="6912864" y="6720840"/>
+            <a:off x="6912864" y="4572000"/>
             <a:ext cx="2834640" cy="914400"/>
           </a:xfrm>
         </p:spPr>
@@ -11413,12 +11371,12 @@
             <a:spLocks noGrp="1"/>
           </p:cNvSpPr>
           <p:nvPr>
-            <p:ph idx="1"/>
+            <p:ph idx="10" sz="quarter"/>
           </p:nvPr>
         </p:nvSpPr>
         <p:spPr>
           <a:xfrm>
-            <a:off x="11018520" y="6720840"/>
+            <a:off x="11018520" y="4572000"/>
             <a:ext cx="2834640" cy="914400"/>
           </a:xfrm>
         </p:spPr>
@@ -11439,12 +11397,12 @@
             <a:spLocks noGrp="1"/>
           </p:cNvSpPr>
           <p:nvPr>
-            <p:ph idx="1"/>
+            <p:ph idx="10" sz="quarter"/>
           </p:nvPr>
         </p:nvSpPr>
         <p:spPr>
           <a:xfrm>
-            <a:off x="6912864" y="7717536"/>
+            <a:off x="6912864" y="5486400"/>
             <a:ext cx="2834640" cy="914400"/>
           </a:xfrm>
         </p:spPr>
@@ -11465,12 +11423,12 @@
             <a:spLocks noGrp="1"/>
           </p:cNvSpPr>
           <p:nvPr>
-            <p:ph idx="1"/>
+            <p:ph idx="10" sz="quarter"/>
           </p:nvPr>
         </p:nvSpPr>
         <p:spPr>
           <a:xfrm>
-            <a:off x="11018520" y="7717536"/>
+            <a:off x="11018520" y="5486400"/>
             <a:ext cx="2834640" cy="914400"/>
           </a:xfrm>
         </p:spPr>
@@ -12548,29 +12506,12 @@
             <a:spLocks noGrp="1"/>
           </p:cNvSpPr>
           <p:nvPr>
-            <p:ph idx="1"/>
-          </p:nvPr>
-        </p:nvSpPr>
-        <p:spPr/>
-        <p:txBody>
-          <a:bodyPr/>
-          <a:lstStyle/>
-          <a:p/>
-        </p:txBody>
-      </p:sp>
-      <p:sp>
-        <p:nvSpPr>
-          <p:cNvPr id="3" name="Content Placeholder 2"/>
-          <p:cNvSpPr>
-            <a:spLocks noGrp="1"/>
-          </p:cNvSpPr>
-          <p:nvPr>
-            <p:ph idx="1"/>
+            <p:ph idx="10" sz="quarter"/>
           </p:nvPr>
         </p:nvSpPr>
         <p:spPr>
           <a:xfrm>
-            <a:off x="6912864" y="3730752"/>
+            <a:off x="6912864" y="1828800"/>
             <a:ext cx="2834640" cy="914400"/>
           </a:xfrm>
         </p:spPr>
@@ -12591,12 +12532,12 @@
             <a:spLocks noGrp="1"/>
           </p:cNvSpPr>
           <p:nvPr>
-            <p:ph idx="1"/>
+            <p:ph idx="10" sz="quarter"/>
           </p:nvPr>
         </p:nvSpPr>
         <p:spPr>
           <a:xfrm>
-            <a:off x="11018520" y="3730752"/>
+            <a:off x="11018520" y="1828800"/>
             <a:ext cx="2834640" cy="914400"/>
           </a:xfrm>
         </p:spPr>
@@ -12617,12 +12558,12 @@
             <a:spLocks noGrp="1"/>
           </p:cNvSpPr>
           <p:nvPr>
-            <p:ph idx="1"/>
+            <p:ph idx="10" sz="quarter"/>
           </p:nvPr>
         </p:nvSpPr>
         <p:spPr>
           <a:xfrm>
-            <a:off x="6912864" y="4727448"/>
+            <a:off x="6912864" y="2743200"/>
             <a:ext cx="2834640" cy="914400"/>
           </a:xfrm>
         </p:spPr>
@@ -12643,12 +12584,12 @@
             <a:spLocks noGrp="1"/>
           </p:cNvSpPr>
           <p:nvPr>
-            <p:ph idx="1"/>
+            <p:ph idx="10" sz="quarter"/>
           </p:nvPr>
         </p:nvSpPr>
         <p:spPr>
           <a:xfrm>
-            <a:off x="11018520" y="4727448"/>
+            <a:off x="11018520" y="2743200"/>
             <a:ext cx="2834640" cy="914400"/>
           </a:xfrm>
         </p:spPr>
@@ -12669,12 +12610,12 @@
             <a:spLocks noGrp="1"/>
           </p:cNvSpPr>
           <p:nvPr>
-            <p:ph idx="1"/>
+            <p:ph idx="10" sz="quarter"/>
           </p:nvPr>
         </p:nvSpPr>
         <p:spPr>
           <a:xfrm>
-            <a:off x="6912864" y="5724144"/>
+            <a:off x="6912864" y="3657600"/>
             <a:ext cx="2834640" cy="914400"/>
           </a:xfrm>
         </p:spPr>
@@ -12695,12 +12636,12 @@
             <a:spLocks noGrp="1"/>
           </p:cNvSpPr>
           <p:nvPr>
-            <p:ph idx="1"/>
+            <p:ph idx="10" sz="quarter"/>
           </p:nvPr>
         </p:nvSpPr>
         <p:spPr>
           <a:xfrm>
-            <a:off x="11018520" y="5724144"/>
+            <a:off x="11018520" y="3657600"/>
             <a:ext cx="2834640" cy="914400"/>
           </a:xfrm>
         </p:spPr>
@@ -12721,12 +12662,12 @@
             <a:spLocks noGrp="1"/>
           </p:cNvSpPr>
           <p:nvPr>
-            <p:ph idx="1"/>
+            <p:ph idx="10" sz="quarter"/>
           </p:nvPr>
         </p:nvSpPr>
         <p:spPr>
           <a:xfrm>
-            <a:off x="6912864" y="6720840"/>
+            <a:off x="6912864" y="4572000"/>
             <a:ext cx="2834640" cy="914400"/>
           </a:xfrm>
         </p:spPr>
@@ -12747,12 +12688,12 @@
             <a:spLocks noGrp="1"/>
           </p:cNvSpPr>
           <p:nvPr>
-            <p:ph idx="1"/>
+            <p:ph idx="10" sz="quarter"/>
           </p:nvPr>
         </p:nvSpPr>
         <p:spPr>
           <a:xfrm>
-            <a:off x="11018520" y="6720840"/>
+            <a:off x="11018520" y="4572000"/>
             <a:ext cx="2834640" cy="914400"/>
           </a:xfrm>
         </p:spPr>
@@ -12773,12 +12714,12 @@
             <a:spLocks noGrp="1"/>
           </p:cNvSpPr>
           <p:nvPr>
-            <p:ph idx="1"/>
+            <p:ph idx="10" sz="quarter"/>
           </p:nvPr>
         </p:nvSpPr>
         <p:spPr>
           <a:xfrm>
-            <a:off x="6912864" y="7717536"/>
+            <a:off x="6912864" y="5486400"/>
             <a:ext cx="2834640" cy="914400"/>
           </a:xfrm>
         </p:spPr>
@@ -12799,12 +12740,12 @@
             <a:spLocks noGrp="1"/>
           </p:cNvSpPr>
           <p:nvPr>
-            <p:ph idx="1"/>
+            <p:ph idx="10" sz="quarter"/>
           </p:nvPr>
         </p:nvSpPr>
         <p:spPr>
           <a:xfrm>
-            <a:off x="11018520" y="7717536"/>
+            <a:off x="11018520" y="5486400"/>
             <a:ext cx="2834640" cy="914400"/>
           </a:xfrm>
         </p:spPr>
@@ -14031,29 +13972,12 @@
             <a:spLocks noGrp="1"/>
           </p:cNvSpPr>
           <p:nvPr>
-            <p:ph idx="1"/>
-          </p:nvPr>
-        </p:nvSpPr>
-        <p:spPr/>
-        <p:txBody>
-          <a:bodyPr/>
-          <a:lstStyle/>
-          <a:p/>
-        </p:txBody>
-      </p:sp>
-      <p:sp>
-        <p:nvSpPr>
-          <p:cNvPr id="3" name="Content Placeholder 2"/>
-          <p:cNvSpPr>
-            <a:spLocks noGrp="1"/>
-          </p:cNvSpPr>
-          <p:nvPr>
-            <p:ph idx="1"/>
+            <p:ph idx="10" sz="quarter"/>
           </p:nvPr>
         </p:nvSpPr>
         <p:spPr>
           <a:xfrm>
-            <a:off x="6912864" y="3730752"/>
+            <a:off x="6912864" y="1828800"/>
             <a:ext cx="2834640" cy="914400"/>
           </a:xfrm>
         </p:spPr>
@@ -14074,12 +13998,12 @@
             <a:spLocks noGrp="1"/>
           </p:cNvSpPr>
           <p:nvPr>
-            <p:ph idx="1"/>
+            <p:ph idx="10" sz="quarter"/>
           </p:nvPr>
         </p:nvSpPr>
         <p:spPr>
           <a:xfrm>
-            <a:off x="11018520" y="3730752"/>
+            <a:off x="11018520" y="1828800"/>
             <a:ext cx="2834640" cy="914400"/>
           </a:xfrm>
         </p:spPr>
@@ -14100,12 +14024,12 @@
             <a:spLocks noGrp="1"/>
           </p:cNvSpPr>
           <p:nvPr>
-            <p:ph idx="1"/>
+            <p:ph idx="10" sz="quarter"/>
           </p:nvPr>
         </p:nvSpPr>
         <p:spPr>
           <a:xfrm>
-            <a:off x="6912864" y="4727448"/>
+            <a:off x="6912864" y="2743200"/>
             <a:ext cx="2834640" cy="914400"/>
           </a:xfrm>
         </p:spPr>
@@ -14126,12 +14050,12 @@
             <a:spLocks noGrp="1"/>
           </p:cNvSpPr>
           <p:nvPr>
-            <p:ph idx="1"/>
+            <p:ph idx="10" sz="quarter"/>
           </p:nvPr>
         </p:nvSpPr>
         <p:spPr>
           <a:xfrm>
-            <a:off x="11018520" y="4727448"/>
+            <a:off x="11018520" y="2743200"/>
             <a:ext cx="2834640" cy="914400"/>
           </a:xfrm>
         </p:spPr>
@@ -14152,12 +14076,12 @@
             <a:spLocks noGrp="1"/>
           </p:cNvSpPr>
           <p:nvPr>
-            <p:ph idx="1"/>
+            <p:ph idx="10" sz="quarter"/>
           </p:nvPr>
         </p:nvSpPr>
         <p:spPr>
           <a:xfrm>
-            <a:off x="6912864" y="5724144"/>
+            <a:off x="6912864" y="3657600"/>
             <a:ext cx="2834640" cy="914400"/>
           </a:xfrm>
         </p:spPr>
@@ -14178,12 +14102,12 @@
             <a:spLocks noGrp="1"/>
           </p:cNvSpPr>
           <p:nvPr>
-            <p:ph idx="1"/>
+            <p:ph idx="10" sz="quarter"/>
           </p:nvPr>
         </p:nvSpPr>
         <p:spPr>
           <a:xfrm>
-            <a:off x="11018520" y="5724144"/>
+            <a:off x="11018520" y="3657600"/>
             <a:ext cx="2834640" cy="914400"/>
           </a:xfrm>
         </p:spPr>
@@ -14204,12 +14128,12 @@
             <a:spLocks noGrp="1"/>
           </p:cNvSpPr>
           <p:nvPr>
-            <p:ph idx="1"/>
+            <p:ph idx="10" sz="quarter"/>
           </p:nvPr>
         </p:nvSpPr>
         <p:spPr>
           <a:xfrm>
-            <a:off x="6912864" y="6720840"/>
+            <a:off x="6912864" y="4572000"/>
             <a:ext cx="2834640" cy="914400"/>
           </a:xfrm>
         </p:spPr>
@@ -14230,12 +14154,12 @@
             <a:spLocks noGrp="1"/>
           </p:cNvSpPr>
           <p:nvPr>
-            <p:ph idx="1"/>
+            <p:ph idx="10" sz="quarter"/>
           </p:nvPr>
         </p:nvSpPr>
         <p:spPr>
           <a:xfrm>
-            <a:off x="11018520" y="6720840"/>
+            <a:off x="11018520" y="4572000"/>
             <a:ext cx="2834640" cy="914400"/>
           </a:xfrm>
         </p:spPr>
@@ -14256,12 +14180,12 @@
             <a:spLocks noGrp="1"/>
           </p:cNvSpPr>
           <p:nvPr>
-            <p:ph idx="1"/>
+            <p:ph idx="10" sz="quarter"/>
           </p:nvPr>
         </p:nvSpPr>
         <p:spPr>
           <a:xfrm>
-            <a:off x="6912864" y="7717536"/>
+            <a:off x="6912864" y="5486400"/>
             <a:ext cx="2834640" cy="914400"/>
           </a:xfrm>
         </p:spPr>
@@ -14282,12 +14206,12 @@
             <a:spLocks noGrp="1"/>
           </p:cNvSpPr>
           <p:nvPr>
-            <p:ph idx="1"/>
+            <p:ph idx="10" sz="quarter"/>
           </p:nvPr>
         </p:nvSpPr>
         <p:spPr>
           <a:xfrm>
-            <a:off x="11018520" y="7717536"/>
+            <a:off x="11018520" y="5486400"/>
             <a:ext cx="2834640" cy="914400"/>
           </a:xfrm>
         </p:spPr>
@@ -15420,29 +15344,12 @@
             <a:spLocks noGrp="1"/>
           </p:cNvSpPr>
           <p:nvPr>
-            <p:ph idx="1"/>
-          </p:nvPr>
-        </p:nvSpPr>
-        <p:spPr/>
-        <p:txBody>
-          <a:bodyPr/>
-          <a:lstStyle/>
-          <a:p/>
-        </p:txBody>
-      </p:sp>
-      <p:sp>
-        <p:nvSpPr>
-          <p:cNvPr id="3" name="Content Placeholder 2"/>
-          <p:cNvSpPr>
-            <a:spLocks noGrp="1"/>
-          </p:cNvSpPr>
-          <p:nvPr>
-            <p:ph idx="1"/>
+            <p:ph idx="10" sz="quarter"/>
           </p:nvPr>
         </p:nvSpPr>
         <p:spPr>
           <a:xfrm>
-            <a:off x="6912864" y="3730752"/>
+            <a:off x="6912864" y="1828800"/>
             <a:ext cx="2834640" cy="914400"/>
           </a:xfrm>
         </p:spPr>
@@ -15463,12 +15370,12 @@
             <a:spLocks noGrp="1"/>
           </p:cNvSpPr>
           <p:nvPr>
-            <p:ph idx="1"/>
+            <p:ph idx="10" sz="quarter"/>
           </p:nvPr>
         </p:nvSpPr>
         <p:spPr>
           <a:xfrm>
-            <a:off x="11018520" y="3730752"/>
+            <a:off x="11018520" y="1828800"/>
             <a:ext cx="2834640" cy="914400"/>
           </a:xfrm>
         </p:spPr>
@@ -15489,12 +15396,12 @@
             <a:spLocks noGrp="1"/>
           </p:cNvSpPr>
           <p:nvPr>
-            <p:ph idx="1"/>
+            <p:ph idx="10" sz="quarter"/>
           </p:nvPr>
         </p:nvSpPr>
         <p:spPr>
           <a:xfrm>
-            <a:off x="6912864" y="4727448"/>
+            <a:off x="6912864" y="2743200"/>
             <a:ext cx="2834640" cy="914400"/>
           </a:xfrm>
         </p:spPr>
@@ -15515,12 +15422,12 @@
             <a:spLocks noGrp="1"/>
           </p:cNvSpPr>
           <p:nvPr>
-            <p:ph idx="1"/>
+            <p:ph idx="10" sz="quarter"/>
           </p:nvPr>
         </p:nvSpPr>
         <p:spPr>
           <a:xfrm>
-            <a:off x="11018520" y="4727448"/>
+            <a:off x="11018520" y="2743200"/>
             <a:ext cx="2834640" cy="914400"/>
           </a:xfrm>
         </p:spPr>
@@ -15541,12 +15448,12 @@
             <a:spLocks noGrp="1"/>
           </p:cNvSpPr>
           <p:nvPr>
-            <p:ph idx="1"/>
+            <p:ph idx="10" sz="quarter"/>
           </p:nvPr>
         </p:nvSpPr>
         <p:spPr>
           <a:xfrm>
-            <a:off x="6912864" y="5724144"/>
+            <a:off x="6912864" y="3657600"/>
             <a:ext cx="2834640" cy="914400"/>
           </a:xfrm>
         </p:spPr>
@@ -15567,12 +15474,12 @@
             <a:spLocks noGrp="1"/>
           </p:cNvSpPr>
           <p:nvPr>
-            <p:ph idx="1"/>
+            <p:ph idx="10" sz="quarter"/>
           </p:nvPr>
         </p:nvSpPr>
         <p:spPr>
           <a:xfrm>
-            <a:off x="11018520" y="5724144"/>
+            <a:off x="11018520" y="3657600"/>
             <a:ext cx="2834640" cy="914400"/>
           </a:xfrm>
         </p:spPr>
@@ -15593,12 +15500,12 @@
             <a:spLocks noGrp="1"/>
           </p:cNvSpPr>
           <p:nvPr>
-            <p:ph idx="1"/>
+            <p:ph idx="10" sz="quarter"/>
           </p:nvPr>
         </p:nvSpPr>
         <p:spPr>
           <a:xfrm>
-            <a:off x="6912864" y="6720840"/>
+            <a:off x="6912864" y="4572000"/>
             <a:ext cx="2834640" cy="914400"/>
           </a:xfrm>
         </p:spPr>
@@ -15619,12 +15526,12 @@
             <a:spLocks noGrp="1"/>
           </p:cNvSpPr>
           <p:nvPr>
-            <p:ph idx="1"/>
+            <p:ph idx="10" sz="quarter"/>
           </p:nvPr>
         </p:nvSpPr>
         <p:spPr>
           <a:xfrm>
-            <a:off x="11018520" y="6720840"/>
+            <a:off x="11018520" y="4572000"/>
             <a:ext cx="2834640" cy="914400"/>
           </a:xfrm>
         </p:spPr>
@@ -15645,12 +15552,12 @@
             <a:spLocks noGrp="1"/>
           </p:cNvSpPr>
           <p:nvPr>
-            <p:ph idx="1"/>
+            <p:ph idx="10" sz="quarter"/>
           </p:nvPr>
         </p:nvSpPr>
         <p:spPr>
           <a:xfrm>
-            <a:off x="6912864" y="7717536"/>
+            <a:off x="6912864" y="5486400"/>
             <a:ext cx="2834640" cy="914400"/>
           </a:xfrm>
         </p:spPr>
@@ -15671,12 +15578,12 @@
             <a:spLocks noGrp="1"/>
           </p:cNvSpPr>
           <p:nvPr>
-            <p:ph idx="1"/>
+            <p:ph idx="10" sz="quarter"/>
           </p:nvPr>
         </p:nvSpPr>
         <p:spPr>
           <a:xfrm>
-            <a:off x="11018520" y="7717536"/>
+            <a:off x="11018520" y="5486400"/>
             <a:ext cx="2834640" cy="914400"/>
           </a:xfrm>
         </p:spPr>

--- a/VGMC 2022 Spring Slides.pptx
+++ b/VGMC 2022 Spring Slides.pptx
@@ -18,55 +18,6 @@
     <p:sldId id="266" r:id="rId16"/>
     <p:sldId id="267" r:id="rId17"/>
     <p:sldId id="268" r:id="rId18"/>
-    <p:sldId id="269" r:id="rId19"/>
-    <p:sldId id="270" r:id="rId20"/>
-    <p:sldId id="271" r:id="rId21"/>
-    <p:sldId id="272" r:id="rId22"/>
-    <p:sldId id="273" r:id="rId23"/>
-    <p:sldId id="274" r:id="rId24"/>
-    <p:sldId id="275" r:id="rId25"/>
-    <p:sldId id="276" r:id="rId26"/>
-    <p:sldId id="277" r:id="rId27"/>
-    <p:sldId id="278" r:id="rId28"/>
-    <p:sldId id="279" r:id="rId29"/>
-    <p:sldId id="280" r:id="rId30"/>
-    <p:sldId id="281" r:id="rId31"/>
-    <p:sldId id="282" r:id="rId32"/>
-    <p:sldId id="283" r:id="rId33"/>
-    <p:sldId id="284" r:id="rId34"/>
-    <p:sldId id="285" r:id="rId35"/>
-    <p:sldId id="286" r:id="rId36"/>
-    <p:sldId id="287" r:id="rId37"/>
-    <p:sldId id="288" r:id="rId38"/>
-    <p:sldId id="289" r:id="rId39"/>
-    <p:sldId id="290" r:id="rId40"/>
-    <p:sldId id="291" r:id="rId41"/>
-    <p:sldId id="292" r:id="rId42"/>
-    <p:sldId id="293" r:id="rId43"/>
-    <p:sldId id="294" r:id="rId44"/>
-    <p:sldId id="295" r:id="rId45"/>
-    <p:sldId id="296" r:id="rId46"/>
-    <p:sldId id="297" r:id="rId47"/>
-    <p:sldId id="298" r:id="rId48"/>
-    <p:sldId id="299" r:id="rId49"/>
-    <p:sldId id="300" r:id="rId50"/>
-    <p:sldId id="301" r:id="rId51"/>
-    <p:sldId id="302" r:id="rId52"/>
-    <p:sldId id="303" r:id="rId53"/>
-    <p:sldId id="304" r:id="rId54"/>
-    <p:sldId id="305" r:id="rId55"/>
-    <p:sldId id="306" r:id="rId56"/>
-    <p:sldId id="307" r:id="rId57"/>
-    <p:sldId id="308" r:id="rId58"/>
-    <p:sldId id="309" r:id="rId59"/>
-    <p:sldId id="310" r:id="rId60"/>
-    <p:sldId id="311" r:id="rId61"/>
-    <p:sldId id="312" r:id="rId62"/>
-    <p:sldId id="313" r:id="rId63"/>
-    <p:sldId id="314" r:id="rId64"/>
-    <p:sldId id="315" r:id="rId65"/>
-    <p:sldId id="316" r:id="rId66"/>
-    <p:sldId id="317" r:id="rId67"/>
   </p:sldIdLst>
   <p:sldSz cx="14630400" cy="8229600"/>
   <p:notesSz cx="6858000" cy="9144000"/>
@@ -9694,14 +9645,14 @@
           <a:lstStyle/>
           <a:p>
             <a:r>
-              <a:t>Track 10</a:t>
+              <a:t>Round 1 Review</a:t>
             </a:r>
           </a:p>
         </p:txBody>
       </p:sp>
       <p:pic>
         <p:nvPicPr>
-          <p:cNvPr id="3" name="movie.vid">
+          <p:cNvPr id="4" name="movie.vid">
             <a:hlinkClick r:id="" action="ppaction://media"/>
           </p:cNvPr>
           <p:cNvPicPr>
@@ -9724,75 +9675,14 @@
         </p:blipFill>
         <p:spPr>
           <a:xfrm>
-            <a:off x="7315200" y="1371600"/>
-            <a:ext cx="5486400" cy="5486400"/>
+            <a:off x="5943600" y="914400"/>
+            <a:ext cx="914400" cy="914400"/>
           </a:xfrm>
           <a:prstGeom prst="rect">
             <a:avLst/>
           </a:prstGeom>
         </p:spPr>
       </p:pic>
-    </p:spTree>
-  </p:cSld>
-  <p:clrMapOvr>
-    <a:masterClrMapping/>
-  </p:clrMapOvr>
-  <p:timing>
-    <p:tnLst>
-      <p:par>
-        <p:cTn id="1" dur="indefinite" restart="never" nodeType="tmRoot">
-          <p:childTnLst>
-            <p:video>
-              <p:cMediaNode vol="80000">
-                <p:cTn id="2" fill="hold" display="0">
-                  <p:stCondLst>
-                    <p:cond delay="indefinite"/>
-                  </p:stCondLst>
-                </p:cTn>
-                <p:tgtEl>
-                  <p:spTgt spid="3"/>
-                </p:tgtEl>
-              </p:cMediaNode>
-            </p:video>
-          </p:childTnLst>
-        </p:cTn>
-      </p:par>
-    </p:tnLst>
-  </p:timing>
-</p:sld>
-</file>
-
-<file path=ppt/slides/slide14.xml><?xml version="1.0" encoding="utf-8"?>
-<p:sld xmlns:a="http://schemas.openxmlformats.org/drawingml/2006/main" xmlns:p="http://schemas.openxmlformats.org/presentationml/2006/main" xmlns:r="http://schemas.openxmlformats.org/officeDocument/2006/relationships">
-  <p:cSld>
-    <p:spTree>
-      <p:nvGrpSpPr>
-        <p:cNvPr id="1" name=""/>
-        <p:cNvGrpSpPr/>
-        <p:nvPr/>
-      </p:nvGrpSpPr>
-      <p:grpSpPr/>
-      <p:sp>
-        <p:nvSpPr>
-          <p:cNvPr id="2" name="Title 1"/>
-          <p:cNvSpPr>
-            <a:spLocks noGrp="1"/>
-          </p:cNvSpPr>
-          <p:nvPr>
-            <p:ph type="title"/>
-          </p:nvPr>
-        </p:nvSpPr>
-        <p:spPr/>
-        <p:txBody>
-          <a:bodyPr/>
-          <a:lstStyle/>
-          <a:p>
-            <a:r>
-              <a:t>Round 1 Review</a:t>
-            </a:r>
-          </a:p>
-        </p:txBody>
-      </p:sp>
       <p:sp>
         <p:nvSpPr>
           <p:cNvPr id="3" name="Content Placeholder 2"/>
@@ -9805,7 +9695,7 @@
         </p:nvSpPr>
         <p:spPr>
           <a:xfrm>
-            <a:off x="6912864" y="1828800"/>
+            <a:off x="6858000" y="914400"/>
             <a:ext cx="2834640" cy="914400"/>
           </a:xfrm>
         </p:spPr>
@@ -9819,321 +9709,9 @@
           </a:p>
         </p:txBody>
       </p:sp>
-      <p:sp>
-        <p:nvSpPr>
-          <p:cNvPr id="3" name="Content Placeholder 2"/>
-          <p:cNvSpPr>
-            <a:spLocks noGrp="1"/>
-          </p:cNvSpPr>
-          <p:nvPr>
-            <p:ph idx="10" sz="quarter"/>
-          </p:nvPr>
-        </p:nvSpPr>
-        <p:spPr>
-          <a:xfrm>
-            <a:off x="11018520" y="1828800"/>
-            <a:ext cx="2834640" cy="914400"/>
-          </a:xfrm>
-        </p:spPr>
-        <p:txBody>
-          <a:bodyPr/>
-          <a:lstStyle/>
-          <a:p>
-            <a:r>
-              <a:t> Track 2</a:t>
-            </a:r>
-          </a:p>
-        </p:txBody>
-      </p:sp>
-      <p:sp>
-        <p:nvSpPr>
-          <p:cNvPr id="3" name="Content Placeholder 2"/>
-          <p:cNvSpPr>
-            <a:spLocks noGrp="1"/>
-          </p:cNvSpPr>
-          <p:nvPr>
-            <p:ph idx="10" sz="quarter"/>
-          </p:nvPr>
-        </p:nvSpPr>
-        <p:spPr>
-          <a:xfrm>
-            <a:off x="6912864" y="2743200"/>
-            <a:ext cx="2834640" cy="914400"/>
-          </a:xfrm>
-        </p:spPr>
-        <p:txBody>
-          <a:bodyPr/>
-          <a:lstStyle/>
-          <a:p>
-            <a:r>
-              <a:t> Track 3</a:t>
-            </a:r>
-          </a:p>
-        </p:txBody>
-      </p:sp>
-      <p:sp>
-        <p:nvSpPr>
-          <p:cNvPr id="3" name="Content Placeholder 2"/>
-          <p:cNvSpPr>
-            <a:spLocks noGrp="1"/>
-          </p:cNvSpPr>
-          <p:nvPr>
-            <p:ph idx="10" sz="quarter"/>
-          </p:nvPr>
-        </p:nvSpPr>
-        <p:spPr>
-          <a:xfrm>
-            <a:off x="11018520" y="2743200"/>
-            <a:ext cx="2834640" cy="914400"/>
-          </a:xfrm>
-        </p:spPr>
-        <p:txBody>
-          <a:bodyPr/>
-          <a:lstStyle/>
-          <a:p>
-            <a:r>
-              <a:t> Track 4</a:t>
-            </a:r>
-          </a:p>
-        </p:txBody>
-      </p:sp>
-      <p:sp>
-        <p:nvSpPr>
-          <p:cNvPr id="3" name="Content Placeholder 2"/>
-          <p:cNvSpPr>
-            <a:spLocks noGrp="1"/>
-          </p:cNvSpPr>
-          <p:nvPr>
-            <p:ph idx="10" sz="quarter"/>
-          </p:nvPr>
-        </p:nvSpPr>
-        <p:spPr>
-          <a:xfrm>
-            <a:off x="6912864" y="3657600"/>
-            <a:ext cx="2834640" cy="914400"/>
-          </a:xfrm>
-        </p:spPr>
-        <p:txBody>
-          <a:bodyPr/>
-          <a:lstStyle/>
-          <a:p>
-            <a:r>
-              <a:t> Track 5</a:t>
-            </a:r>
-          </a:p>
-        </p:txBody>
-      </p:sp>
-      <p:sp>
-        <p:nvSpPr>
-          <p:cNvPr id="3" name="Content Placeholder 2"/>
-          <p:cNvSpPr>
-            <a:spLocks noGrp="1"/>
-          </p:cNvSpPr>
-          <p:nvPr>
-            <p:ph idx="10" sz="quarter"/>
-          </p:nvPr>
-        </p:nvSpPr>
-        <p:spPr>
-          <a:xfrm>
-            <a:off x="11018520" y="3657600"/>
-            <a:ext cx="2834640" cy="914400"/>
-          </a:xfrm>
-        </p:spPr>
-        <p:txBody>
-          <a:bodyPr/>
-          <a:lstStyle/>
-          <a:p>
-            <a:r>
-              <a:t> Track 6</a:t>
-            </a:r>
-          </a:p>
-        </p:txBody>
-      </p:sp>
-      <p:sp>
-        <p:nvSpPr>
-          <p:cNvPr id="3" name="Content Placeholder 2"/>
-          <p:cNvSpPr>
-            <a:spLocks noGrp="1"/>
-          </p:cNvSpPr>
-          <p:nvPr>
-            <p:ph idx="10" sz="quarter"/>
-          </p:nvPr>
-        </p:nvSpPr>
-        <p:spPr>
-          <a:xfrm>
-            <a:off x="6912864" y="4572000"/>
-            <a:ext cx="2834640" cy="914400"/>
-          </a:xfrm>
-        </p:spPr>
-        <p:txBody>
-          <a:bodyPr/>
-          <a:lstStyle/>
-          <a:p>
-            <a:r>
-              <a:t> Track 7</a:t>
-            </a:r>
-          </a:p>
-        </p:txBody>
-      </p:sp>
-      <p:sp>
-        <p:nvSpPr>
-          <p:cNvPr id="3" name="Content Placeholder 2"/>
-          <p:cNvSpPr>
-            <a:spLocks noGrp="1"/>
-          </p:cNvSpPr>
-          <p:nvPr>
-            <p:ph idx="10" sz="quarter"/>
-          </p:nvPr>
-        </p:nvSpPr>
-        <p:spPr>
-          <a:xfrm>
-            <a:off x="11018520" y="4572000"/>
-            <a:ext cx="2834640" cy="914400"/>
-          </a:xfrm>
-        </p:spPr>
-        <p:txBody>
-          <a:bodyPr/>
-          <a:lstStyle/>
-          <a:p>
-            <a:r>
-              <a:t> Track 8</a:t>
-            </a:r>
-          </a:p>
-        </p:txBody>
-      </p:sp>
-      <p:sp>
-        <p:nvSpPr>
-          <p:cNvPr id="3" name="Content Placeholder 2"/>
-          <p:cNvSpPr>
-            <a:spLocks noGrp="1"/>
-          </p:cNvSpPr>
-          <p:nvPr>
-            <p:ph idx="10" sz="quarter"/>
-          </p:nvPr>
-        </p:nvSpPr>
-        <p:spPr>
-          <a:xfrm>
-            <a:off x="6912864" y="5486400"/>
-            <a:ext cx="2834640" cy="914400"/>
-          </a:xfrm>
-        </p:spPr>
-        <p:txBody>
-          <a:bodyPr/>
-          <a:lstStyle/>
-          <a:p>
-            <a:r>
-              <a:t> Track 9</a:t>
-            </a:r>
-          </a:p>
-        </p:txBody>
-      </p:sp>
-      <p:sp>
-        <p:nvSpPr>
-          <p:cNvPr id="3" name="Content Placeholder 2"/>
-          <p:cNvSpPr>
-            <a:spLocks noGrp="1"/>
-          </p:cNvSpPr>
-          <p:nvPr>
-            <p:ph idx="10" sz="quarter"/>
-          </p:nvPr>
-        </p:nvSpPr>
-        <p:spPr>
-          <a:xfrm>
-            <a:off x="11018520" y="5486400"/>
-            <a:ext cx="2834640" cy="914400"/>
-          </a:xfrm>
-        </p:spPr>
-        <p:txBody>
-          <a:bodyPr/>
-          <a:lstStyle/>
-          <a:p>
-            <a:r>
-              <a:t> Track 10</a:t>
-            </a:r>
-          </a:p>
-        </p:txBody>
-      </p:sp>
-    </p:spTree>
-  </p:cSld>
-  <p:clrMapOvr>
-    <a:masterClrMapping/>
-  </p:clrMapOvr>
-</p:sld>
-</file>
-
-<file path=ppt/slides/slide15.xml><?xml version="1.0" encoding="utf-8"?>
-<p:sld xmlns:a="http://schemas.openxmlformats.org/drawingml/2006/main" xmlns:p="http://schemas.openxmlformats.org/presentationml/2006/main" xmlns:r="http://schemas.openxmlformats.org/officeDocument/2006/relationships">
-  <p:cSld>
-    <p:spTree>
-      <p:nvGrpSpPr>
-        <p:cNvPr id="1" name=""/>
-        <p:cNvGrpSpPr/>
-        <p:nvPr/>
-      </p:nvGrpSpPr>
-      <p:grpSpPr/>
-      <p:sp>
-        <p:nvSpPr>
-          <p:cNvPr id="2" name="Title 1"/>
-          <p:cNvSpPr>
-            <a:spLocks noGrp="1"/>
-          </p:cNvSpPr>
-          <p:nvPr>
-            <p:ph type="title"/>
-          </p:nvPr>
-        </p:nvSpPr>
-        <p:spPr/>
-        <p:txBody>
-          <a:bodyPr/>
-          <a:lstStyle/>
-          <a:p>
-            <a:r>
-              <a:t>Round 2</a:t>
-            </a:r>
-          </a:p>
-        </p:txBody>
-      </p:sp>
-    </p:spTree>
-  </p:cSld>
-  <p:clrMapOvr>
-    <a:masterClrMapping/>
-  </p:clrMapOvr>
-</p:sld>
-</file>
-
-<file path=ppt/slides/slide16.xml><?xml version="1.0" encoding="utf-8"?>
-<p:sld xmlns:a="http://schemas.openxmlformats.org/drawingml/2006/main" xmlns:p="http://schemas.openxmlformats.org/presentationml/2006/main" xmlns:r="http://schemas.openxmlformats.org/officeDocument/2006/relationships">
-  <p:cSld>
-    <p:spTree>
-      <p:nvGrpSpPr>
-        <p:cNvPr id="1" name=""/>
-        <p:cNvGrpSpPr/>
-        <p:nvPr/>
-      </p:nvGrpSpPr>
-      <p:grpSpPr/>
-      <p:sp>
-        <p:nvSpPr>
-          <p:cNvPr id="2" name="Title 1"/>
-          <p:cNvSpPr>
-            <a:spLocks noGrp="1"/>
-          </p:cNvSpPr>
-          <p:nvPr>
-            <p:ph type="title"/>
-          </p:nvPr>
-        </p:nvSpPr>
-        <p:spPr/>
-        <p:txBody>
-          <a:bodyPr/>
-          <a:lstStyle/>
-          <a:p>
-            <a:r>
-              <a:t>Track 1</a:t>
-            </a:r>
-          </a:p>
-        </p:txBody>
-      </p:sp>
       <p:pic>
         <p:nvPicPr>
-          <p:cNvPr id="3" name="movie.vid">
+          <p:cNvPr id="5" name="movie.vid">
             <a:hlinkClick r:id="" action="ppaction://media"/>
           </p:cNvPr>
           <p:cNvPicPr>
@@ -10156,78 +9734,43 @@
         </p:blipFill>
         <p:spPr>
           <a:xfrm>
-            <a:off x="7315200" y="1371600"/>
-            <a:ext cx="5486400" cy="5486400"/>
+            <a:off x="10058400" y="914400"/>
+            <a:ext cx="914400" cy="914400"/>
           </a:xfrm>
           <a:prstGeom prst="rect">
             <a:avLst/>
           </a:prstGeom>
         </p:spPr>
       </p:pic>
-    </p:spTree>
-  </p:cSld>
-  <p:clrMapOvr>
-    <a:masterClrMapping/>
-  </p:clrMapOvr>
-  <p:timing>
-    <p:tnLst>
-      <p:par>
-        <p:cTn id="1" dur="indefinite" restart="never" nodeType="tmRoot">
-          <p:childTnLst>
-            <p:video>
-              <p:cMediaNode vol="80000">
-                <p:cTn id="2" fill="hold" display="0">
-                  <p:stCondLst>
-                    <p:cond delay="indefinite"/>
-                  </p:stCondLst>
-                </p:cTn>
-                <p:tgtEl>
-                  <p:spTgt spid="3"/>
-                </p:tgtEl>
-              </p:cMediaNode>
-            </p:video>
-          </p:childTnLst>
-        </p:cTn>
-      </p:par>
-    </p:tnLst>
-  </p:timing>
-</p:sld>
-</file>
-
-<file path=ppt/slides/slide17.xml><?xml version="1.0" encoding="utf-8"?>
-<p:sld xmlns:a="http://schemas.openxmlformats.org/drawingml/2006/main" xmlns:p="http://schemas.openxmlformats.org/presentationml/2006/main" xmlns:r="http://schemas.openxmlformats.org/officeDocument/2006/relationships">
-  <p:cSld>
-    <p:spTree>
-      <p:nvGrpSpPr>
-        <p:cNvPr id="1" name=""/>
-        <p:cNvGrpSpPr/>
-        <p:nvPr/>
-      </p:nvGrpSpPr>
-      <p:grpSpPr/>
       <p:sp>
         <p:nvSpPr>
-          <p:cNvPr id="2" name="Title 1"/>
+          <p:cNvPr id="3" name="Content Placeholder 2"/>
           <p:cNvSpPr>
             <a:spLocks noGrp="1"/>
           </p:cNvSpPr>
           <p:nvPr>
-            <p:ph type="title"/>
+            <p:ph idx="10" sz="quarter"/>
           </p:nvPr>
         </p:nvSpPr>
-        <p:spPr/>
+        <p:spPr>
+          <a:xfrm>
+            <a:off x="10972800" y="914400"/>
+            <a:ext cx="2834640" cy="914400"/>
+          </a:xfrm>
+        </p:spPr>
         <p:txBody>
           <a:bodyPr/>
           <a:lstStyle/>
           <a:p>
             <a:r>
-              <a:t>Track 2</a:t>
+              <a:t> Track 2</a:t>
             </a:r>
           </a:p>
         </p:txBody>
       </p:sp>
       <p:pic>
         <p:nvPicPr>
-          <p:cNvPr id="3" name="movie.vid">
+          <p:cNvPr id="6" name="movie.vid">
             <a:hlinkClick r:id="" action="ppaction://media"/>
           </p:cNvPr>
           <p:cNvPicPr>
@@ -10250,78 +9793,43 @@
         </p:blipFill>
         <p:spPr>
           <a:xfrm>
-            <a:off x="7315200" y="1371600"/>
-            <a:ext cx="5486400" cy="5486400"/>
+            <a:off x="5943600" y="2286000"/>
+            <a:ext cx="914400" cy="914400"/>
           </a:xfrm>
           <a:prstGeom prst="rect">
             <a:avLst/>
           </a:prstGeom>
         </p:spPr>
       </p:pic>
-    </p:spTree>
-  </p:cSld>
-  <p:clrMapOvr>
-    <a:masterClrMapping/>
-  </p:clrMapOvr>
-  <p:timing>
-    <p:tnLst>
-      <p:par>
-        <p:cTn id="1" dur="indefinite" restart="never" nodeType="tmRoot">
-          <p:childTnLst>
-            <p:video>
-              <p:cMediaNode vol="80000">
-                <p:cTn id="2" fill="hold" display="0">
-                  <p:stCondLst>
-                    <p:cond delay="indefinite"/>
-                  </p:stCondLst>
-                </p:cTn>
-                <p:tgtEl>
-                  <p:spTgt spid="3"/>
-                </p:tgtEl>
-              </p:cMediaNode>
-            </p:video>
-          </p:childTnLst>
-        </p:cTn>
-      </p:par>
-    </p:tnLst>
-  </p:timing>
-</p:sld>
-</file>
-
-<file path=ppt/slides/slide18.xml><?xml version="1.0" encoding="utf-8"?>
-<p:sld xmlns:a="http://schemas.openxmlformats.org/drawingml/2006/main" xmlns:p="http://schemas.openxmlformats.org/presentationml/2006/main" xmlns:r="http://schemas.openxmlformats.org/officeDocument/2006/relationships">
-  <p:cSld>
-    <p:spTree>
-      <p:nvGrpSpPr>
-        <p:cNvPr id="1" name=""/>
-        <p:cNvGrpSpPr/>
-        <p:nvPr/>
-      </p:nvGrpSpPr>
-      <p:grpSpPr/>
       <p:sp>
         <p:nvSpPr>
-          <p:cNvPr id="2" name="Title 1"/>
+          <p:cNvPr id="3" name="Content Placeholder 2"/>
           <p:cNvSpPr>
             <a:spLocks noGrp="1"/>
           </p:cNvSpPr>
           <p:nvPr>
-            <p:ph type="title"/>
+            <p:ph idx="10" sz="quarter"/>
           </p:nvPr>
         </p:nvSpPr>
-        <p:spPr/>
+        <p:spPr>
+          <a:xfrm>
+            <a:off x="6858000" y="2286000"/>
+            <a:ext cx="2834640" cy="914400"/>
+          </a:xfrm>
+        </p:spPr>
         <p:txBody>
           <a:bodyPr/>
           <a:lstStyle/>
           <a:p>
             <a:r>
-              <a:t>Track 3</a:t>
+              <a:t> Track 3</a:t>
             </a:r>
           </a:p>
         </p:txBody>
       </p:sp>
       <p:pic>
         <p:nvPicPr>
-          <p:cNvPr id="3" name="movie.vid">
+          <p:cNvPr id="7" name="movie.vid">
             <a:hlinkClick r:id="" action="ppaction://media"/>
           </p:cNvPr>
           <p:cNvPicPr>
@@ -10344,78 +9852,43 @@
         </p:blipFill>
         <p:spPr>
           <a:xfrm>
-            <a:off x="7315200" y="1371600"/>
-            <a:ext cx="5486400" cy="5486400"/>
+            <a:off x="10058400" y="2286000"/>
+            <a:ext cx="914400" cy="914400"/>
           </a:xfrm>
           <a:prstGeom prst="rect">
             <a:avLst/>
           </a:prstGeom>
         </p:spPr>
       </p:pic>
-    </p:spTree>
-  </p:cSld>
-  <p:clrMapOvr>
-    <a:masterClrMapping/>
-  </p:clrMapOvr>
-  <p:timing>
-    <p:tnLst>
-      <p:par>
-        <p:cTn id="1" dur="indefinite" restart="never" nodeType="tmRoot">
-          <p:childTnLst>
-            <p:video>
-              <p:cMediaNode vol="80000">
-                <p:cTn id="2" fill="hold" display="0">
-                  <p:stCondLst>
-                    <p:cond delay="indefinite"/>
-                  </p:stCondLst>
-                </p:cTn>
-                <p:tgtEl>
-                  <p:spTgt spid="3"/>
-                </p:tgtEl>
-              </p:cMediaNode>
-            </p:video>
-          </p:childTnLst>
-        </p:cTn>
-      </p:par>
-    </p:tnLst>
-  </p:timing>
-</p:sld>
-</file>
-
-<file path=ppt/slides/slide19.xml><?xml version="1.0" encoding="utf-8"?>
-<p:sld xmlns:a="http://schemas.openxmlformats.org/drawingml/2006/main" xmlns:p="http://schemas.openxmlformats.org/presentationml/2006/main" xmlns:r="http://schemas.openxmlformats.org/officeDocument/2006/relationships">
-  <p:cSld>
-    <p:spTree>
-      <p:nvGrpSpPr>
-        <p:cNvPr id="1" name=""/>
-        <p:cNvGrpSpPr/>
-        <p:nvPr/>
-      </p:nvGrpSpPr>
-      <p:grpSpPr/>
       <p:sp>
         <p:nvSpPr>
-          <p:cNvPr id="2" name="Title 1"/>
+          <p:cNvPr id="3" name="Content Placeholder 2"/>
           <p:cNvSpPr>
             <a:spLocks noGrp="1"/>
           </p:cNvSpPr>
           <p:nvPr>
-            <p:ph type="title"/>
+            <p:ph idx="10" sz="quarter"/>
           </p:nvPr>
         </p:nvSpPr>
-        <p:spPr/>
+        <p:spPr>
+          <a:xfrm>
+            <a:off x="10972800" y="2286000"/>
+            <a:ext cx="2834640" cy="914400"/>
+          </a:xfrm>
+        </p:spPr>
         <p:txBody>
           <a:bodyPr/>
           <a:lstStyle/>
           <a:p>
             <a:r>
-              <a:t>Track 4</a:t>
+              <a:t> Track 4</a:t>
             </a:r>
           </a:p>
         </p:txBody>
       </p:sp>
       <p:pic>
         <p:nvPicPr>
-          <p:cNvPr id="3" name="movie.vid">
+          <p:cNvPr id="8" name="movie.vid">
             <a:hlinkClick r:id="" action="ppaction://media"/>
           </p:cNvPr>
           <p:cNvPicPr>
@@ -10438,14 +9911,276 @@
         </p:blipFill>
         <p:spPr>
           <a:xfrm>
-            <a:off x="7315200" y="1371600"/>
-            <a:ext cx="5486400" cy="5486400"/>
+            <a:off x="5943600" y="3657600"/>
+            <a:ext cx="914400" cy="914400"/>
           </a:xfrm>
           <a:prstGeom prst="rect">
             <a:avLst/>
           </a:prstGeom>
         </p:spPr>
       </p:pic>
+      <p:sp>
+        <p:nvSpPr>
+          <p:cNvPr id="3" name="Content Placeholder 2"/>
+          <p:cNvSpPr>
+            <a:spLocks noGrp="1"/>
+          </p:cNvSpPr>
+          <p:nvPr>
+            <p:ph idx="10" sz="quarter"/>
+          </p:nvPr>
+        </p:nvSpPr>
+        <p:spPr>
+          <a:xfrm>
+            <a:off x="6858000" y="3657600"/>
+            <a:ext cx="2834640" cy="914400"/>
+          </a:xfrm>
+        </p:spPr>
+        <p:txBody>
+          <a:bodyPr/>
+          <a:lstStyle/>
+          <a:p>
+            <a:r>
+              <a:t> Track 5</a:t>
+            </a:r>
+          </a:p>
+        </p:txBody>
+      </p:sp>
+      <p:pic>
+        <p:nvPicPr>
+          <p:cNvPr id="9" name="movie.vid">
+            <a:hlinkClick r:id="" action="ppaction://media"/>
+          </p:cNvPr>
+          <p:cNvPicPr>
+            <a:picLocks noChangeAspect="1"/>
+          </p:cNvPicPr>
+          <p:nvPr>
+            <a:videoFile r:link="rId3"/>
+            <p:extLst>
+              <p:ext uri="{DAA4B4D4-6D71-4841-9C94-3DE7FCFB9230}">
+                <p14:media xmlns:p14="http://schemas.microsoft.com/office/powerpoint/2010/main" r:embed="rId2"/>
+              </p:ext>
+            </p:extLst>
+          </p:nvPr>
+        </p:nvPicPr>
+        <p:blipFill>
+          <a:blip r:embed="rId4"/>
+          <a:stretch>
+            <a:fillRect/>
+          </a:stretch>
+        </p:blipFill>
+        <p:spPr>
+          <a:xfrm>
+            <a:off x="10058400" y="3657600"/>
+            <a:ext cx="914400" cy="914400"/>
+          </a:xfrm>
+          <a:prstGeom prst="rect">
+            <a:avLst/>
+          </a:prstGeom>
+        </p:spPr>
+      </p:pic>
+      <p:sp>
+        <p:nvSpPr>
+          <p:cNvPr id="3" name="Content Placeholder 2"/>
+          <p:cNvSpPr>
+            <a:spLocks noGrp="1"/>
+          </p:cNvSpPr>
+          <p:nvPr>
+            <p:ph idx="10" sz="quarter"/>
+          </p:nvPr>
+        </p:nvSpPr>
+        <p:spPr>
+          <a:xfrm>
+            <a:off x="10972800" y="3657600"/>
+            <a:ext cx="2834640" cy="914400"/>
+          </a:xfrm>
+        </p:spPr>
+        <p:txBody>
+          <a:bodyPr/>
+          <a:lstStyle/>
+          <a:p>
+            <a:r>
+              <a:t> Track 6</a:t>
+            </a:r>
+          </a:p>
+        </p:txBody>
+      </p:sp>
+      <p:pic>
+        <p:nvPicPr>
+          <p:cNvPr id="10" name="movie.vid">
+            <a:hlinkClick r:id="" action="ppaction://media"/>
+          </p:cNvPr>
+          <p:cNvPicPr>
+            <a:picLocks noChangeAspect="1"/>
+          </p:cNvPicPr>
+          <p:nvPr>
+            <a:videoFile r:link="rId3"/>
+            <p:extLst>
+              <p:ext uri="{DAA4B4D4-6D71-4841-9C94-3DE7FCFB9230}">
+                <p14:media xmlns:p14="http://schemas.microsoft.com/office/powerpoint/2010/main" r:embed="rId2"/>
+              </p:ext>
+            </p:extLst>
+          </p:nvPr>
+        </p:nvPicPr>
+        <p:blipFill>
+          <a:blip r:embed="rId4"/>
+          <a:stretch>
+            <a:fillRect/>
+          </a:stretch>
+        </p:blipFill>
+        <p:spPr>
+          <a:xfrm>
+            <a:off x="5943600" y="5029200"/>
+            <a:ext cx="914400" cy="914400"/>
+          </a:xfrm>
+          <a:prstGeom prst="rect">
+            <a:avLst/>
+          </a:prstGeom>
+        </p:spPr>
+      </p:pic>
+      <p:sp>
+        <p:nvSpPr>
+          <p:cNvPr id="3" name="Content Placeholder 2"/>
+          <p:cNvSpPr>
+            <a:spLocks noGrp="1"/>
+          </p:cNvSpPr>
+          <p:nvPr>
+            <p:ph idx="10" sz="quarter"/>
+          </p:nvPr>
+        </p:nvSpPr>
+        <p:spPr>
+          <a:xfrm>
+            <a:off x="6858000" y="5029200"/>
+            <a:ext cx="2834640" cy="914400"/>
+          </a:xfrm>
+        </p:spPr>
+        <p:txBody>
+          <a:bodyPr/>
+          <a:lstStyle/>
+          <a:p>
+            <a:r>
+              <a:t> Track 7</a:t>
+            </a:r>
+          </a:p>
+        </p:txBody>
+      </p:sp>
+      <p:pic>
+        <p:nvPicPr>
+          <p:cNvPr id="11" name="movie.vid">
+            <a:hlinkClick r:id="" action="ppaction://media"/>
+          </p:cNvPr>
+          <p:cNvPicPr>
+            <a:picLocks noChangeAspect="1"/>
+          </p:cNvPicPr>
+          <p:nvPr>
+            <a:videoFile r:link="rId3"/>
+            <p:extLst>
+              <p:ext uri="{DAA4B4D4-6D71-4841-9C94-3DE7FCFB9230}">
+                <p14:media xmlns:p14="http://schemas.microsoft.com/office/powerpoint/2010/main" r:embed="rId2"/>
+              </p:ext>
+            </p:extLst>
+          </p:nvPr>
+        </p:nvPicPr>
+        <p:blipFill>
+          <a:blip r:embed="rId4"/>
+          <a:stretch>
+            <a:fillRect/>
+          </a:stretch>
+        </p:blipFill>
+        <p:spPr>
+          <a:xfrm>
+            <a:off x="10058400" y="5029200"/>
+            <a:ext cx="914400" cy="914400"/>
+          </a:xfrm>
+          <a:prstGeom prst="rect">
+            <a:avLst/>
+          </a:prstGeom>
+        </p:spPr>
+      </p:pic>
+      <p:sp>
+        <p:nvSpPr>
+          <p:cNvPr id="3" name="Content Placeholder 2"/>
+          <p:cNvSpPr>
+            <a:spLocks noGrp="1"/>
+          </p:cNvSpPr>
+          <p:nvPr>
+            <p:ph idx="10" sz="quarter"/>
+          </p:nvPr>
+        </p:nvSpPr>
+        <p:spPr>
+          <a:xfrm>
+            <a:off x="10972800" y="5029200"/>
+            <a:ext cx="2834640" cy="914400"/>
+          </a:xfrm>
+        </p:spPr>
+        <p:txBody>
+          <a:bodyPr/>
+          <a:lstStyle/>
+          <a:p>
+            <a:r>
+              <a:t> Track 8</a:t>
+            </a:r>
+          </a:p>
+        </p:txBody>
+      </p:sp>
+      <p:pic>
+        <p:nvPicPr>
+          <p:cNvPr id="12" name="movie.vid">
+            <a:hlinkClick r:id="" action="ppaction://media"/>
+          </p:cNvPr>
+          <p:cNvPicPr>
+            <a:picLocks noChangeAspect="1"/>
+          </p:cNvPicPr>
+          <p:nvPr>
+            <a:videoFile r:link="rId3"/>
+            <p:extLst>
+              <p:ext uri="{DAA4B4D4-6D71-4841-9C94-3DE7FCFB9230}">
+                <p14:media xmlns:p14="http://schemas.microsoft.com/office/powerpoint/2010/main" r:embed="rId2"/>
+              </p:ext>
+            </p:extLst>
+          </p:nvPr>
+        </p:nvPicPr>
+        <p:blipFill>
+          <a:blip r:embed="rId4"/>
+          <a:stretch>
+            <a:fillRect/>
+          </a:stretch>
+        </p:blipFill>
+        <p:spPr>
+          <a:xfrm>
+            <a:off x="8001000" y="6400800"/>
+            <a:ext cx="914400" cy="914400"/>
+          </a:xfrm>
+          <a:prstGeom prst="rect">
+            <a:avLst/>
+          </a:prstGeom>
+        </p:spPr>
+      </p:pic>
+      <p:sp>
+        <p:nvSpPr>
+          <p:cNvPr id="3" name="Content Placeholder 2"/>
+          <p:cNvSpPr>
+            <a:spLocks noGrp="1"/>
+          </p:cNvSpPr>
+          <p:nvPr>
+            <p:ph idx="10" sz="quarter"/>
+          </p:nvPr>
+        </p:nvSpPr>
+        <p:spPr>
+          <a:xfrm>
+            <a:off x="8915400" y="6400800"/>
+            <a:ext cx="2834640" cy="914400"/>
+          </a:xfrm>
+        </p:spPr>
+        <p:txBody>
+          <a:bodyPr/>
+          <a:lstStyle/>
+          <a:p>
+            <a:r>
+              <a:t> Track 9</a:t>
+            </a:r>
+          </a:p>
+        </p:txBody>
+      </p:sp>
     </p:spTree>
   </p:cSld>
   <p:clrMapOvr>
@@ -10464,7 +10199,103 @@
                   </p:stCondLst>
                 </p:cTn>
                 <p:tgtEl>
-                  <p:spTgt spid="3"/>
+                  <p:spTgt spid="4"/>
+                </p:tgtEl>
+              </p:cMediaNode>
+            </p:video>
+            <p:video>
+              <p:cMediaNode vol="80000">
+                <p:cTn id="3" fill="hold" display="0">
+                  <p:stCondLst>
+                    <p:cond delay="indefinite"/>
+                  </p:stCondLst>
+                </p:cTn>
+                <p:tgtEl>
+                  <p:spTgt spid="5"/>
+                </p:tgtEl>
+              </p:cMediaNode>
+            </p:video>
+            <p:video>
+              <p:cMediaNode vol="80000">
+                <p:cTn id="4" fill="hold" display="0">
+                  <p:stCondLst>
+                    <p:cond delay="indefinite"/>
+                  </p:stCondLst>
+                </p:cTn>
+                <p:tgtEl>
+                  <p:spTgt spid="6"/>
+                </p:tgtEl>
+              </p:cMediaNode>
+            </p:video>
+            <p:video>
+              <p:cMediaNode vol="80000">
+                <p:cTn id="5" fill="hold" display="0">
+                  <p:stCondLst>
+                    <p:cond delay="indefinite"/>
+                  </p:stCondLst>
+                </p:cTn>
+                <p:tgtEl>
+                  <p:spTgt spid="7"/>
+                </p:tgtEl>
+              </p:cMediaNode>
+            </p:video>
+            <p:video>
+              <p:cMediaNode vol="80000">
+                <p:cTn id="6" fill="hold" display="0">
+                  <p:stCondLst>
+                    <p:cond delay="indefinite"/>
+                  </p:stCondLst>
+                </p:cTn>
+                <p:tgtEl>
+                  <p:spTgt spid="8"/>
+                </p:tgtEl>
+              </p:cMediaNode>
+            </p:video>
+            <p:video>
+              <p:cMediaNode vol="80000">
+                <p:cTn id="7" fill="hold" display="0">
+                  <p:stCondLst>
+                    <p:cond delay="indefinite"/>
+                  </p:stCondLst>
+                </p:cTn>
+                <p:tgtEl>
+                  <p:spTgt spid="9"/>
+                </p:tgtEl>
+              </p:cMediaNode>
+            </p:video>
+            <p:video>
+              <p:cMediaNode vol="80000">
+                <p:cTn id="8" fill="hold" display="0">
+                  <p:stCondLst>
+                    <p:cond delay="indefinite"/>
+                  </p:stCondLst>
+                </p:cTn>
+                <p:tgtEl>
+                  <p:spTgt spid="10"/>
+                </p:tgtEl>
+              </p:cMediaNode>
+            </p:video>
+            <p:video>
+              <p:cMediaNode vol="80000">
+                <p:cTn id="9" fill="hold" display="0">
+                  <p:stCondLst>
+                    <p:cond delay="indefinite"/>
+                  </p:stCondLst>
+                </p:cTn>
+                <p:tgtEl>
+                  <p:spTgt spid="11"/>
+                </p:tgtEl>
+              </p:cMediaNode>
+            </p:video>
+            <p:video>
+              <p:cMediaNode vol="80000">
+                <p:cTn id="10" fill="hold" display="0">
+                  <p:stCondLst>
+                    <p:cond delay="indefinite"/>
+                  </p:stCondLst>
+                </p:cTn>
+                <p:tgtEl>
+                  <p:spTgt spid="12"/>
                 </p:tgtEl>
               </p:cMediaNode>
             </p:video>
@@ -10526,7 +10357,7 @@
               <a:defRPr b="0" i="0"/>
             </a:pPr>
             <a:r>
-              <a:t>There will be 5 Rounds of 10 Tracks</a:t>
+              <a:t>There will be 1 Rounds of 9 Tracks</a:t>
             </a:r>
           </a:p>
           <a:p>
@@ -10587,1096 +10418,6 @@
 </p:sld>
 </file>
 
-<file path=ppt/slides/slide20.xml><?xml version="1.0" encoding="utf-8"?>
-<p:sld xmlns:a="http://schemas.openxmlformats.org/drawingml/2006/main" xmlns:p="http://schemas.openxmlformats.org/presentationml/2006/main" xmlns:r="http://schemas.openxmlformats.org/officeDocument/2006/relationships">
-  <p:cSld>
-    <p:spTree>
-      <p:nvGrpSpPr>
-        <p:cNvPr id="1" name=""/>
-        <p:cNvGrpSpPr/>
-        <p:nvPr/>
-      </p:nvGrpSpPr>
-      <p:grpSpPr/>
-      <p:sp>
-        <p:nvSpPr>
-          <p:cNvPr id="2" name="Title 1"/>
-          <p:cNvSpPr>
-            <a:spLocks noGrp="1"/>
-          </p:cNvSpPr>
-          <p:nvPr>
-            <p:ph type="title"/>
-          </p:nvPr>
-        </p:nvSpPr>
-        <p:spPr/>
-        <p:txBody>
-          <a:bodyPr/>
-          <a:lstStyle/>
-          <a:p>
-            <a:r>
-              <a:t>Track 5</a:t>
-            </a:r>
-          </a:p>
-        </p:txBody>
-      </p:sp>
-      <p:pic>
-        <p:nvPicPr>
-          <p:cNvPr id="3" name="movie.vid">
-            <a:hlinkClick r:id="" action="ppaction://media"/>
-          </p:cNvPr>
-          <p:cNvPicPr>
-            <a:picLocks noChangeAspect="1"/>
-          </p:cNvPicPr>
-          <p:nvPr>
-            <a:videoFile r:link="rId3"/>
-            <p:extLst>
-              <p:ext uri="{DAA4B4D4-6D71-4841-9C94-3DE7FCFB9230}">
-                <p14:media xmlns:p14="http://schemas.microsoft.com/office/powerpoint/2010/main" r:embed="rId2"/>
-              </p:ext>
-            </p:extLst>
-          </p:nvPr>
-        </p:nvPicPr>
-        <p:blipFill>
-          <a:blip r:embed="rId4"/>
-          <a:stretch>
-            <a:fillRect/>
-          </a:stretch>
-        </p:blipFill>
-        <p:spPr>
-          <a:xfrm>
-            <a:off x="7315200" y="1371600"/>
-            <a:ext cx="5486400" cy="5486400"/>
-          </a:xfrm>
-          <a:prstGeom prst="rect">
-            <a:avLst/>
-          </a:prstGeom>
-        </p:spPr>
-      </p:pic>
-    </p:spTree>
-  </p:cSld>
-  <p:clrMapOvr>
-    <a:masterClrMapping/>
-  </p:clrMapOvr>
-  <p:timing>
-    <p:tnLst>
-      <p:par>
-        <p:cTn id="1" dur="indefinite" restart="never" nodeType="tmRoot">
-          <p:childTnLst>
-            <p:video>
-              <p:cMediaNode vol="80000">
-                <p:cTn id="2" fill="hold" display="0">
-                  <p:stCondLst>
-                    <p:cond delay="indefinite"/>
-                  </p:stCondLst>
-                </p:cTn>
-                <p:tgtEl>
-                  <p:spTgt spid="3"/>
-                </p:tgtEl>
-              </p:cMediaNode>
-            </p:video>
-          </p:childTnLst>
-        </p:cTn>
-      </p:par>
-    </p:tnLst>
-  </p:timing>
-</p:sld>
-</file>
-
-<file path=ppt/slides/slide21.xml><?xml version="1.0" encoding="utf-8"?>
-<p:sld xmlns:a="http://schemas.openxmlformats.org/drawingml/2006/main" xmlns:p="http://schemas.openxmlformats.org/presentationml/2006/main" xmlns:r="http://schemas.openxmlformats.org/officeDocument/2006/relationships">
-  <p:cSld>
-    <p:spTree>
-      <p:nvGrpSpPr>
-        <p:cNvPr id="1" name=""/>
-        <p:cNvGrpSpPr/>
-        <p:nvPr/>
-      </p:nvGrpSpPr>
-      <p:grpSpPr/>
-      <p:sp>
-        <p:nvSpPr>
-          <p:cNvPr id="2" name="Title 1"/>
-          <p:cNvSpPr>
-            <a:spLocks noGrp="1"/>
-          </p:cNvSpPr>
-          <p:nvPr>
-            <p:ph type="title"/>
-          </p:nvPr>
-        </p:nvSpPr>
-        <p:spPr/>
-        <p:txBody>
-          <a:bodyPr/>
-          <a:lstStyle/>
-          <a:p>
-            <a:r>
-              <a:t>Track 6</a:t>
-            </a:r>
-          </a:p>
-        </p:txBody>
-      </p:sp>
-      <p:pic>
-        <p:nvPicPr>
-          <p:cNvPr id="3" name="movie.vid">
-            <a:hlinkClick r:id="" action="ppaction://media"/>
-          </p:cNvPr>
-          <p:cNvPicPr>
-            <a:picLocks noChangeAspect="1"/>
-          </p:cNvPicPr>
-          <p:nvPr>
-            <a:videoFile r:link="rId3"/>
-            <p:extLst>
-              <p:ext uri="{DAA4B4D4-6D71-4841-9C94-3DE7FCFB9230}">
-                <p14:media xmlns:p14="http://schemas.microsoft.com/office/powerpoint/2010/main" r:embed="rId2"/>
-              </p:ext>
-            </p:extLst>
-          </p:nvPr>
-        </p:nvPicPr>
-        <p:blipFill>
-          <a:blip r:embed="rId4"/>
-          <a:stretch>
-            <a:fillRect/>
-          </a:stretch>
-        </p:blipFill>
-        <p:spPr>
-          <a:xfrm>
-            <a:off x="7315200" y="1371600"/>
-            <a:ext cx="5486400" cy="5486400"/>
-          </a:xfrm>
-          <a:prstGeom prst="rect">
-            <a:avLst/>
-          </a:prstGeom>
-        </p:spPr>
-      </p:pic>
-    </p:spTree>
-  </p:cSld>
-  <p:clrMapOvr>
-    <a:masterClrMapping/>
-  </p:clrMapOvr>
-  <p:timing>
-    <p:tnLst>
-      <p:par>
-        <p:cTn id="1" dur="indefinite" restart="never" nodeType="tmRoot">
-          <p:childTnLst>
-            <p:video>
-              <p:cMediaNode vol="80000">
-                <p:cTn id="2" fill="hold" display="0">
-                  <p:stCondLst>
-                    <p:cond delay="indefinite"/>
-                  </p:stCondLst>
-                </p:cTn>
-                <p:tgtEl>
-                  <p:spTgt spid="3"/>
-                </p:tgtEl>
-              </p:cMediaNode>
-            </p:video>
-          </p:childTnLst>
-        </p:cTn>
-      </p:par>
-    </p:tnLst>
-  </p:timing>
-</p:sld>
-</file>
-
-<file path=ppt/slides/slide22.xml><?xml version="1.0" encoding="utf-8"?>
-<p:sld xmlns:a="http://schemas.openxmlformats.org/drawingml/2006/main" xmlns:p="http://schemas.openxmlformats.org/presentationml/2006/main" xmlns:r="http://schemas.openxmlformats.org/officeDocument/2006/relationships">
-  <p:cSld>
-    <p:spTree>
-      <p:nvGrpSpPr>
-        <p:cNvPr id="1" name=""/>
-        <p:cNvGrpSpPr/>
-        <p:nvPr/>
-      </p:nvGrpSpPr>
-      <p:grpSpPr/>
-      <p:sp>
-        <p:nvSpPr>
-          <p:cNvPr id="2" name="Title 1"/>
-          <p:cNvSpPr>
-            <a:spLocks noGrp="1"/>
-          </p:cNvSpPr>
-          <p:nvPr>
-            <p:ph type="title"/>
-          </p:nvPr>
-        </p:nvSpPr>
-        <p:spPr/>
-        <p:txBody>
-          <a:bodyPr/>
-          <a:lstStyle/>
-          <a:p>
-            <a:r>
-              <a:t>Track 7</a:t>
-            </a:r>
-          </a:p>
-        </p:txBody>
-      </p:sp>
-      <p:pic>
-        <p:nvPicPr>
-          <p:cNvPr id="3" name="movie.vid">
-            <a:hlinkClick r:id="" action="ppaction://media"/>
-          </p:cNvPr>
-          <p:cNvPicPr>
-            <a:picLocks noChangeAspect="1"/>
-          </p:cNvPicPr>
-          <p:nvPr>
-            <a:videoFile r:link="rId3"/>
-            <p:extLst>
-              <p:ext uri="{DAA4B4D4-6D71-4841-9C94-3DE7FCFB9230}">
-                <p14:media xmlns:p14="http://schemas.microsoft.com/office/powerpoint/2010/main" r:embed="rId2"/>
-              </p:ext>
-            </p:extLst>
-          </p:nvPr>
-        </p:nvPicPr>
-        <p:blipFill>
-          <a:blip r:embed="rId4"/>
-          <a:stretch>
-            <a:fillRect/>
-          </a:stretch>
-        </p:blipFill>
-        <p:spPr>
-          <a:xfrm>
-            <a:off x="7315200" y="1371600"/>
-            <a:ext cx="5486400" cy="5486400"/>
-          </a:xfrm>
-          <a:prstGeom prst="rect">
-            <a:avLst/>
-          </a:prstGeom>
-        </p:spPr>
-      </p:pic>
-    </p:spTree>
-  </p:cSld>
-  <p:clrMapOvr>
-    <a:masterClrMapping/>
-  </p:clrMapOvr>
-  <p:timing>
-    <p:tnLst>
-      <p:par>
-        <p:cTn id="1" dur="indefinite" restart="never" nodeType="tmRoot">
-          <p:childTnLst>
-            <p:video>
-              <p:cMediaNode vol="80000">
-                <p:cTn id="2" fill="hold" display="0">
-                  <p:stCondLst>
-                    <p:cond delay="indefinite"/>
-                  </p:stCondLst>
-                </p:cTn>
-                <p:tgtEl>
-                  <p:spTgt spid="3"/>
-                </p:tgtEl>
-              </p:cMediaNode>
-            </p:video>
-          </p:childTnLst>
-        </p:cTn>
-      </p:par>
-    </p:tnLst>
-  </p:timing>
-</p:sld>
-</file>
-
-<file path=ppt/slides/slide23.xml><?xml version="1.0" encoding="utf-8"?>
-<p:sld xmlns:a="http://schemas.openxmlformats.org/drawingml/2006/main" xmlns:p="http://schemas.openxmlformats.org/presentationml/2006/main" xmlns:r="http://schemas.openxmlformats.org/officeDocument/2006/relationships">
-  <p:cSld>
-    <p:spTree>
-      <p:nvGrpSpPr>
-        <p:cNvPr id="1" name=""/>
-        <p:cNvGrpSpPr/>
-        <p:nvPr/>
-      </p:nvGrpSpPr>
-      <p:grpSpPr/>
-      <p:sp>
-        <p:nvSpPr>
-          <p:cNvPr id="2" name="Title 1"/>
-          <p:cNvSpPr>
-            <a:spLocks noGrp="1"/>
-          </p:cNvSpPr>
-          <p:nvPr>
-            <p:ph type="title"/>
-          </p:nvPr>
-        </p:nvSpPr>
-        <p:spPr/>
-        <p:txBody>
-          <a:bodyPr/>
-          <a:lstStyle/>
-          <a:p>
-            <a:r>
-              <a:t>Track 8</a:t>
-            </a:r>
-          </a:p>
-        </p:txBody>
-      </p:sp>
-      <p:pic>
-        <p:nvPicPr>
-          <p:cNvPr id="3" name="movie.vid">
-            <a:hlinkClick r:id="" action="ppaction://media"/>
-          </p:cNvPr>
-          <p:cNvPicPr>
-            <a:picLocks noChangeAspect="1"/>
-          </p:cNvPicPr>
-          <p:nvPr>
-            <a:videoFile r:link="rId3"/>
-            <p:extLst>
-              <p:ext uri="{DAA4B4D4-6D71-4841-9C94-3DE7FCFB9230}">
-                <p14:media xmlns:p14="http://schemas.microsoft.com/office/powerpoint/2010/main" r:embed="rId2"/>
-              </p:ext>
-            </p:extLst>
-          </p:nvPr>
-        </p:nvPicPr>
-        <p:blipFill>
-          <a:blip r:embed="rId4"/>
-          <a:stretch>
-            <a:fillRect/>
-          </a:stretch>
-        </p:blipFill>
-        <p:spPr>
-          <a:xfrm>
-            <a:off x="7315200" y="1371600"/>
-            <a:ext cx="5486400" cy="5486400"/>
-          </a:xfrm>
-          <a:prstGeom prst="rect">
-            <a:avLst/>
-          </a:prstGeom>
-        </p:spPr>
-      </p:pic>
-    </p:spTree>
-  </p:cSld>
-  <p:clrMapOvr>
-    <a:masterClrMapping/>
-  </p:clrMapOvr>
-  <p:timing>
-    <p:tnLst>
-      <p:par>
-        <p:cTn id="1" dur="indefinite" restart="never" nodeType="tmRoot">
-          <p:childTnLst>
-            <p:video>
-              <p:cMediaNode vol="80000">
-                <p:cTn id="2" fill="hold" display="0">
-                  <p:stCondLst>
-                    <p:cond delay="indefinite"/>
-                  </p:stCondLst>
-                </p:cTn>
-                <p:tgtEl>
-                  <p:spTgt spid="3"/>
-                </p:tgtEl>
-              </p:cMediaNode>
-            </p:video>
-          </p:childTnLst>
-        </p:cTn>
-      </p:par>
-    </p:tnLst>
-  </p:timing>
-</p:sld>
-</file>
-
-<file path=ppt/slides/slide24.xml><?xml version="1.0" encoding="utf-8"?>
-<p:sld xmlns:a="http://schemas.openxmlformats.org/drawingml/2006/main" xmlns:p="http://schemas.openxmlformats.org/presentationml/2006/main" xmlns:r="http://schemas.openxmlformats.org/officeDocument/2006/relationships">
-  <p:cSld>
-    <p:spTree>
-      <p:nvGrpSpPr>
-        <p:cNvPr id="1" name=""/>
-        <p:cNvGrpSpPr/>
-        <p:nvPr/>
-      </p:nvGrpSpPr>
-      <p:grpSpPr/>
-      <p:sp>
-        <p:nvSpPr>
-          <p:cNvPr id="2" name="Title 1"/>
-          <p:cNvSpPr>
-            <a:spLocks noGrp="1"/>
-          </p:cNvSpPr>
-          <p:nvPr>
-            <p:ph type="title"/>
-          </p:nvPr>
-        </p:nvSpPr>
-        <p:spPr/>
-        <p:txBody>
-          <a:bodyPr/>
-          <a:lstStyle/>
-          <a:p>
-            <a:r>
-              <a:t>Track 9</a:t>
-            </a:r>
-          </a:p>
-        </p:txBody>
-      </p:sp>
-      <p:pic>
-        <p:nvPicPr>
-          <p:cNvPr id="3" name="movie.vid">
-            <a:hlinkClick r:id="" action="ppaction://media"/>
-          </p:cNvPr>
-          <p:cNvPicPr>
-            <a:picLocks noChangeAspect="1"/>
-          </p:cNvPicPr>
-          <p:nvPr>
-            <a:videoFile r:link="rId3"/>
-            <p:extLst>
-              <p:ext uri="{DAA4B4D4-6D71-4841-9C94-3DE7FCFB9230}">
-                <p14:media xmlns:p14="http://schemas.microsoft.com/office/powerpoint/2010/main" r:embed="rId2"/>
-              </p:ext>
-            </p:extLst>
-          </p:nvPr>
-        </p:nvPicPr>
-        <p:blipFill>
-          <a:blip r:embed="rId4"/>
-          <a:stretch>
-            <a:fillRect/>
-          </a:stretch>
-        </p:blipFill>
-        <p:spPr>
-          <a:xfrm>
-            <a:off x="7315200" y="1371600"/>
-            <a:ext cx="5486400" cy="5486400"/>
-          </a:xfrm>
-          <a:prstGeom prst="rect">
-            <a:avLst/>
-          </a:prstGeom>
-        </p:spPr>
-      </p:pic>
-    </p:spTree>
-  </p:cSld>
-  <p:clrMapOvr>
-    <a:masterClrMapping/>
-  </p:clrMapOvr>
-  <p:timing>
-    <p:tnLst>
-      <p:par>
-        <p:cTn id="1" dur="indefinite" restart="never" nodeType="tmRoot">
-          <p:childTnLst>
-            <p:video>
-              <p:cMediaNode vol="80000">
-                <p:cTn id="2" fill="hold" display="0">
-                  <p:stCondLst>
-                    <p:cond delay="indefinite"/>
-                  </p:stCondLst>
-                </p:cTn>
-                <p:tgtEl>
-                  <p:spTgt spid="3"/>
-                </p:tgtEl>
-              </p:cMediaNode>
-            </p:video>
-          </p:childTnLst>
-        </p:cTn>
-      </p:par>
-    </p:tnLst>
-  </p:timing>
-</p:sld>
-</file>
-
-<file path=ppt/slides/slide25.xml><?xml version="1.0" encoding="utf-8"?>
-<p:sld xmlns:a="http://schemas.openxmlformats.org/drawingml/2006/main" xmlns:p="http://schemas.openxmlformats.org/presentationml/2006/main" xmlns:r="http://schemas.openxmlformats.org/officeDocument/2006/relationships">
-  <p:cSld>
-    <p:spTree>
-      <p:nvGrpSpPr>
-        <p:cNvPr id="1" name=""/>
-        <p:cNvGrpSpPr/>
-        <p:nvPr/>
-      </p:nvGrpSpPr>
-      <p:grpSpPr/>
-      <p:sp>
-        <p:nvSpPr>
-          <p:cNvPr id="2" name="Title 1"/>
-          <p:cNvSpPr>
-            <a:spLocks noGrp="1"/>
-          </p:cNvSpPr>
-          <p:nvPr>
-            <p:ph type="title"/>
-          </p:nvPr>
-        </p:nvSpPr>
-        <p:spPr/>
-        <p:txBody>
-          <a:bodyPr/>
-          <a:lstStyle/>
-          <a:p>
-            <a:r>
-              <a:t>Track 10</a:t>
-            </a:r>
-          </a:p>
-        </p:txBody>
-      </p:sp>
-      <p:pic>
-        <p:nvPicPr>
-          <p:cNvPr id="3" name="movie.vid">
-            <a:hlinkClick r:id="" action="ppaction://media"/>
-          </p:cNvPr>
-          <p:cNvPicPr>
-            <a:picLocks noChangeAspect="1"/>
-          </p:cNvPicPr>
-          <p:nvPr>
-            <a:videoFile r:link="rId3"/>
-            <p:extLst>
-              <p:ext uri="{DAA4B4D4-6D71-4841-9C94-3DE7FCFB9230}">
-                <p14:media xmlns:p14="http://schemas.microsoft.com/office/powerpoint/2010/main" r:embed="rId2"/>
-              </p:ext>
-            </p:extLst>
-          </p:nvPr>
-        </p:nvPicPr>
-        <p:blipFill>
-          <a:blip r:embed="rId4"/>
-          <a:stretch>
-            <a:fillRect/>
-          </a:stretch>
-        </p:blipFill>
-        <p:spPr>
-          <a:xfrm>
-            <a:off x="7315200" y="1371600"/>
-            <a:ext cx="5486400" cy="5486400"/>
-          </a:xfrm>
-          <a:prstGeom prst="rect">
-            <a:avLst/>
-          </a:prstGeom>
-        </p:spPr>
-      </p:pic>
-    </p:spTree>
-  </p:cSld>
-  <p:clrMapOvr>
-    <a:masterClrMapping/>
-  </p:clrMapOvr>
-  <p:timing>
-    <p:tnLst>
-      <p:par>
-        <p:cTn id="1" dur="indefinite" restart="never" nodeType="tmRoot">
-          <p:childTnLst>
-            <p:video>
-              <p:cMediaNode vol="80000">
-                <p:cTn id="2" fill="hold" display="0">
-                  <p:stCondLst>
-                    <p:cond delay="indefinite"/>
-                  </p:stCondLst>
-                </p:cTn>
-                <p:tgtEl>
-                  <p:spTgt spid="3"/>
-                </p:tgtEl>
-              </p:cMediaNode>
-            </p:video>
-          </p:childTnLst>
-        </p:cTn>
-      </p:par>
-    </p:tnLst>
-  </p:timing>
-</p:sld>
-</file>
-
-<file path=ppt/slides/slide26.xml><?xml version="1.0" encoding="utf-8"?>
-<p:sld xmlns:a="http://schemas.openxmlformats.org/drawingml/2006/main" xmlns:p="http://schemas.openxmlformats.org/presentationml/2006/main" xmlns:r="http://schemas.openxmlformats.org/officeDocument/2006/relationships">
-  <p:cSld>
-    <p:spTree>
-      <p:nvGrpSpPr>
-        <p:cNvPr id="1" name=""/>
-        <p:cNvGrpSpPr/>
-        <p:nvPr/>
-      </p:nvGrpSpPr>
-      <p:grpSpPr/>
-      <p:sp>
-        <p:nvSpPr>
-          <p:cNvPr id="2" name="Title 1"/>
-          <p:cNvSpPr>
-            <a:spLocks noGrp="1"/>
-          </p:cNvSpPr>
-          <p:nvPr>
-            <p:ph type="title"/>
-          </p:nvPr>
-        </p:nvSpPr>
-        <p:spPr/>
-        <p:txBody>
-          <a:bodyPr/>
-          <a:lstStyle/>
-          <a:p>
-            <a:r>
-              <a:t>Round 2 Review</a:t>
-            </a:r>
-          </a:p>
-        </p:txBody>
-      </p:sp>
-      <p:sp>
-        <p:nvSpPr>
-          <p:cNvPr id="3" name="Content Placeholder 2"/>
-          <p:cNvSpPr>
-            <a:spLocks noGrp="1"/>
-          </p:cNvSpPr>
-          <p:nvPr>
-            <p:ph idx="10" sz="quarter"/>
-          </p:nvPr>
-        </p:nvSpPr>
-        <p:spPr>
-          <a:xfrm>
-            <a:off x="6912864" y="1828800"/>
-            <a:ext cx="2834640" cy="914400"/>
-          </a:xfrm>
-        </p:spPr>
-        <p:txBody>
-          <a:bodyPr/>
-          <a:lstStyle/>
-          <a:p>
-            <a:r>
-              <a:t> Track 1</a:t>
-            </a:r>
-          </a:p>
-        </p:txBody>
-      </p:sp>
-      <p:sp>
-        <p:nvSpPr>
-          <p:cNvPr id="3" name="Content Placeholder 2"/>
-          <p:cNvSpPr>
-            <a:spLocks noGrp="1"/>
-          </p:cNvSpPr>
-          <p:nvPr>
-            <p:ph idx="10" sz="quarter"/>
-          </p:nvPr>
-        </p:nvSpPr>
-        <p:spPr>
-          <a:xfrm>
-            <a:off x="11018520" y="1828800"/>
-            <a:ext cx="2834640" cy="914400"/>
-          </a:xfrm>
-        </p:spPr>
-        <p:txBody>
-          <a:bodyPr/>
-          <a:lstStyle/>
-          <a:p>
-            <a:r>
-              <a:t> Track 2</a:t>
-            </a:r>
-          </a:p>
-        </p:txBody>
-      </p:sp>
-      <p:sp>
-        <p:nvSpPr>
-          <p:cNvPr id="3" name="Content Placeholder 2"/>
-          <p:cNvSpPr>
-            <a:spLocks noGrp="1"/>
-          </p:cNvSpPr>
-          <p:nvPr>
-            <p:ph idx="10" sz="quarter"/>
-          </p:nvPr>
-        </p:nvSpPr>
-        <p:spPr>
-          <a:xfrm>
-            <a:off x="6912864" y="2743200"/>
-            <a:ext cx="2834640" cy="914400"/>
-          </a:xfrm>
-        </p:spPr>
-        <p:txBody>
-          <a:bodyPr/>
-          <a:lstStyle/>
-          <a:p>
-            <a:r>
-              <a:t> Track 3</a:t>
-            </a:r>
-          </a:p>
-        </p:txBody>
-      </p:sp>
-      <p:sp>
-        <p:nvSpPr>
-          <p:cNvPr id="3" name="Content Placeholder 2"/>
-          <p:cNvSpPr>
-            <a:spLocks noGrp="1"/>
-          </p:cNvSpPr>
-          <p:nvPr>
-            <p:ph idx="10" sz="quarter"/>
-          </p:nvPr>
-        </p:nvSpPr>
-        <p:spPr>
-          <a:xfrm>
-            <a:off x="11018520" y="2743200"/>
-            <a:ext cx="2834640" cy="914400"/>
-          </a:xfrm>
-        </p:spPr>
-        <p:txBody>
-          <a:bodyPr/>
-          <a:lstStyle/>
-          <a:p>
-            <a:r>
-              <a:t> Track 4</a:t>
-            </a:r>
-          </a:p>
-        </p:txBody>
-      </p:sp>
-      <p:sp>
-        <p:nvSpPr>
-          <p:cNvPr id="3" name="Content Placeholder 2"/>
-          <p:cNvSpPr>
-            <a:spLocks noGrp="1"/>
-          </p:cNvSpPr>
-          <p:nvPr>
-            <p:ph idx="10" sz="quarter"/>
-          </p:nvPr>
-        </p:nvSpPr>
-        <p:spPr>
-          <a:xfrm>
-            <a:off x="6912864" y="3657600"/>
-            <a:ext cx="2834640" cy="914400"/>
-          </a:xfrm>
-        </p:spPr>
-        <p:txBody>
-          <a:bodyPr/>
-          <a:lstStyle/>
-          <a:p>
-            <a:r>
-              <a:t> Track 5</a:t>
-            </a:r>
-          </a:p>
-        </p:txBody>
-      </p:sp>
-      <p:sp>
-        <p:nvSpPr>
-          <p:cNvPr id="3" name="Content Placeholder 2"/>
-          <p:cNvSpPr>
-            <a:spLocks noGrp="1"/>
-          </p:cNvSpPr>
-          <p:nvPr>
-            <p:ph idx="10" sz="quarter"/>
-          </p:nvPr>
-        </p:nvSpPr>
-        <p:spPr>
-          <a:xfrm>
-            <a:off x="11018520" y="3657600"/>
-            <a:ext cx="2834640" cy="914400"/>
-          </a:xfrm>
-        </p:spPr>
-        <p:txBody>
-          <a:bodyPr/>
-          <a:lstStyle/>
-          <a:p>
-            <a:r>
-              <a:t> Track 6</a:t>
-            </a:r>
-          </a:p>
-        </p:txBody>
-      </p:sp>
-      <p:sp>
-        <p:nvSpPr>
-          <p:cNvPr id="3" name="Content Placeholder 2"/>
-          <p:cNvSpPr>
-            <a:spLocks noGrp="1"/>
-          </p:cNvSpPr>
-          <p:nvPr>
-            <p:ph idx="10" sz="quarter"/>
-          </p:nvPr>
-        </p:nvSpPr>
-        <p:spPr>
-          <a:xfrm>
-            <a:off x="6912864" y="4572000"/>
-            <a:ext cx="2834640" cy="914400"/>
-          </a:xfrm>
-        </p:spPr>
-        <p:txBody>
-          <a:bodyPr/>
-          <a:lstStyle/>
-          <a:p>
-            <a:r>
-              <a:t> Track 7</a:t>
-            </a:r>
-          </a:p>
-        </p:txBody>
-      </p:sp>
-      <p:sp>
-        <p:nvSpPr>
-          <p:cNvPr id="3" name="Content Placeholder 2"/>
-          <p:cNvSpPr>
-            <a:spLocks noGrp="1"/>
-          </p:cNvSpPr>
-          <p:nvPr>
-            <p:ph idx="10" sz="quarter"/>
-          </p:nvPr>
-        </p:nvSpPr>
-        <p:spPr>
-          <a:xfrm>
-            <a:off x="11018520" y="4572000"/>
-            <a:ext cx="2834640" cy="914400"/>
-          </a:xfrm>
-        </p:spPr>
-        <p:txBody>
-          <a:bodyPr/>
-          <a:lstStyle/>
-          <a:p>
-            <a:r>
-              <a:t> Track 8</a:t>
-            </a:r>
-          </a:p>
-        </p:txBody>
-      </p:sp>
-      <p:sp>
-        <p:nvSpPr>
-          <p:cNvPr id="3" name="Content Placeholder 2"/>
-          <p:cNvSpPr>
-            <a:spLocks noGrp="1"/>
-          </p:cNvSpPr>
-          <p:nvPr>
-            <p:ph idx="10" sz="quarter"/>
-          </p:nvPr>
-        </p:nvSpPr>
-        <p:spPr>
-          <a:xfrm>
-            <a:off x="6912864" y="5486400"/>
-            <a:ext cx="2834640" cy="914400"/>
-          </a:xfrm>
-        </p:spPr>
-        <p:txBody>
-          <a:bodyPr/>
-          <a:lstStyle/>
-          <a:p>
-            <a:r>
-              <a:t> Track 9</a:t>
-            </a:r>
-          </a:p>
-        </p:txBody>
-      </p:sp>
-      <p:sp>
-        <p:nvSpPr>
-          <p:cNvPr id="3" name="Content Placeholder 2"/>
-          <p:cNvSpPr>
-            <a:spLocks noGrp="1"/>
-          </p:cNvSpPr>
-          <p:nvPr>
-            <p:ph idx="10" sz="quarter"/>
-          </p:nvPr>
-        </p:nvSpPr>
-        <p:spPr>
-          <a:xfrm>
-            <a:off x="11018520" y="5486400"/>
-            <a:ext cx="2834640" cy="914400"/>
-          </a:xfrm>
-        </p:spPr>
-        <p:txBody>
-          <a:bodyPr/>
-          <a:lstStyle/>
-          <a:p>
-            <a:r>
-              <a:t> Track 10</a:t>
-            </a:r>
-          </a:p>
-        </p:txBody>
-      </p:sp>
-    </p:spTree>
-  </p:cSld>
-  <p:clrMapOvr>
-    <a:masterClrMapping/>
-  </p:clrMapOvr>
-</p:sld>
-</file>
-
-<file path=ppt/slides/slide27.xml><?xml version="1.0" encoding="utf-8"?>
-<p:sld xmlns:a="http://schemas.openxmlformats.org/drawingml/2006/main" xmlns:p="http://schemas.openxmlformats.org/presentationml/2006/main" xmlns:r="http://schemas.openxmlformats.org/officeDocument/2006/relationships">
-  <p:cSld>
-    <p:spTree>
-      <p:nvGrpSpPr>
-        <p:cNvPr id="1" name=""/>
-        <p:cNvGrpSpPr/>
-        <p:nvPr/>
-      </p:nvGrpSpPr>
-      <p:grpSpPr/>
-      <p:sp>
-        <p:nvSpPr>
-          <p:cNvPr id="2" name="Title 1"/>
-          <p:cNvSpPr>
-            <a:spLocks noGrp="1"/>
-          </p:cNvSpPr>
-          <p:nvPr>
-            <p:ph type="title"/>
-          </p:nvPr>
-        </p:nvSpPr>
-        <p:spPr/>
-        <p:txBody>
-          <a:bodyPr/>
-          <a:lstStyle/>
-          <a:p>
-            <a:r>
-              <a:t>Round 3</a:t>
-            </a:r>
-          </a:p>
-        </p:txBody>
-      </p:sp>
-    </p:spTree>
-  </p:cSld>
-  <p:clrMapOvr>
-    <a:masterClrMapping/>
-  </p:clrMapOvr>
-</p:sld>
-</file>
-
-<file path=ppt/slides/slide28.xml><?xml version="1.0" encoding="utf-8"?>
-<p:sld xmlns:a="http://schemas.openxmlformats.org/drawingml/2006/main" xmlns:p="http://schemas.openxmlformats.org/presentationml/2006/main" xmlns:r="http://schemas.openxmlformats.org/officeDocument/2006/relationships">
-  <p:cSld>
-    <p:spTree>
-      <p:nvGrpSpPr>
-        <p:cNvPr id="1" name=""/>
-        <p:cNvGrpSpPr/>
-        <p:nvPr/>
-      </p:nvGrpSpPr>
-      <p:grpSpPr/>
-      <p:sp>
-        <p:nvSpPr>
-          <p:cNvPr id="2" name="Title 1"/>
-          <p:cNvSpPr>
-            <a:spLocks noGrp="1"/>
-          </p:cNvSpPr>
-          <p:nvPr>
-            <p:ph type="title"/>
-          </p:nvPr>
-        </p:nvSpPr>
-        <p:spPr/>
-        <p:txBody>
-          <a:bodyPr/>
-          <a:lstStyle/>
-          <a:p>
-            <a:r>
-              <a:t>Track 1</a:t>
-            </a:r>
-          </a:p>
-        </p:txBody>
-      </p:sp>
-      <p:pic>
-        <p:nvPicPr>
-          <p:cNvPr id="3" name="movie.vid">
-            <a:hlinkClick r:id="" action="ppaction://media"/>
-          </p:cNvPr>
-          <p:cNvPicPr>
-            <a:picLocks noChangeAspect="1"/>
-          </p:cNvPicPr>
-          <p:nvPr>
-            <a:videoFile r:link="rId3"/>
-            <p:extLst>
-              <p:ext uri="{DAA4B4D4-6D71-4841-9C94-3DE7FCFB9230}">
-                <p14:media xmlns:p14="http://schemas.microsoft.com/office/powerpoint/2010/main" r:embed="rId2"/>
-              </p:ext>
-            </p:extLst>
-          </p:nvPr>
-        </p:nvPicPr>
-        <p:blipFill>
-          <a:blip r:embed="rId4"/>
-          <a:stretch>
-            <a:fillRect/>
-          </a:stretch>
-        </p:blipFill>
-        <p:spPr>
-          <a:xfrm>
-            <a:off x="7315200" y="1371600"/>
-            <a:ext cx="5486400" cy="5486400"/>
-          </a:xfrm>
-          <a:prstGeom prst="rect">
-            <a:avLst/>
-          </a:prstGeom>
-        </p:spPr>
-      </p:pic>
-    </p:spTree>
-  </p:cSld>
-  <p:clrMapOvr>
-    <a:masterClrMapping/>
-  </p:clrMapOvr>
-  <p:timing>
-    <p:tnLst>
-      <p:par>
-        <p:cTn id="1" dur="indefinite" restart="never" nodeType="tmRoot">
-          <p:childTnLst>
-            <p:video>
-              <p:cMediaNode vol="80000">
-                <p:cTn id="2" fill="hold" display="0">
-                  <p:stCondLst>
-                    <p:cond delay="indefinite"/>
-                  </p:stCondLst>
-                </p:cTn>
-                <p:tgtEl>
-                  <p:spTgt spid="3"/>
-                </p:tgtEl>
-              </p:cMediaNode>
-            </p:video>
-          </p:childTnLst>
-        </p:cTn>
-      </p:par>
-    </p:tnLst>
-  </p:timing>
-</p:sld>
-</file>
-
-<file path=ppt/slides/slide29.xml><?xml version="1.0" encoding="utf-8"?>
-<p:sld xmlns:a="http://schemas.openxmlformats.org/drawingml/2006/main" xmlns:p="http://schemas.openxmlformats.org/presentationml/2006/main" xmlns:r="http://schemas.openxmlformats.org/officeDocument/2006/relationships">
-  <p:cSld>
-    <p:spTree>
-      <p:nvGrpSpPr>
-        <p:cNvPr id="1" name=""/>
-        <p:cNvGrpSpPr/>
-        <p:nvPr/>
-      </p:nvGrpSpPr>
-      <p:grpSpPr/>
-      <p:sp>
-        <p:nvSpPr>
-          <p:cNvPr id="2" name="Title 1"/>
-          <p:cNvSpPr>
-            <a:spLocks noGrp="1"/>
-          </p:cNvSpPr>
-          <p:nvPr>
-            <p:ph type="title"/>
-          </p:nvPr>
-        </p:nvSpPr>
-        <p:spPr/>
-        <p:txBody>
-          <a:bodyPr/>
-          <a:lstStyle/>
-          <a:p>
-            <a:r>
-              <a:t>Track 2</a:t>
-            </a:r>
-          </a:p>
-        </p:txBody>
-      </p:sp>
-      <p:pic>
-        <p:nvPicPr>
-          <p:cNvPr id="3" name="movie.vid">
-            <a:hlinkClick r:id="" action="ppaction://media"/>
-          </p:cNvPr>
-          <p:cNvPicPr>
-            <a:picLocks noChangeAspect="1"/>
-          </p:cNvPicPr>
-          <p:nvPr>
-            <a:videoFile r:link="rId3"/>
-            <p:extLst>
-              <p:ext uri="{DAA4B4D4-6D71-4841-9C94-3DE7FCFB9230}">
-                <p14:media xmlns:p14="http://schemas.microsoft.com/office/powerpoint/2010/main" r:embed="rId2"/>
-              </p:ext>
-            </p:extLst>
-          </p:nvPr>
-        </p:nvPicPr>
-        <p:blipFill>
-          <a:blip r:embed="rId4"/>
-          <a:stretch>
-            <a:fillRect/>
-          </a:stretch>
-        </p:blipFill>
-        <p:spPr>
-          <a:xfrm>
-            <a:off x="7315200" y="1371600"/>
-            <a:ext cx="5486400" cy="5486400"/>
-          </a:xfrm>
-          <a:prstGeom prst="rect">
-            <a:avLst/>
-          </a:prstGeom>
-        </p:spPr>
-      </p:pic>
-    </p:spTree>
-  </p:cSld>
-  <p:clrMapOvr>
-    <a:masterClrMapping/>
-  </p:clrMapOvr>
-  <p:timing>
-    <p:tnLst>
-      <p:par>
-        <p:cTn id="1" dur="indefinite" restart="never" nodeType="tmRoot">
-          <p:childTnLst>
-            <p:video>
-              <p:cMediaNode vol="80000">
-                <p:cTn id="2" fill="hold" display="0">
-                  <p:stCondLst>
-                    <p:cond delay="indefinite"/>
-                  </p:stCondLst>
-                </p:cTn>
-                <p:tgtEl>
-                  <p:spTgt spid="3"/>
-                </p:tgtEl>
-              </p:cMediaNode>
-            </p:video>
-          </p:childTnLst>
-        </p:cTn>
-      </p:par>
-    </p:tnLst>
-  </p:timing>
-</p:sld>
-</file>
-
 <file path=ppt/slides/slide3.xml><?xml version="1.0" encoding="utf-8"?>
 <p:sld xmlns:a="http://schemas.openxmlformats.org/drawingml/2006/main" xmlns:p="http://schemas.openxmlformats.org/presentationml/2006/main" xmlns:r="http://schemas.openxmlformats.org/officeDocument/2006/relationships">
   <p:cSld>
@@ -11716,1096 +10457,6 @@
 </p:sld>
 </file>
 
-<file path=ppt/slides/slide30.xml><?xml version="1.0" encoding="utf-8"?>
-<p:sld xmlns:a="http://schemas.openxmlformats.org/drawingml/2006/main" xmlns:p="http://schemas.openxmlformats.org/presentationml/2006/main" xmlns:r="http://schemas.openxmlformats.org/officeDocument/2006/relationships">
-  <p:cSld>
-    <p:spTree>
-      <p:nvGrpSpPr>
-        <p:cNvPr id="1" name=""/>
-        <p:cNvGrpSpPr/>
-        <p:nvPr/>
-      </p:nvGrpSpPr>
-      <p:grpSpPr/>
-      <p:sp>
-        <p:nvSpPr>
-          <p:cNvPr id="2" name="Title 1"/>
-          <p:cNvSpPr>
-            <a:spLocks noGrp="1"/>
-          </p:cNvSpPr>
-          <p:nvPr>
-            <p:ph type="title"/>
-          </p:nvPr>
-        </p:nvSpPr>
-        <p:spPr/>
-        <p:txBody>
-          <a:bodyPr/>
-          <a:lstStyle/>
-          <a:p>
-            <a:r>
-              <a:t>Track 3</a:t>
-            </a:r>
-          </a:p>
-        </p:txBody>
-      </p:sp>
-      <p:pic>
-        <p:nvPicPr>
-          <p:cNvPr id="3" name="movie.vid">
-            <a:hlinkClick r:id="" action="ppaction://media"/>
-          </p:cNvPr>
-          <p:cNvPicPr>
-            <a:picLocks noChangeAspect="1"/>
-          </p:cNvPicPr>
-          <p:nvPr>
-            <a:videoFile r:link="rId3"/>
-            <p:extLst>
-              <p:ext uri="{DAA4B4D4-6D71-4841-9C94-3DE7FCFB9230}">
-                <p14:media xmlns:p14="http://schemas.microsoft.com/office/powerpoint/2010/main" r:embed="rId2"/>
-              </p:ext>
-            </p:extLst>
-          </p:nvPr>
-        </p:nvPicPr>
-        <p:blipFill>
-          <a:blip r:embed="rId4"/>
-          <a:stretch>
-            <a:fillRect/>
-          </a:stretch>
-        </p:blipFill>
-        <p:spPr>
-          <a:xfrm>
-            <a:off x="7315200" y="1371600"/>
-            <a:ext cx="5486400" cy="5486400"/>
-          </a:xfrm>
-          <a:prstGeom prst="rect">
-            <a:avLst/>
-          </a:prstGeom>
-        </p:spPr>
-      </p:pic>
-    </p:spTree>
-  </p:cSld>
-  <p:clrMapOvr>
-    <a:masterClrMapping/>
-  </p:clrMapOvr>
-  <p:timing>
-    <p:tnLst>
-      <p:par>
-        <p:cTn id="1" dur="indefinite" restart="never" nodeType="tmRoot">
-          <p:childTnLst>
-            <p:video>
-              <p:cMediaNode vol="80000">
-                <p:cTn id="2" fill="hold" display="0">
-                  <p:stCondLst>
-                    <p:cond delay="indefinite"/>
-                  </p:stCondLst>
-                </p:cTn>
-                <p:tgtEl>
-                  <p:spTgt spid="3"/>
-                </p:tgtEl>
-              </p:cMediaNode>
-            </p:video>
-          </p:childTnLst>
-        </p:cTn>
-      </p:par>
-    </p:tnLst>
-  </p:timing>
-</p:sld>
-</file>
-
-<file path=ppt/slides/slide31.xml><?xml version="1.0" encoding="utf-8"?>
-<p:sld xmlns:a="http://schemas.openxmlformats.org/drawingml/2006/main" xmlns:p="http://schemas.openxmlformats.org/presentationml/2006/main" xmlns:r="http://schemas.openxmlformats.org/officeDocument/2006/relationships">
-  <p:cSld>
-    <p:spTree>
-      <p:nvGrpSpPr>
-        <p:cNvPr id="1" name=""/>
-        <p:cNvGrpSpPr/>
-        <p:nvPr/>
-      </p:nvGrpSpPr>
-      <p:grpSpPr/>
-      <p:sp>
-        <p:nvSpPr>
-          <p:cNvPr id="2" name="Title 1"/>
-          <p:cNvSpPr>
-            <a:spLocks noGrp="1"/>
-          </p:cNvSpPr>
-          <p:nvPr>
-            <p:ph type="title"/>
-          </p:nvPr>
-        </p:nvSpPr>
-        <p:spPr/>
-        <p:txBody>
-          <a:bodyPr/>
-          <a:lstStyle/>
-          <a:p>
-            <a:r>
-              <a:t>Track 4</a:t>
-            </a:r>
-          </a:p>
-        </p:txBody>
-      </p:sp>
-      <p:pic>
-        <p:nvPicPr>
-          <p:cNvPr id="3" name="movie.vid">
-            <a:hlinkClick r:id="" action="ppaction://media"/>
-          </p:cNvPr>
-          <p:cNvPicPr>
-            <a:picLocks noChangeAspect="1"/>
-          </p:cNvPicPr>
-          <p:nvPr>
-            <a:videoFile r:link="rId3"/>
-            <p:extLst>
-              <p:ext uri="{DAA4B4D4-6D71-4841-9C94-3DE7FCFB9230}">
-                <p14:media xmlns:p14="http://schemas.microsoft.com/office/powerpoint/2010/main" r:embed="rId2"/>
-              </p:ext>
-            </p:extLst>
-          </p:nvPr>
-        </p:nvPicPr>
-        <p:blipFill>
-          <a:blip r:embed="rId4"/>
-          <a:stretch>
-            <a:fillRect/>
-          </a:stretch>
-        </p:blipFill>
-        <p:spPr>
-          <a:xfrm>
-            <a:off x="7315200" y="1371600"/>
-            <a:ext cx="5486400" cy="5486400"/>
-          </a:xfrm>
-          <a:prstGeom prst="rect">
-            <a:avLst/>
-          </a:prstGeom>
-        </p:spPr>
-      </p:pic>
-    </p:spTree>
-  </p:cSld>
-  <p:clrMapOvr>
-    <a:masterClrMapping/>
-  </p:clrMapOvr>
-  <p:timing>
-    <p:tnLst>
-      <p:par>
-        <p:cTn id="1" dur="indefinite" restart="never" nodeType="tmRoot">
-          <p:childTnLst>
-            <p:video>
-              <p:cMediaNode vol="80000">
-                <p:cTn id="2" fill="hold" display="0">
-                  <p:stCondLst>
-                    <p:cond delay="indefinite"/>
-                  </p:stCondLst>
-                </p:cTn>
-                <p:tgtEl>
-                  <p:spTgt spid="3"/>
-                </p:tgtEl>
-              </p:cMediaNode>
-            </p:video>
-          </p:childTnLst>
-        </p:cTn>
-      </p:par>
-    </p:tnLst>
-  </p:timing>
-</p:sld>
-</file>
-
-<file path=ppt/slides/slide32.xml><?xml version="1.0" encoding="utf-8"?>
-<p:sld xmlns:a="http://schemas.openxmlformats.org/drawingml/2006/main" xmlns:p="http://schemas.openxmlformats.org/presentationml/2006/main" xmlns:r="http://schemas.openxmlformats.org/officeDocument/2006/relationships">
-  <p:cSld>
-    <p:spTree>
-      <p:nvGrpSpPr>
-        <p:cNvPr id="1" name=""/>
-        <p:cNvGrpSpPr/>
-        <p:nvPr/>
-      </p:nvGrpSpPr>
-      <p:grpSpPr/>
-      <p:sp>
-        <p:nvSpPr>
-          <p:cNvPr id="2" name="Title 1"/>
-          <p:cNvSpPr>
-            <a:spLocks noGrp="1"/>
-          </p:cNvSpPr>
-          <p:nvPr>
-            <p:ph type="title"/>
-          </p:nvPr>
-        </p:nvSpPr>
-        <p:spPr/>
-        <p:txBody>
-          <a:bodyPr/>
-          <a:lstStyle/>
-          <a:p>
-            <a:r>
-              <a:t>Track 5</a:t>
-            </a:r>
-          </a:p>
-        </p:txBody>
-      </p:sp>
-      <p:pic>
-        <p:nvPicPr>
-          <p:cNvPr id="3" name="movie.vid">
-            <a:hlinkClick r:id="" action="ppaction://media"/>
-          </p:cNvPr>
-          <p:cNvPicPr>
-            <a:picLocks noChangeAspect="1"/>
-          </p:cNvPicPr>
-          <p:nvPr>
-            <a:videoFile r:link="rId3"/>
-            <p:extLst>
-              <p:ext uri="{DAA4B4D4-6D71-4841-9C94-3DE7FCFB9230}">
-                <p14:media xmlns:p14="http://schemas.microsoft.com/office/powerpoint/2010/main" r:embed="rId2"/>
-              </p:ext>
-            </p:extLst>
-          </p:nvPr>
-        </p:nvPicPr>
-        <p:blipFill>
-          <a:blip r:embed="rId4"/>
-          <a:stretch>
-            <a:fillRect/>
-          </a:stretch>
-        </p:blipFill>
-        <p:spPr>
-          <a:xfrm>
-            <a:off x="7315200" y="1371600"/>
-            <a:ext cx="5486400" cy="5486400"/>
-          </a:xfrm>
-          <a:prstGeom prst="rect">
-            <a:avLst/>
-          </a:prstGeom>
-        </p:spPr>
-      </p:pic>
-    </p:spTree>
-  </p:cSld>
-  <p:clrMapOvr>
-    <a:masterClrMapping/>
-  </p:clrMapOvr>
-  <p:timing>
-    <p:tnLst>
-      <p:par>
-        <p:cTn id="1" dur="indefinite" restart="never" nodeType="tmRoot">
-          <p:childTnLst>
-            <p:video>
-              <p:cMediaNode vol="80000">
-                <p:cTn id="2" fill="hold" display="0">
-                  <p:stCondLst>
-                    <p:cond delay="indefinite"/>
-                  </p:stCondLst>
-                </p:cTn>
-                <p:tgtEl>
-                  <p:spTgt spid="3"/>
-                </p:tgtEl>
-              </p:cMediaNode>
-            </p:video>
-          </p:childTnLst>
-        </p:cTn>
-      </p:par>
-    </p:tnLst>
-  </p:timing>
-</p:sld>
-</file>
-
-<file path=ppt/slides/slide33.xml><?xml version="1.0" encoding="utf-8"?>
-<p:sld xmlns:a="http://schemas.openxmlformats.org/drawingml/2006/main" xmlns:p="http://schemas.openxmlformats.org/presentationml/2006/main" xmlns:r="http://schemas.openxmlformats.org/officeDocument/2006/relationships">
-  <p:cSld>
-    <p:spTree>
-      <p:nvGrpSpPr>
-        <p:cNvPr id="1" name=""/>
-        <p:cNvGrpSpPr/>
-        <p:nvPr/>
-      </p:nvGrpSpPr>
-      <p:grpSpPr/>
-      <p:sp>
-        <p:nvSpPr>
-          <p:cNvPr id="2" name="Title 1"/>
-          <p:cNvSpPr>
-            <a:spLocks noGrp="1"/>
-          </p:cNvSpPr>
-          <p:nvPr>
-            <p:ph type="title"/>
-          </p:nvPr>
-        </p:nvSpPr>
-        <p:spPr/>
-        <p:txBody>
-          <a:bodyPr/>
-          <a:lstStyle/>
-          <a:p>
-            <a:r>
-              <a:t>Track 6</a:t>
-            </a:r>
-          </a:p>
-        </p:txBody>
-      </p:sp>
-      <p:pic>
-        <p:nvPicPr>
-          <p:cNvPr id="3" name="movie.vid">
-            <a:hlinkClick r:id="" action="ppaction://media"/>
-          </p:cNvPr>
-          <p:cNvPicPr>
-            <a:picLocks noChangeAspect="1"/>
-          </p:cNvPicPr>
-          <p:nvPr>
-            <a:videoFile r:link="rId3"/>
-            <p:extLst>
-              <p:ext uri="{DAA4B4D4-6D71-4841-9C94-3DE7FCFB9230}">
-                <p14:media xmlns:p14="http://schemas.microsoft.com/office/powerpoint/2010/main" r:embed="rId2"/>
-              </p:ext>
-            </p:extLst>
-          </p:nvPr>
-        </p:nvPicPr>
-        <p:blipFill>
-          <a:blip r:embed="rId4"/>
-          <a:stretch>
-            <a:fillRect/>
-          </a:stretch>
-        </p:blipFill>
-        <p:spPr>
-          <a:xfrm>
-            <a:off x="7315200" y="1371600"/>
-            <a:ext cx="5486400" cy="5486400"/>
-          </a:xfrm>
-          <a:prstGeom prst="rect">
-            <a:avLst/>
-          </a:prstGeom>
-        </p:spPr>
-      </p:pic>
-    </p:spTree>
-  </p:cSld>
-  <p:clrMapOvr>
-    <a:masterClrMapping/>
-  </p:clrMapOvr>
-  <p:timing>
-    <p:tnLst>
-      <p:par>
-        <p:cTn id="1" dur="indefinite" restart="never" nodeType="tmRoot">
-          <p:childTnLst>
-            <p:video>
-              <p:cMediaNode vol="80000">
-                <p:cTn id="2" fill="hold" display="0">
-                  <p:stCondLst>
-                    <p:cond delay="indefinite"/>
-                  </p:stCondLst>
-                </p:cTn>
-                <p:tgtEl>
-                  <p:spTgt spid="3"/>
-                </p:tgtEl>
-              </p:cMediaNode>
-            </p:video>
-          </p:childTnLst>
-        </p:cTn>
-      </p:par>
-    </p:tnLst>
-  </p:timing>
-</p:sld>
-</file>
-
-<file path=ppt/slides/slide34.xml><?xml version="1.0" encoding="utf-8"?>
-<p:sld xmlns:a="http://schemas.openxmlformats.org/drawingml/2006/main" xmlns:p="http://schemas.openxmlformats.org/presentationml/2006/main" xmlns:r="http://schemas.openxmlformats.org/officeDocument/2006/relationships">
-  <p:cSld>
-    <p:spTree>
-      <p:nvGrpSpPr>
-        <p:cNvPr id="1" name=""/>
-        <p:cNvGrpSpPr/>
-        <p:nvPr/>
-      </p:nvGrpSpPr>
-      <p:grpSpPr/>
-      <p:sp>
-        <p:nvSpPr>
-          <p:cNvPr id="2" name="Title 1"/>
-          <p:cNvSpPr>
-            <a:spLocks noGrp="1"/>
-          </p:cNvSpPr>
-          <p:nvPr>
-            <p:ph type="title"/>
-          </p:nvPr>
-        </p:nvSpPr>
-        <p:spPr/>
-        <p:txBody>
-          <a:bodyPr/>
-          <a:lstStyle/>
-          <a:p>
-            <a:r>
-              <a:t>Track 7</a:t>
-            </a:r>
-          </a:p>
-        </p:txBody>
-      </p:sp>
-      <p:pic>
-        <p:nvPicPr>
-          <p:cNvPr id="3" name="movie.vid">
-            <a:hlinkClick r:id="" action="ppaction://media"/>
-          </p:cNvPr>
-          <p:cNvPicPr>
-            <a:picLocks noChangeAspect="1"/>
-          </p:cNvPicPr>
-          <p:nvPr>
-            <a:videoFile r:link="rId3"/>
-            <p:extLst>
-              <p:ext uri="{DAA4B4D4-6D71-4841-9C94-3DE7FCFB9230}">
-                <p14:media xmlns:p14="http://schemas.microsoft.com/office/powerpoint/2010/main" r:embed="rId2"/>
-              </p:ext>
-            </p:extLst>
-          </p:nvPr>
-        </p:nvPicPr>
-        <p:blipFill>
-          <a:blip r:embed="rId4"/>
-          <a:stretch>
-            <a:fillRect/>
-          </a:stretch>
-        </p:blipFill>
-        <p:spPr>
-          <a:xfrm>
-            <a:off x="7315200" y="1371600"/>
-            <a:ext cx="5486400" cy="5486400"/>
-          </a:xfrm>
-          <a:prstGeom prst="rect">
-            <a:avLst/>
-          </a:prstGeom>
-        </p:spPr>
-      </p:pic>
-    </p:spTree>
-  </p:cSld>
-  <p:clrMapOvr>
-    <a:masterClrMapping/>
-  </p:clrMapOvr>
-  <p:timing>
-    <p:tnLst>
-      <p:par>
-        <p:cTn id="1" dur="indefinite" restart="never" nodeType="tmRoot">
-          <p:childTnLst>
-            <p:video>
-              <p:cMediaNode vol="80000">
-                <p:cTn id="2" fill="hold" display="0">
-                  <p:stCondLst>
-                    <p:cond delay="indefinite"/>
-                  </p:stCondLst>
-                </p:cTn>
-                <p:tgtEl>
-                  <p:spTgt spid="3"/>
-                </p:tgtEl>
-              </p:cMediaNode>
-            </p:video>
-          </p:childTnLst>
-        </p:cTn>
-      </p:par>
-    </p:tnLst>
-  </p:timing>
-</p:sld>
-</file>
-
-<file path=ppt/slides/slide35.xml><?xml version="1.0" encoding="utf-8"?>
-<p:sld xmlns:a="http://schemas.openxmlformats.org/drawingml/2006/main" xmlns:p="http://schemas.openxmlformats.org/presentationml/2006/main" xmlns:r="http://schemas.openxmlformats.org/officeDocument/2006/relationships">
-  <p:cSld>
-    <p:spTree>
-      <p:nvGrpSpPr>
-        <p:cNvPr id="1" name=""/>
-        <p:cNvGrpSpPr/>
-        <p:nvPr/>
-      </p:nvGrpSpPr>
-      <p:grpSpPr/>
-      <p:sp>
-        <p:nvSpPr>
-          <p:cNvPr id="2" name="Title 1"/>
-          <p:cNvSpPr>
-            <a:spLocks noGrp="1"/>
-          </p:cNvSpPr>
-          <p:nvPr>
-            <p:ph type="title"/>
-          </p:nvPr>
-        </p:nvSpPr>
-        <p:spPr/>
-        <p:txBody>
-          <a:bodyPr/>
-          <a:lstStyle/>
-          <a:p>
-            <a:r>
-              <a:t>Track 8</a:t>
-            </a:r>
-          </a:p>
-        </p:txBody>
-      </p:sp>
-      <p:pic>
-        <p:nvPicPr>
-          <p:cNvPr id="3" name="movie.vid">
-            <a:hlinkClick r:id="" action="ppaction://media"/>
-          </p:cNvPr>
-          <p:cNvPicPr>
-            <a:picLocks noChangeAspect="1"/>
-          </p:cNvPicPr>
-          <p:nvPr>
-            <a:videoFile r:link="rId3"/>
-            <p:extLst>
-              <p:ext uri="{DAA4B4D4-6D71-4841-9C94-3DE7FCFB9230}">
-                <p14:media xmlns:p14="http://schemas.microsoft.com/office/powerpoint/2010/main" r:embed="rId2"/>
-              </p:ext>
-            </p:extLst>
-          </p:nvPr>
-        </p:nvPicPr>
-        <p:blipFill>
-          <a:blip r:embed="rId4"/>
-          <a:stretch>
-            <a:fillRect/>
-          </a:stretch>
-        </p:blipFill>
-        <p:spPr>
-          <a:xfrm>
-            <a:off x="7315200" y="1371600"/>
-            <a:ext cx="5486400" cy="5486400"/>
-          </a:xfrm>
-          <a:prstGeom prst="rect">
-            <a:avLst/>
-          </a:prstGeom>
-        </p:spPr>
-      </p:pic>
-    </p:spTree>
-  </p:cSld>
-  <p:clrMapOvr>
-    <a:masterClrMapping/>
-  </p:clrMapOvr>
-  <p:timing>
-    <p:tnLst>
-      <p:par>
-        <p:cTn id="1" dur="indefinite" restart="never" nodeType="tmRoot">
-          <p:childTnLst>
-            <p:video>
-              <p:cMediaNode vol="80000">
-                <p:cTn id="2" fill="hold" display="0">
-                  <p:stCondLst>
-                    <p:cond delay="indefinite"/>
-                  </p:stCondLst>
-                </p:cTn>
-                <p:tgtEl>
-                  <p:spTgt spid="3"/>
-                </p:tgtEl>
-              </p:cMediaNode>
-            </p:video>
-          </p:childTnLst>
-        </p:cTn>
-      </p:par>
-    </p:tnLst>
-  </p:timing>
-</p:sld>
-</file>
-
-<file path=ppt/slides/slide36.xml><?xml version="1.0" encoding="utf-8"?>
-<p:sld xmlns:a="http://schemas.openxmlformats.org/drawingml/2006/main" xmlns:p="http://schemas.openxmlformats.org/presentationml/2006/main" xmlns:r="http://schemas.openxmlformats.org/officeDocument/2006/relationships">
-  <p:cSld>
-    <p:spTree>
-      <p:nvGrpSpPr>
-        <p:cNvPr id="1" name=""/>
-        <p:cNvGrpSpPr/>
-        <p:nvPr/>
-      </p:nvGrpSpPr>
-      <p:grpSpPr/>
-      <p:sp>
-        <p:nvSpPr>
-          <p:cNvPr id="2" name="Title 1"/>
-          <p:cNvSpPr>
-            <a:spLocks noGrp="1"/>
-          </p:cNvSpPr>
-          <p:nvPr>
-            <p:ph type="title"/>
-          </p:nvPr>
-        </p:nvSpPr>
-        <p:spPr/>
-        <p:txBody>
-          <a:bodyPr/>
-          <a:lstStyle/>
-          <a:p>
-            <a:r>
-              <a:t>Track 9</a:t>
-            </a:r>
-          </a:p>
-        </p:txBody>
-      </p:sp>
-      <p:pic>
-        <p:nvPicPr>
-          <p:cNvPr id="3" name="movie.vid">
-            <a:hlinkClick r:id="" action="ppaction://media"/>
-          </p:cNvPr>
-          <p:cNvPicPr>
-            <a:picLocks noChangeAspect="1"/>
-          </p:cNvPicPr>
-          <p:nvPr>
-            <a:videoFile r:link="rId3"/>
-            <p:extLst>
-              <p:ext uri="{DAA4B4D4-6D71-4841-9C94-3DE7FCFB9230}">
-                <p14:media xmlns:p14="http://schemas.microsoft.com/office/powerpoint/2010/main" r:embed="rId2"/>
-              </p:ext>
-            </p:extLst>
-          </p:nvPr>
-        </p:nvPicPr>
-        <p:blipFill>
-          <a:blip r:embed="rId4"/>
-          <a:stretch>
-            <a:fillRect/>
-          </a:stretch>
-        </p:blipFill>
-        <p:spPr>
-          <a:xfrm>
-            <a:off x="7315200" y="1371600"/>
-            <a:ext cx="5486400" cy="5486400"/>
-          </a:xfrm>
-          <a:prstGeom prst="rect">
-            <a:avLst/>
-          </a:prstGeom>
-        </p:spPr>
-      </p:pic>
-    </p:spTree>
-  </p:cSld>
-  <p:clrMapOvr>
-    <a:masterClrMapping/>
-  </p:clrMapOvr>
-  <p:timing>
-    <p:tnLst>
-      <p:par>
-        <p:cTn id="1" dur="indefinite" restart="never" nodeType="tmRoot">
-          <p:childTnLst>
-            <p:video>
-              <p:cMediaNode vol="80000">
-                <p:cTn id="2" fill="hold" display="0">
-                  <p:stCondLst>
-                    <p:cond delay="indefinite"/>
-                  </p:stCondLst>
-                </p:cTn>
-                <p:tgtEl>
-                  <p:spTgt spid="3"/>
-                </p:tgtEl>
-              </p:cMediaNode>
-            </p:video>
-          </p:childTnLst>
-        </p:cTn>
-      </p:par>
-    </p:tnLst>
-  </p:timing>
-</p:sld>
-</file>
-
-<file path=ppt/slides/slide37.xml><?xml version="1.0" encoding="utf-8"?>
-<p:sld xmlns:a="http://schemas.openxmlformats.org/drawingml/2006/main" xmlns:p="http://schemas.openxmlformats.org/presentationml/2006/main" xmlns:r="http://schemas.openxmlformats.org/officeDocument/2006/relationships">
-  <p:cSld>
-    <p:spTree>
-      <p:nvGrpSpPr>
-        <p:cNvPr id="1" name=""/>
-        <p:cNvGrpSpPr/>
-        <p:nvPr/>
-      </p:nvGrpSpPr>
-      <p:grpSpPr/>
-      <p:sp>
-        <p:nvSpPr>
-          <p:cNvPr id="2" name="Title 1"/>
-          <p:cNvSpPr>
-            <a:spLocks noGrp="1"/>
-          </p:cNvSpPr>
-          <p:nvPr>
-            <p:ph type="title"/>
-          </p:nvPr>
-        </p:nvSpPr>
-        <p:spPr/>
-        <p:txBody>
-          <a:bodyPr/>
-          <a:lstStyle/>
-          <a:p>
-            <a:r>
-              <a:t>Track 10</a:t>
-            </a:r>
-          </a:p>
-        </p:txBody>
-      </p:sp>
-      <p:pic>
-        <p:nvPicPr>
-          <p:cNvPr id="3" name="movie.vid">
-            <a:hlinkClick r:id="" action="ppaction://media"/>
-          </p:cNvPr>
-          <p:cNvPicPr>
-            <a:picLocks noChangeAspect="1"/>
-          </p:cNvPicPr>
-          <p:nvPr>
-            <a:videoFile r:link="rId3"/>
-            <p:extLst>
-              <p:ext uri="{DAA4B4D4-6D71-4841-9C94-3DE7FCFB9230}">
-                <p14:media xmlns:p14="http://schemas.microsoft.com/office/powerpoint/2010/main" r:embed="rId2"/>
-              </p:ext>
-            </p:extLst>
-          </p:nvPr>
-        </p:nvPicPr>
-        <p:blipFill>
-          <a:blip r:embed="rId4"/>
-          <a:stretch>
-            <a:fillRect/>
-          </a:stretch>
-        </p:blipFill>
-        <p:spPr>
-          <a:xfrm>
-            <a:off x="7315200" y="1371600"/>
-            <a:ext cx="5486400" cy="5486400"/>
-          </a:xfrm>
-          <a:prstGeom prst="rect">
-            <a:avLst/>
-          </a:prstGeom>
-        </p:spPr>
-      </p:pic>
-    </p:spTree>
-  </p:cSld>
-  <p:clrMapOvr>
-    <a:masterClrMapping/>
-  </p:clrMapOvr>
-  <p:timing>
-    <p:tnLst>
-      <p:par>
-        <p:cTn id="1" dur="indefinite" restart="never" nodeType="tmRoot">
-          <p:childTnLst>
-            <p:video>
-              <p:cMediaNode vol="80000">
-                <p:cTn id="2" fill="hold" display="0">
-                  <p:stCondLst>
-                    <p:cond delay="indefinite"/>
-                  </p:stCondLst>
-                </p:cTn>
-                <p:tgtEl>
-                  <p:spTgt spid="3"/>
-                </p:tgtEl>
-              </p:cMediaNode>
-            </p:video>
-          </p:childTnLst>
-        </p:cTn>
-      </p:par>
-    </p:tnLst>
-  </p:timing>
-</p:sld>
-</file>
-
-<file path=ppt/slides/slide38.xml><?xml version="1.0" encoding="utf-8"?>
-<p:sld xmlns:a="http://schemas.openxmlformats.org/drawingml/2006/main" xmlns:p="http://schemas.openxmlformats.org/presentationml/2006/main" xmlns:r="http://schemas.openxmlformats.org/officeDocument/2006/relationships">
-  <p:cSld>
-    <p:spTree>
-      <p:nvGrpSpPr>
-        <p:cNvPr id="1" name=""/>
-        <p:cNvGrpSpPr/>
-        <p:nvPr/>
-      </p:nvGrpSpPr>
-      <p:grpSpPr/>
-      <p:sp>
-        <p:nvSpPr>
-          <p:cNvPr id="2" name="Title 1"/>
-          <p:cNvSpPr>
-            <a:spLocks noGrp="1"/>
-          </p:cNvSpPr>
-          <p:nvPr>
-            <p:ph type="title"/>
-          </p:nvPr>
-        </p:nvSpPr>
-        <p:spPr/>
-        <p:txBody>
-          <a:bodyPr/>
-          <a:lstStyle/>
-          <a:p>
-            <a:r>
-              <a:t>Round 3 Review</a:t>
-            </a:r>
-          </a:p>
-        </p:txBody>
-      </p:sp>
-      <p:sp>
-        <p:nvSpPr>
-          <p:cNvPr id="3" name="Content Placeholder 2"/>
-          <p:cNvSpPr>
-            <a:spLocks noGrp="1"/>
-          </p:cNvSpPr>
-          <p:nvPr>
-            <p:ph idx="10" sz="quarter"/>
-          </p:nvPr>
-        </p:nvSpPr>
-        <p:spPr>
-          <a:xfrm>
-            <a:off x="6912864" y="1828800"/>
-            <a:ext cx="2834640" cy="914400"/>
-          </a:xfrm>
-        </p:spPr>
-        <p:txBody>
-          <a:bodyPr/>
-          <a:lstStyle/>
-          <a:p>
-            <a:r>
-              <a:t> Track 1</a:t>
-            </a:r>
-          </a:p>
-        </p:txBody>
-      </p:sp>
-      <p:sp>
-        <p:nvSpPr>
-          <p:cNvPr id="3" name="Content Placeholder 2"/>
-          <p:cNvSpPr>
-            <a:spLocks noGrp="1"/>
-          </p:cNvSpPr>
-          <p:nvPr>
-            <p:ph idx="10" sz="quarter"/>
-          </p:nvPr>
-        </p:nvSpPr>
-        <p:spPr>
-          <a:xfrm>
-            <a:off x="11018520" y="1828800"/>
-            <a:ext cx="2834640" cy="914400"/>
-          </a:xfrm>
-        </p:spPr>
-        <p:txBody>
-          <a:bodyPr/>
-          <a:lstStyle/>
-          <a:p>
-            <a:r>
-              <a:t> Track 2</a:t>
-            </a:r>
-          </a:p>
-        </p:txBody>
-      </p:sp>
-      <p:sp>
-        <p:nvSpPr>
-          <p:cNvPr id="3" name="Content Placeholder 2"/>
-          <p:cNvSpPr>
-            <a:spLocks noGrp="1"/>
-          </p:cNvSpPr>
-          <p:nvPr>
-            <p:ph idx="10" sz="quarter"/>
-          </p:nvPr>
-        </p:nvSpPr>
-        <p:spPr>
-          <a:xfrm>
-            <a:off x="6912864" y="2743200"/>
-            <a:ext cx="2834640" cy="914400"/>
-          </a:xfrm>
-        </p:spPr>
-        <p:txBody>
-          <a:bodyPr/>
-          <a:lstStyle/>
-          <a:p>
-            <a:r>
-              <a:t> Track 3</a:t>
-            </a:r>
-          </a:p>
-        </p:txBody>
-      </p:sp>
-      <p:sp>
-        <p:nvSpPr>
-          <p:cNvPr id="3" name="Content Placeholder 2"/>
-          <p:cNvSpPr>
-            <a:spLocks noGrp="1"/>
-          </p:cNvSpPr>
-          <p:nvPr>
-            <p:ph idx="10" sz="quarter"/>
-          </p:nvPr>
-        </p:nvSpPr>
-        <p:spPr>
-          <a:xfrm>
-            <a:off x="11018520" y="2743200"/>
-            <a:ext cx="2834640" cy="914400"/>
-          </a:xfrm>
-        </p:spPr>
-        <p:txBody>
-          <a:bodyPr/>
-          <a:lstStyle/>
-          <a:p>
-            <a:r>
-              <a:t> Track 4</a:t>
-            </a:r>
-          </a:p>
-        </p:txBody>
-      </p:sp>
-      <p:sp>
-        <p:nvSpPr>
-          <p:cNvPr id="3" name="Content Placeholder 2"/>
-          <p:cNvSpPr>
-            <a:spLocks noGrp="1"/>
-          </p:cNvSpPr>
-          <p:nvPr>
-            <p:ph idx="10" sz="quarter"/>
-          </p:nvPr>
-        </p:nvSpPr>
-        <p:spPr>
-          <a:xfrm>
-            <a:off x="6912864" y="3657600"/>
-            <a:ext cx="2834640" cy="914400"/>
-          </a:xfrm>
-        </p:spPr>
-        <p:txBody>
-          <a:bodyPr/>
-          <a:lstStyle/>
-          <a:p>
-            <a:r>
-              <a:t> Track 5</a:t>
-            </a:r>
-          </a:p>
-        </p:txBody>
-      </p:sp>
-      <p:sp>
-        <p:nvSpPr>
-          <p:cNvPr id="3" name="Content Placeholder 2"/>
-          <p:cNvSpPr>
-            <a:spLocks noGrp="1"/>
-          </p:cNvSpPr>
-          <p:nvPr>
-            <p:ph idx="10" sz="quarter"/>
-          </p:nvPr>
-        </p:nvSpPr>
-        <p:spPr>
-          <a:xfrm>
-            <a:off x="11018520" y="3657600"/>
-            <a:ext cx="2834640" cy="914400"/>
-          </a:xfrm>
-        </p:spPr>
-        <p:txBody>
-          <a:bodyPr/>
-          <a:lstStyle/>
-          <a:p>
-            <a:r>
-              <a:t> Track 6</a:t>
-            </a:r>
-          </a:p>
-        </p:txBody>
-      </p:sp>
-      <p:sp>
-        <p:nvSpPr>
-          <p:cNvPr id="3" name="Content Placeholder 2"/>
-          <p:cNvSpPr>
-            <a:spLocks noGrp="1"/>
-          </p:cNvSpPr>
-          <p:nvPr>
-            <p:ph idx="10" sz="quarter"/>
-          </p:nvPr>
-        </p:nvSpPr>
-        <p:spPr>
-          <a:xfrm>
-            <a:off x="6912864" y="4572000"/>
-            <a:ext cx="2834640" cy="914400"/>
-          </a:xfrm>
-        </p:spPr>
-        <p:txBody>
-          <a:bodyPr/>
-          <a:lstStyle/>
-          <a:p>
-            <a:r>
-              <a:t> Track 7</a:t>
-            </a:r>
-          </a:p>
-        </p:txBody>
-      </p:sp>
-      <p:sp>
-        <p:nvSpPr>
-          <p:cNvPr id="3" name="Content Placeholder 2"/>
-          <p:cNvSpPr>
-            <a:spLocks noGrp="1"/>
-          </p:cNvSpPr>
-          <p:nvPr>
-            <p:ph idx="10" sz="quarter"/>
-          </p:nvPr>
-        </p:nvSpPr>
-        <p:spPr>
-          <a:xfrm>
-            <a:off x="11018520" y="4572000"/>
-            <a:ext cx="2834640" cy="914400"/>
-          </a:xfrm>
-        </p:spPr>
-        <p:txBody>
-          <a:bodyPr/>
-          <a:lstStyle/>
-          <a:p>
-            <a:r>
-              <a:t> Track 8</a:t>
-            </a:r>
-          </a:p>
-        </p:txBody>
-      </p:sp>
-      <p:sp>
-        <p:nvSpPr>
-          <p:cNvPr id="3" name="Content Placeholder 2"/>
-          <p:cNvSpPr>
-            <a:spLocks noGrp="1"/>
-          </p:cNvSpPr>
-          <p:nvPr>
-            <p:ph idx="10" sz="quarter"/>
-          </p:nvPr>
-        </p:nvSpPr>
-        <p:spPr>
-          <a:xfrm>
-            <a:off x="6912864" y="5486400"/>
-            <a:ext cx="2834640" cy="914400"/>
-          </a:xfrm>
-        </p:spPr>
-        <p:txBody>
-          <a:bodyPr/>
-          <a:lstStyle/>
-          <a:p>
-            <a:r>
-              <a:t> Track 9</a:t>
-            </a:r>
-          </a:p>
-        </p:txBody>
-      </p:sp>
-      <p:sp>
-        <p:nvSpPr>
-          <p:cNvPr id="3" name="Content Placeholder 2"/>
-          <p:cNvSpPr>
-            <a:spLocks noGrp="1"/>
-          </p:cNvSpPr>
-          <p:nvPr>
-            <p:ph idx="10" sz="quarter"/>
-          </p:nvPr>
-        </p:nvSpPr>
-        <p:spPr>
-          <a:xfrm>
-            <a:off x="11018520" y="5486400"/>
-            <a:ext cx="2834640" cy="914400"/>
-          </a:xfrm>
-        </p:spPr>
-        <p:txBody>
-          <a:bodyPr/>
-          <a:lstStyle/>
-          <a:p>
-            <a:r>
-              <a:t> Track 10</a:t>
-            </a:r>
-          </a:p>
-        </p:txBody>
-      </p:sp>
-    </p:spTree>
-  </p:cSld>
-  <p:clrMapOvr>
-    <a:masterClrMapping/>
-  </p:clrMapOvr>
-</p:sld>
-</file>
-
-<file path=ppt/slides/slide39.xml><?xml version="1.0" encoding="utf-8"?>
-<p:sld xmlns:a="http://schemas.openxmlformats.org/drawingml/2006/main" xmlns:p="http://schemas.openxmlformats.org/presentationml/2006/main" xmlns:r="http://schemas.openxmlformats.org/officeDocument/2006/relationships">
-  <p:cSld>
-    <p:spTree>
-      <p:nvGrpSpPr>
-        <p:cNvPr id="1" name=""/>
-        <p:cNvGrpSpPr/>
-        <p:nvPr/>
-      </p:nvGrpSpPr>
-      <p:grpSpPr/>
-      <p:sp>
-        <p:nvSpPr>
-          <p:cNvPr id="2" name="Title 1"/>
-          <p:cNvSpPr>
-            <a:spLocks noGrp="1"/>
-          </p:cNvSpPr>
-          <p:nvPr>
-            <p:ph type="title"/>
-          </p:nvPr>
-        </p:nvSpPr>
-        <p:spPr/>
-        <p:txBody>
-          <a:bodyPr/>
-          <a:lstStyle/>
-          <a:p>
-            <a:r>
-              <a:t>Round 4</a:t>
-            </a:r>
-          </a:p>
-        </p:txBody>
-      </p:sp>
-    </p:spTree>
-  </p:cSld>
-  <p:clrMapOvr>
-    <a:masterClrMapping/>
-  </p:clrMapOvr>
-</p:sld>
-</file>
-
 <file path=ppt/slides/slide4.xml><?xml version="1.0" encoding="utf-8"?>
 <p:sld xmlns:a="http://schemas.openxmlformats.org/drawingml/2006/main" xmlns:p="http://schemas.openxmlformats.org/presentationml/2006/main" xmlns:r="http://schemas.openxmlformats.org/officeDocument/2006/relationships">
   <p:cSld>
@@ -12833,946 +10484,6 @@
           <a:p>
             <a:r>
               <a:t>Track 1</a:t>
-            </a:r>
-          </a:p>
-        </p:txBody>
-      </p:sp>
-      <p:pic>
-        <p:nvPicPr>
-          <p:cNvPr id="3" name="movie.vid">
-            <a:hlinkClick r:id="" action="ppaction://media"/>
-          </p:cNvPr>
-          <p:cNvPicPr>
-            <a:picLocks noChangeAspect="1"/>
-          </p:cNvPicPr>
-          <p:nvPr>
-            <a:videoFile r:link="rId3"/>
-            <p:extLst>
-              <p:ext uri="{DAA4B4D4-6D71-4841-9C94-3DE7FCFB9230}">
-                <p14:media xmlns:p14="http://schemas.microsoft.com/office/powerpoint/2010/main" r:embed="rId2"/>
-              </p:ext>
-            </p:extLst>
-          </p:nvPr>
-        </p:nvPicPr>
-        <p:blipFill>
-          <a:blip r:embed="rId4"/>
-          <a:stretch>
-            <a:fillRect/>
-          </a:stretch>
-        </p:blipFill>
-        <p:spPr>
-          <a:xfrm>
-            <a:off x="7315200" y="1371600"/>
-            <a:ext cx="5486400" cy="5486400"/>
-          </a:xfrm>
-          <a:prstGeom prst="rect">
-            <a:avLst/>
-          </a:prstGeom>
-        </p:spPr>
-      </p:pic>
-    </p:spTree>
-  </p:cSld>
-  <p:clrMapOvr>
-    <a:masterClrMapping/>
-  </p:clrMapOvr>
-  <p:timing>
-    <p:tnLst>
-      <p:par>
-        <p:cTn id="1" dur="indefinite" restart="never" nodeType="tmRoot">
-          <p:childTnLst>
-            <p:video>
-              <p:cMediaNode vol="80000">
-                <p:cTn id="2" fill="hold" display="0">
-                  <p:stCondLst>
-                    <p:cond delay="indefinite"/>
-                  </p:stCondLst>
-                </p:cTn>
-                <p:tgtEl>
-                  <p:spTgt spid="3"/>
-                </p:tgtEl>
-              </p:cMediaNode>
-            </p:video>
-          </p:childTnLst>
-        </p:cTn>
-      </p:par>
-    </p:tnLst>
-  </p:timing>
-</p:sld>
-</file>
-
-<file path=ppt/slides/slide40.xml><?xml version="1.0" encoding="utf-8"?>
-<p:sld xmlns:a="http://schemas.openxmlformats.org/drawingml/2006/main" xmlns:p="http://schemas.openxmlformats.org/presentationml/2006/main" xmlns:r="http://schemas.openxmlformats.org/officeDocument/2006/relationships">
-  <p:cSld>
-    <p:spTree>
-      <p:nvGrpSpPr>
-        <p:cNvPr id="1" name=""/>
-        <p:cNvGrpSpPr/>
-        <p:nvPr/>
-      </p:nvGrpSpPr>
-      <p:grpSpPr/>
-      <p:sp>
-        <p:nvSpPr>
-          <p:cNvPr id="2" name="Title 1"/>
-          <p:cNvSpPr>
-            <a:spLocks noGrp="1"/>
-          </p:cNvSpPr>
-          <p:nvPr>
-            <p:ph type="title"/>
-          </p:nvPr>
-        </p:nvSpPr>
-        <p:spPr/>
-        <p:txBody>
-          <a:bodyPr/>
-          <a:lstStyle/>
-          <a:p>
-            <a:r>
-              <a:t>Track 1</a:t>
-            </a:r>
-          </a:p>
-        </p:txBody>
-      </p:sp>
-      <p:pic>
-        <p:nvPicPr>
-          <p:cNvPr id="3" name="movie.vid">
-            <a:hlinkClick r:id="" action="ppaction://media"/>
-          </p:cNvPr>
-          <p:cNvPicPr>
-            <a:picLocks noChangeAspect="1"/>
-          </p:cNvPicPr>
-          <p:nvPr>
-            <a:videoFile r:link="rId3"/>
-            <p:extLst>
-              <p:ext uri="{DAA4B4D4-6D71-4841-9C94-3DE7FCFB9230}">
-                <p14:media xmlns:p14="http://schemas.microsoft.com/office/powerpoint/2010/main" r:embed="rId2"/>
-              </p:ext>
-            </p:extLst>
-          </p:nvPr>
-        </p:nvPicPr>
-        <p:blipFill>
-          <a:blip r:embed="rId4"/>
-          <a:stretch>
-            <a:fillRect/>
-          </a:stretch>
-        </p:blipFill>
-        <p:spPr>
-          <a:xfrm>
-            <a:off x="7315200" y="1371600"/>
-            <a:ext cx="5486400" cy="5486400"/>
-          </a:xfrm>
-          <a:prstGeom prst="rect">
-            <a:avLst/>
-          </a:prstGeom>
-        </p:spPr>
-      </p:pic>
-    </p:spTree>
-  </p:cSld>
-  <p:clrMapOvr>
-    <a:masterClrMapping/>
-  </p:clrMapOvr>
-  <p:timing>
-    <p:tnLst>
-      <p:par>
-        <p:cTn id="1" dur="indefinite" restart="never" nodeType="tmRoot">
-          <p:childTnLst>
-            <p:video>
-              <p:cMediaNode vol="80000">
-                <p:cTn id="2" fill="hold" display="0">
-                  <p:stCondLst>
-                    <p:cond delay="indefinite"/>
-                  </p:stCondLst>
-                </p:cTn>
-                <p:tgtEl>
-                  <p:spTgt spid="3"/>
-                </p:tgtEl>
-              </p:cMediaNode>
-            </p:video>
-          </p:childTnLst>
-        </p:cTn>
-      </p:par>
-    </p:tnLst>
-  </p:timing>
-</p:sld>
-</file>
-
-<file path=ppt/slides/slide41.xml><?xml version="1.0" encoding="utf-8"?>
-<p:sld xmlns:a="http://schemas.openxmlformats.org/drawingml/2006/main" xmlns:p="http://schemas.openxmlformats.org/presentationml/2006/main" xmlns:r="http://schemas.openxmlformats.org/officeDocument/2006/relationships">
-  <p:cSld>
-    <p:spTree>
-      <p:nvGrpSpPr>
-        <p:cNvPr id="1" name=""/>
-        <p:cNvGrpSpPr/>
-        <p:nvPr/>
-      </p:nvGrpSpPr>
-      <p:grpSpPr/>
-      <p:sp>
-        <p:nvSpPr>
-          <p:cNvPr id="2" name="Title 1"/>
-          <p:cNvSpPr>
-            <a:spLocks noGrp="1"/>
-          </p:cNvSpPr>
-          <p:nvPr>
-            <p:ph type="title"/>
-          </p:nvPr>
-        </p:nvSpPr>
-        <p:spPr/>
-        <p:txBody>
-          <a:bodyPr/>
-          <a:lstStyle/>
-          <a:p>
-            <a:r>
-              <a:t>Track 2</a:t>
-            </a:r>
-          </a:p>
-        </p:txBody>
-      </p:sp>
-      <p:pic>
-        <p:nvPicPr>
-          <p:cNvPr id="3" name="movie.vid">
-            <a:hlinkClick r:id="" action="ppaction://media"/>
-          </p:cNvPr>
-          <p:cNvPicPr>
-            <a:picLocks noChangeAspect="1"/>
-          </p:cNvPicPr>
-          <p:nvPr>
-            <a:videoFile r:link="rId3"/>
-            <p:extLst>
-              <p:ext uri="{DAA4B4D4-6D71-4841-9C94-3DE7FCFB9230}">
-                <p14:media xmlns:p14="http://schemas.microsoft.com/office/powerpoint/2010/main" r:embed="rId2"/>
-              </p:ext>
-            </p:extLst>
-          </p:nvPr>
-        </p:nvPicPr>
-        <p:blipFill>
-          <a:blip r:embed="rId4"/>
-          <a:stretch>
-            <a:fillRect/>
-          </a:stretch>
-        </p:blipFill>
-        <p:spPr>
-          <a:xfrm>
-            <a:off x="7315200" y="1371600"/>
-            <a:ext cx="5486400" cy="5486400"/>
-          </a:xfrm>
-          <a:prstGeom prst="rect">
-            <a:avLst/>
-          </a:prstGeom>
-        </p:spPr>
-      </p:pic>
-    </p:spTree>
-  </p:cSld>
-  <p:clrMapOvr>
-    <a:masterClrMapping/>
-  </p:clrMapOvr>
-  <p:timing>
-    <p:tnLst>
-      <p:par>
-        <p:cTn id="1" dur="indefinite" restart="never" nodeType="tmRoot">
-          <p:childTnLst>
-            <p:video>
-              <p:cMediaNode vol="80000">
-                <p:cTn id="2" fill="hold" display="0">
-                  <p:stCondLst>
-                    <p:cond delay="indefinite"/>
-                  </p:stCondLst>
-                </p:cTn>
-                <p:tgtEl>
-                  <p:spTgt spid="3"/>
-                </p:tgtEl>
-              </p:cMediaNode>
-            </p:video>
-          </p:childTnLst>
-        </p:cTn>
-      </p:par>
-    </p:tnLst>
-  </p:timing>
-</p:sld>
-</file>
-
-<file path=ppt/slides/slide42.xml><?xml version="1.0" encoding="utf-8"?>
-<p:sld xmlns:a="http://schemas.openxmlformats.org/drawingml/2006/main" xmlns:p="http://schemas.openxmlformats.org/presentationml/2006/main" xmlns:r="http://schemas.openxmlformats.org/officeDocument/2006/relationships">
-  <p:cSld>
-    <p:spTree>
-      <p:nvGrpSpPr>
-        <p:cNvPr id="1" name=""/>
-        <p:cNvGrpSpPr/>
-        <p:nvPr/>
-      </p:nvGrpSpPr>
-      <p:grpSpPr/>
-      <p:sp>
-        <p:nvSpPr>
-          <p:cNvPr id="2" name="Title 1"/>
-          <p:cNvSpPr>
-            <a:spLocks noGrp="1"/>
-          </p:cNvSpPr>
-          <p:nvPr>
-            <p:ph type="title"/>
-          </p:nvPr>
-        </p:nvSpPr>
-        <p:spPr/>
-        <p:txBody>
-          <a:bodyPr/>
-          <a:lstStyle/>
-          <a:p>
-            <a:r>
-              <a:t>Track 3</a:t>
-            </a:r>
-          </a:p>
-        </p:txBody>
-      </p:sp>
-      <p:pic>
-        <p:nvPicPr>
-          <p:cNvPr id="3" name="movie.vid">
-            <a:hlinkClick r:id="" action="ppaction://media"/>
-          </p:cNvPr>
-          <p:cNvPicPr>
-            <a:picLocks noChangeAspect="1"/>
-          </p:cNvPicPr>
-          <p:nvPr>
-            <a:videoFile r:link="rId3"/>
-            <p:extLst>
-              <p:ext uri="{DAA4B4D4-6D71-4841-9C94-3DE7FCFB9230}">
-                <p14:media xmlns:p14="http://schemas.microsoft.com/office/powerpoint/2010/main" r:embed="rId2"/>
-              </p:ext>
-            </p:extLst>
-          </p:nvPr>
-        </p:nvPicPr>
-        <p:blipFill>
-          <a:blip r:embed="rId4"/>
-          <a:stretch>
-            <a:fillRect/>
-          </a:stretch>
-        </p:blipFill>
-        <p:spPr>
-          <a:xfrm>
-            <a:off x="7315200" y="1371600"/>
-            <a:ext cx="5486400" cy="5486400"/>
-          </a:xfrm>
-          <a:prstGeom prst="rect">
-            <a:avLst/>
-          </a:prstGeom>
-        </p:spPr>
-      </p:pic>
-    </p:spTree>
-  </p:cSld>
-  <p:clrMapOvr>
-    <a:masterClrMapping/>
-  </p:clrMapOvr>
-  <p:timing>
-    <p:tnLst>
-      <p:par>
-        <p:cTn id="1" dur="indefinite" restart="never" nodeType="tmRoot">
-          <p:childTnLst>
-            <p:video>
-              <p:cMediaNode vol="80000">
-                <p:cTn id="2" fill="hold" display="0">
-                  <p:stCondLst>
-                    <p:cond delay="indefinite"/>
-                  </p:stCondLst>
-                </p:cTn>
-                <p:tgtEl>
-                  <p:spTgt spid="3"/>
-                </p:tgtEl>
-              </p:cMediaNode>
-            </p:video>
-          </p:childTnLst>
-        </p:cTn>
-      </p:par>
-    </p:tnLst>
-  </p:timing>
-</p:sld>
-</file>
-
-<file path=ppt/slides/slide43.xml><?xml version="1.0" encoding="utf-8"?>
-<p:sld xmlns:a="http://schemas.openxmlformats.org/drawingml/2006/main" xmlns:p="http://schemas.openxmlformats.org/presentationml/2006/main" xmlns:r="http://schemas.openxmlformats.org/officeDocument/2006/relationships">
-  <p:cSld>
-    <p:spTree>
-      <p:nvGrpSpPr>
-        <p:cNvPr id="1" name=""/>
-        <p:cNvGrpSpPr/>
-        <p:nvPr/>
-      </p:nvGrpSpPr>
-      <p:grpSpPr/>
-      <p:sp>
-        <p:nvSpPr>
-          <p:cNvPr id="2" name="Title 1"/>
-          <p:cNvSpPr>
-            <a:spLocks noGrp="1"/>
-          </p:cNvSpPr>
-          <p:nvPr>
-            <p:ph type="title"/>
-          </p:nvPr>
-        </p:nvSpPr>
-        <p:spPr/>
-        <p:txBody>
-          <a:bodyPr/>
-          <a:lstStyle/>
-          <a:p>
-            <a:r>
-              <a:t>Track 4</a:t>
-            </a:r>
-          </a:p>
-        </p:txBody>
-      </p:sp>
-      <p:pic>
-        <p:nvPicPr>
-          <p:cNvPr id="3" name="movie.vid">
-            <a:hlinkClick r:id="" action="ppaction://media"/>
-          </p:cNvPr>
-          <p:cNvPicPr>
-            <a:picLocks noChangeAspect="1"/>
-          </p:cNvPicPr>
-          <p:nvPr>
-            <a:videoFile r:link="rId3"/>
-            <p:extLst>
-              <p:ext uri="{DAA4B4D4-6D71-4841-9C94-3DE7FCFB9230}">
-                <p14:media xmlns:p14="http://schemas.microsoft.com/office/powerpoint/2010/main" r:embed="rId2"/>
-              </p:ext>
-            </p:extLst>
-          </p:nvPr>
-        </p:nvPicPr>
-        <p:blipFill>
-          <a:blip r:embed="rId4"/>
-          <a:stretch>
-            <a:fillRect/>
-          </a:stretch>
-        </p:blipFill>
-        <p:spPr>
-          <a:xfrm>
-            <a:off x="7315200" y="1371600"/>
-            <a:ext cx="5486400" cy="5486400"/>
-          </a:xfrm>
-          <a:prstGeom prst="rect">
-            <a:avLst/>
-          </a:prstGeom>
-        </p:spPr>
-      </p:pic>
-    </p:spTree>
-  </p:cSld>
-  <p:clrMapOvr>
-    <a:masterClrMapping/>
-  </p:clrMapOvr>
-  <p:timing>
-    <p:tnLst>
-      <p:par>
-        <p:cTn id="1" dur="indefinite" restart="never" nodeType="tmRoot">
-          <p:childTnLst>
-            <p:video>
-              <p:cMediaNode vol="80000">
-                <p:cTn id="2" fill="hold" display="0">
-                  <p:stCondLst>
-                    <p:cond delay="indefinite"/>
-                  </p:stCondLst>
-                </p:cTn>
-                <p:tgtEl>
-                  <p:spTgt spid="3"/>
-                </p:tgtEl>
-              </p:cMediaNode>
-            </p:video>
-          </p:childTnLst>
-        </p:cTn>
-      </p:par>
-    </p:tnLst>
-  </p:timing>
-</p:sld>
-</file>
-
-<file path=ppt/slides/slide44.xml><?xml version="1.0" encoding="utf-8"?>
-<p:sld xmlns:a="http://schemas.openxmlformats.org/drawingml/2006/main" xmlns:p="http://schemas.openxmlformats.org/presentationml/2006/main" xmlns:r="http://schemas.openxmlformats.org/officeDocument/2006/relationships">
-  <p:cSld>
-    <p:spTree>
-      <p:nvGrpSpPr>
-        <p:cNvPr id="1" name=""/>
-        <p:cNvGrpSpPr/>
-        <p:nvPr/>
-      </p:nvGrpSpPr>
-      <p:grpSpPr/>
-      <p:sp>
-        <p:nvSpPr>
-          <p:cNvPr id="2" name="Title 1"/>
-          <p:cNvSpPr>
-            <a:spLocks noGrp="1"/>
-          </p:cNvSpPr>
-          <p:nvPr>
-            <p:ph type="title"/>
-          </p:nvPr>
-        </p:nvSpPr>
-        <p:spPr/>
-        <p:txBody>
-          <a:bodyPr/>
-          <a:lstStyle/>
-          <a:p>
-            <a:r>
-              <a:t>Track 5</a:t>
-            </a:r>
-          </a:p>
-        </p:txBody>
-      </p:sp>
-      <p:pic>
-        <p:nvPicPr>
-          <p:cNvPr id="3" name="movie.vid">
-            <a:hlinkClick r:id="" action="ppaction://media"/>
-          </p:cNvPr>
-          <p:cNvPicPr>
-            <a:picLocks noChangeAspect="1"/>
-          </p:cNvPicPr>
-          <p:nvPr>
-            <a:videoFile r:link="rId3"/>
-            <p:extLst>
-              <p:ext uri="{DAA4B4D4-6D71-4841-9C94-3DE7FCFB9230}">
-                <p14:media xmlns:p14="http://schemas.microsoft.com/office/powerpoint/2010/main" r:embed="rId2"/>
-              </p:ext>
-            </p:extLst>
-          </p:nvPr>
-        </p:nvPicPr>
-        <p:blipFill>
-          <a:blip r:embed="rId4"/>
-          <a:stretch>
-            <a:fillRect/>
-          </a:stretch>
-        </p:blipFill>
-        <p:spPr>
-          <a:xfrm>
-            <a:off x="7315200" y="1371600"/>
-            <a:ext cx="5486400" cy="5486400"/>
-          </a:xfrm>
-          <a:prstGeom prst="rect">
-            <a:avLst/>
-          </a:prstGeom>
-        </p:spPr>
-      </p:pic>
-    </p:spTree>
-  </p:cSld>
-  <p:clrMapOvr>
-    <a:masterClrMapping/>
-  </p:clrMapOvr>
-  <p:timing>
-    <p:tnLst>
-      <p:par>
-        <p:cTn id="1" dur="indefinite" restart="never" nodeType="tmRoot">
-          <p:childTnLst>
-            <p:video>
-              <p:cMediaNode vol="80000">
-                <p:cTn id="2" fill="hold" display="0">
-                  <p:stCondLst>
-                    <p:cond delay="indefinite"/>
-                  </p:stCondLst>
-                </p:cTn>
-                <p:tgtEl>
-                  <p:spTgt spid="3"/>
-                </p:tgtEl>
-              </p:cMediaNode>
-            </p:video>
-          </p:childTnLst>
-        </p:cTn>
-      </p:par>
-    </p:tnLst>
-  </p:timing>
-</p:sld>
-</file>
-
-<file path=ppt/slides/slide45.xml><?xml version="1.0" encoding="utf-8"?>
-<p:sld xmlns:a="http://schemas.openxmlformats.org/drawingml/2006/main" xmlns:p="http://schemas.openxmlformats.org/presentationml/2006/main" xmlns:r="http://schemas.openxmlformats.org/officeDocument/2006/relationships">
-  <p:cSld>
-    <p:spTree>
-      <p:nvGrpSpPr>
-        <p:cNvPr id="1" name=""/>
-        <p:cNvGrpSpPr/>
-        <p:nvPr/>
-      </p:nvGrpSpPr>
-      <p:grpSpPr/>
-      <p:sp>
-        <p:nvSpPr>
-          <p:cNvPr id="2" name="Title 1"/>
-          <p:cNvSpPr>
-            <a:spLocks noGrp="1"/>
-          </p:cNvSpPr>
-          <p:nvPr>
-            <p:ph type="title"/>
-          </p:nvPr>
-        </p:nvSpPr>
-        <p:spPr/>
-        <p:txBody>
-          <a:bodyPr/>
-          <a:lstStyle/>
-          <a:p>
-            <a:r>
-              <a:t>Track 6</a:t>
-            </a:r>
-          </a:p>
-        </p:txBody>
-      </p:sp>
-      <p:pic>
-        <p:nvPicPr>
-          <p:cNvPr id="3" name="movie.vid">
-            <a:hlinkClick r:id="" action="ppaction://media"/>
-          </p:cNvPr>
-          <p:cNvPicPr>
-            <a:picLocks noChangeAspect="1"/>
-          </p:cNvPicPr>
-          <p:nvPr>
-            <a:videoFile r:link="rId3"/>
-            <p:extLst>
-              <p:ext uri="{DAA4B4D4-6D71-4841-9C94-3DE7FCFB9230}">
-                <p14:media xmlns:p14="http://schemas.microsoft.com/office/powerpoint/2010/main" r:embed="rId2"/>
-              </p:ext>
-            </p:extLst>
-          </p:nvPr>
-        </p:nvPicPr>
-        <p:blipFill>
-          <a:blip r:embed="rId4"/>
-          <a:stretch>
-            <a:fillRect/>
-          </a:stretch>
-        </p:blipFill>
-        <p:spPr>
-          <a:xfrm>
-            <a:off x="7315200" y="1371600"/>
-            <a:ext cx="5486400" cy="5486400"/>
-          </a:xfrm>
-          <a:prstGeom prst="rect">
-            <a:avLst/>
-          </a:prstGeom>
-        </p:spPr>
-      </p:pic>
-    </p:spTree>
-  </p:cSld>
-  <p:clrMapOvr>
-    <a:masterClrMapping/>
-  </p:clrMapOvr>
-  <p:timing>
-    <p:tnLst>
-      <p:par>
-        <p:cTn id="1" dur="indefinite" restart="never" nodeType="tmRoot">
-          <p:childTnLst>
-            <p:video>
-              <p:cMediaNode vol="80000">
-                <p:cTn id="2" fill="hold" display="0">
-                  <p:stCondLst>
-                    <p:cond delay="indefinite"/>
-                  </p:stCondLst>
-                </p:cTn>
-                <p:tgtEl>
-                  <p:spTgt spid="3"/>
-                </p:tgtEl>
-              </p:cMediaNode>
-            </p:video>
-          </p:childTnLst>
-        </p:cTn>
-      </p:par>
-    </p:tnLst>
-  </p:timing>
-</p:sld>
-</file>
-
-<file path=ppt/slides/slide46.xml><?xml version="1.0" encoding="utf-8"?>
-<p:sld xmlns:a="http://schemas.openxmlformats.org/drawingml/2006/main" xmlns:p="http://schemas.openxmlformats.org/presentationml/2006/main" xmlns:r="http://schemas.openxmlformats.org/officeDocument/2006/relationships">
-  <p:cSld>
-    <p:spTree>
-      <p:nvGrpSpPr>
-        <p:cNvPr id="1" name=""/>
-        <p:cNvGrpSpPr/>
-        <p:nvPr/>
-      </p:nvGrpSpPr>
-      <p:grpSpPr/>
-      <p:sp>
-        <p:nvSpPr>
-          <p:cNvPr id="2" name="Title 1"/>
-          <p:cNvSpPr>
-            <a:spLocks noGrp="1"/>
-          </p:cNvSpPr>
-          <p:nvPr>
-            <p:ph type="title"/>
-          </p:nvPr>
-        </p:nvSpPr>
-        <p:spPr/>
-        <p:txBody>
-          <a:bodyPr/>
-          <a:lstStyle/>
-          <a:p>
-            <a:r>
-              <a:t>Track 7</a:t>
-            </a:r>
-          </a:p>
-        </p:txBody>
-      </p:sp>
-      <p:pic>
-        <p:nvPicPr>
-          <p:cNvPr id="3" name="movie.vid">
-            <a:hlinkClick r:id="" action="ppaction://media"/>
-          </p:cNvPr>
-          <p:cNvPicPr>
-            <a:picLocks noChangeAspect="1"/>
-          </p:cNvPicPr>
-          <p:nvPr>
-            <a:videoFile r:link="rId3"/>
-            <p:extLst>
-              <p:ext uri="{DAA4B4D4-6D71-4841-9C94-3DE7FCFB9230}">
-                <p14:media xmlns:p14="http://schemas.microsoft.com/office/powerpoint/2010/main" r:embed="rId2"/>
-              </p:ext>
-            </p:extLst>
-          </p:nvPr>
-        </p:nvPicPr>
-        <p:blipFill>
-          <a:blip r:embed="rId4"/>
-          <a:stretch>
-            <a:fillRect/>
-          </a:stretch>
-        </p:blipFill>
-        <p:spPr>
-          <a:xfrm>
-            <a:off x="7315200" y="1371600"/>
-            <a:ext cx="5486400" cy="5486400"/>
-          </a:xfrm>
-          <a:prstGeom prst="rect">
-            <a:avLst/>
-          </a:prstGeom>
-        </p:spPr>
-      </p:pic>
-    </p:spTree>
-  </p:cSld>
-  <p:clrMapOvr>
-    <a:masterClrMapping/>
-  </p:clrMapOvr>
-  <p:timing>
-    <p:tnLst>
-      <p:par>
-        <p:cTn id="1" dur="indefinite" restart="never" nodeType="tmRoot">
-          <p:childTnLst>
-            <p:video>
-              <p:cMediaNode vol="80000">
-                <p:cTn id="2" fill="hold" display="0">
-                  <p:stCondLst>
-                    <p:cond delay="indefinite"/>
-                  </p:stCondLst>
-                </p:cTn>
-                <p:tgtEl>
-                  <p:spTgt spid="3"/>
-                </p:tgtEl>
-              </p:cMediaNode>
-            </p:video>
-          </p:childTnLst>
-        </p:cTn>
-      </p:par>
-    </p:tnLst>
-  </p:timing>
-</p:sld>
-</file>
-
-<file path=ppt/slides/slide47.xml><?xml version="1.0" encoding="utf-8"?>
-<p:sld xmlns:a="http://schemas.openxmlformats.org/drawingml/2006/main" xmlns:p="http://schemas.openxmlformats.org/presentationml/2006/main" xmlns:r="http://schemas.openxmlformats.org/officeDocument/2006/relationships">
-  <p:cSld>
-    <p:spTree>
-      <p:nvGrpSpPr>
-        <p:cNvPr id="1" name=""/>
-        <p:cNvGrpSpPr/>
-        <p:nvPr/>
-      </p:nvGrpSpPr>
-      <p:grpSpPr/>
-      <p:sp>
-        <p:nvSpPr>
-          <p:cNvPr id="2" name="Title 1"/>
-          <p:cNvSpPr>
-            <a:spLocks noGrp="1"/>
-          </p:cNvSpPr>
-          <p:nvPr>
-            <p:ph type="title"/>
-          </p:nvPr>
-        </p:nvSpPr>
-        <p:spPr/>
-        <p:txBody>
-          <a:bodyPr/>
-          <a:lstStyle/>
-          <a:p>
-            <a:r>
-              <a:t>Track 8</a:t>
-            </a:r>
-          </a:p>
-        </p:txBody>
-      </p:sp>
-      <p:pic>
-        <p:nvPicPr>
-          <p:cNvPr id="3" name="movie.vid">
-            <a:hlinkClick r:id="" action="ppaction://media"/>
-          </p:cNvPr>
-          <p:cNvPicPr>
-            <a:picLocks noChangeAspect="1"/>
-          </p:cNvPicPr>
-          <p:nvPr>
-            <a:videoFile r:link="rId3"/>
-            <p:extLst>
-              <p:ext uri="{DAA4B4D4-6D71-4841-9C94-3DE7FCFB9230}">
-                <p14:media xmlns:p14="http://schemas.microsoft.com/office/powerpoint/2010/main" r:embed="rId2"/>
-              </p:ext>
-            </p:extLst>
-          </p:nvPr>
-        </p:nvPicPr>
-        <p:blipFill>
-          <a:blip r:embed="rId4"/>
-          <a:stretch>
-            <a:fillRect/>
-          </a:stretch>
-        </p:blipFill>
-        <p:spPr>
-          <a:xfrm>
-            <a:off x="7315200" y="1371600"/>
-            <a:ext cx="5486400" cy="5486400"/>
-          </a:xfrm>
-          <a:prstGeom prst="rect">
-            <a:avLst/>
-          </a:prstGeom>
-        </p:spPr>
-      </p:pic>
-    </p:spTree>
-  </p:cSld>
-  <p:clrMapOvr>
-    <a:masterClrMapping/>
-  </p:clrMapOvr>
-  <p:timing>
-    <p:tnLst>
-      <p:par>
-        <p:cTn id="1" dur="indefinite" restart="never" nodeType="tmRoot">
-          <p:childTnLst>
-            <p:video>
-              <p:cMediaNode vol="80000">
-                <p:cTn id="2" fill="hold" display="0">
-                  <p:stCondLst>
-                    <p:cond delay="indefinite"/>
-                  </p:stCondLst>
-                </p:cTn>
-                <p:tgtEl>
-                  <p:spTgt spid="3"/>
-                </p:tgtEl>
-              </p:cMediaNode>
-            </p:video>
-          </p:childTnLst>
-        </p:cTn>
-      </p:par>
-    </p:tnLst>
-  </p:timing>
-</p:sld>
-</file>
-
-<file path=ppt/slides/slide48.xml><?xml version="1.0" encoding="utf-8"?>
-<p:sld xmlns:a="http://schemas.openxmlformats.org/drawingml/2006/main" xmlns:p="http://schemas.openxmlformats.org/presentationml/2006/main" xmlns:r="http://schemas.openxmlformats.org/officeDocument/2006/relationships">
-  <p:cSld>
-    <p:spTree>
-      <p:nvGrpSpPr>
-        <p:cNvPr id="1" name=""/>
-        <p:cNvGrpSpPr/>
-        <p:nvPr/>
-      </p:nvGrpSpPr>
-      <p:grpSpPr/>
-      <p:sp>
-        <p:nvSpPr>
-          <p:cNvPr id="2" name="Title 1"/>
-          <p:cNvSpPr>
-            <a:spLocks noGrp="1"/>
-          </p:cNvSpPr>
-          <p:nvPr>
-            <p:ph type="title"/>
-          </p:nvPr>
-        </p:nvSpPr>
-        <p:spPr/>
-        <p:txBody>
-          <a:bodyPr/>
-          <a:lstStyle/>
-          <a:p>
-            <a:r>
-              <a:t>Track 9</a:t>
-            </a:r>
-          </a:p>
-        </p:txBody>
-      </p:sp>
-      <p:pic>
-        <p:nvPicPr>
-          <p:cNvPr id="3" name="movie.vid">
-            <a:hlinkClick r:id="" action="ppaction://media"/>
-          </p:cNvPr>
-          <p:cNvPicPr>
-            <a:picLocks noChangeAspect="1"/>
-          </p:cNvPicPr>
-          <p:nvPr>
-            <a:videoFile r:link="rId3"/>
-            <p:extLst>
-              <p:ext uri="{DAA4B4D4-6D71-4841-9C94-3DE7FCFB9230}">
-                <p14:media xmlns:p14="http://schemas.microsoft.com/office/powerpoint/2010/main" r:embed="rId2"/>
-              </p:ext>
-            </p:extLst>
-          </p:nvPr>
-        </p:nvPicPr>
-        <p:blipFill>
-          <a:blip r:embed="rId4"/>
-          <a:stretch>
-            <a:fillRect/>
-          </a:stretch>
-        </p:blipFill>
-        <p:spPr>
-          <a:xfrm>
-            <a:off x="7315200" y="1371600"/>
-            <a:ext cx="5486400" cy="5486400"/>
-          </a:xfrm>
-          <a:prstGeom prst="rect">
-            <a:avLst/>
-          </a:prstGeom>
-        </p:spPr>
-      </p:pic>
-    </p:spTree>
-  </p:cSld>
-  <p:clrMapOvr>
-    <a:masterClrMapping/>
-  </p:clrMapOvr>
-  <p:timing>
-    <p:tnLst>
-      <p:par>
-        <p:cTn id="1" dur="indefinite" restart="never" nodeType="tmRoot">
-          <p:childTnLst>
-            <p:video>
-              <p:cMediaNode vol="80000">
-                <p:cTn id="2" fill="hold" display="0">
-                  <p:stCondLst>
-                    <p:cond delay="indefinite"/>
-                  </p:stCondLst>
-                </p:cTn>
-                <p:tgtEl>
-                  <p:spTgt spid="3"/>
-                </p:tgtEl>
-              </p:cMediaNode>
-            </p:video>
-          </p:childTnLst>
-        </p:cTn>
-      </p:par>
-    </p:tnLst>
-  </p:timing>
-</p:sld>
-</file>
-
-<file path=ppt/slides/slide49.xml><?xml version="1.0" encoding="utf-8"?>
-<p:sld xmlns:a="http://schemas.openxmlformats.org/drawingml/2006/main" xmlns:p="http://schemas.openxmlformats.org/presentationml/2006/main" xmlns:r="http://schemas.openxmlformats.org/officeDocument/2006/relationships">
-  <p:cSld>
-    <p:spTree>
-      <p:nvGrpSpPr>
-        <p:cNvPr id="1" name=""/>
-        <p:cNvGrpSpPr/>
-        <p:nvPr/>
-      </p:nvGrpSpPr>
-      <p:grpSpPr/>
-      <p:sp>
-        <p:nvSpPr>
-          <p:cNvPr id="2" name="Title 1"/>
-          <p:cNvSpPr>
-            <a:spLocks noGrp="1"/>
-          </p:cNvSpPr>
-          <p:nvPr>
-            <p:ph type="title"/>
-          </p:nvPr>
-        </p:nvSpPr>
-        <p:spPr/>
-        <p:txBody>
-          <a:bodyPr/>
-          <a:lstStyle/>
-          <a:p>
-            <a:r>
-              <a:t>Track 10</a:t>
             </a:r>
           </a:p>
         </p:txBody>
@@ -13934,1096 +10645,6 @@
 </p:sld>
 </file>
 
-<file path=ppt/slides/slide50.xml><?xml version="1.0" encoding="utf-8"?>
-<p:sld xmlns:a="http://schemas.openxmlformats.org/drawingml/2006/main" xmlns:p="http://schemas.openxmlformats.org/presentationml/2006/main" xmlns:r="http://schemas.openxmlformats.org/officeDocument/2006/relationships">
-  <p:cSld>
-    <p:spTree>
-      <p:nvGrpSpPr>
-        <p:cNvPr id="1" name=""/>
-        <p:cNvGrpSpPr/>
-        <p:nvPr/>
-      </p:nvGrpSpPr>
-      <p:grpSpPr/>
-      <p:sp>
-        <p:nvSpPr>
-          <p:cNvPr id="2" name="Title 1"/>
-          <p:cNvSpPr>
-            <a:spLocks noGrp="1"/>
-          </p:cNvSpPr>
-          <p:nvPr>
-            <p:ph type="title"/>
-          </p:nvPr>
-        </p:nvSpPr>
-        <p:spPr/>
-        <p:txBody>
-          <a:bodyPr/>
-          <a:lstStyle/>
-          <a:p>
-            <a:r>
-              <a:t>Round 4 Review</a:t>
-            </a:r>
-          </a:p>
-        </p:txBody>
-      </p:sp>
-      <p:sp>
-        <p:nvSpPr>
-          <p:cNvPr id="3" name="Content Placeholder 2"/>
-          <p:cNvSpPr>
-            <a:spLocks noGrp="1"/>
-          </p:cNvSpPr>
-          <p:nvPr>
-            <p:ph idx="10" sz="quarter"/>
-          </p:nvPr>
-        </p:nvSpPr>
-        <p:spPr>
-          <a:xfrm>
-            <a:off x="6912864" y="1828800"/>
-            <a:ext cx="2834640" cy="914400"/>
-          </a:xfrm>
-        </p:spPr>
-        <p:txBody>
-          <a:bodyPr/>
-          <a:lstStyle/>
-          <a:p>
-            <a:r>
-              <a:t> Track 1</a:t>
-            </a:r>
-          </a:p>
-        </p:txBody>
-      </p:sp>
-      <p:sp>
-        <p:nvSpPr>
-          <p:cNvPr id="3" name="Content Placeholder 2"/>
-          <p:cNvSpPr>
-            <a:spLocks noGrp="1"/>
-          </p:cNvSpPr>
-          <p:nvPr>
-            <p:ph idx="10" sz="quarter"/>
-          </p:nvPr>
-        </p:nvSpPr>
-        <p:spPr>
-          <a:xfrm>
-            <a:off x="11018520" y="1828800"/>
-            <a:ext cx="2834640" cy="914400"/>
-          </a:xfrm>
-        </p:spPr>
-        <p:txBody>
-          <a:bodyPr/>
-          <a:lstStyle/>
-          <a:p>
-            <a:r>
-              <a:t> Track 2</a:t>
-            </a:r>
-          </a:p>
-        </p:txBody>
-      </p:sp>
-      <p:sp>
-        <p:nvSpPr>
-          <p:cNvPr id="3" name="Content Placeholder 2"/>
-          <p:cNvSpPr>
-            <a:spLocks noGrp="1"/>
-          </p:cNvSpPr>
-          <p:nvPr>
-            <p:ph idx="10" sz="quarter"/>
-          </p:nvPr>
-        </p:nvSpPr>
-        <p:spPr>
-          <a:xfrm>
-            <a:off x="6912864" y="2743200"/>
-            <a:ext cx="2834640" cy="914400"/>
-          </a:xfrm>
-        </p:spPr>
-        <p:txBody>
-          <a:bodyPr/>
-          <a:lstStyle/>
-          <a:p>
-            <a:r>
-              <a:t> Track 3</a:t>
-            </a:r>
-          </a:p>
-        </p:txBody>
-      </p:sp>
-      <p:sp>
-        <p:nvSpPr>
-          <p:cNvPr id="3" name="Content Placeholder 2"/>
-          <p:cNvSpPr>
-            <a:spLocks noGrp="1"/>
-          </p:cNvSpPr>
-          <p:nvPr>
-            <p:ph idx="10" sz="quarter"/>
-          </p:nvPr>
-        </p:nvSpPr>
-        <p:spPr>
-          <a:xfrm>
-            <a:off x="11018520" y="2743200"/>
-            <a:ext cx="2834640" cy="914400"/>
-          </a:xfrm>
-        </p:spPr>
-        <p:txBody>
-          <a:bodyPr/>
-          <a:lstStyle/>
-          <a:p>
-            <a:r>
-              <a:t> Track 4</a:t>
-            </a:r>
-          </a:p>
-        </p:txBody>
-      </p:sp>
-      <p:sp>
-        <p:nvSpPr>
-          <p:cNvPr id="3" name="Content Placeholder 2"/>
-          <p:cNvSpPr>
-            <a:spLocks noGrp="1"/>
-          </p:cNvSpPr>
-          <p:nvPr>
-            <p:ph idx="10" sz="quarter"/>
-          </p:nvPr>
-        </p:nvSpPr>
-        <p:spPr>
-          <a:xfrm>
-            <a:off x="6912864" y="3657600"/>
-            <a:ext cx="2834640" cy="914400"/>
-          </a:xfrm>
-        </p:spPr>
-        <p:txBody>
-          <a:bodyPr/>
-          <a:lstStyle/>
-          <a:p>
-            <a:r>
-              <a:t> Track 5</a:t>
-            </a:r>
-          </a:p>
-        </p:txBody>
-      </p:sp>
-      <p:sp>
-        <p:nvSpPr>
-          <p:cNvPr id="3" name="Content Placeholder 2"/>
-          <p:cNvSpPr>
-            <a:spLocks noGrp="1"/>
-          </p:cNvSpPr>
-          <p:nvPr>
-            <p:ph idx="10" sz="quarter"/>
-          </p:nvPr>
-        </p:nvSpPr>
-        <p:spPr>
-          <a:xfrm>
-            <a:off x="11018520" y="3657600"/>
-            <a:ext cx="2834640" cy="914400"/>
-          </a:xfrm>
-        </p:spPr>
-        <p:txBody>
-          <a:bodyPr/>
-          <a:lstStyle/>
-          <a:p>
-            <a:r>
-              <a:t> Track 6</a:t>
-            </a:r>
-          </a:p>
-        </p:txBody>
-      </p:sp>
-      <p:sp>
-        <p:nvSpPr>
-          <p:cNvPr id="3" name="Content Placeholder 2"/>
-          <p:cNvSpPr>
-            <a:spLocks noGrp="1"/>
-          </p:cNvSpPr>
-          <p:nvPr>
-            <p:ph idx="10" sz="quarter"/>
-          </p:nvPr>
-        </p:nvSpPr>
-        <p:spPr>
-          <a:xfrm>
-            <a:off x="6912864" y="4572000"/>
-            <a:ext cx="2834640" cy="914400"/>
-          </a:xfrm>
-        </p:spPr>
-        <p:txBody>
-          <a:bodyPr/>
-          <a:lstStyle/>
-          <a:p>
-            <a:r>
-              <a:t> Track 7</a:t>
-            </a:r>
-          </a:p>
-        </p:txBody>
-      </p:sp>
-      <p:sp>
-        <p:nvSpPr>
-          <p:cNvPr id="3" name="Content Placeholder 2"/>
-          <p:cNvSpPr>
-            <a:spLocks noGrp="1"/>
-          </p:cNvSpPr>
-          <p:nvPr>
-            <p:ph idx="10" sz="quarter"/>
-          </p:nvPr>
-        </p:nvSpPr>
-        <p:spPr>
-          <a:xfrm>
-            <a:off x="11018520" y="4572000"/>
-            <a:ext cx="2834640" cy="914400"/>
-          </a:xfrm>
-        </p:spPr>
-        <p:txBody>
-          <a:bodyPr/>
-          <a:lstStyle/>
-          <a:p>
-            <a:r>
-              <a:t> Track 8</a:t>
-            </a:r>
-          </a:p>
-        </p:txBody>
-      </p:sp>
-      <p:sp>
-        <p:nvSpPr>
-          <p:cNvPr id="3" name="Content Placeholder 2"/>
-          <p:cNvSpPr>
-            <a:spLocks noGrp="1"/>
-          </p:cNvSpPr>
-          <p:nvPr>
-            <p:ph idx="10" sz="quarter"/>
-          </p:nvPr>
-        </p:nvSpPr>
-        <p:spPr>
-          <a:xfrm>
-            <a:off x="6912864" y="5486400"/>
-            <a:ext cx="2834640" cy="914400"/>
-          </a:xfrm>
-        </p:spPr>
-        <p:txBody>
-          <a:bodyPr/>
-          <a:lstStyle/>
-          <a:p>
-            <a:r>
-              <a:t> Track 9</a:t>
-            </a:r>
-          </a:p>
-        </p:txBody>
-      </p:sp>
-      <p:sp>
-        <p:nvSpPr>
-          <p:cNvPr id="3" name="Content Placeholder 2"/>
-          <p:cNvSpPr>
-            <a:spLocks noGrp="1"/>
-          </p:cNvSpPr>
-          <p:nvPr>
-            <p:ph idx="10" sz="quarter"/>
-          </p:nvPr>
-        </p:nvSpPr>
-        <p:spPr>
-          <a:xfrm>
-            <a:off x="11018520" y="5486400"/>
-            <a:ext cx="2834640" cy="914400"/>
-          </a:xfrm>
-        </p:spPr>
-        <p:txBody>
-          <a:bodyPr/>
-          <a:lstStyle/>
-          <a:p>
-            <a:r>
-              <a:t> Track 10</a:t>
-            </a:r>
-          </a:p>
-        </p:txBody>
-      </p:sp>
-    </p:spTree>
-  </p:cSld>
-  <p:clrMapOvr>
-    <a:masterClrMapping/>
-  </p:clrMapOvr>
-</p:sld>
-</file>
-
-<file path=ppt/slides/slide51.xml><?xml version="1.0" encoding="utf-8"?>
-<p:sld xmlns:a="http://schemas.openxmlformats.org/drawingml/2006/main" xmlns:p="http://schemas.openxmlformats.org/presentationml/2006/main" xmlns:r="http://schemas.openxmlformats.org/officeDocument/2006/relationships">
-  <p:cSld>
-    <p:spTree>
-      <p:nvGrpSpPr>
-        <p:cNvPr id="1" name=""/>
-        <p:cNvGrpSpPr/>
-        <p:nvPr/>
-      </p:nvGrpSpPr>
-      <p:grpSpPr/>
-      <p:sp>
-        <p:nvSpPr>
-          <p:cNvPr id="2" name="Title 1"/>
-          <p:cNvSpPr>
-            <a:spLocks noGrp="1"/>
-          </p:cNvSpPr>
-          <p:nvPr>
-            <p:ph type="title"/>
-          </p:nvPr>
-        </p:nvSpPr>
-        <p:spPr/>
-        <p:txBody>
-          <a:bodyPr/>
-          <a:lstStyle/>
-          <a:p>
-            <a:r>
-              <a:t>Round 5</a:t>
-            </a:r>
-          </a:p>
-        </p:txBody>
-      </p:sp>
-    </p:spTree>
-  </p:cSld>
-  <p:clrMapOvr>
-    <a:masterClrMapping/>
-  </p:clrMapOvr>
-</p:sld>
-</file>
-
-<file path=ppt/slides/slide52.xml><?xml version="1.0" encoding="utf-8"?>
-<p:sld xmlns:a="http://schemas.openxmlformats.org/drawingml/2006/main" xmlns:p="http://schemas.openxmlformats.org/presentationml/2006/main" xmlns:r="http://schemas.openxmlformats.org/officeDocument/2006/relationships">
-  <p:cSld>
-    <p:spTree>
-      <p:nvGrpSpPr>
-        <p:cNvPr id="1" name=""/>
-        <p:cNvGrpSpPr/>
-        <p:nvPr/>
-      </p:nvGrpSpPr>
-      <p:grpSpPr/>
-      <p:sp>
-        <p:nvSpPr>
-          <p:cNvPr id="2" name="Title 1"/>
-          <p:cNvSpPr>
-            <a:spLocks noGrp="1"/>
-          </p:cNvSpPr>
-          <p:nvPr>
-            <p:ph type="title"/>
-          </p:nvPr>
-        </p:nvSpPr>
-        <p:spPr/>
-        <p:txBody>
-          <a:bodyPr/>
-          <a:lstStyle/>
-          <a:p>
-            <a:r>
-              <a:t>Track 1</a:t>
-            </a:r>
-          </a:p>
-        </p:txBody>
-      </p:sp>
-      <p:pic>
-        <p:nvPicPr>
-          <p:cNvPr id="3" name="movie.vid">
-            <a:hlinkClick r:id="" action="ppaction://media"/>
-          </p:cNvPr>
-          <p:cNvPicPr>
-            <a:picLocks noChangeAspect="1"/>
-          </p:cNvPicPr>
-          <p:nvPr>
-            <a:videoFile r:link="rId3"/>
-            <p:extLst>
-              <p:ext uri="{DAA4B4D4-6D71-4841-9C94-3DE7FCFB9230}">
-                <p14:media xmlns:p14="http://schemas.microsoft.com/office/powerpoint/2010/main" r:embed="rId2"/>
-              </p:ext>
-            </p:extLst>
-          </p:nvPr>
-        </p:nvPicPr>
-        <p:blipFill>
-          <a:blip r:embed="rId4"/>
-          <a:stretch>
-            <a:fillRect/>
-          </a:stretch>
-        </p:blipFill>
-        <p:spPr>
-          <a:xfrm>
-            <a:off x="7315200" y="1371600"/>
-            <a:ext cx="5486400" cy="5486400"/>
-          </a:xfrm>
-          <a:prstGeom prst="rect">
-            <a:avLst/>
-          </a:prstGeom>
-        </p:spPr>
-      </p:pic>
-    </p:spTree>
-  </p:cSld>
-  <p:clrMapOvr>
-    <a:masterClrMapping/>
-  </p:clrMapOvr>
-  <p:timing>
-    <p:tnLst>
-      <p:par>
-        <p:cTn id="1" dur="indefinite" restart="never" nodeType="tmRoot">
-          <p:childTnLst>
-            <p:video>
-              <p:cMediaNode vol="80000">
-                <p:cTn id="2" fill="hold" display="0">
-                  <p:stCondLst>
-                    <p:cond delay="indefinite"/>
-                  </p:stCondLst>
-                </p:cTn>
-                <p:tgtEl>
-                  <p:spTgt spid="3"/>
-                </p:tgtEl>
-              </p:cMediaNode>
-            </p:video>
-          </p:childTnLst>
-        </p:cTn>
-      </p:par>
-    </p:tnLst>
-  </p:timing>
-</p:sld>
-</file>
-
-<file path=ppt/slides/slide53.xml><?xml version="1.0" encoding="utf-8"?>
-<p:sld xmlns:a="http://schemas.openxmlformats.org/drawingml/2006/main" xmlns:p="http://schemas.openxmlformats.org/presentationml/2006/main" xmlns:r="http://schemas.openxmlformats.org/officeDocument/2006/relationships">
-  <p:cSld>
-    <p:spTree>
-      <p:nvGrpSpPr>
-        <p:cNvPr id="1" name=""/>
-        <p:cNvGrpSpPr/>
-        <p:nvPr/>
-      </p:nvGrpSpPr>
-      <p:grpSpPr/>
-      <p:sp>
-        <p:nvSpPr>
-          <p:cNvPr id="2" name="Title 1"/>
-          <p:cNvSpPr>
-            <a:spLocks noGrp="1"/>
-          </p:cNvSpPr>
-          <p:nvPr>
-            <p:ph type="title"/>
-          </p:nvPr>
-        </p:nvSpPr>
-        <p:spPr/>
-        <p:txBody>
-          <a:bodyPr/>
-          <a:lstStyle/>
-          <a:p>
-            <a:r>
-              <a:t>Track 2</a:t>
-            </a:r>
-          </a:p>
-        </p:txBody>
-      </p:sp>
-      <p:pic>
-        <p:nvPicPr>
-          <p:cNvPr id="3" name="movie.vid">
-            <a:hlinkClick r:id="" action="ppaction://media"/>
-          </p:cNvPr>
-          <p:cNvPicPr>
-            <a:picLocks noChangeAspect="1"/>
-          </p:cNvPicPr>
-          <p:nvPr>
-            <a:videoFile r:link="rId3"/>
-            <p:extLst>
-              <p:ext uri="{DAA4B4D4-6D71-4841-9C94-3DE7FCFB9230}">
-                <p14:media xmlns:p14="http://schemas.microsoft.com/office/powerpoint/2010/main" r:embed="rId2"/>
-              </p:ext>
-            </p:extLst>
-          </p:nvPr>
-        </p:nvPicPr>
-        <p:blipFill>
-          <a:blip r:embed="rId4"/>
-          <a:stretch>
-            <a:fillRect/>
-          </a:stretch>
-        </p:blipFill>
-        <p:spPr>
-          <a:xfrm>
-            <a:off x="7315200" y="1371600"/>
-            <a:ext cx="5486400" cy="5486400"/>
-          </a:xfrm>
-          <a:prstGeom prst="rect">
-            <a:avLst/>
-          </a:prstGeom>
-        </p:spPr>
-      </p:pic>
-    </p:spTree>
-  </p:cSld>
-  <p:clrMapOvr>
-    <a:masterClrMapping/>
-  </p:clrMapOvr>
-  <p:timing>
-    <p:tnLst>
-      <p:par>
-        <p:cTn id="1" dur="indefinite" restart="never" nodeType="tmRoot">
-          <p:childTnLst>
-            <p:video>
-              <p:cMediaNode vol="80000">
-                <p:cTn id="2" fill="hold" display="0">
-                  <p:stCondLst>
-                    <p:cond delay="indefinite"/>
-                  </p:stCondLst>
-                </p:cTn>
-                <p:tgtEl>
-                  <p:spTgt spid="3"/>
-                </p:tgtEl>
-              </p:cMediaNode>
-            </p:video>
-          </p:childTnLst>
-        </p:cTn>
-      </p:par>
-    </p:tnLst>
-  </p:timing>
-</p:sld>
-</file>
-
-<file path=ppt/slides/slide54.xml><?xml version="1.0" encoding="utf-8"?>
-<p:sld xmlns:a="http://schemas.openxmlformats.org/drawingml/2006/main" xmlns:p="http://schemas.openxmlformats.org/presentationml/2006/main" xmlns:r="http://schemas.openxmlformats.org/officeDocument/2006/relationships">
-  <p:cSld>
-    <p:spTree>
-      <p:nvGrpSpPr>
-        <p:cNvPr id="1" name=""/>
-        <p:cNvGrpSpPr/>
-        <p:nvPr/>
-      </p:nvGrpSpPr>
-      <p:grpSpPr/>
-      <p:sp>
-        <p:nvSpPr>
-          <p:cNvPr id="2" name="Title 1"/>
-          <p:cNvSpPr>
-            <a:spLocks noGrp="1"/>
-          </p:cNvSpPr>
-          <p:nvPr>
-            <p:ph type="title"/>
-          </p:nvPr>
-        </p:nvSpPr>
-        <p:spPr/>
-        <p:txBody>
-          <a:bodyPr/>
-          <a:lstStyle/>
-          <a:p>
-            <a:r>
-              <a:t>Track 3</a:t>
-            </a:r>
-          </a:p>
-        </p:txBody>
-      </p:sp>
-      <p:pic>
-        <p:nvPicPr>
-          <p:cNvPr id="3" name="movie.vid">
-            <a:hlinkClick r:id="" action="ppaction://media"/>
-          </p:cNvPr>
-          <p:cNvPicPr>
-            <a:picLocks noChangeAspect="1"/>
-          </p:cNvPicPr>
-          <p:nvPr>
-            <a:videoFile r:link="rId3"/>
-            <p:extLst>
-              <p:ext uri="{DAA4B4D4-6D71-4841-9C94-3DE7FCFB9230}">
-                <p14:media xmlns:p14="http://schemas.microsoft.com/office/powerpoint/2010/main" r:embed="rId2"/>
-              </p:ext>
-            </p:extLst>
-          </p:nvPr>
-        </p:nvPicPr>
-        <p:blipFill>
-          <a:blip r:embed="rId4"/>
-          <a:stretch>
-            <a:fillRect/>
-          </a:stretch>
-        </p:blipFill>
-        <p:spPr>
-          <a:xfrm>
-            <a:off x="7315200" y="1371600"/>
-            <a:ext cx="5486400" cy="5486400"/>
-          </a:xfrm>
-          <a:prstGeom prst="rect">
-            <a:avLst/>
-          </a:prstGeom>
-        </p:spPr>
-      </p:pic>
-    </p:spTree>
-  </p:cSld>
-  <p:clrMapOvr>
-    <a:masterClrMapping/>
-  </p:clrMapOvr>
-  <p:timing>
-    <p:tnLst>
-      <p:par>
-        <p:cTn id="1" dur="indefinite" restart="never" nodeType="tmRoot">
-          <p:childTnLst>
-            <p:video>
-              <p:cMediaNode vol="80000">
-                <p:cTn id="2" fill="hold" display="0">
-                  <p:stCondLst>
-                    <p:cond delay="indefinite"/>
-                  </p:stCondLst>
-                </p:cTn>
-                <p:tgtEl>
-                  <p:spTgt spid="3"/>
-                </p:tgtEl>
-              </p:cMediaNode>
-            </p:video>
-          </p:childTnLst>
-        </p:cTn>
-      </p:par>
-    </p:tnLst>
-  </p:timing>
-</p:sld>
-</file>
-
-<file path=ppt/slides/slide55.xml><?xml version="1.0" encoding="utf-8"?>
-<p:sld xmlns:a="http://schemas.openxmlformats.org/drawingml/2006/main" xmlns:p="http://schemas.openxmlformats.org/presentationml/2006/main" xmlns:r="http://schemas.openxmlformats.org/officeDocument/2006/relationships">
-  <p:cSld>
-    <p:spTree>
-      <p:nvGrpSpPr>
-        <p:cNvPr id="1" name=""/>
-        <p:cNvGrpSpPr/>
-        <p:nvPr/>
-      </p:nvGrpSpPr>
-      <p:grpSpPr/>
-      <p:sp>
-        <p:nvSpPr>
-          <p:cNvPr id="2" name="Title 1"/>
-          <p:cNvSpPr>
-            <a:spLocks noGrp="1"/>
-          </p:cNvSpPr>
-          <p:nvPr>
-            <p:ph type="title"/>
-          </p:nvPr>
-        </p:nvSpPr>
-        <p:spPr/>
-        <p:txBody>
-          <a:bodyPr/>
-          <a:lstStyle/>
-          <a:p>
-            <a:r>
-              <a:t>Track 4</a:t>
-            </a:r>
-          </a:p>
-        </p:txBody>
-      </p:sp>
-      <p:pic>
-        <p:nvPicPr>
-          <p:cNvPr id="3" name="movie.vid">
-            <a:hlinkClick r:id="" action="ppaction://media"/>
-          </p:cNvPr>
-          <p:cNvPicPr>
-            <a:picLocks noChangeAspect="1"/>
-          </p:cNvPicPr>
-          <p:nvPr>
-            <a:videoFile r:link="rId3"/>
-            <p:extLst>
-              <p:ext uri="{DAA4B4D4-6D71-4841-9C94-3DE7FCFB9230}">
-                <p14:media xmlns:p14="http://schemas.microsoft.com/office/powerpoint/2010/main" r:embed="rId2"/>
-              </p:ext>
-            </p:extLst>
-          </p:nvPr>
-        </p:nvPicPr>
-        <p:blipFill>
-          <a:blip r:embed="rId4"/>
-          <a:stretch>
-            <a:fillRect/>
-          </a:stretch>
-        </p:blipFill>
-        <p:spPr>
-          <a:xfrm>
-            <a:off x="7315200" y="1371600"/>
-            <a:ext cx="5486400" cy="5486400"/>
-          </a:xfrm>
-          <a:prstGeom prst="rect">
-            <a:avLst/>
-          </a:prstGeom>
-        </p:spPr>
-      </p:pic>
-    </p:spTree>
-  </p:cSld>
-  <p:clrMapOvr>
-    <a:masterClrMapping/>
-  </p:clrMapOvr>
-  <p:timing>
-    <p:tnLst>
-      <p:par>
-        <p:cTn id="1" dur="indefinite" restart="never" nodeType="tmRoot">
-          <p:childTnLst>
-            <p:video>
-              <p:cMediaNode vol="80000">
-                <p:cTn id="2" fill="hold" display="0">
-                  <p:stCondLst>
-                    <p:cond delay="indefinite"/>
-                  </p:stCondLst>
-                </p:cTn>
-                <p:tgtEl>
-                  <p:spTgt spid="3"/>
-                </p:tgtEl>
-              </p:cMediaNode>
-            </p:video>
-          </p:childTnLst>
-        </p:cTn>
-      </p:par>
-    </p:tnLst>
-  </p:timing>
-</p:sld>
-</file>
-
-<file path=ppt/slides/slide56.xml><?xml version="1.0" encoding="utf-8"?>
-<p:sld xmlns:a="http://schemas.openxmlformats.org/drawingml/2006/main" xmlns:p="http://schemas.openxmlformats.org/presentationml/2006/main" xmlns:r="http://schemas.openxmlformats.org/officeDocument/2006/relationships">
-  <p:cSld>
-    <p:spTree>
-      <p:nvGrpSpPr>
-        <p:cNvPr id="1" name=""/>
-        <p:cNvGrpSpPr/>
-        <p:nvPr/>
-      </p:nvGrpSpPr>
-      <p:grpSpPr/>
-      <p:sp>
-        <p:nvSpPr>
-          <p:cNvPr id="2" name="Title 1"/>
-          <p:cNvSpPr>
-            <a:spLocks noGrp="1"/>
-          </p:cNvSpPr>
-          <p:nvPr>
-            <p:ph type="title"/>
-          </p:nvPr>
-        </p:nvSpPr>
-        <p:spPr/>
-        <p:txBody>
-          <a:bodyPr/>
-          <a:lstStyle/>
-          <a:p>
-            <a:r>
-              <a:t>Track 5</a:t>
-            </a:r>
-          </a:p>
-        </p:txBody>
-      </p:sp>
-      <p:pic>
-        <p:nvPicPr>
-          <p:cNvPr id="3" name="movie.vid">
-            <a:hlinkClick r:id="" action="ppaction://media"/>
-          </p:cNvPr>
-          <p:cNvPicPr>
-            <a:picLocks noChangeAspect="1"/>
-          </p:cNvPicPr>
-          <p:nvPr>
-            <a:videoFile r:link="rId3"/>
-            <p:extLst>
-              <p:ext uri="{DAA4B4D4-6D71-4841-9C94-3DE7FCFB9230}">
-                <p14:media xmlns:p14="http://schemas.microsoft.com/office/powerpoint/2010/main" r:embed="rId2"/>
-              </p:ext>
-            </p:extLst>
-          </p:nvPr>
-        </p:nvPicPr>
-        <p:blipFill>
-          <a:blip r:embed="rId4"/>
-          <a:stretch>
-            <a:fillRect/>
-          </a:stretch>
-        </p:blipFill>
-        <p:spPr>
-          <a:xfrm>
-            <a:off x="7315200" y="1371600"/>
-            <a:ext cx="5486400" cy="5486400"/>
-          </a:xfrm>
-          <a:prstGeom prst="rect">
-            <a:avLst/>
-          </a:prstGeom>
-        </p:spPr>
-      </p:pic>
-    </p:spTree>
-  </p:cSld>
-  <p:clrMapOvr>
-    <a:masterClrMapping/>
-  </p:clrMapOvr>
-  <p:timing>
-    <p:tnLst>
-      <p:par>
-        <p:cTn id="1" dur="indefinite" restart="never" nodeType="tmRoot">
-          <p:childTnLst>
-            <p:video>
-              <p:cMediaNode vol="80000">
-                <p:cTn id="2" fill="hold" display="0">
-                  <p:stCondLst>
-                    <p:cond delay="indefinite"/>
-                  </p:stCondLst>
-                </p:cTn>
-                <p:tgtEl>
-                  <p:spTgt spid="3"/>
-                </p:tgtEl>
-              </p:cMediaNode>
-            </p:video>
-          </p:childTnLst>
-        </p:cTn>
-      </p:par>
-    </p:tnLst>
-  </p:timing>
-</p:sld>
-</file>
-
-<file path=ppt/slides/slide57.xml><?xml version="1.0" encoding="utf-8"?>
-<p:sld xmlns:a="http://schemas.openxmlformats.org/drawingml/2006/main" xmlns:p="http://schemas.openxmlformats.org/presentationml/2006/main" xmlns:r="http://schemas.openxmlformats.org/officeDocument/2006/relationships">
-  <p:cSld>
-    <p:spTree>
-      <p:nvGrpSpPr>
-        <p:cNvPr id="1" name=""/>
-        <p:cNvGrpSpPr/>
-        <p:nvPr/>
-      </p:nvGrpSpPr>
-      <p:grpSpPr/>
-      <p:sp>
-        <p:nvSpPr>
-          <p:cNvPr id="2" name="Title 1"/>
-          <p:cNvSpPr>
-            <a:spLocks noGrp="1"/>
-          </p:cNvSpPr>
-          <p:nvPr>
-            <p:ph type="title"/>
-          </p:nvPr>
-        </p:nvSpPr>
-        <p:spPr/>
-        <p:txBody>
-          <a:bodyPr/>
-          <a:lstStyle/>
-          <a:p>
-            <a:r>
-              <a:t>Track 6</a:t>
-            </a:r>
-          </a:p>
-        </p:txBody>
-      </p:sp>
-      <p:pic>
-        <p:nvPicPr>
-          <p:cNvPr id="3" name="movie.vid">
-            <a:hlinkClick r:id="" action="ppaction://media"/>
-          </p:cNvPr>
-          <p:cNvPicPr>
-            <a:picLocks noChangeAspect="1"/>
-          </p:cNvPicPr>
-          <p:nvPr>
-            <a:videoFile r:link="rId3"/>
-            <p:extLst>
-              <p:ext uri="{DAA4B4D4-6D71-4841-9C94-3DE7FCFB9230}">
-                <p14:media xmlns:p14="http://schemas.microsoft.com/office/powerpoint/2010/main" r:embed="rId2"/>
-              </p:ext>
-            </p:extLst>
-          </p:nvPr>
-        </p:nvPicPr>
-        <p:blipFill>
-          <a:blip r:embed="rId4"/>
-          <a:stretch>
-            <a:fillRect/>
-          </a:stretch>
-        </p:blipFill>
-        <p:spPr>
-          <a:xfrm>
-            <a:off x="7315200" y="1371600"/>
-            <a:ext cx="5486400" cy="5486400"/>
-          </a:xfrm>
-          <a:prstGeom prst="rect">
-            <a:avLst/>
-          </a:prstGeom>
-        </p:spPr>
-      </p:pic>
-    </p:spTree>
-  </p:cSld>
-  <p:clrMapOvr>
-    <a:masterClrMapping/>
-  </p:clrMapOvr>
-  <p:timing>
-    <p:tnLst>
-      <p:par>
-        <p:cTn id="1" dur="indefinite" restart="never" nodeType="tmRoot">
-          <p:childTnLst>
-            <p:video>
-              <p:cMediaNode vol="80000">
-                <p:cTn id="2" fill="hold" display="0">
-                  <p:stCondLst>
-                    <p:cond delay="indefinite"/>
-                  </p:stCondLst>
-                </p:cTn>
-                <p:tgtEl>
-                  <p:spTgt spid="3"/>
-                </p:tgtEl>
-              </p:cMediaNode>
-            </p:video>
-          </p:childTnLst>
-        </p:cTn>
-      </p:par>
-    </p:tnLst>
-  </p:timing>
-</p:sld>
-</file>
-
-<file path=ppt/slides/slide58.xml><?xml version="1.0" encoding="utf-8"?>
-<p:sld xmlns:a="http://schemas.openxmlformats.org/drawingml/2006/main" xmlns:p="http://schemas.openxmlformats.org/presentationml/2006/main" xmlns:r="http://schemas.openxmlformats.org/officeDocument/2006/relationships">
-  <p:cSld>
-    <p:spTree>
-      <p:nvGrpSpPr>
-        <p:cNvPr id="1" name=""/>
-        <p:cNvGrpSpPr/>
-        <p:nvPr/>
-      </p:nvGrpSpPr>
-      <p:grpSpPr/>
-      <p:sp>
-        <p:nvSpPr>
-          <p:cNvPr id="2" name="Title 1"/>
-          <p:cNvSpPr>
-            <a:spLocks noGrp="1"/>
-          </p:cNvSpPr>
-          <p:nvPr>
-            <p:ph type="title"/>
-          </p:nvPr>
-        </p:nvSpPr>
-        <p:spPr/>
-        <p:txBody>
-          <a:bodyPr/>
-          <a:lstStyle/>
-          <a:p>
-            <a:r>
-              <a:t>Track 7</a:t>
-            </a:r>
-          </a:p>
-        </p:txBody>
-      </p:sp>
-      <p:pic>
-        <p:nvPicPr>
-          <p:cNvPr id="3" name="movie.vid">
-            <a:hlinkClick r:id="" action="ppaction://media"/>
-          </p:cNvPr>
-          <p:cNvPicPr>
-            <a:picLocks noChangeAspect="1"/>
-          </p:cNvPicPr>
-          <p:nvPr>
-            <a:videoFile r:link="rId3"/>
-            <p:extLst>
-              <p:ext uri="{DAA4B4D4-6D71-4841-9C94-3DE7FCFB9230}">
-                <p14:media xmlns:p14="http://schemas.microsoft.com/office/powerpoint/2010/main" r:embed="rId2"/>
-              </p:ext>
-            </p:extLst>
-          </p:nvPr>
-        </p:nvPicPr>
-        <p:blipFill>
-          <a:blip r:embed="rId4"/>
-          <a:stretch>
-            <a:fillRect/>
-          </a:stretch>
-        </p:blipFill>
-        <p:spPr>
-          <a:xfrm>
-            <a:off x="7315200" y="1371600"/>
-            <a:ext cx="5486400" cy="5486400"/>
-          </a:xfrm>
-          <a:prstGeom prst="rect">
-            <a:avLst/>
-          </a:prstGeom>
-        </p:spPr>
-      </p:pic>
-    </p:spTree>
-  </p:cSld>
-  <p:clrMapOvr>
-    <a:masterClrMapping/>
-  </p:clrMapOvr>
-  <p:timing>
-    <p:tnLst>
-      <p:par>
-        <p:cTn id="1" dur="indefinite" restart="never" nodeType="tmRoot">
-          <p:childTnLst>
-            <p:video>
-              <p:cMediaNode vol="80000">
-                <p:cTn id="2" fill="hold" display="0">
-                  <p:stCondLst>
-                    <p:cond delay="indefinite"/>
-                  </p:stCondLst>
-                </p:cTn>
-                <p:tgtEl>
-                  <p:spTgt spid="3"/>
-                </p:tgtEl>
-              </p:cMediaNode>
-            </p:video>
-          </p:childTnLst>
-        </p:cTn>
-      </p:par>
-    </p:tnLst>
-  </p:timing>
-</p:sld>
-</file>
-
-<file path=ppt/slides/slide59.xml><?xml version="1.0" encoding="utf-8"?>
-<p:sld xmlns:a="http://schemas.openxmlformats.org/drawingml/2006/main" xmlns:p="http://schemas.openxmlformats.org/presentationml/2006/main" xmlns:r="http://schemas.openxmlformats.org/officeDocument/2006/relationships">
-  <p:cSld>
-    <p:spTree>
-      <p:nvGrpSpPr>
-        <p:cNvPr id="1" name=""/>
-        <p:cNvGrpSpPr/>
-        <p:nvPr/>
-      </p:nvGrpSpPr>
-      <p:grpSpPr/>
-      <p:sp>
-        <p:nvSpPr>
-          <p:cNvPr id="2" name="Title 1"/>
-          <p:cNvSpPr>
-            <a:spLocks noGrp="1"/>
-          </p:cNvSpPr>
-          <p:nvPr>
-            <p:ph type="title"/>
-          </p:nvPr>
-        </p:nvSpPr>
-        <p:spPr/>
-        <p:txBody>
-          <a:bodyPr/>
-          <a:lstStyle/>
-          <a:p>
-            <a:r>
-              <a:t>Track 8</a:t>
-            </a:r>
-          </a:p>
-        </p:txBody>
-      </p:sp>
-      <p:pic>
-        <p:nvPicPr>
-          <p:cNvPr id="3" name="movie.vid">
-            <a:hlinkClick r:id="" action="ppaction://media"/>
-          </p:cNvPr>
-          <p:cNvPicPr>
-            <a:picLocks noChangeAspect="1"/>
-          </p:cNvPicPr>
-          <p:nvPr>
-            <a:videoFile r:link="rId3"/>
-            <p:extLst>
-              <p:ext uri="{DAA4B4D4-6D71-4841-9C94-3DE7FCFB9230}">
-                <p14:media xmlns:p14="http://schemas.microsoft.com/office/powerpoint/2010/main" r:embed="rId2"/>
-              </p:ext>
-            </p:extLst>
-          </p:nvPr>
-        </p:nvPicPr>
-        <p:blipFill>
-          <a:blip r:embed="rId4"/>
-          <a:stretch>
-            <a:fillRect/>
-          </a:stretch>
-        </p:blipFill>
-        <p:spPr>
-          <a:xfrm>
-            <a:off x="7315200" y="1371600"/>
-            <a:ext cx="5486400" cy="5486400"/>
-          </a:xfrm>
-          <a:prstGeom prst="rect">
-            <a:avLst/>
-          </a:prstGeom>
-        </p:spPr>
-      </p:pic>
-    </p:spTree>
-  </p:cSld>
-  <p:clrMapOvr>
-    <a:masterClrMapping/>
-  </p:clrMapOvr>
-  <p:timing>
-    <p:tnLst>
-      <p:par>
-        <p:cTn id="1" dur="indefinite" restart="never" nodeType="tmRoot">
-          <p:childTnLst>
-            <p:video>
-              <p:cMediaNode vol="80000">
-                <p:cTn id="2" fill="hold" display="0">
-                  <p:stCondLst>
-                    <p:cond delay="indefinite"/>
-                  </p:stCondLst>
-                </p:cTn>
-                <p:tgtEl>
-                  <p:spTgt spid="3"/>
-                </p:tgtEl>
-              </p:cMediaNode>
-            </p:video>
-          </p:childTnLst>
-        </p:cTn>
-      </p:par>
-    </p:tnLst>
-  </p:timing>
-</p:sld>
-</file>
-
 <file path=ppt/slides/slide6.xml><?xml version="1.0" encoding="utf-8"?>
 <p:sld xmlns:a="http://schemas.openxmlformats.org/drawingml/2006/main" xmlns:p="http://schemas.openxmlformats.org/presentationml/2006/main" xmlns:r="http://schemas.openxmlformats.org/officeDocument/2006/relationships">
   <p:cSld>
@@ -15115,493 +10736,6 @@
       </p:par>
     </p:tnLst>
   </p:timing>
-</p:sld>
-</file>
-
-<file path=ppt/slides/slide60.xml><?xml version="1.0" encoding="utf-8"?>
-<p:sld xmlns:a="http://schemas.openxmlformats.org/drawingml/2006/main" xmlns:p="http://schemas.openxmlformats.org/presentationml/2006/main" xmlns:r="http://schemas.openxmlformats.org/officeDocument/2006/relationships">
-  <p:cSld>
-    <p:spTree>
-      <p:nvGrpSpPr>
-        <p:cNvPr id="1" name=""/>
-        <p:cNvGrpSpPr/>
-        <p:nvPr/>
-      </p:nvGrpSpPr>
-      <p:grpSpPr/>
-      <p:sp>
-        <p:nvSpPr>
-          <p:cNvPr id="2" name="Title 1"/>
-          <p:cNvSpPr>
-            <a:spLocks noGrp="1"/>
-          </p:cNvSpPr>
-          <p:nvPr>
-            <p:ph type="title"/>
-          </p:nvPr>
-        </p:nvSpPr>
-        <p:spPr/>
-        <p:txBody>
-          <a:bodyPr/>
-          <a:lstStyle/>
-          <a:p>
-            <a:r>
-              <a:t>Track 9</a:t>
-            </a:r>
-          </a:p>
-        </p:txBody>
-      </p:sp>
-      <p:pic>
-        <p:nvPicPr>
-          <p:cNvPr id="3" name="movie.vid">
-            <a:hlinkClick r:id="" action="ppaction://media"/>
-          </p:cNvPr>
-          <p:cNvPicPr>
-            <a:picLocks noChangeAspect="1"/>
-          </p:cNvPicPr>
-          <p:nvPr>
-            <a:videoFile r:link="rId3"/>
-            <p:extLst>
-              <p:ext uri="{DAA4B4D4-6D71-4841-9C94-3DE7FCFB9230}">
-                <p14:media xmlns:p14="http://schemas.microsoft.com/office/powerpoint/2010/main" r:embed="rId2"/>
-              </p:ext>
-            </p:extLst>
-          </p:nvPr>
-        </p:nvPicPr>
-        <p:blipFill>
-          <a:blip r:embed="rId4"/>
-          <a:stretch>
-            <a:fillRect/>
-          </a:stretch>
-        </p:blipFill>
-        <p:spPr>
-          <a:xfrm>
-            <a:off x="7315200" y="1371600"/>
-            <a:ext cx="5486400" cy="5486400"/>
-          </a:xfrm>
-          <a:prstGeom prst="rect">
-            <a:avLst/>
-          </a:prstGeom>
-        </p:spPr>
-      </p:pic>
-    </p:spTree>
-  </p:cSld>
-  <p:clrMapOvr>
-    <a:masterClrMapping/>
-  </p:clrMapOvr>
-  <p:timing>
-    <p:tnLst>
-      <p:par>
-        <p:cTn id="1" dur="indefinite" restart="never" nodeType="tmRoot">
-          <p:childTnLst>
-            <p:video>
-              <p:cMediaNode vol="80000">
-                <p:cTn id="2" fill="hold" display="0">
-                  <p:stCondLst>
-                    <p:cond delay="indefinite"/>
-                  </p:stCondLst>
-                </p:cTn>
-                <p:tgtEl>
-                  <p:spTgt spid="3"/>
-                </p:tgtEl>
-              </p:cMediaNode>
-            </p:video>
-          </p:childTnLst>
-        </p:cTn>
-      </p:par>
-    </p:tnLst>
-  </p:timing>
-</p:sld>
-</file>
-
-<file path=ppt/slides/slide61.xml><?xml version="1.0" encoding="utf-8"?>
-<p:sld xmlns:a="http://schemas.openxmlformats.org/drawingml/2006/main" xmlns:p="http://schemas.openxmlformats.org/presentationml/2006/main" xmlns:r="http://schemas.openxmlformats.org/officeDocument/2006/relationships">
-  <p:cSld>
-    <p:spTree>
-      <p:nvGrpSpPr>
-        <p:cNvPr id="1" name=""/>
-        <p:cNvGrpSpPr/>
-        <p:nvPr/>
-      </p:nvGrpSpPr>
-      <p:grpSpPr/>
-      <p:sp>
-        <p:nvSpPr>
-          <p:cNvPr id="2" name="Title 1"/>
-          <p:cNvSpPr>
-            <a:spLocks noGrp="1"/>
-          </p:cNvSpPr>
-          <p:nvPr>
-            <p:ph type="title"/>
-          </p:nvPr>
-        </p:nvSpPr>
-        <p:spPr/>
-        <p:txBody>
-          <a:bodyPr/>
-          <a:lstStyle/>
-          <a:p>
-            <a:r>
-              <a:t>Track 10</a:t>
-            </a:r>
-          </a:p>
-        </p:txBody>
-      </p:sp>
-      <p:pic>
-        <p:nvPicPr>
-          <p:cNvPr id="3" name="movie.vid">
-            <a:hlinkClick r:id="" action="ppaction://media"/>
-          </p:cNvPr>
-          <p:cNvPicPr>
-            <a:picLocks noChangeAspect="1"/>
-          </p:cNvPicPr>
-          <p:nvPr>
-            <a:videoFile r:link="rId3"/>
-            <p:extLst>
-              <p:ext uri="{DAA4B4D4-6D71-4841-9C94-3DE7FCFB9230}">
-                <p14:media xmlns:p14="http://schemas.microsoft.com/office/powerpoint/2010/main" r:embed="rId2"/>
-              </p:ext>
-            </p:extLst>
-          </p:nvPr>
-        </p:nvPicPr>
-        <p:blipFill>
-          <a:blip r:embed="rId4"/>
-          <a:stretch>
-            <a:fillRect/>
-          </a:stretch>
-        </p:blipFill>
-        <p:spPr>
-          <a:xfrm>
-            <a:off x="7315200" y="1371600"/>
-            <a:ext cx="5486400" cy="5486400"/>
-          </a:xfrm>
-          <a:prstGeom prst="rect">
-            <a:avLst/>
-          </a:prstGeom>
-        </p:spPr>
-      </p:pic>
-    </p:spTree>
-  </p:cSld>
-  <p:clrMapOvr>
-    <a:masterClrMapping/>
-  </p:clrMapOvr>
-  <p:timing>
-    <p:tnLst>
-      <p:par>
-        <p:cTn id="1" dur="indefinite" restart="never" nodeType="tmRoot">
-          <p:childTnLst>
-            <p:video>
-              <p:cMediaNode vol="80000">
-                <p:cTn id="2" fill="hold" display="0">
-                  <p:stCondLst>
-                    <p:cond delay="indefinite"/>
-                  </p:stCondLst>
-                </p:cTn>
-                <p:tgtEl>
-                  <p:spTgt spid="3"/>
-                </p:tgtEl>
-              </p:cMediaNode>
-            </p:video>
-          </p:childTnLst>
-        </p:cTn>
-      </p:par>
-    </p:tnLst>
-  </p:timing>
-</p:sld>
-</file>
-
-<file path=ppt/slides/slide62.xml><?xml version="1.0" encoding="utf-8"?>
-<p:sld xmlns:a="http://schemas.openxmlformats.org/drawingml/2006/main" xmlns:p="http://schemas.openxmlformats.org/presentationml/2006/main" xmlns:r="http://schemas.openxmlformats.org/officeDocument/2006/relationships">
-  <p:cSld>
-    <p:spTree>
-      <p:nvGrpSpPr>
-        <p:cNvPr id="1" name=""/>
-        <p:cNvGrpSpPr/>
-        <p:nvPr/>
-      </p:nvGrpSpPr>
-      <p:grpSpPr/>
-      <p:sp>
-        <p:nvSpPr>
-          <p:cNvPr id="2" name="Title 1"/>
-          <p:cNvSpPr>
-            <a:spLocks noGrp="1"/>
-          </p:cNvSpPr>
-          <p:nvPr>
-            <p:ph type="title"/>
-          </p:nvPr>
-        </p:nvSpPr>
-        <p:spPr/>
-        <p:txBody>
-          <a:bodyPr/>
-          <a:lstStyle/>
-          <a:p>
-            <a:r>
-              <a:t>Round 5 Review</a:t>
-            </a:r>
-          </a:p>
-        </p:txBody>
-      </p:sp>
-      <p:sp>
-        <p:nvSpPr>
-          <p:cNvPr id="3" name="Content Placeholder 2"/>
-          <p:cNvSpPr>
-            <a:spLocks noGrp="1"/>
-          </p:cNvSpPr>
-          <p:nvPr>
-            <p:ph idx="10" sz="quarter"/>
-          </p:nvPr>
-        </p:nvSpPr>
-        <p:spPr>
-          <a:xfrm>
-            <a:off x="6912864" y="1828800"/>
-            <a:ext cx="2834640" cy="914400"/>
-          </a:xfrm>
-        </p:spPr>
-        <p:txBody>
-          <a:bodyPr/>
-          <a:lstStyle/>
-          <a:p>
-            <a:r>
-              <a:t> Track 1</a:t>
-            </a:r>
-          </a:p>
-        </p:txBody>
-      </p:sp>
-      <p:sp>
-        <p:nvSpPr>
-          <p:cNvPr id="3" name="Content Placeholder 2"/>
-          <p:cNvSpPr>
-            <a:spLocks noGrp="1"/>
-          </p:cNvSpPr>
-          <p:nvPr>
-            <p:ph idx="10" sz="quarter"/>
-          </p:nvPr>
-        </p:nvSpPr>
-        <p:spPr>
-          <a:xfrm>
-            <a:off x="11018520" y="1828800"/>
-            <a:ext cx="2834640" cy="914400"/>
-          </a:xfrm>
-        </p:spPr>
-        <p:txBody>
-          <a:bodyPr/>
-          <a:lstStyle/>
-          <a:p>
-            <a:r>
-              <a:t> Track 2</a:t>
-            </a:r>
-          </a:p>
-        </p:txBody>
-      </p:sp>
-      <p:sp>
-        <p:nvSpPr>
-          <p:cNvPr id="3" name="Content Placeholder 2"/>
-          <p:cNvSpPr>
-            <a:spLocks noGrp="1"/>
-          </p:cNvSpPr>
-          <p:nvPr>
-            <p:ph idx="10" sz="quarter"/>
-          </p:nvPr>
-        </p:nvSpPr>
-        <p:spPr>
-          <a:xfrm>
-            <a:off x="6912864" y="2743200"/>
-            <a:ext cx="2834640" cy="914400"/>
-          </a:xfrm>
-        </p:spPr>
-        <p:txBody>
-          <a:bodyPr/>
-          <a:lstStyle/>
-          <a:p>
-            <a:r>
-              <a:t> Track 3</a:t>
-            </a:r>
-          </a:p>
-        </p:txBody>
-      </p:sp>
-      <p:sp>
-        <p:nvSpPr>
-          <p:cNvPr id="3" name="Content Placeholder 2"/>
-          <p:cNvSpPr>
-            <a:spLocks noGrp="1"/>
-          </p:cNvSpPr>
-          <p:nvPr>
-            <p:ph idx="10" sz="quarter"/>
-          </p:nvPr>
-        </p:nvSpPr>
-        <p:spPr>
-          <a:xfrm>
-            <a:off x="11018520" y="2743200"/>
-            <a:ext cx="2834640" cy="914400"/>
-          </a:xfrm>
-        </p:spPr>
-        <p:txBody>
-          <a:bodyPr/>
-          <a:lstStyle/>
-          <a:p>
-            <a:r>
-              <a:t> Track 4</a:t>
-            </a:r>
-          </a:p>
-        </p:txBody>
-      </p:sp>
-      <p:sp>
-        <p:nvSpPr>
-          <p:cNvPr id="3" name="Content Placeholder 2"/>
-          <p:cNvSpPr>
-            <a:spLocks noGrp="1"/>
-          </p:cNvSpPr>
-          <p:nvPr>
-            <p:ph idx="10" sz="quarter"/>
-          </p:nvPr>
-        </p:nvSpPr>
-        <p:spPr>
-          <a:xfrm>
-            <a:off x="6912864" y="3657600"/>
-            <a:ext cx="2834640" cy="914400"/>
-          </a:xfrm>
-        </p:spPr>
-        <p:txBody>
-          <a:bodyPr/>
-          <a:lstStyle/>
-          <a:p>
-            <a:r>
-              <a:t> Track 5</a:t>
-            </a:r>
-          </a:p>
-        </p:txBody>
-      </p:sp>
-      <p:sp>
-        <p:nvSpPr>
-          <p:cNvPr id="3" name="Content Placeholder 2"/>
-          <p:cNvSpPr>
-            <a:spLocks noGrp="1"/>
-          </p:cNvSpPr>
-          <p:nvPr>
-            <p:ph idx="10" sz="quarter"/>
-          </p:nvPr>
-        </p:nvSpPr>
-        <p:spPr>
-          <a:xfrm>
-            <a:off x="11018520" y="3657600"/>
-            <a:ext cx="2834640" cy="914400"/>
-          </a:xfrm>
-        </p:spPr>
-        <p:txBody>
-          <a:bodyPr/>
-          <a:lstStyle/>
-          <a:p>
-            <a:r>
-              <a:t> Track 6</a:t>
-            </a:r>
-          </a:p>
-        </p:txBody>
-      </p:sp>
-      <p:sp>
-        <p:nvSpPr>
-          <p:cNvPr id="3" name="Content Placeholder 2"/>
-          <p:cNvSpPr>
-            <a:spLocks noGrp="1"/>
-          </p:cNvSpPr>
-          <p:nvPr>
-            <p:ph idx="10" sz="quarter"/>
-          </p:nvPr>
-        </p:nvSpPr>
-        <p:spPr>
-          <a:xfrm>
-            <a:off x="6912864" y="4572000"/>
-            <a:ext cx="2834640" cy="914400"/>
-          </a:xfrm>
-        </p:spPr>
-        <p:txBody>
-          <a:bodyPr/>
-          <a:lstStyle/>
-          <a:p>
-            <a:r>
-              <a:t> Track 7</a:t>
-            </a:r>
-          </a:p>
-        </p:txBody>
-      </p:sp>
-      <p:sp>
-        <p:nvSpPr>
-          <p:cNvPr id="3" name="Content Placeholder 2"/>
-          <p:cNvSpPr>
-            <a:spLocks noGrp="1"/>
-          </p:cNvSpPr>
-          <p:nvPr>
-            <p:ph idx="10" sz="quarter"/>
-          </p:nvPr>
-        </p:nvSpPr>
-        <p:spPr>
-          <a:xfrm>
-            <a:off x="11018520" y="4572000"/>
-            <a:ext cx="2834640" cy="914400"/>
-          </a:xfrm>
-        </p:spPr>
-        <p:txBody>
-          <a:bodyPr/>
-          <a:lstStyle/>
-          <a:p>
-            <a:r>
-              <a:t> Track 8</a:t>
-            </a:r>
-          </a:p>
-        </p:txBody>
-      </p:sp>
-      <p:sp>
-        <p:nvSpPr>
-          <p:cNvPr id="3" name="Content Placeholder 2"/>
-          <p:cNvSpPr>
-            <a:spLocks noGrp="1"/>
-          </p:cNvSpPr>
-          <p:nvPr>
-            <p:ph idx="10" sz="quarter"/>
-          </p:nvPr>
-        </p:nvSpPr>
-        <p:spPr>
-          <a:xfrm>
-            <a:off x="6912864" y="5486400"/>
-            <a:ext cx="2834640" cy="914400"/>
-          </a:xfrm>
-        </p:spPr>
-        <p:txBody>
-          <a:bodyPr/>
-          <a:lstStyle/>
-          <a:p>
-            <a:r>
-              <a:t> Track 9</a:t>
-            </a:r>
-          </a:p>
-        </p:txBody>
-      </p:sp>
-      <p:sp>
-        <p:nvSpPr>
-          <p:cNvPr id="3" name="Content Placeholder 2"/>
-          <p:cNvSpPr>
-            <a:spLocks noGrp="1"/>
-          </p:cNvSpPr>
-          <p:nvPr>
-            <p:ph idx="10" sz="quarter"/>
-          </p:nvPr>
-        </p:nvSpPr>
-        <p:spPr>
-          <a:xfrm>
-            <a:off x="11018520" y="5486400"/>
-            <a:ext cx="2834640" cy="914400"/>
-          </a:xfrm>
-        </p:spPr>
-        <p:txBody>
-          <a:bodyPr/>
-          <a:lstStyle/>
-          <a:p>
-            <a:r>
-              <a:t> Track 10</a:t>
-            </a:r>
-          </a:p>
-        </p:txBody>
-      </p:sp>
-    </p:spTree>
-  </p:cSld>
-  <p:clrMapOvr>
-    <a:masterClrMapping/>
-  </p:clrMapOvr>
 </p:sld>
 </file>
 

--- a/VGMC 2022 Spring Slides.pptx
+++ b/VGMC 2022 Spring Slides.pptx
@@ -18,6 +18,19 @@
     <p:sldId id="266" r:id="rId16"/>
     <p:sldId id="267" r:id="rId17"/>
     <p:sldId id="268" r:id="rId18"/>
+    <p:sldId id="269" r:id="rId19"/>
+    <p:sldId id="270" r:id="rId20"/>
+    <p:sldId id="271" r:id="rId21"/>
+    <p:sldId id="272" r:id="rId22"/>
+    <p:sldId id="273" r:id="rId23"/>
+    <p:sldId id="274" r:id="rId24"/>
+    <p:sldId id="275" r:id="rId25"/>
+    <p:sldId id="276" r:id="rId26"/>
+    <p:sldId id="277" r:id="rId27"/>
+    <p:sldId id="278" r:id="rId28"/>
+    <p:sldId id="279" r:id="rId29"/>
+    <p:sldId id="280" r:id="rId30"/>
+    <p:sldId id="281" r:id="rId31"/>
   </p:sldIdLst>
   <p:sldSz cx="14630400" cy="8229600"/>
   <p:notesSz cx="6858000" cy="9144000"/>
@@ -1505,94 +1518,6 @@
           </a:p>
         </p:txBody>
       </p:sp>
-      <p:sp>
-        <p:nvSpPr>
-          <p:cNvPr id="4" name="Date Placeholder 3"/>
-          <p:cNvSpPr>
-            <a:spLocks noGrp="1"/>
-          </p:cNvSpPr>
-          <p:nvPr>
-            <p:ph type="dt" sz="half" idx="10"/>
-          </p:nvPr>
-        </p:nvSpPr>
-        <p:spPr>
-          <a:xfrm>
-            <a:off x="965606" y="384048"/>
-            <a:ext cx="4389120" cy="384048"/>
-          </a:xfrm>
-        </p:spPr>
-        <p:txBody>
-          <a:bodyPr vert="horz" lIns="91440" tIns="45720" rIns="91440" bIns="45720" rtlCol="0" anchor="ctr"/>
-          <a:lstStyle>
-            <a:lvl1pPr>
-              <a:defRPr lang="en-US"/>
-            </a:lvl1pPr>
-          </a:lstStyle>
-          <a:p>
-            <a:fld id="{CE60F759-2DB9-45EC-93E5-4C9B94ABF359}" type="datetimeFigureOut">
-              <a:rPr lang="en-US" smtClean="0"/>
-              <a:t>3/6/2022</a:t>
-            </a:fld>
-            <a:endParaRPr lang="en-US"/>
-          </a:p>
-        </p:txBody>
-      </p:sp>
-      <p:sp>
-        <p:nvSpPr>
-          <p:cNvPr id="5" name="Footer Placeholder 4"/>
-          <p:cNvSpPr>
-            <a:spLocks noGrp="1"/>
-          </p:cNvSpPr>
-          <p:nvPr>
-            <p:ph type="ftr" sz="quarter" idx="11"/>
-          </p:nvPr>
-        </p:nvSpPr>
-        <p:spPr>
-          <a:xfrm>
-            <a:off x="965607" y="7472477"/>
-            <a:ext cx="12706502" cy="384048"/>
-          </a:xfrm>
-        </p:spPr>
-        <p:txBody>
-          <a:bodyPr/>
-          <a:lstStyle>
-            <a:lvl1pPr algn="ctr">
-              <a:defRPr/>
-            </a:lvl1pPr>
-          </a:lstStyle>
-          <a:p>
-            <a:endParaRPr lang="en-US"/>
-          </a:p>
-        </p:txBody>
-      </p:sp>
-      <p:sp>
-        <p:nvSpPr>
-          <p:cNvPr id="6" name="Slide Number Placeholder 5"/>
-          <p:cNvSpPr>
-            <a:spLocks noGrp="1"/>
-          </p:cNvSpPr>
-          <p:nvPr>
-            <p:ph type="sldNum" sz="quarter" idx="12"/>
-          </p:nvPr>
-        </p:nvSpPr>
-        <p:spPr>
-          <a:xfrm>
-            <a:off x="12563856" y="384048"/>
-            <a:ext cx="1097280" cy="384048"/>
-          </a:xfrm>
-        </p:spPr>
-        <p:txBody>
-          <a:bodyPr/>
-          <a:lstStyle/>
-          <a:p>
-            <a:fld id="{6F51A0CA-260B-46C0-8077-05435D50D64B}" type="slidenum">
-              <a:rPr lang="en-US" smtClean="0"/>
-              <a:t>‹#›</a:t>
-            </a:fld>
-            <a:endParaRPr lang="en-US"/>
-          </a:p>
-        </p:txBody>
-      </p:sp>
     </p:spTree>
     <p:extLst>
       <p:ext uri="{BB962C8B-B14F-4D97-AF65-F5344CB8AC3E}">
@@ -2929,8 +2854,8 @@
         </p:nvSpPr>
         <p:spPr>
           <a:xfrm>
-            <a:off x="6142137" y="963823"/>
-            <a:ext cx="7538248" cy="6298346"/>
+            <a:off x="6217920" y="365760"/>
+            <a:ext cx="8046720" cy="7498080"/>
           </a:xfrm>
         </p:spPr>
         <p:txBody>
@@ -2968,71 +2893,6 @@
           </a:p>
         </p:txBody>
       </p:sp>
-      <p:sp>
-        <p:nvSpPr>
-          <p:cNvPr id="4" name="Date Placeholder 3"/>
-          <p:cNvSpPr>
-            <a:spLocks noGrp="1"/>
-          </p:cNvSpPr>
-          <p:nvPr>
-            <p:ph type="dt" sz="half" idx="10"/>
-          </p:nvPr>
-        </p:nvSpPr>
-        <p:spPr/>
-        <p:txBody>
-          <a:bodyPr/>
-          <a:lstStyle/>
-          <a:p>
-            <a:fld id="{CE60F759-2DB9-45EC-93E5-4C9B94ABF359}" type="datetimeFigureOut">
-              <a:rPr lang="en-US" smtClean="0"/>
-              <a:t>3/6/2022</a:t>
-            </a:fld>
-            <a:endParaRPr lang="en-US"/>
-          </a:p>
-        </p:txBody>
-      </p:sp>
-      <p:sp>
-        <p:nvSpPr>
-          <p:cNvPr id="5" name="Footer Placeholder 4"/>
-          <p:cNvSpPr>
-            <a:spLocks noGrp="1"/>
-          </p:cNvSpPr>
-          <p:nvPr>
-            <p:ph type="ftr" sz="quarter" idx="11"/>
-          </p:nvPr>
-        </p:nvSpPr>
-        <p:spPr/>
-        <p:txBody>
-          <a:bodyPr/>
-          <a:lstStyle/>
-          <a:p>
-            <a:endParaRPr lang="en-US"/>
-          </a:p>
-        </p:txBody>
-      </p:sp>
-      <p:sp>
-        <p:nvSpPr>
-          <p:cNvPr id="6" name="Slide Number Placeholder 5"/>
-          <p:cNvSpPr>
-            <a:spLocks noGrp="1"/>
-          </p:cNvSpPr>
-          <p:nvPr>
-            <p:ph type="sldNum" sz="quarter" idx="12"/>
-          </p:nvPr>
-        </p:nvSpPr>
-        <p:spPr/>
-        <p:txBody>
-          <a:bodyPr/>
-          <a:lstStyle/>
-          <a:p>
-            <a:fld id="{6F51A0CA-260B-46C0-8077-05435D50D64B}" type="slidenum">
-              <a:rPr lang="en-US" smtClean="0"/>
-              <a:t>‹#›</a:t>
-            </a:fld>
-            <a:endParaRPr lang="en-US"/>
-          </a:p>
-        </p:txBody>
-      </p:sp>
     </p:spTree>
     <p:extLst>
       <p:ext uri="{BB962C8B-B14F-4D97-AF65-F5344CB8AC3E}">
@@ -3067,7 +2927,7 @@
         <p:nvGrpSpPr>
           <p:cNvPr id="77" name="Group 76"/>
           <p:cNvGrpSpPr/>
-          <p:nvPr/>
+          <p:nvPr userDrawn="1"/>
         </p:nvGrpSpPr>
         <p:grpSpPr>
           <a:xfrm>
@@ -4348,90 +4208,6 @@
               <a:rPr lang="en-US" dirty="0"/>
               <a:t>Round #</a:t>
             </a:r>
-          </a:p>
-        </p:txBody>
-      </p:sp>
-      <p:sp>
-        <p:nvSpPr>
-          <p:cNvPr id="4" name="Date Placeholder 3"/>
-          <p:cNvSpPr>
-            <a:spLocks noGrp="1"/>
-          </p:cNvSpPr>
-          <p:nvPr>
-            <p:ph type="dt" sz="half" idx="10"/>
-          </p:nvPr>
-        </p:nvSpPr>
-        <p:spPr>
-          <a:xfrm>
-            <a:off x="965606" y="384048"/>
-            <a:ext cx="4389120" cy="384048"/>
-          </a:xfrm>
-        </p:spPr>
-        <p:txBody>
-          <a:bodyPr/>
-          <a:lstStyle/>
-          <a:p>
-            <a:fld id="{CE60F759-2DB9-45EC-93E5-4C9B94ABF359}" type="datetimeFigureOut">
-              <a:rPr lang="en-US" smtClean="0"/>
-              <a:t>3/6/2022</a:t>
-            </a:fld>
-            <a:endParaRPr lang="en-US"/>
-          </a:p>
-        </p:txBody>
-      </p:sp>
-      <p:sp>
-        <p:nvSpPr>
-          <p:cNvPr id="5" name="Footer Placeholder 4"/>
-          <p:cNvSpPr>
-            <a:spLocks noGrp="1"/>
-          </p:cNvSpPr>
-          <p:nvPr>
-            <p:ph type="ftr" sz="quarter" idx="11"/>
-          </p:nvPr>
-        </p:nvSpPr>
-        <p:spPr>
-          <a:xfrm>
-            <a:off x="965607" y="7472477"/>
-            <a:ext cx="12706502" cy="384048"/>
-          </a:xfrm>
-        </p:spPr>
-        <p:txBody>
-          <a:bodyPr/>
-          <a:lstStyle>
-            <a:lvl1pPr algn="ctr">
-              <a:defRPr/>
-            </a:lvl1pPr>
-          </a:lstStyle>
-          <a:p>
-            <a:endParaRPr lang="en-US"/>
-          </a:p>
-        </p:txBody>
-      </p:sp>
-      <p:sp>
-        <p:nvSpPr>
-          <p:cNvPr id="6" name="Slide Number Placeholder 5"/>
-          <p:cNvSpPr>
-            <a:spLocks noGrp="1"/>
-          </p:cNvSpPr>
-          <p:nvPr>
-            <p:ph type="sldNum" sz="quarter" idx="12"/>
-          </p:nvPr>
-        </p:nvSpPr>
-        <p:spPr>
-          <a:xfrm>
-            <a:off x="12563856" y="384048"/>
-            <a:ext cx="1097280" cy="384048"/>
-          </a:xfrm>
-        </p:spPr>
-        <p:txBody>
-          <a:bodyPr/>
-          <a:lstStyle/>
-          <a:p>
-            <a:fld id="{6F51A0CA-260B-46C0-8077-05435D50D64B}" type="slidenum">
-              <a:rPr lang="en-US" smtClean="0"/>
-              <a:t>‹#›</a:t>
-            </a:fld>
-            <a:endParaRPr lang="en-US"/>
           </a:p>
         </p:txBody>
       </p:sp>
@@ -5756,71 +5532,6 @@
               <a:rPr lang="en-US" dirty="0"/>
               <a:t>Track #</a:t>
             </a:r>
-          </a:p>
-        </p:txBody>
-      </p:sp>
-      <p:sp>
-        <p:nvSpPr>
-          <p:cNvPr id="3" name="Date Placeholder 2"/>
-          <p:cNvSpPr>
-            <a:spLocks noGrp="1"/>
-          </p:cNvSpPr>
-          <p:nvPr>
-            <p:ph type="dt" sz="half" idx="10"/>
-          </p:nvPr>
-        </p:nvSpPr>
-        <p:spPr/>
-        <p:txBody>
-          <a:bodyPr/>
-          <a:lstStyle/>
-          <a:p>
-            <a:fld id="{CE60F759-2DB9-45EC-93E5-4C9B94ABF359}" type="datetimeFigureOut">
-              <a:rPr lang="en-US" smtClean="0"/>
-              <a:t>3/6/2022</a:t>
-            </a:fld>
-            <a:endParaRPr lang="en-US"/>
-          </a:p>
-        </p:txBody>
-      </p:sp>
-      <p:sp>
-        <p:nvSpPr>
-          <p:cNvPr id="4" name="Footer Placeholder 3"/>
-          <p:cNvSpPr>
-            <a:spLocks noGrp="1"/>
-          </p:cNvSpPr>
-          <p:nvPr>
-            <p:ph type="ftr" sz="quarter" idx="11"/>
-          </p:nvPr>
-        </p:nvSpPr>
-        <p:spPr/>
-        <p:txBody>
-          <a:bodyPr/>
-          <a:lstStyle/>
-          <a:p>
-            <a:endParaRPr lang="en-US"/>
-          </a:p>
-        </p:txBody>
-      </p:sp>
-      <p:sp>
-        <p:nvSpPr>
-          <p:cNvPr id="5" name="Slide Number Placeholder 4"/>
-          <p:cNvSpPr>
-            <a:spLocks noGrp="1"/>
-          </p:cNvSpPr>
-          <p:nvPr>
-            <p:ph type="sldNum" sz="quarter" idx="12"/>
-          </p:nvPr>
-        </p:nvSpPr>
-        <p:spPr/>
-        <p:txBody>
-          <a:bodyPr/>
-          <a:lstStyle/>
-          <a:p>
-            <a:fld id="{6F51A0CA-260B-46C0-8077-05435D50D64B}" type="slidenum">
-              <a:rPr lang="en-US" smtClean="0"/>
-              <a:t>‹#›</a:t>
-            </a:fld>
-            <a:endParaRPr lang="en-US"/>
           </a:p>
         </p:txBody>
       </p:sp>
@@ -8522,17 +8233,19 @@
         </p:nvSpPr>
         <p:spPr>
           <a:xfrm>
-            <a:off x="6142137" y="963823"/>
-            <a:ext cx="7538248" cy="6298346"/>
+            <a:off x="6217920" y="365760"/>
+            <a:ext cx="8046720" cy="7498080"/>
           </a:xfrm>
         </p:spPr>
         <p:txBody>
-          <a:bodyPr anchor="ctr"/>
+          <a:bodyPr anchor="ctr">
+            <a:normAutofit/>
+          </a:bodyPr>
           <a:lstStyle>
             <a:lvl1pPr marL="457200" indent="-457200">
               <a:buFont typeface="+mj-lt"/>
               <a:buAutoNum type="arabicPeriod"/>
-              <a:defRPr sz="2400"/>
+              <a:defRPr sz="2100"/>
             </a:lvl1pPr>
             <a:lvl2pPr marL="1005840" indent="-457200">
               <a:buFont typeface="+mj-lt"/>
@@ -8561,71 +8274,6 @@
               <a:rPr lang="en-US" dirty="0"/>
               <a:t>Click to edit Master text styles</a:t>
             </a:r>
-          </a:p>
-        </p:txBody>
-      </p:sp>
-      <p:sp>
-        <p:nvSpPr>
-          <p:cNvPr id="4" name="Date Placeholder 3"/>
-          <p:cNvSpPr>
-            <a:spLocks noGrp="1"/>
-          </p:cNvSpPr>
-          <p:nvPr>
-            <p:ph type="dt" sz="half" idx="10"/>
-          </p:nvPr>
-        </p:nvSpPr>
-        <p:spPr/>
-        <p:txBody>
-          <a:bodyPr/>
-          <a:lstStyle/>
-          <a:p>
-            <a:fld id="{CE60F759-2DB9-45EC-93E5-4C9B94ABF359}" type="datetimeFigureOut">
-              <a:rPr lang="en-US" smtClean="0"/>
-              <a:t>3/6/2022</a:t>
-            </a:fld>
-            <a:endParaRPr lang="en-US"/>
-          </a:p>
-        </p:txBody>
-      </p:sp>
-      <p:sp>
-        <p:nvSpPr>
-          <p:cNvPr id="5" name="Footer Placeholder 4"/>
-          <p:cNvSpPr>
-            <a:spLocks noGrp="1"/>
-          </p:cNvSpPr>
-          <p:nvPr>
-            <p:ph type="ftr" sz="quarter" idx="11"/>
-          </p:nvPr>
-        </p:nvSpPr>
-        <p:spPr/>
-        <p:txBody>
-          <a:bodyPr/>
-          <a:lstStyle/>
-          <a:p>
-            <a:endParaRPr lang="en-US"/>
-          </a:p>
-        </p:txBody>
-      </p:sp>
-      <p:sp>
-        <p:nvSpPr>
-          <p:cNvPr id="6" name="Slide Number Placeholder 5"/>
-          <p:cNvSpPr>
-            <a:spLocks noGrp="1"/>
-          </p:cNvSpPr>
-          <p:nvPr>
-            <p:ph type="sldNum" sz="quarter" idx="12"/>
-          </p:nvPr>
-        </p:nvSpPr>
-        <p:spPr/>
-        <p:txBody>
-          <a:bodyPr/>
-          <a:lstStyle/>
-          <a:p>
-            <a:fld id="{6F51A0CA-260B-46C0-8077-05435D50D64B}" type="slidenum">
-              <a:rPr lang="en-US" smtClean="0"/>
-              <a:t>‹#›</a:t>
-            </a:fld>
-            <a:endParaRPr lang="en-US"/>
           </a:p>
         </p:txBody>
       </p:sp>
@@ -8772,125 +8420,6 @@
               <a:t>Fifth level</a:t>
             </a:r>
             <a:endParaRPr lang="en-US" dirty="0"/>
-          </a:p>
-        </p:txBody>
-      </p:sp>
-      <p:sp>
-        <p:nvSpPr>
-          <p:cNvPr id="4" name="Date Placeholder 3"/>
-          <p:cNvSpPr>
-            <a:spLocks noGrp="1"/>
-          </p:cNvSpPr>
-          <p:nvPr>
-            <p:ph type="dt" sz="half" idx="2"/>
-          </p:nvPr>
-        </p:nvSpPr>
-        <p:spPr>
-          <a:xfrm>
-            <a:off x="965606" y="384048"/>
-            <a:ext cx="4389120" cy="384048"/>
-          </a:xfrm>
-          <a:prstGeom prst="rect">
-            <a:avLst/>
-          </a:prstGeom>
-        </p:spPr>
-        <p:txBody>
-          <a:bodyPr vert="horz" lIns="91440" tIns="45720" rIns="91440" bIns="45720" rtlCol="0" anchor="ctr"/>
-          <a:lstStyle>
-            <a:lvl1pPr algn="l">
-              <a:defRPr sz="1200">
-                <a:solidFill>
-                  <a:schemeClr val="tx1">
-                    <a:tint val="75000"/>
-                  </a:schemeClr>
-                </a:solidFill>
-              </a:defRPr>
-            </a:lvl1pPr>
-          </a:lstStyle>
-          <a:p>
-            <a:fld id="{CE60F759-2DB9-45EC-93E5-4C9B94ABF359}" type="datetimeFigureOut">
-              <a:rPr lang="en-US" smtClean="0"/>
-              <a:t>3/6/2022</a:t>
-            </a:fld>
-            <a:endParaRPr lang="en-US"/>
-          </a:p>
-        </p:txBody>
-      </p:sp>
-      <p:sp>
-        <p:nvSpPr>
-          <p:cNvPr id="5" name="Footer Placeholder 4"/>
-          <p:cNvSpPr>
-            <a:spLocks noGrp="1"/>
-          </p:cNvSpPr>
-          <p:nvPr>
-            <p:ph type="ftr" sz="quarter" idx="3"/>
-          </p:nvPr>
-        </p:nvSpPr>
-        <p:spPr>
-          <a:xfrm>
-            <a:off x="965607" y="7472477"/>
-            <a:ext cx="12706502" cy="384048"/>
-          </a:xfrm>
-          <a:prstGeom prst="rect">
-            <a:avLst/>
-          </a:prstGeom>
-        </p:spPr>
-        <p:txBody>
-          <a:bodyPr vert="horz" lIns="91440" tIns="45720" rIns="91440" bIns="45720" rtlCol="0" anchor="ctr"/>
-          <a:lstStyle>
-            <a:lvl1pPr algn="r">
-              <a:defRPr sz="1200">
-                <a:solidFill>
-                  <a:schemeClr val="tx1">
-                    <a:tint val="75000"/>
-                  </a:schemeClr>
-                </a:solidFill>
-              </a:defRPr>
-            </a:lvl1pPr>
-          </a:lstStyle>
-          <a:p>
-            <a:endParaRPr lang="en-US"/>
-          </a:p>
-        </p:txBody>
-      </p:sp>
-      <p:sp>
-        <p:nvSpPr>
-          <p:cNvPr id="6" name="Slide Number Placeholder 5"/>
-          <p:cNvSpPr>
-            <a:spLocks noGrp="1"/>
-          </p:cNvSpPr>
-          <p:nvPr>
-            <p:ph type="sldNum" sz="quarter" idx="4"/>
-          </p:nvPr>
-        </p:nvSpPr>
-        <p:spPr>
-          <a:xfrm>
-            <a:off x="12563856" y="384048"/>
-            <a:ext cx="1097280" cy="384048"/>
-          </a:xfrm>
-          <a:prstGeom prst="rect">
-            <a:avLst/>
-          </a:prstGeom>
-        </p:spPr>
-        <p:txBody>
-          <a:bodyPr vert="horz" lIns="91440" tIns="45720" rIns="91440" bIns="45720" rtlCol="0" anchor="ctr"/>
-          <a:lstStyle>
-            <a:lvl1pPr algn="r">
-              <a:defRPr sz="1200">
-                <a:solidFill>
-                  <a:schemeClr val="tx1">
-                    <a:tint val="75000"/>
-                  </a:schemeClr>
-                </a:solidFill>
-              </a:defRPr>
-            </a:lvl1pPr>
-          </a:lstStyle>
-          <a:p>
-            <a:fld id="{6F51A0CA-260B-46C0-8077-05435D50D64B}" type="slidenum">
-              <a:rPr lang="en-US" smtClean="0"/>
-              <a:t>‹#›</a:t>
-            </a:fld>
-            <a:endParaRPr lang="en-US"/>
           </a:p>
         </p:txBody>
       </p:sp>
@@ -9363,71 +8892,107 @@
           <a:lstStyle/>
           <a:p>
             <a:r>
-              <a:t>Track 7</a:t>
+              <a:t>Round 1 Answers</a:t>
             </a:r>
           </a:p>
         </p:txBody>
       </p:sp>
-      <p:pic>
-        <p:nvPicPr>
-          <p:cNvPr id="3" name="movie.vid">
-            <a:hlinkClick r:id="" action="ppaction://media"/>
-          </p:cNvPr>
-          <p:cNvPicPr>
-            <a:picLocks noChangeAspect="1"/>
-          </p:cNvPicPr>
+      <p:sp>
+        <p:nvSpPr>
+          <p:cNvPr id="3" name="Content Placeholder 2"/>
+          <p:cNvSpPr>
+            <a:spLocks noGrp="1"/>
+          </p:cNvSpPr>
           <p:nvPr>
-            <a:videoFile r:link="rId3"/>
-            <p:extLst>
-              <p:ext uri="{DAA4B4D4-6D71-4841-9C94-3DE7FCFB9230}">
-                <p14:media xmlns:p14="http://schemas.microsoft.com/office/powerpoint/2010/main" r:embed="rId2"/>
-              </p:ext>
-            </p:extLst>
+            <p:ph idx="1"/>
           </p:nvPr>
-        </p:nvPicPr>
-        <p:blipFill>
-          <a:blip r:embed="rId4"/>
-          <a:stretch>
-            <a:fillRect/>
-          </a:stretch>
-        </p:blipFill>
-        <p:spPr>
-          <a:xfrm>
-            <a:off x="7315200" y="1371600"/>
-            <a:ext cx="5486400" cy="5486400"/>
-          </a:xfrm>
-          <a:prstGeom prst="rect">
-            <a:avLst/>
-          </a:prstGeom>
-        </p:spPr>
-      </p:pic>
+        </p:nvSpPr>
+        <p:spPr/>
+        <p:txBody>
+          <a:bodyPr/>
+          <a:lstStyle/>
+          <a:p>
+            <a:pPr/>
+            <a:r>
+              <a:rPr b="0" i="0"/>
+              <a:t>1 Super Mario Brothers: </a:t>
+            </a:r>
+            <a:r>
+              <a:rPr b="0" i="1"/>
+              <a:t>Super Mario Galaxy</a:t>
+            </a:r>
+            <a:r>
+              <a:rPr b="0" i="0"/>
+              <a:t> – Good Egg Galaxy</a:t>
+            </a:r>
+          </a:p>
+          <a:p>
+            <a:pPr/>
+            <a:r>
+              <a:rPr b="0" i="0"/>
+              <a:t>2 Deltarune: </a:t>
+            </a:r>
+            <a:r>
+              <a:rPr b="0" i="1"/>
+              <a:t>Deltarune</a:t>
+            </a:r>
+            <a:r>
+              <a:rPr b="0" i="0"/>
+              <a:t> – Field of Hopes and Dreams</a:t>
+            </a:r>
+          </a:p>
+          <a:p>
+            <a:pPr/>
+            <a:r>
+              <a:rPr b="0" i="0"/>
+              <a:t>3 Danganronpa: </a:t>
+            </a:r>
+            <a:r>
+              <a:rPr b="0" i="1"/>
+              <a:t>Danganronpa V3: Killing Harmony</a:t>
+            </a:r>
+            <a:r>
+              <a:rPr b="0" i="0"/>
+              <a:t> – Danganronpa V3 (Full Version)*</a:t>
+            </a:r>
+          </a:p>
+          <a:p>
+            <a:pPr/>
+            <a:r>
+              <a:rPr b="0" i="0"/>
+              <a:t>4 Genshin Impact: </a:t>
+            </a:r>
+            <a:r>
+              <a:rPr b="0" i="1"/>
+              <a:t>Genshin Impact</a:t>
+            </a:r>
+            <a:r>
+              <a:rPr b="0" i="0"/>
+              <a:t> – Photon of Fluctuation</a:t>
+            </a:r>
+          </a:p>
+          <a:p>
+            <a:pPr/>
+            <a:r>
+              <a:rPr b="0" i="0"/>
+              <a:t>5 Lego Star Wars: </a:t>
+            </a:r>
+            <a:r>
+              <a:rPr b="0" i="1"/>
+              <a:t>Lego Star Wars: The Complete Saga</a:t>
+            </a:r>
+            <a:r>
+              <a:rPr b="0" i="0"/>
+              <a:t> – Mos Eisley Cantina</a:t>
+            </a:r>
+          </a:p>
+        </p:txBody>
+      </p:sp>
     </p:spTree>
   </p:cSld>
   <p:clrMapOvr>
     <a:masterClrMapping/>
   </p:clrMapOvr>
-  <p:timing>
-    <p:tnLst>
-      <p:par>
-        <p:cTn id="1" dur="indefinite" restart="never" nodeType="tmRoot">
-          <p:childTnLst>
-            <p:video>
-              <p:cMediaNode vol="80000">
-                <p:cTn id="2" fill="hold" display="0">
-                  <p:stCondLst>
-                    <p:cond delay="indefinite"/>
-                  </p:stCondLst>
-                </p:cTn>
-                <p:tgtEl>
-                  <p:spTgt spid="3"/>
-                </p:tgtEl>
-              </p:cMediaNode>
-            </p:video>
-          </p:childTnLst>
-        </p:cTn>
-      </p:par>
-    </p:tnLst>
-  </p:timing>
 </p:sld>
 </file>
 
@@ -9457,71 +9022,16 @@
           <a:lstStyle/>
           <a:p>
             <a:r>
-              <a:t>Track 8</a:t>
+              <a:t>Round 2</a:t>
             </a:r>
           </a:p>
         </p:txBody>
       </p:sp>
-      <p:pic>
-        <p:nvPicPr>
-          <p:cNvPr id="3" name="movie.vid">
-            <a:hlinkClick r:id="" action="ppaction://media"/>
-          </p:cNvPr>
-          <p:cNvPicPr>
-            <a:picLocks noChangeAspect="1"/>
-          </p:cNvPicPr>
-          <p:nvPr>
-            <a:videoFile r:link="rId3"/>
-            <p:extLst>
-              <p:ext uri="{DAA4B4D4-6D71-4841-9C94-3DE7FCFB9230}">
-                <p14:media xmlns:p14="http://schemas.microsoft.com/office/powerpoint/2010/main" r:embed="rId2"/>
-              </p:ext>
-            </p:extLst>
-          </p:nvPr>
-        </p:nvPicPr>
-        <p:blipFill>
-          <a:blip r:embed="rId4"/>
-          <a:stretch>
-            <a:fillRect/>
-          </a:stretch>
-        </p:blipFill>
-        <p:spPr>
-          <a:xfrm>
-            <a:off x="7315200" y="1371600"/>
-            <a:ext cx="5486400" cy="5486400"/>
-          </a:xfrm>
-          <a:prstGeom prst="rect">
-            <a:avLst/>
-          </a:prstGeom>
-        </p:spPr>
-      </p:pic>
     </p:spTree>
   </p:cSld>
   <p:clrMapOvr>
     <a:masterClrMapping/>
   </p:clrMapOvr>
-  <p:timing>
-    <p:tnLst>
-      <p:par>
-        <p:cTn id="1" dur="indefinite" restart="never" nodeType="tmRoot">
-          <p:childTnLst>
-            <p:video>
-              <p:cMediaNode vol="80000">
-                <p:cTn id="2" fill="hold" display="0">
-                  <p:stCondLst>
-                    <p:cond delay="indefinite"/>
-                  </p:stCondLst>
-                </p:cTn>
-                <p:tgtEl>
-                  <p:spTgt spid="3"/>
-                </p:tgtEl>
-              </p:cMediaNode>
-            </p:video>
-          </p:childTnLst>
-        </p:cTn>
-      </p:par>
-    </p:tnLst>
-  </p:timing>
 </p:sld>
 </file>
 
@@ -9551,7 +9061,7 @@
           <a:lstStyle/>
           <a:p>
             <a:r>
-              <a:t>Track 9</a:t>
+              <a:t>Track 1</a:t>
             </a:r>
           </a:p>
         </p:txBody>
@@ -9645,14 +9155,14 @@
           <a:lstStyle/>
           <a:p>
             <a:r>
-              <a:t>Round 1 Review</a:t>
+              <a:t>Track 2</a:t>
             </a:r>
           </a:p>
         </p:txBody>
       </p:sp>
       <p:pic>
         <p:nvPicPr>
-          <p:cNvPr id="4" name="movie.vid">
+          <p:cNvPr id="3" name="movie.vid">
             <a:hlinkClick r:id="" action="ppaction://media"/>
           </p:cNvPr>
           <p:cNvPicPr>
@@ -9675,43 +9185,78 @@
         </p:blipFill>
         <p:spPr>
           <a:xfrm>
-            <a:off x="5943600" y="914400"/>
-            <a:ext cx="914400" cy="914400"/>
+            <a:off x="7315200" y="1371600"/>
+            <a:ext cx="5486400" cy="5486400"/>
           </a:xfrm>
           <a:prstGeom prst="rect">
             <a:avLst/>
           </a:prstGeom>
         </p:spPr>
       </p:pic>
+    </p:spTree>
+  </p:cSld>
+  <p:clrMapOvr>
+    <a:masterClrMapping/>
+  </p:clrMapOvr>
+  <p:timing>
+    <p:tnLst>
+      <p:par>
+        <p:cTn id="1" dur="indefinite" restart="never" nodeType="tmRoot">
+          <p:childTnLst>
+            <p:video>
+              <p:cMediaNode vol="80000">
+                <p:cTn id="2" fill="hold" display="0">
+                  <p:stCondLst>
+                    <p:cond delay="indefinite"/>
+                  </p:stCondLst>
+                </p:cTn>
+                <p:tgtEl>
+                  <p:spTgt spid="3"/>
+                </p:tgtEl>
+              </p:cMediaNode>
+            </p:video>
+          </p:childTnLst>
+        </p:cTn>
+      </p:par>
+    </p:tnLst>
+  </p:timing>
+</p:sld>
+</file>
+
+<file path=ppt/slides/slide14.xml><?xml version="1.0" encoding="utf-8"?>
+<p:sld xmlns:a="http://schemas.openxmlformats.org/drawingml/2006/main" xmlns:p="http://schemas.openxmlformats.org/presentationml/2006/main" xmlns:r="http://schemas.openxmlformats.org/officeDocument/2006/relationships">
+  <p:cSld>
+    <p:spTree>
+      <p:nvGrpSpPr>
+        <p:cNvPr id="1" name=""/>
+        <p:cNvGrpSpPr/>
+        <p:nvPr/>
+      </p:nvGrpSpPr>
+      <p:grpSpPr/>
       <p:sp>
         <p:nvSpPr>
-          <p:cNvPr id="3" name="Content Placeholder 2"/>
+          <p:cNvPr id="2" name="Title 1"/>
           <p:cNvSpPr>
             <a:spLocks noGrp="1"/>
           </p:cNvSpPr>
           <p:nvPr>
-            <p:ph idx="10" sz="quarter"/>
+            <p:ph type="title"/>
           </p:nvPr>
         </p:nvSpPr>
-        <p:spPr>
-          <a:xfrm>
-            <a:off x="6858000" y="914400"/>
-            <a:ext cx="2834640" cy="914400"/>
-          </a:xfrm>
-        </p:spPr>
+        <p:spPr/>
         <p:txBody>
           <a:bodyPr/>
           <a:lstStyle/>
           <a:p>
             <a:r>
-              <a:t> Track 1</a:t>
+              <a:t>Track 3</a:t>
             </a:r>
           </a:p>
         </p:txBody>
       </p:sp>
       <p:pic>
         <p:nvPicPr>
-          <p:cNvPr id="5" name="movie.vid">
+          <p:cNvPr id="3" name="movie.vid">
             <a:hlinkClick r:id="" action="ppaction://media"/>
           </p:cNvPr>
           <p:cNvPicPr>
@@ -9734,43 +9279,266 @@
         </p:blipFill>
         <p:spPr>
           <a:xfrm>
-            <a:off x="10058400" y="914400"/>
-            <a:ext cx="914400" cy="914400"/>
+            <a:off x="7315200" y="1371600"/>
+            <a:ext cx="5486400" cy="5486400"/>
           </a:xfrm>
           <a:prstGeom prst="rect">
             <a:avLst/>
           </a:prstGeom>
         </p:spPr>
       </p:pic>
+    </p:spTree>
+  </p:cSld>
+  <p:clrMapOvr>
+    <a:masterClrMapping/>
+  </p:clrMapOvr>
+  <p:timing>
+    <p:tnLst>
+      <p:par>
+        <p:cTn id="1" dur="indefinite" restart="never" nodeType="tmRoot">
+          <p:childTnLst>
+            <p:video>
+              <p:cMediaNode vol="80000">
+                <p:cTn id="2" fill="hold" display="0">
+                  <p:stCondLst>
+                    <p:cond delay="indefinite"/>
+                  </p:stCondLst>
+                </p:cTn>
+                <p:tgtEl>
+                  <p:spTgt spid="3"/>
+                </p:tgtEl>
+              </p:cMediaNode>
+            </p:video>
+          </p:childTnLst>
+        </p:cTn>
+      </p:par>
+    </p:tnLst>
+  </p:timing>
+</p:sld>
+</file>
+
+<file path=ppt/slides/slide15.xml><?xml version="1.0" encoding="utf-8"?>
+<p:sld xmlns:a="http://schemas.openxmlformats.org/drawingml/2006/main" xmlns:p="http://schemas.openxmlformats.org/presentationml/2006/main" xmlns:r="http://schemas.openxmlformats.org/officeDocument/2006/relationships">
+  <p:cSld>
+    <p:spTree>
+      <p:nvGrpSpPr>
+        <p:cNvPr id="1" name=""/>
+        <p:cNvGrpSpPr/>
+        <p:nvPr/>
+      </p:nvGrpSpPr>
+      <p:grpSpPr/>
       <p:sp>
         <p:nvSpPr>
-          <p:cNvPr id="3" name="Content Placeholder 2"/>
+          <p:cNvPr id="2" name="Title 1"/>
           <p:cNvSpPr>
             <a:spLocks noGrp="1"/>
           </p:cNvSpPr>
           <p:nvPr>
-            <p:ph idx="10" sz="quarter"/>
+            <p:ph type="title"/>
           </p:nvPr>
         </p:nvSpPr>
-        <p:spPr>
-          <a:xfrm>
-            <a:off x="10972800" y="914400"/>
-            <a:ext cx="2834640" cy="914400"/>
-          </a:xfrm>
-        </p:spPr>
+        <p:spPr/>
         <p:txBody>
           <a:bodyPr/>
           <a:lstStyle/>
           <a:p>
             <a:r>
-              <a:t> Track 2</a:t>
+              <a:t>Track 4</a:t>
             </a:r>
           </a:p>
         </p:txBody>
       </p:sp>
       <p:pic>
         <p:nvPicPr>
-          <p:cNvPr id="6" name="movie.vid">
+          <p:cNvPr id="3" name="movie.vid">
+            <a:hlinkClick r:id="" action="ppaction://media"/>
+          </p:cNvPr>
+          <p:cNvPicPr>
+            <a:picLocks noChangeAspect="1"/>
+          </p:cNvPicPr>
+          <p:nvPr>
+            <a:videoFile r:link="rId3"/>
+            <p:extLst>
+              <p:ext uri="{DAA4B4D4-6D71-4841-9C94-3DE7FCFB9230}">
+                <p14:media xmlns:p14="http://schemas.microsoft.com/office/powerpoint/2010/main" r:embed="rId2"/>
+              </p:ext>
+            </p:extLst>
+          </p:nvPr>
+        </p:nvPicPr>
+        <p:blipFill>
+          <a:blip r:embed="rId4"/>
+          <a:stretch>
+            <a:fillRect/>
+          </a:stretch>
+        </p:blipFill>
+        <p:spPr>
+          <a:xfrm>
+            <a:off x="7315200" y="1371600"/>
+            <a:ext cx="5486400" cy="5486400"/>
+          </a:xfrm>
+          <a:prstGeom prst="rect">
+            <a:avLst/>
+          </a:prstGeom>
+        </p:spPr>
+      </p:pic>
+    </p:spTree>
+  </p:cSld>
+  <p:clrMapOvr>
+    <a:masterClrMapping/>
+  </p:clrMapOvr>
+  <p:timing>
+    <p:tnLst>
+      <p:par>
+        <p:cTn id="1" dur="indefinite" restart="never" nodeType="tmRoot">
+          <p:childTnLst>
+            <p:video>
+              <p:cMediaNode vol="80000">
+                <p:cTn id="2" fill="hold" display="0">
+                  <p:stCondLst>
+                    <p:cond delay="indefinite"/>
+                  </p:stCondLst>
+                </p:cTn>
+                <p:tgtEl>
+                  <p:spTgt spid="3"/>
+                </p:tgtEl>
+              </p:cMediaNode>
+            </p:video>
+          </p:childTnLst>
+        </p:cTn>
+      </p:par>
+    </p:tnLst>
+  </p:timing>
+</p:sld>
+</file>
+
+<file path=ppt/slides/slide16.xml><?xml version="1.0" encoding="utf-8"?>
+<p:sld xmlns:a="http://schemas.openxmlformats.org/drawingml/2006/main" xmlns:p="http://schemas.openxmlformats.org/presentationml/2006/main" xmlns:r="http://schemas.openxmlformats.org/officeDocument/2006/relationships">
+  <p:cSld>
+    <p:spTree>
+      <p:nvGrpSpPr>
+        <p:cNvPr id="1" name=""/>
+        <p:cNvGrpSpPr/>
+        <p:nvPr/>
+      </p:nvGrpSpPr>
+      <p:grpSpPr/>
+      <p:sp>
+        <p:nvSpPr>
+          <p:cNvPr id="2" name="Title 1"/>
+          <p:cNvSpPr>
+            <a:spLocks noGrp="1"/>
+          </p:cNvSpPr>
+          <p:nvPr>
+            <p:ph type="title"/>
+          </p:nvPr>
+        </p:nvSpPr>
+        <p:spPr/>
+        <p:txBody>
+          <a:bodyPr/>
+          <a:lstStyle/>
+          <a:p>
+            <a:r>
+              <a:t>Track 5</a:t>
+            </a:r>
+          </a:p>
+        </p:txBody>
+      </p:sp>
+      <p:pic>
+        <p:nvPicPr>
+          <p:cNvPr id="3" name="movie.vid">
+            <a:hlinkClick r:id="" action="ppaction://media"/>
+          </p:cNvPr>
+          <p:cNvPicPr>
+            <a:picLocks noChangeAspect="1"/>
+          </p:cNvPicPr>
+          <p:nvPr>
+            <a:videoFile r:link="rId3"/>
+            <p:extLst>
+              <p:ext uri="{DAA4B4D4-6D71-4841-9C94-3DE7FCFB9230}">
+                <p14:media xmlns:p14="http://schemas.microsoft.com/office/powerpoint/2010/main" r:embed="rId2"/>
+              </p:ext>
+            </p:extLst>
+          </p:nvPr>
+        </p:nvPicPr>
+        <p:blipFill>
+          <a:blip r:embed="rId4"/>
+          <a:stretch>
+            <a:fillRect/>
+          </a:stretch>
+        </p:blipFill>
+        <p:spPr>
+          <a:xfrm>
+            <a:off x="7315200" y="1371600"/>
+            <a:ext cx="5486400" cy="5486400"/>
+          </a:xfrm>
+          <a:prstGeom prst="rect">
+            <a:avLst/>
+          </a:prstGeom>
+        </p:spPr>
+      </p:pic>
+    </p:spTree>
+  </p:cSld>
+  <p:clrMapOvr>
+    <a:masterClrMapping/>
+  </p:clrMapOvr>
+  <p:timing>
+    <p:tnLst>
+      <p:par>
+        <p:cTn id="1" dur="indefinite" restart="never" nodeType="tmRoot">
+          <p:childTnLst>
+            <p:video>
+              <p:cMediaNode vol="80000">
+                <p:cTn id="2" fill="hold" display="0">
+                  <p:stCondLst>
+                    <p:cond delay="indefinite"/>
+                  </p:stCondLst>
+                </p:cTn>
+                <p:tgtEl>
+                  <p:spTgt spid="3"/>
+                </p:tgtEl>
+              </p:cMediaNode>
+            </p:video>
+          </p:childTnLst>
+        </p:cTn>
+      </p:par>
+    </p:tnLst>
+  </p:timing>
+</p:sld>
+</file>
+
+<file path=ppt/slides/slide17.xml><?xml version="1.0" encoding="utf-8"?>
+<p:sld xmlns:a="http://schemas.openxmlformats.org/drawingml/2006/main" xmlns:p="http://schemas.openxmlformats.org/presentationml/2006/main" xmlns:r="http://schemas.openxmlformats.org/officeDocument/2006/relationships">
+  <p:cSld>
+    <p:spTree>
+      <p:nvGrpSpPr>
+        <p:cNvPr id="1" name=""/>
+        <p:cNvGrpSpPr/>
+        <p:nvPr/>
+      </p:nvGrpSpPr>
+      <p:grpSpPr/>
+      <p:sp>
+        <p:nvSpPr>
+          <p:cNvPr id="2" name="Title 1"/>
+          <p:cNvSpPr>
+            <a:spLocks noGrp="1"/>
+          </p:cNvSpPr>
+          <p:nvPr>
+            <p:ph type="title"/>
+          </p:nvPr>
+        </p:nvSpPr>
+        <p:spPr/>
+        <p:txBody>
+          <a:bodyPr/>
+          <a:lstStyle/>
+          <a:p>
+            <a:r>
+              <a:t>Round 2 Review</a:t>
+            </a:r>
+          </a:p>
+        </p:txBody>
+      </p:sp>
+      <p:pic>
+        <p:nvPicPr>
+          <p:cNvPr id="4" name="movie.vid">
             <a:hlinkClick r:id="" action="ppaction://media"/>
           </p:cNvPr>
           <p:cNvPicPr>
@@ -9822,14 +9590,14 @@
           <a:lstStyle/>
           <a:p>
             <a:r>
-              <a:t> Track 3</a:t>
+              <a:t> Track 1</a:t>
             </a:r>
           </a:p>
         </p:txBody>
       </p:sp>
       <p:pic>
         <p:nvPicPr>
-          <p:cNvPr id="7" name="movie.vid">
+          <p:cNvPr id="5" name="movie.vid">
             <a:hlinkClick r:id="" action="ppaction://media"/>
           </p:cNvPr>
           <p:cNvPicPr>
@@ -9881,14 +9649,14 @@
           <a:lstStyle/>
           <a:p>
             <a:r>
-              <a:t> Track 4</a:t>
+              <a:t> Track 2</a:t>
             </a:r>
           </a:p>
         </p:txBody>
       </p:sp>
       <p:pic>
         <p:nvPicPr>
-          <p:cNvPr id="8" name="movie.vid">
+          <p:cNvPr id="6" name="movie.vid">
             <a:hlinkClick r:id="" action="ppaction://media"/>
           </p:cNvPr>
           <p:cNvPicPr>
@@ -9940,14 +9708,14 @@
           <a:lstStyle/>
           <a:p>
             <a:r>
-              <a:t> Track 5</a:t>
+              <a:t> Track 3</a:t>
             </a:r>
           </a:p>
         </p:txBody>
       </p:sp>
       <p:pic>
         <p:nvPicPr>
-          <p:cNvPr id="9" name="movie.vid">
+          <p:cNvPr id="7" name="movie.vid">
             <a:hlinkClick r:id="" action="ppaction://media"/>
           </p:cNvPr>
           <p:cNvPicPr>
@@ -9999,14 +9767,14 @@
           <a:lstStyle/>
           <a:p>
             <a:r>
-              <a:t> Track 6</a:t>
+              <a:t> Track 4</a:t>
             </a:r>
           </a:p>
         </p:txBody>
       </p:sp>
       <p:pic>
         <p:nvPicPr>
-          <p:cNvPr id="10" name="movie.vid">
+          <p:cNvPr id="8" name="movie.vid">
             <a:hlinkClick r:id="" action="ppaction://media"/>
           </p:cNvPr>
           <p:cNvPicPr>
@@ -10029,7 +9797,7 @@
         </p:blipFill>
         <p:spPr>
           <a:xfrm>
-            <a:off x="5943600" y="5029200"/>
+            <a:off x="8001000" y="5029200"/>
             <a:ext cx="914400" cy="914400"/>
           </a:xfrm>
           <a:prstGeom prst="rect">
@@ -10049,7 +9817,7 @@
         </p:nvSpPr>
         <p:spPr>
           <a:xfrm>
-            <a:off x="6858000" y="5029200"/>
+            <a:off x="8915400" y="5029200"/>
             <a:ext cx="2834640" cy="914400"/>
           </a:xfrm>
         </p:spPr>
@@ -10058,125 +9826,7 @@
           <a:lstStyle/>
           <a:p>
             <a:r>
-              <a:t> Track 7</a:t>
-            </a:r>
-          </a:p>
-        </p:txBody>
-      </p:sp>
-      <p:pic>
-        <p:nvPicPr>
-          <p:cNvPr id="11" name="movie.vid">
-            <a:hlinkClick r:id="" action="ppaction://media"/>
-          </p:cNvPr>
-          <p:cNvPicPr>
-            <a:picLocks noChangeAspect="1"/>
-          </p:cNvPicPr>
-          <p:nvPr>
-            <a:videoFile r:link="rId3"/>
-            <p:extLst>
-              <p:ext uri="{DAA4B4D4-6D71-4841-9C94-3DE7FCFB9230}">
-                <p14:media xmlns:p14="http://schemas.microsoft.com/office/powerpoint/2010/main" r:embed="rId2"/>
-              </p:ext>
-            </p:extLst>
-          </p:nvPr>
-        </p:nvPicPr>
-        <p:blipFill>
-          <a:blip r:embed="rId4"/>
-          <a:stretch>
-            <a:fillRect/>
-          </a:stretch>
-        </p:blipFill>
-        <p:spPr>
-          <a:xfrm>
-            <a:off x="10058400" y="5029200"/>
-            <a:ext cx="914400" cy="914400"/>
-          </a:xfrm>
-          <a:prstGeom prst="rect">
-            <a:avLst/>
-          </a:prstGeom>
-        </p:spPr>
-      </p:pic>
-      <p:sp>
-        <p:nvSpPr>
-          <p:cNvPr id="3" name="Content Placeholder 2"/>
-          <p:cNvSpPr>
-            <a:spLocks noGrp="1"/>
-          </p:cNvSpPr>
-          <p:nvPr>
-            <p:ph idx="10" sz="quarter"/>
-          </p:nvPr>
-        </p:nvSpPr>
-        <p:spPr>
-          <a:xfrm>
-            <a:off x="10972800" y="5029200"/>
-            <a:ext cx="2834640" cy="914400"/>
-          </a:xfrm>
-        </p:spPr>
-        <p:txBody>
-          <a:bodyPr/>
-          <a:lstStyle/>
-          <a:p>
-            <a:r>
-              <a:t> Track 8</a:t>
-            </a:r>
-          </a:p>
-        </p:txBody>
-      </p:sp>
-      <p:pic>
-        <p:nvPicPr>
-          <p:cNvPr id="12" name="movie.vid">
-            <a:hlinkClick r:id="" action="ppaction://media"/>
-          </p:cNvPr>
-          <p:cNvPicPr>
-            <a:picLocks noChangeAspect="1"/>
-          </p:cNvPicPr>
-          <p:nvPr>
-            <a:videoFile r:link="rId3"/>
-            <p:extLst>
-              <p:ext uri="{DAA4B4D4-6D71-4841-9C94-3DE7FCFB9230}">
-                <p14:media xmlns:p14="http://schemas.microsoft.com/office/powerpoint/2010/main" r:embed="rId2"/>
-              </p:ext>
-            </p:extLst>
-          </p:nvPr>
-        </p:nvPicPr>
-        <p:blipFill>
-          <a:blip r:embed="rId4"/>
-          <a:stretch>
-            <a:fillRect/>
-          </a:stretch>
-        </p:blipFill>
-        <p:spPr>
-          <a:xfrm>
-            <a:off x="8001000" y="6400800"/>
-            <a:ext cx="914400" cy="914400"/>
-          </a:xfrm>
-          <a:prstGeom prst="rect">
-            <a:avLst/>
-          </a:prstGeom>
-        </p:spPr>
-      </p:pic>
-      <p:sp>
-        <p:nvSpPr>
-          <p:cNvPr id="3" name="Content Placeholder 2"/>
-          <p:cNvSpPr>
-            <a:spLocks noGrp="1"/>
-          </p:cNvSpPr>
-          <p:nvPr>
-            <p:ph idx="10" sz="quarter"/>
-          </p:nvPr>
-        </p:nvSpPr>
-        <p:spPr>
-          <a:xfrm>
-            <a:off x="8915400" y="6400800"/>
-            <a:ext cx="2834640" cy="914400"/>
-          </a:xfrm>
-        </p:spPr>
-        <p:txBody>
-          <a:bodyPr/>
-          <a:lstStyle/>
-          <a:p>
-            <a:r>
-              <a:t> Track 9</a:t>
+              <a:t> Track 5</a:t>
             </a:r>
           </a:p>
         </p:txBody>
@@ -10251,59 +9901,180 @@
                 </p:tgtEl>
               </p:cMediaNode>
             </p:video>
-            <p:video>
-              <p:cMediaNode vol="80000">
-                <p:cTn id="7" fill="hold" display="0">
-                  <p:stCondLst>
-                    <p:cond delay="indefinite"/>
-                  </p:stCondLst>
-                </p:cTn>
-                <p:tgtEl>
-                  <p:spTgt spid="9"/>
-                </p:tgtEl>
-              </p:cMediaNode>
-            </p:video>
-            <p:video>
-              <p:cMediaNode vol="80000">
-                <p:cTn id="8" fill="hold" display="0">
-                  <p:stCondLst>
-                    <p:cond delay="indefinite"/>
-                  </p:stCondLst>
-                </p:cTn>
-                <p:tgtEl>
-                  <p:spTgt spid="10"/>
-                </p:tgtEl>
-              </p:cMediaNode>
-            </p:video>
-            <p:video>
-              <p:cMediaNode vol="80000">
-                <p:cTn id="9" fill="hold" display="0">
-                  <p:stCondLst>
-                    <p:cond delay="indefinite"/>
-                  </p:stCondLst>
-                </p:cTn>
-                <p:tgtEl>
-                  <p:spTgt spid="11"/>
-                </p:tgtEl>
-              </p:cMediaNode>
-            </p:video>
-            <p:video>
-              <p:cMediaNode vol="80000">
-                <p:cTn id="10" fill="hold" display="0">
-                  <p:stCondLst>
-                    <p:cond delay="indefinite"/>
-                  </p:stCondLst>
-                </p:cTn>
-                <p:tgtEl>
-                  <p:spTgt spid="12"/>
-                </p:tgtEl>
-              </p:cMediaNode>
-            </p:video>
           </p:childTnLst>
         </p:cTn>
       </p:par>
     </p:tnLst>
   </p:timing>
+</p:sld>
+</file>
+
+<file path=ppt/slides/slide18.xml><?xml version="1.0" encoding="utf-8"?>
+<p:sld xmlns:a="http://schemas.openxmlformats.org/drawingml/2006/main" xmlns:p="http://schemas.openxmlformats.org/presentationml/2006/main" xmlns:r="http://schemas.openxmlformats.org/officeDocument/2006/relationships">
+  <p:cSld>
+    <p:spTree>
+      <p:nvGrpSpPr>
+        <p:cNvPr id="1" name=""/>
+        <p:cNvGrpSpPr/>
+        <p:nvPr/>
+      </p:nvGrpSpPr>
+      <p:grpSpPr/>
+      <p:sp>
+        <p:nvSpPr>
+          <p:cNvPr id="2" name="Title 1"/>
+          <p:cNvSpPr>
+            <a:spLocks noGrp="1"/>
+          </p:cNvSpPr>
+          <p:nvPr>
+            <p:ph type="title"/>
+          </p:nvPr>
+        </p:nvSpPr>
+        <p:spPr/>
+        <p:txBody>
+          <a:bodyPr/>
+          <a:lstStyle/>
+          <a:p>
+            <a:r>
+              <a:t>Round 2 Answers</a:t>
+            </a:r>
+          </a:p>
+        </p:txBody>
+      </p:sp>
+      <p:sp>
+        <p:nvSpPr>
+          <p:cNvPr id="3" name="Content Placeholder 2"/>
+          <p:cNvSpPr>
+            <a:spLocks noGrp="1"/>
+          </p:cNvSpPr>
+          <p:nvPr>
+            <p:ph idx="1"/>
+          </p:nvPr>
+        </p:nvSpPr>
+        <p:spPr/>
+        <p:txBody>
+          <a:bodyPr/>
+          <a:lstStyle/>
+          <a:p>
+            <a:pPr/>
+            <a:r>
+              <a:rPr b="0" i="0"/>
+              <a:t>6 Super Mario Brothers: </a:t>
+            </a:r>
+            <a:r>
+              <a:rPr b="0" i="1"/>
+              <a:t>Super Mario Galaxy</a:t>
+            </a:r>
+            <a:r>
+              <a:rPr b="0" i="0"/>
+              <a:t> – Good Egg Galaxy</a:t>
+            </a:r>
+          </a:p>
+          <a:p>
+            <a:pPr/>
+            <a:r>
+              <a:rPr b="0" i="0"/>
+              <a:t>7 Deltarune: </a:t>
+            </a:r>
+            <a:r>
+              <a:rPr b="0" i="1"/>
+              <a:t>Deltarune</a:t>
+            </a:r>
+            <a:r>
+              <a:rPr b="0" i="0"/>
+              <a:t> – Field of Hopes and Dreams</a:t>
+            </a:r>
+          </a:p>
+          <a:p>
+            <a:pPr/>
+            <a:r>
+              <a:rPr b="0" i="0"/>
+              <a:t>8 Danganronpa: </a:t>
+            </a:r>
+            <a:r>
+              <a:rPr b="0" i="1"/>
+              <a:t>Danganronpa V3: Killing Harmony</a:t>
+            </a:r>
+            <a:r>
+              <a:rPr b="0" i="0"/>
+              <a:t> – Danganronpa V3 (Full Version)*</a:t>
+            </a:r>
+          </a:p>
+          <a:p>
+            <a:pPr/>
+            <a:r>
+              <a:rPr b="0" i="0"/>
+              <a:t>9 Genshin Impact: </a:t>
+            </a:r>
+            <a:r>
+              <a:rPr b="0" i="1"/>
+              <a:t>Genshin Impact</a:t>
+            </a:r>
+            <a:r>
+              <a:rPr b="0" i="0"/>
+              <a:t> – Photon of Fluctuation</a:t>
+            </a:r>
+          </a:p>
+          <a:p>
+            <a:pPr/>
+            <a:r>
+              <a:rPr b="0" i="0"/>
+              <a:t>10 Lego Star Wars: </a:t>
+            </a:r>
+            <a:r>
+              <a:rPr b="0" i="1"/>
+              <a:t>Lego Star Wars: The Complete Saga</a:t>
+            </a:r>
+            <a:r>
+              <a:rPr b="0" i="0"/>
+              <a:t> – Mos Eisley Cantina</a:t>
+            </a:r>
+          </a:p>
+        </p:txBody>
+      </p:sp>
+    </p:spTree>
+  </p:cSld>
+  <p:clrMapOvr>
+    <a:masterClrMapping/>
+  </p:clrMapOvr>
+</p:sld>
+</file>
+
+<file path=ppt/slides/slide19.xml><?xml version="1.0" encoding="utf-8"?>
+<p:sld xmlns:a="http://schemas.openxmlformats.org/drawingml/2006/main" xmlns:p="http://schemas.openxmlformats.org/presentationml/2006/main" xmlns:r="http://schemas.openxmlformats.org/officeDocument/2006/relationships">
+  <p:cSld>
+    <p:spTree>
+      <p:nvGrpSpPr>
+        <p:cNvPr id="1" name=""/>
+        <p:cNvGrpSpPr/>
+        <p:nvPr/>
+      </p:nvGrpSpPr>
+      <p:grpSpPr/>
+      <p:sp>
+        <p:nvSpPr>
+          <p:cNvPr id="2" name="Title 1"/>
+          <p:cNvSpPr>
+            <a:spLocks noGrp="1"/>
+          </p:cNvSpPr>
+          <p:nvPr>
+            <p:ph type="title"/>
+          </p:nvPr>
+        </p:nvSpPr>
+        <p:spPr/>
+        <p:txBody>
+          <a:bodyPr/>
+          <a:lstStyle/>
+          <a:p>
+            <a:r>
+              <a:t>Round 3</a:t>
+            </a:r>
+          </a:p>
+        </p:txBody>
+      </p:sp>
+    </p:spTree>
+  </p:cSld>
+  <p:clrMapOvr>
+    <a:masterClrMapping/>
+  </p:clrMapOvr>
 </p:sld>
 </file>
 
@@ -10353,59 +10124,1056 @@
           <a:bodyPr/>
           <a:lstStyle/>
           <a:p>
-            <a:pPr>
-              <a:defRPr b="0" i="0"/>
-            </a:pPr>
+            <a:pPr/>
             <a:r>
-              <a:t>There will be 1 Rounds of 9 Tracks</a:t>
+              <a:rPr b="0" i="0"/>
+              <a:t>There will be 3 Rounds of 5 Tracks</a:t>
             </a:r>
           </a:p>
           <a:p>
-            <a:pPr>
-              <a:defRPr b="0" i="0"/>
-            </a:pPr>
+            <a:pPr/>
             <a:r>
+              <a:rPr b="0" i="0"/>
               <a:t>You will get roughly 30 – 45 seconds of music to guess from.</a:t>
             </a:r>
           </a:p>
           <a:p>
-            <a:pPr>
-              <a:defRPr b="0" i="0"/>
-            </a:pPr>
+            <a:pPr/>
             <a:r>
+              <a:rPr b="0" i="0"/>
               <a:t>Scoring is as follows:</a:t>
             </a:r>
           </a:p>
           <a:p>
-            <a:pPr lvl="1">
-              <a:defRPr b="0" i="0"/>
-            </a:pPr>
+            <a:pPr lvl="1"/>
             <a:r>
+              <a:rPr b="0" i="0"/>
               <a:t>1 point for Game Franchise</a:t>
             </a:r>
           </a:p>
           <a:p>
-            <a:pPr lvl="1">
-              <a:defRPr b="0" i="0"/>
-            </a:pPr>
+            <a:pPr lvl="1"/>
             <a:r>
+              <a:rPr b="0" i="0"/>
               <a:t>1 point for Specific Game</a:t>
             </a:r>
           </a:p>
           <a:p>
-            <a:pPr lvl="1">
-              <a:defRPr b="0" i="0"/>
-            </a:pPr>
+            <a:pPr lvl="1"/>
             <a:r>
+              <a:rPr b="0" i="0"/>
               <a:t>1 point for Track Name/Place</a:t>
             </a:r>
           </a:p>
           <a:p>
-            <a:pPr>
-              <a:defRPr b="0" i="0"/>
-            </a:pPr>
+            <a:pPr/>
             <a:r>
+              <a:rPr b="0" i="0"/>
               <a:t>A couple songs don’t have official releases, or play in multiple places. Those have a star listed on the answer key, and if you put something close to it you’ll still receive the point.</a:t>
+            </a:r>
+          </a:p>
+        </p:txBody>
+      </p:sp>
+    </p:spTree>
+  </p:cSld>
+  <p:clrMapOvr>
+    <a:masterClrMapping/>
+  </p:clrMapOvr>
+</p:sld>
+</file>
+
+<file path=ppt/slides/slide20.xml><?xml version="1.0" encoding="utf-8"?>
+<p:sld xmlns:a="http://schemas.openxmlformats.org/drawingml/2006/main" xmlns:p="http://schemas.openxmlformats.org/presentationml/2006/main" xmlns:r="http://schemas.openxmlformats.org/officeDocument/2006/relationships">
+  <p:cSld>
+    <p:spTree>
+      <p:nvGrpSpPr>
+        <p:cNvPr id="1" name=""/>
+        <p:cNvGrpSpPr/>
+        <p:nvPr/>
+      </p:nvGrpSpPr>
+      <p:grpSpPr/>
+      <p:sp>
+        <p:nvSpPr>
+          <p:cNvPr id="2" name="Title 1"/>
+          <p:cNvSpPr>
+            <a:spLocks noGrp="1"/>
+          </p:cNvSpPr>
+          <p:nvPr>
+            <p:ph type="title"/>
+          </p:nvPr>
+        </p:nvSpPr>
+        <p:spPr/>
+        <p:txBody>
+          <a:bodyPr/>
+          <a:lstStyle/>
+          <a:p>
+            <a:r>
+              <a:t>Track 1</a:t>
+            </a:r>
+          </a:p>
+        </p:txBody>
+      </p:sp>
+      <p:pic>
+        <p:nvPicPr>
+          <p:cNvPr id="3" name="movie.vid">
+            <a:hlinkClick r:id="" action="ppaction://media"/>
+          </p:cNvPr>
+          <p:cNvPicPr>
+            <a:picLocks noChangeAspect="1"/>
+          </p:cNvPicPr>
+          <p:nvPr>
+            <a:videoFile r:link="rId3"/>
+            <p:extLst>
+              <p:ext uri="{DAA4B4D4-6D71-4841-9C94-3DE7FCFB9230}">
+                <p14:media xmlns:p14="http://schemas.microsoft.com/office/powerpoint/2010/main" r:embed="rId2"/>
+              </p:ext>
+            </p:extLst>
+          </p:nvPr>
+        </p:nvPicPr>
+        <p:blipFill>
+          <a:blip r:embed="rId4"/>
+          <a:stretch>
+            <a:fillRect/>
+          </a:stretch>
+        </p:blipFill>
+        <p:spPr>
+          <a:xfrm>
+            <a:off x="7315200" y="1371600"/>
+            <a:ext cx="5486400" cy="5486400"/>
+          </a:xfrm>
+          <a:prstGeom prst="rect">
+            <a:avLst/>
+          </a:prstGeom>
+        </p:spPr>
+      </p:pic>
+    </p:spTree>
+  </p:cSld>
+  <p:clrMapOvr>
+    <a:masterClrMapping/>
+  </p:clrMapOvr>
+  <p:timing>
+    <p:tnLst>
+      <p:par>
+        <p:cTn id="1" dur="indefinite" restart="never" nodeType="tmRoot">
+          <p:childTnLst>
+            <p:video>
+              <p:cMediaNode vol="80000">
+                <p:cTn id="2" fill="hold" display="0">
+                  <p:stCondLst>
+                    <p:cond delay="indefinite"/>
+                  </p:stCondLst>
+                </p:cTn>
+                <p:tgtEl>
+                  <p:spTgt spid="3"/>
+                </p:tgtEl>
+              </p:cMediaNode>
+            </p:video>
+          </p:childTnLst>
+        </p:cTn>
+      </p:par>
+    </p:tnLst>
+  </p:timing>
+</p:sld>
+</file>
+
+<file path=ppt/slides/slide21.xml><?xml version="1.0" encoding="utf-8"?>
+<p:sld xmlns:a="http://schemas.openxmlformats.org/drawingml/2006/main" xmlns:p="http://schemas.openxmlformats.org/presentationml/2006/main" xmlns:r="http://schemas.openxmlformats.org/officeDocument/2006/relationships">
+  <p:cSld>
+    <p:spTree>
+      <p:nvGrpSpPr>
+        <p:cNvPr id="1" name=""/>
+        <p:cNvGrpSpPr/>
+        <p:nvPr/>
+      </p:nvGrpSpPr>
+      <p:grpSpPr/>
+      <p:sp>
+        <p:nvSpPr>
+          <p:cNvPr id="2" name="Title 1"/>
+          <p:cNvSpPr>
+            <a:spLocks noGrp="1"/>
+          </p:cNvSpPr>
+          <p:nvPr>
+            <p:ph type="title"/>
+          </p:nvPr>
+        </p:nvSpPr>
+        <p:spPr/>
+        <p:txBody>
+          <a:bodyPr/>
+          <a:lstStyle/>
+          <a:p>
+            <a:r>
+              <a:t>Track 2</a:t>
+            </a:r>
+          </a:p>
+        </p:txBody>
+      </p:sp>
+      <p:pic>
+        <p:nvPicPr>
+          <p:cNvPr id="3" name="movie.vid">
+            <a:hlinkClick r:id="" action="ppaction://media"/>
+          </p:cNvPr>
+          <p:cNvPicPr>
+            <a:picLocks noChangeAspect="1"/>
+          </p:cNvPicPr>
+          <p:nvPr>
+            <a:videoFile r:link="rId3"/>
+            <p:extLst>
+              <p:ext uri="{DAA4B4D4-6D71-4841-9C94-3DE7FCFB9230}">
+                <p14:media xmlns:p14="http://schemas.microsoft.com/office/powerpoint/2010/main" r:embed="rId2"/>
+              </p:ext>
+            </p:extLst>
+          </p:nvPr>
+        </p:nvPicPr>
+        <p:blipFill>
+          <a:blip r:embed="rId4"/>
+          <a:stretch>
+            <a:fillRect/>
+          </a:stretch>
+        </p:blipFill>
+        <p:spPr>
+          <a:xfrm>
+            <a:off x="7315200" y="1371600"/>
+            <a:ext cx="5486400" cy="5486400"/>
+          </a:xfrm>
+          <a:prstGeom prst="rect">
+            <a:avLst/>
+          </a:prstGeom>
+        </p:spPr>
+      </p:pic>
+    </p:spTree>
+  </p:cSld>
+  <p:clrMapOvr>
+    <a:masterClrMapping/>
+  </p:clrMapOvr>
+  <p:timing>
+    <p:tnLst>
+      <p:par>
+        <p:cTn id="1" dur="indefinite" restart="never" nodeType="tmRoot">
+          <p:childTnLst>
+            <p:video>
+              <p:cMediaNode vol="80000">
+                <p:cTn id="2" fill="hold" display="0">
+                  <p:stCondLst>
+                    <p:cond delay="indefinite"/>
+                  </p:stCondLst>
+                </p:cTn>
+                <p:tgtEl>
+                  <p:spTgt spid="3"/>
+                </p:tgtEl>
+              </p:cMediaNode>
+            </p:video>
+          </p:childTnLst>
+        </p:cTn>
+      </p:par>
+    </p:tnLst>
+  </p:timing>
+</p:sld>
+</file>
+
+<file path=ppt/slides/slide22.xml><?xml version="1.0" encoding="utf-8"?>
+<p:sld xmlns:a="http://schemas.openxmlformats.org/drawingml/2006/main" xmlns:p="http://schemas.openxmlformats.org/presentationml/2006/main" xmlns:r="http://schemas.openxmlformats.org/officeDocument/2006/relationships">
+  <p:cSld>
+    <p:spTree>
+      <p:nvGrpSpPr>
+        <p:cNvPr id="1" name=""/>
+        <p:cNvGrpSpPr/>
+        <p:nvPr/>
+      </p:nvGrpSpPr>
+      <p:grpSpPr/>
+      <p:sp>
+        <p:nvSpPr>
+          <p:cNvPr id="2" name="Title 1"/>
+          <p:cNvSpPr>
+            <a:spLocks noGrp="1"/>
+          </p:cNvSpPr>
+          <p:nvPr>
+            <p:ph type="title"/>
+          </p:nvPr>
+        </p:nvSpPr>
+        <p:spPr/>
+        <p:txBody>
+          <a:bodyPr/>
+          <a:lstStyle/>
+          <a:p>
+            <a:r>
+              <a:t>Track 3</a:t>
+            </a:r>
+          </a:p>
+        </p:txBody>
+      </p:sp>
+      <p:pic>
+        <p:nvPicPr>
+          <p:cNvPr id="3" name="movie.vid">
+            <a:hlinkClick r:id="" action="ppaction://media"/>
+          </p:cNvPr>
+          <p:cNvPicPr>
+            <a:picLocks noChangeAspect="1"/>
+          </p:cNvPicPr>
+          <p:nvPr>
+            <a:videoFile r:link="rId3"/>
+            <p:extLst>
+              <p:ext uri="{DAA4B4D4-6D71-4841-9C94-3DE7FCFB9230}">
+                <p14:media xmlns:p14="http://schemas.microsoft.com/office/powerpoint/2010/main" r:embed="rId2"/>
+              </p:ext>
+            </p:extLst>
+          </p:nvPr>
+        </p:nvPicPr>
+        <p:blipFill>
+          <a:blip r:embed="rId4"/>
+          <a:stretch>
+            <a:fillRect/>
+          </a:stretch>
+        </p:blipFill>
+        <p:spPr>
+          <a:xfrm>
+            <a:off x="7315200" y="1371600"/>
+            <a:ext cx="5486400" cy="5486400"/>
+          </a:xfrm>
+          <a:prstGeom prst="rect">
+            <a:avLst/>
+          </a:prstGeom>
+        </p:spPr>
+      </p:pic>
+    </p:spTree>
+  </p:cSld>
+  <p:clrMapOvr>
+    <a:masterClrMapping/>
+  </p:clrMapOvr>
+  <p:timing>
+    <p:tnLst>
+      <p:par>
+        <p:cTn id="1" dur="indefinite" restart="never" nodeType="tmRoot">
+          <p:childTnLst>
+            <p:video>
+              <p:cMediaNode vol="80000">
+                <p:cTn id="2" fill="hold" display="0">
+                  <p:stCondLst>
+                    <p:cond delay="indefinite"/>
+                  </p:stCondLst>
+                </p:cTn>
+                <p:tgtEl>
+                  <p:spTgt spid="3"/>
+                </p:tgtEl>
+              </p:cMediaNode>
+            </p:video>
+          </p:childTnLst>
+        </p:cTn>
+      </p:par>
+    </p:tnLst>
+  </p:timing>
+</p:sld>
+</file>
+
+<file path=ppt/slides/slide23.xml><?xml version="1.0" encoding="utf-8"?>
+<p:sld xmlns:a="http://schemas.openxmlformats.org/drawingml/2006/main" xmlns:p="http://schemas.openxmlformats.org/presentationml/2006/main" xmlns:r="http://schemas.openxmlformats.org/officeDocument/2006/relationships">
+  <p:cSld>
+    <p:spTree>
+      <p:nvGrpSpPr>
+        <p:cNvPr id="1" name=""/>
+        <p:cNvGrpSpPr/>
+        <p:nvPr/>
+      </p:nvGrpSpPr>
+      <p:grpSpPr/>
+      <p:sp>
+        <p:nvSpPr>
+          <p:cNvPr id="2" name="Title 1"/>
+          <p:cNvSpPr>
+            <a:spLocks noGrp="1"/>
+          </p:cNvSpPr>
+          <p:nvPr>
+            <p:ph type="title"/>
+          </p:nvPr>
+        </p:nvSpPr>
+        <p:spPr/>
+        <p:txBody>
+          <a:bodyPr/>
+          <a:lstStyle/>
+          <a:p>
+            <a:r>
+              <a:t>Track 4</a:t>
+            </a:r>
+          </a:p>
+        </p:txBody>
+      </p:sp>
+      <p:pic>
+        <p:nvPicPr>
+          <p:cNvPr id="3" name="movie.vid">
+            <a:hlinkClick r:id="" action="ppaction://media"/>
+          </p:cNvPr>
+          <p:cNvPicPr>
+            <a:picLocks noChangeAspect="1"/>
+          </p:cNvPicPr>
+          <p:nvPr>
+            <a:videoFile r:link="rId3"/>
+            <p:extLst>
+              <p:ext uri="{DAA4B4D4-6D71-4841-9C94-3DE7FCFB9230}">
+                <p14:media xmlns:p14="http://schemas.microsoft.com/office/powerpoint/2010/main" r:embed="rId2"/>
+              </p:ext>
+            </p:extLst>
+          </p:nvPr>
+        </p:nvPicPr>
+        <p:blipFill>
+          <a:blip r:embed="rId4"/>
+          <a:stretch>
+            <a:fillRect/>
+          </a:stretch>
+        </p:blipFill>
+        <p:spPr>
+          <a:xfrm>
+            <a:off x="7315200" y="1371600"/>
+            <a:ext cx="5486400" cy="5486400"/>
+          </a:xfrm>
+          <a:prstGeom prst="rect">
+            <a:avLst/>
+          </a:prstGeom>
+        </p:spPr>
+      </p:pic>
+    </p:spTree>
+  </p:cSld>
+  <p:clrMapOvr>
+    <a:masterClrMapping/>
+  </p:clrMapOvr>
+  <p:timing>
+    <p:tnLst>
+      <p:par>
+        <p:cTn id="1" dur="indefinite" restart="never" nodeType="tmRoot">
+          <p:childTnLst>
+            <p:video>
+              <p:cMediaNode vol="80000">
+                <p:cTn id="2" fill="hold" display="0">
+                  <p:stCondLst>
+                    <p:cond delay="indefinite"/>
+                  </p:stCondLst>
+                </p:cTn>
+                <p:tgtEl>
+                  <p:spTgt spid="3"/>
+                </p:tgtEl>
+              </p:cMediaNode>
+            </p:video>
+          </p:childTnLst>
+        </p:cTn>
+      </p:par>
+    </p:tnLst>
+  </p:timing>
+</p:sld>
+</file>
+
+<file path=ppt/slides/slide24.xml><?xml version="1.0" encoding="utf-8"?>
+<p:sld xmlns:a="http://schemas.openxmlformats.org/drawingml/2006/main" xmlns:p="http://schemas.openxmlformats.org/presentationml/2006/main" xmlns:r="http://schemas.openxmlformats.org/officeDocument/2006/relationships">
+  <p:cSld>
+    <p:spTree>
+      <p:nvGrpSpPr>
+        <p:cNvPr id="1" name=""/>
+        <p:cNvGrpSpPr/>
+        <p:nvPr/>
+      </p:nvGrpSpPr>
+      <p:grpSpPr/>
+      <p:sp>
+        <p:nvSpPr>
+          <p:cNvPr id="2" name="Title 1"/>
+          <p:cNvSpPr>
+            <a:spLocks noGrp="1"/>
+          </p:cNvSpPr>
+          <p:nvPr>
+            <p:ph type="title"/>
+          </p:nvPr>
+        </p:nvSpPr>
+        <p:spPr/>
+        <p:txBody>
+          <a:bodyPr/>
+          <a:lstStyle/>
+          <a:p>
+            <a:r>
+              <a:t>Track 5</a:t>
+            </a:r>
+          </a:p>
+        </p:txBody>
+      </p:sp>
+      <p:pic>
+        <p:nvPicPr>
+          <p:cNvPr id="3" name="movie.vid">
+            <a:hlinkClick r:id="" action="ppaction://media"/>
+          </p:cNvPr>
+          <p:cNvPicPr>
+            <a:picLocks noChangeAspect="1"/>
+          </p:cNvPicPr>
+          <p:nvPr>
+            <a:videoFile r:link="rId3"/>
+            <p:extLst>
+              <p:ext uri="{DAA4B4D4-6D71-4841-9C94-3DE7FCFB9230}">
+                <p14:media xmlns:p14="http://schemas.microsoft.com/office/powerpoint/2010/main" r:embed="rId2"/>
+              </p:ext>
+            </p:extLst>
+          </p:nvPr>
+        </p:nvPicPr>
+        <p:blipFill>
+          <a:blip r:embed="rId4"/>
+          <a:stretch>
+            <a:fillRect/>
+          </a:stretch>
+        </p:blipFill>
+        <p:spPr>
+          <a:xfrm>
+            <a:off x="7315200" y="1371600"/>
+            <a:ext cx="5486400" cy="5486400"/>
+          </a:xfrm>
+          <a:prstGeom prst="rect">
+            <a:avLst/>
+          </a:prstGeom>
+        </p:spPr>
+      </p:pic>
+    </p:spTree>
+  </p:cSld>
+  <p:clrMapOvr>
+    <a:masterClrMapping/>
+  </p:clrMapOvr>
+  <p:timing>
+    <p:tnLst>
+      <p:par>
+        <p:cTn id="1" dur="indefinite" restart="never" nodeType="tmRoot">
+          <p:childTnLst>
+            <p:video>
+              <p:cMediaNode vol="80000">
+                <p:cTn id="2" fill="hold" display="0">
+                  <p:stCondLst>
+                    <p:cond delay="indefinite"/>
+                  </p:stCondLst>
+                </p:cTn>
+                <p:tgtEl>
+                  <p:spTgt spid="3"/>
+                </p:tgtEl>
+              </p:cMediaNode>
+            </p:video>
+          </p:childTnLst>
+        </p:cTn>
+      </p:par>
+    </p:tnLst>
+  </p:timing>
+</p:sld>
+</file>
+
+<file path=ppt/slides/slide25.xml><?xml version="1.0" encoding="utf-8"?>
+<p:sld xmlns:a="http://schemas.openxmlformats.org/drawingml/2006/main" xmlns:p="http://schemas.openxmlformats.org/presentationml/2006/main" xmlns:r="http://schemas.openxmlformats.org/officeDocument/2006/relationships">
+  <p:cSld>
+    <p:spTree>
+      <p:nvGrpSpPr>
+        <p:cNvPr id="1" name=""/>
+        <p:cNvGrpSpPr/>
+        <p:nvPr/>
+      </p:nvGrpSpPr>
+      <p:grpSpPr/>
+      <p:sp>
+        <p:nvSpPr>
+          <p:cNvPr id="2" name="Title 1"/>
+          <p:cNvSpPr>
+            <a:spLocks noGrp="1"/>
+          </p:cNvSpPr>
+          <p:nvPr>
+            <p:ph type="title"/>
+          </p:nvPr>
+        </p:nvSpPr>
+        <p:spPr/>
+        <p:txBody>
+          <a:bodyPr/>
+          <a:lstStyle/>
+          <a:p>
+            <a:r>
+              <a:t>Round 3 Review</a:t>
+            </a:r>
+          </a:p>
+        </p:txBody>
+      </p:sp>
+      <p:pic>
+        <p:nvPicPr>
+          <p:cNvPr id="4" name="movie.vid">
+            <a:hlinkClick r:id="" action="ppaction://media"/>
+          </p:cNvPr>
+          <p:cNvPicPr>
+            <a:picLocks noChangeAspect="1"/>
+          </p:cNvPicPr>
+          <p:nvPr>
+            <a:videoFile r:link="rId3"/>
+            <p:extLst>
+              <p:ext uri="{DAA4B4D4-6D71-4841-9C94-3DE7FCFB9230}">
+                <p14:media xmlns:p14="http://schemas.microsoft.com/office/powerpoint/2010/main" r:embed="rId2"/>
+              </p:ext>
+            </p:extLst>
+          </p:nvPr>
+        </p:nvPicPr>
+        <p:blipFill>
+          <a:blip r:embed="rId4"/>
+          <a:stretch>
+            <a:fillRect/>
+          </a:stretch>
+        </p:blipFill>
+        <p:spPr>
+          <a:xfrm>
+            <a:off x="5943600" y="2286000"/>
+            <a:ext cx="914400" cy="914400"/>
+          </a:xfrm>
+          <a:prstGeom prst="rect">
+            <a:avLst/>
+          </a:prstGeom>
+        </p:spPr>
+      </p:pic>
+      <p:sp>
+        <p:nvSpPr>
+          <p:cNvPr id="3" name="Content Placeholder 2"/>
+          <p:cNvSpPr>
+            <a:spLocks noGrp="1"/>
+          </p:cNvSpPr>
+          <p:nvPr>
+            <p:ph idx="10" sz="quarter"/>
+          </p:nvPr>
+        </p:nvSpPr>
+        <p:spPr>
+          <a:xfrm>
+            <a:off x="6858000" y="2286000"/>
+            <a:ext cx="2834640" cy="914400"/>
+          </a:xfrm>
+        </p:spPr>
+        <p:txBody>
+          <a:bodyPr/>
+          <a:lstStyle/>
+          <a:p>
+            <a:r>
+              <a:t> Track 1</a:t>
+            </a:r>
+          </a:p>
+        </p:txBody>
+      </p:sp>
+      <p:pic>
+        <p:nvPicPr>
+          <p:cNvPr id="5" name="movie.vid">
+            <a:hlinkClick r:id="" action="ppaction://media"/>
+          </p:cNvPr>
+          <p:cNvPicPr>
+            <a:picLocks noChangeAspect="1"/>
+          </p:cNvPicPr>
+          <p:nvPr>
+            <a:videoFile r:link="rId3"/>
+            <p:extLst>
+              <p:ext uri="{DAA4B4D4-6D71-4841-9C94-3DE7FCFB9230}">
+                <p14:media xmlns:p14="http://schemas.microsoft.com/office/powerpoint/2010/main" r:embed="rId2"/>
+              </p:ext>
+            </p:extLst>
+          </p:nvPr>
+        </p:nvPicPr>
+        <p:blipFill>
+          <a:blip r:embed="rId4"/>
+          <a:stretch>
+            <a:fillRect/>
+          </a:stretch>
+        </p:blipFill>
+        <p:spPr>
+          <a:xfrm>
+            <a:off x="10058400" y="2286000"/>
+            <a:ext cx="914400" cy="914400"/>
+          </a:xfrm>
+          <a:prstGeom prst="rect">
+            <a:avLst/>
+          </a:prstGeom>
+        </p:spPr>
+      </p:pic>
+      <p:sp>
+        <p:nvSpPr>
+          <p:cNvPr id="3" name="Content Placeholder 2"/>
+          <p:cNvSpPr>
+            <a:spLocks noGrp="1"/>
+          </p:cNvSpPr>
+          <p:nvPr>
+            <p:ph idx="10" sz="quarter"/>
+          </p:nvPr>
+        </p:nvSpPr>
+        <p:spPr>
+          <a:xfrm>
+            <a:off x="10972800" y="2286000"/>
+            <a:ext cx="2834640" cy="914400"/>
+          </a:xfrm>
+        </p:spPr>
+        <p:txBody>
+          <a:bodyPr/>
+          <a:lstStyle/>
+          <a:p>
+            <a:r>
+              <a:t> Track 2</a:t>
+            </a:r>
+          </a:p>
+        </p:txBody>
+      </p:sp>
+      <p:pic>
+        <p:nvPicPr>
+          <p:cNvPr id="6" name="movie.vid">
+            <a:hlinkClick r:id="" action="ppaction://media"/>
+          </p:cNvPr>
+          <p:cNvPicPr>
+            <a:picLocks noChangeAspect="1"/>
+          </p:cNvPicPr>
+          <p:nvPr>
+            <a:videoFile r:link="rId3"/>
+            <p:extLst>
+              <p:ext uri="{DAA4B4D4-6D71-4841-9C94-3DE7FCFB9230}">
+                <p14:media xmlns:p14="http://schemas.microsoft.com/office/powerpoint/2010/main" r:embed="rId2"/>
+              </p:ext>
+            </p:extLst>
+          </p:nvPr>
+        </p:nvPicPr>
+        <p:blipFill>
+          <a:blip r:embed="rId4"/>
+          <a:stretch>
+            <a:fillRect/>
+          </a:stretch>
+        </p:blipFill>
+        <p:spPr>
+          <a:xfrm>
+            <a:off x="5943600" y="3657600"/>
+            <a:ext cx="914400" cy="914400"/>
+          </a:xfrm>
+          <a:prstGeom prst="rect">
+            <a:avLst/>
+          </a:prstGeom>
+        </p:spPr>
+      </p:pic>
+      <p:sp>
+        <p:nvSpPr>
+          <p:cNvPr id="3" name="Content Placeholder 2"/>
+          <p:cNvSpPr>
+            <a:spLocks noGrp="1"/>
+          </p:cNvSpPr>
+          <p:nvPr>
+            <p:ph idx="10" sz="quarter"/>
+          </p:nvPr>
+        </p:nvSpPr>
+        <p:spPr>
+          <a:xfrm>
+            <a:off x="6858000" y="3657600"/>
+            <a:ext cx="2834640" cy="914400"/>
+          </a:xfrm>
+        </p:spPr>
+        <p:txBody>
+          <a:bodyPr/>
+          <a:lstStyle/>
+          <a:p>
+            <a:r>
+              <a:t> Track 3</a:t>
+            </a:r>
+          </a:p>
+        </p:txBody>
+      </p:sp>
+      <p:pic>
+        <p:nvPicPr>
+          <p:cNvPr id="7" name="movie.vid">
+            <a:hlinkClick r:id="" action="ppaction://media"/>
+          </p:cNvPr>
+          <p:cNvPicPr>
+            <a:picLocks noChangeAspect="1"/>
+          </p:cNvPicPr>
+          <p:nvPr>
+            <a:videoFile r:link="rId3"/>
+            <p:extLst>
+              <p:ext uri="{DAA4B4D4-6D71-4841-9C94-3DE7FCFB9230}">
+                <p14:media xmlns:p14="http://schemas.microsoft.com/office/powerpoint/2010/main" r:embed="rId2"/>
+              </p:ext>
+            </p:extLst>
+          </p:nvPr>
+        </p:nvPicPr>
+        <p:blipFill>
+          <a:blip r:embed="rId4"/>
+          <a:stretch>
+            <a:fillRect/>
+          </a:stretch>
+        </p:blipFill>
+        <p:spPr>
+          <a:xfrm>
+            <a:off x="10058400" y="3657600"/>
+            <a:ext cx="914400" cy="914400"/>
+          </a:xfrm>
+          <a:prstGeom prst="rect">
+            <a:avLst/>
+          </a:prstGeom>
+        </p:spPr>
+      </p:pic>
+      <p:sp>
+        <p:nvSpPr>
+          <p:cNvPr id="3" name="Content Placeholder 2"/>
+          <p:cNvSpPr>
+            <a:spLocks noGrp="1"/>
+          </p:cNvSpPr>
+          <p:nvPr>
+            <p:ph idx="10" sz="quarter"/>
+          </p:nvPr>
+        </p:nvSpPr>
+        <p:spPr>
+          <a:xfrm>
+            <a:off x="10972800" y="3657600"/>
+            <a:ext cx="2834640" cy="914400"/>
+          </a:xfrm>
+        </p:spPr>
+        <p:txBody>
+          <a:bodyPr/>
+          <a:lstStyle/>
+          <a:p>
+            <a:r>
+              <a:t> Track 4</a:t>
+            </a:r>
+          </a:p>
+        </p:txBody>
+      </p:sp>
+      <p:pic>
+        <p:nvPicPr>
+          <p:cNvPr id="8" name="movie.vid">
+            <a:hlinkClick r:id="" action="ppaction://media"/>
+          </p:cNvPr>
+          <p:cNvPicPr>
+            <a:picLocks noChangeAspect="1"/>
+          </p:cNvPicPr>
+          <p:nvPr>
+            <a:videoFile r:link="rId3"/>
+            <p:extLst>
+              <p:ext uri="{DAA4B4D4-6D71-4841-9C94-3DE7FCFB9230}">
+                <p14:media xmlns:p14="http://schemas.microsoft.com/office/powerpoint/2010/main" r:embed="rId2"/>
+              </p:ext>
+            </p:extLst>
+          </p:nvPr>
+        </p:nvPicPr>
+        <p:blipFill>
+          <a:blip r:embed="rId4"/>
+          <a:stretch>
+            <a:fillRect/>
+          </a:stretch>
+        </p:blipFill>
+        <p:spPr>
+          <a:xfrm>
+            <a:off x="8001000" y="5029200"/>
+            <a:ext cx="914400" cy="914400"/>
+          </a:xfrm>
+          <a:prstGeom prst="rect">
+            <a:avLst/>
+          </a:prstGeom>
+        </p:spPr>
+      </p:pic>
+      <p:sp>
+        <p:nvSpPr>
+          <p:cNvPr id="3" name="Content Placeholder 2"/>
+          <p:cNvSpPr>
+            <a:spLocks noGrp="1"/>
+          </p:cNvSpPr>
+          <p:nvPr>
+            <p:ph idx="10" sz="quarter"/>
+          </p:nvPr>
+        </p:nvSpPr>
+        <p:spPr>
+          <a:xfrm>
+            <a:off x="8915400" y="5029200"/>
+            <a:ext cx="2834640" cy="914400"/>
+          </a:xfrm>
+        </p:spPr>
+        <p:txBody>
+          <a:bodyPr/>
+          <a:lstStyle/>
+          <a:p>
+            <a:r>
+              <a:t> Track 5</a:t>
+            </a:r>
+          </a:p>
+        </p:txBody>
+      </p:sp>
+    </p:spTree>
+  </p:cSld>
+  <p:clrMapOvr>
+    <a:masterClrMapping/>
+  </p:clrMapOvr>
+  <p:timing>
+    <p:tnLst>
+      <p:par>
+        <p:cTn id="1" dur="indefinite" restart="never" nodeType="tmRoot">
+          <p:childTnLst>
+            <p:video>
+              <p:cMediaNode vol="80000">
+                <p:cTn id="2" fill="hold" display="0">
+                  <p:stCondLst>
+                    <p:cond delay="indefinite"/>
+                  </p:stCondLst>
+                </p:cTn>
+                <p:tgtEl>
+                  <p:spTgt spid="4"/>
+                </p:tgtEl>
+              </p:cMediaNode>
+            </p:video>
+            <p:video>
+              <p:cMediaNode vol="80000">
+                <p:cTn id="3" fill="hold" display="0">
+                  <p:stCondLst>
+                    <p:cond delay="indefinite"/>
+                  </p:stCondLst>
+                </p:cTn>
+                <p:tgtEl>
+                  <p:spTgt spid="5"/>
+                </p:tgtEl>
+              </p:cMediaNode>
+            </p:video>
+            <p:video>
+              <p:cMediaNode vol="80000">
+                <p:cTn id="4" fill="hold" display="0">
+                  <p:stCondLst>
+                    <p:cond delay="indefinite"/>
+                  </p:stCondLst>
+                </p:cTn>
+                <p:tgtEl>
+                  <p:spTgt spid="6"/>
+                </p:tgtEl>
+              </p:cMediaNode>
+            </p:video>
+            <p:video>
+              <p:cMediaNode vol="80000">
+                <p:cTn id="5" fill="hold" display="0">
+                  <p:stCondLst>
+                    <p:cond delay="indefinite"/>
+                  </p:stCondLst>
+                </p:cTn>
+                <p:tgtEl>
+                  <p:spTgt spid="7"/>
+                </p:tgtEl>
+              </p:cMediaNode>
+            </p:video>
+            <p:video>
+              <p:cMediaNode vol="80000">
+                <p:cTn id="6" fill="hold" display="0">
+                  <p:stCondLst>
+                    <p:cond delay="indefinite"/>
+                  </p:stCondLst>
+                </p:cTn>
+                <p:tgtEl>
+                  <p:spTgt spid="8"/>
+                </p:tgtEl>
+              </p:cMediaNode>
+            </p:video>
+          </p:childTnLst>
+        </p:cTn>
+      </p:par>
+    </p:tnLst>
+  </p:timing>
+</p:sld>
+</file>
+
+<file path=ppt/slides/slide26.xml><?xml version="1.0" encoding="utf-8"?>
+<p:sld xmlns:a="http://schemas.openxmlformats.org/drawingml/2006/main" xmlns:p="http://schemas.openxmlformats.org/presentationml/2006/main" xmlns:r="http://schemas.openxmlformats.org/officeDocument/2006/relationships">
+  <p:cSld>
+    <p:spTree>
+      <p:nvGrpSpPr>
+        <p:cNvPr id="1" name=""/>
+        <p:cNvGrpSpPr/>
+        <p:nvPr/>
+      </p:nvGrpSpPr>
+      <p:grpSpPr/>
+      <p:sp>
+        <p:nvSpPr>
+          <p:cNvPr id="2" name="Title 1"/>
+          <p:cNvSpPr>
+            <a:spLocks noGrp="1"/>
+          </p:cNvSpPr>
+          <p:nvPr>
+            <p:ph type="title"/>
+          </p:nvPr>
+        </p:nvSpPr>
+        <p:spPr/>
+        <p:txBody>
+          <a:bodyPr/>
+          <a:lstStyle/>
+          <a:p>
+            <a:r>
+              <a:t>Round 3 Answers</a:t>
+            </a:r>
+          </a:p>
+        </p:txBody>
+      </p:sp>
+      <p:sp>
+        <p:nvSpPr>
+          <p:cNvPr id="3" name="Content Placeholder 2"/>
+          <p:cNvSpPr>
+            <a:spLocks noGrp="1"/>
+          </p:cNvSpPr>
+          <p:nvPr>
+            <p:ph idx="1"/>
+          </p:nvPr>
+        </p:nvSpPr>
+        <p:spPr/>
+        <p:txBody>
+          <a:bodyPr/>
+          <a:lstStyle/>
+          <a:p>
+            <a:pPr/>
+            <a:r>
+              <a:rPr b="0" i="0"/>
+              <a:t>11 Super Mario Brothers: </a:t>
+            </a:r>
+            <a:r>
+              <a:rPr b="0" i="1"/>
+              <a:t>Super Mario Galaxy</a:t>
+            </a:r>
+            <a:r>
+              <a:rPr b="0" i="0"/>
+              <a:t> – Good Egg Galaxy</a:t>
+            </a:r>
+          </a:p>
+          <a:p>
+            <a:pPr/>
+            <a:r>
+              <a:rPr b="0" i="0"/>
+              <a:t>12 Deltarune: </a:t>
+            </a:r>
+            <a:r>
+              <a:rPr b="0" i="1"/>
+              <a:t>Deltarune</a:t>
+            </a:r>
+            <a:r>
+              <a:rPr b="0" i="0"/>
+              <a:t> – Field of Hopes and Dreams</a:t>
+            </a:r>
+          </a:p>
+          <a:p>
+            <a:pPr/>
+            <a:r>
+              <a:rPr b="0" i="0"/>
+              <a:t>13 Danganronpa: </a:t>
+            </a:r>
+            <a:r>
+              <a:rPr b="0" i="1"/>
+              <a:t>Danganronpa V3: Killing Harmony</a:t>
+            </a:r>
+            <a:r>
+              <a:rPr b="0" i="0"/>
+              <a:t> – Danganronpa V3 (Full Version)*</a:t>
+            </a:r>
+          </a:p>
+          <a:p>
+            <a:pPr/>
+            <a:r>
+              <a:rPr b="0" i="0"/>
+              <a:t>14 Genshin Impact: </a:t>
+            </a:r>
+            <a:r>
+              <a:rPr b="0" i="1"/>
+              <a:t>Genshin Impact</a:t>
+            </a:r>
+            <a:r>
+              <a:rPr b="0" i="0"/>
+              <a:t> – Photon of Fluctuation</a:t>
+            </a:r>
+          </a:p>
+          <a:p>
+            <a:pPr/>
+            <a:r>
+              <a:rPr b="0" i="0"/>
+              <a:t>15 Lego Star Wars: </a:t>
+            </a:r>
+            <a:r>
+              <a:rPr b="0" i="1"/>
+              <a:t>Lego Star Wars: The Complete Saga</a:t>
+            </a:r>
+            <a:r>
+              <a:rPr b="0" i="0"/>
+              <a:t> – Mos Eisley Cantina</a:t>
             </a:r>
           </a:p>
         </p:txBody>
@@ -10953,14 +11721,14 @@
           <a:lstStyle/>
           <a:p>
             <a:r>
-              <a:t>Track 6</a:t>
+              <a:t>Round 1 Review</a:t>
             </a:r>
           </a:p>
         </p:txBody>
       </p:sp>
       <p:pic>
         <p:nvPicPr>
-          <p:cNvPr id="3" name="movie.vid">
+          <p:cNvPr id="4" name="movie.vid">
             <a:hlinkClick r:id="" action="ppaction://media"/>
           </p:cNvPr>
           <p:cNvPicPr>
@@ -10983,14 +11751,276 @@
         </p:blipFill>
         <p:spPr>
           <a:xfrm>
-            <a:off x="7315200" y="1371600"/>
-            <a:ext cx="5486400" cy="5486400"/>
+            <a:off x="5943600" y="2286000"/>
+            <a:ext cx="914400" cy="914400"/>
           </a:xfrm>
           <a:prstGeom prst="rect">
             <a:avLst/>
           </a:prstGeom>
         </p:spPr>
       </p:pic>
+      <p:sp>
+        <p:nvSpPr>
+          <p:cNvPr id="3" name="Content Placeholder 2"/>
+          <p:cNvSpPr>
+            <a:spLocks noGrp="1"/>
+          </p:cNvSpPr>
+          <p:nvPr>
+            <p:ph idx="10" sz="quarter"/>
+          </p:nvPr>
+        </p:nvSpPr>
+        <p:spPr>
+          <a:xfrm>
+            <a:off x="6858000" y="2286000"/>
+            <a:ext cx="2834640" cy="914400"/>
+          </a:xfrm>
+        </p:spPr>
+        <p:txBody>
+          <a:bodyPr/>
+          <a:lstStyle/>
+          <a:p>
+            <a:r>
+              <a:t> Track 1</a:t>
+            </a:r>
+          </a:p>
+        </p:txBody>
+      </p:sp>
+      <p:pic>
+        <p:nvPicPr>
+          <p:cNvPr id="5" name="movie.vid">
+            <a:hlinkClick r:id="" action="ppaction://media"/>
+          </p:cNvPr>
+          <p:cNvPicPr>
+            <a:picLocks noChangeAspect="1"/>
+          </p:cNvPicPr>
+          <p:nvPr>
+            <a:videoFile r:link="rId3"/>
+            <p:extLst>
+              <p:ext uri="{DAA4B4D4-6D71-4841-9C94-3DE7FCFB9230}">
+                <p14:media xmlns:p14="http://schemas.microsoft.com/office/powerpoint/2010/main" r:embed="rId2"/>
+              </p:ext>
+            </p:extLst>
+          </p:nvPr>
+        </p:nvPicPr>
+        <p:blipFill>
+          <a:blip r:embed="rId4"/>
+          <a:stretch>
+            <a:fillRect/>
+          </a:stretch>
+        </p:blipFill>
+        <p:spPr>
+          <a:xfrm>
+            <a:off x="10058400" y="2286000"/>
+            <a:ext cx="914400" cy="914400"/>
+          </a:xfrm>
+          <a:prstGeom prst="rect">
+            <a:avLst/>
+          </a:prstGeom>
+        </p:spPr>
+      </p:pic>
+      <p:sp>
+        <p:nvSpPr>
+          <p:cNvPr id="3" name="Content Placeholder 2"/>
+          <p:cNvSpPr>
+            <a:spLocks noGrp="1"/>
+          </p:cNvSpPr>
+          <p:nvPr>
+            <p:ph idx="10" sz="quarter"/>
+          </p:nvPr>
+        </p:nvSpPr>
+        <p:spPr>
+          <a:xfrm>
+            <a:off x="10972800" y="2286000"/>
+            <a:ext cx="2834640" cy="914400"/>
+          </a:xfrm>
+        </p:spPr>
+        <p:txBody>
+          <a:bodyPr/>
+          <a:lstStyle/>
+          <a:p>
+            <a:r>
+              <a:t> Track 2</a:t>
+            </a:r>
+          </a:p>
+        </p:txBody>
+      </p:sp>
+      <p:pic>
+        <p:nvPicPr>
+          <p:cNvPr id="6" name="movie.vid">
+            <a:hlinkClick r:id="" action="ppaction://media"/>
+          </p:cNvPr>
+          <p:cNvPicPr>
+            <a:picLocks noChangeAspect="1"/>
+          </p:cNvPicPr>
+          <p:nvPr>
+            <a:videoFile r:link="rId3"/>
+            <p:extLst>
+              <p:ext uri="{DAA4B4D4-6D71-4841-9C94-3DE7FCFB9230}">
+                <p14:media xmlns:p14="http://schemas.microsoft.com/office/powerpoint/2010/main" r:embed="rId2"/>
+              </p:ext>
+            </p:extLst>
+          </p:nvPr>
+        </p:nvPicPr>
+        <p:blipFill>
+          <a:blip r:embed="rId4"/>
+          <a:stretch>
+            <a:fillRect/>
+          </a:stretch>
+        </p:blipFill>
+        <p:spPr>
+          <a:xfrm>
+            <a:off x="5943600" y="3657600"/>
+            <a:ext cx="914400" cy="914400"/>
+          </a:xfrm>
+          <a:prstGeom prst="rect">
+            <a:avLst/>
+          </a:prstGeom>
+        </p:spPr>
+      </p:pic>
+      <p:sp>
+        <p:nvSpPr>
+          <p:cNvPr id="3" name="Content Placeholder 2"/>
+          <p:cNvSpPr>
+            <a:spLocks noGrp="1"/>
+          </p:cNvSpPr>
+          <p:nvPr>
+            <p:ph idx="10" sz="quarter"/>
+          </p:nvPr>
+        </p:nvSpPr>
+        <p:spPr>
+          <a:xfrm>
+            <a:off x="6858000" y="3657600"/>
+            <a:ext cx="2834640" cy="914400"/>
+          </a:xfrm>
+        </p:spPr>
+        <p:txBody>
+          <a:bodyPr/>
+          <a:lstStyle/>
+          <a:p>
+            <a:r>
+              <a:t> Track 3</a:t>
+            </a:r>
+          </a:p>
+        </p:txBody>
+      </p:sp>
+      <p:pic>
+        <p:nvPicPr>
+          <p:cNvPr id="7" name="movie.vid">
+            <a:hlinkClick r:id="" action="ppaction://media"/>
+          </p:cNvPr>
+          <p:cNvPicPr>
+            <a:picLocks noChangeAspect="1"/>
+          </p:cNvPicPr>
+          <p:nvPr>
+            <a:videoFile r:link="rId3"/>
+            <p:extLst>
+              <p:ext uri="{DAA4B4D4-6D71-4841-9C94-3DE7FCFB9230}">
+                <p14:media xmlns:p14="http://schemas.microsoft.com/office/powerpoint/2010/main" r:embed="rId2"/>
+              </p:ext>
+            </p:extLst>
+          </p:nvPr>
+        </p:nvPicPr>
+        <p:blipFill>
+          <a:blip r:embed="rId4"/>
+          <a:stretch>
+            <a:fillRect/>
+          </a:stretch>
+        </p:blipFill>
+        <p:spPr>
+          <a:xfrm>
+            <a:off x="10058400" y="3657600"/>
+            <a:ext cx="914400" cy="914400"/>
+          </a:xfrm>
+          <a:prstGeom prst="rect">
+            <a:avLst/>
+          </a:prstGeom>
+        </p:spPr>
+      </p:pic>
+      <p:sp>
+        <p:nvSpPr>
+          <p:cNvPr id="3" name="Content Placeholder 2"/>
+          <p:cNvSpPr>
+            <a:spLocks noGrp="1"/>
+          </p:cNvSpPr>
+          <p:nvPr>
+            <p:ph idx="10" sz="quarter"/>
+          </p:nvPr>
+        </p:nvSpPr>
+        <p:spPr>
+          <a:xfrm>
+            <a:off x="10972800" y="3657600"/>
+            <a:ext cx="2834640" cy="914400"/>
+          </a:xfrm>
+        </p:spPr>
+        <p:txBody>
+          <a:bodyPr/>
+          <a:lstStyle/>
+          <a:p>
+            <a:r>
+              <a:t> Track 4</a:t>
+            </a:r>
+          </a:p>
+        </p:txBody>
+      </p:sp>
+      <p:pic>
+        <p:nvPicPr>
+          <p:cNvPr id="8" name="movie.vid">
+            <a:hlinkClick r:id="" action="ppaction://media"/>
+          </p:cNvPr>
+          <p:cNvPicPr>
+            <a:picLocks noChangeAspect="1"/>
+          </p:cNvPicPr>
+          <p:nvPr>
+            <a:videoFile r:link="rId3"/>
+            <p:extLst>
+              <p:ext uri="{DAA4B4D4-6D71-4841-9C94-3DE7FCFB9230}">
+                <p14:media xmlns:p14="http://schemas.microsoft.com/office/powerpoint/2010/main" r:embed="rId2"/>
+              </p:ext>
+            </p:extLst>
+          </p:nvPr>
+        </p:nvPicPr>
+        <p:blipFill>
+          <a:blip r:embed="rId4"/>
+          <a:stretch>
+            <a:fillRect/>
+          </a:stretch>
+        </p:blipFill>
+        <p:spPr>
+          <a:xfrm>
+            <a:off x="8001000" y="5029200"/>
+            <a:ext cx="914400" cy="914400"/>
+          </a:xfrm>
+          <a:prstGeom prst="rect">
+            <a:avLst/>
+          </a:prstGeom>
+        </p:spPr>
+      </p:pic>
+      <p:sp>
+        <p:nvSpPr>
+          <p:cNvPr id="3" name="Content Placeholder 2"/>
+          <p:cNvSpPr>
+            <a:spLocks noGrp="1"/>
+          </p:cNvSpPr>
+          <p:nvPr>
+            <p:ph idx="10" sz="quarter"/>
+          </p:nvPr>
+        </p:nvSpPr>
+        <p:spPr>
+          <a:xfrm>
+            <a:off x="8915400" y="5029200"/>
+            <a:ext cx="2834640" cy="914400"/>
+          </a:xfrm>
+        </p:spPr>
+        <p:txBody>
+          <a:bodyPr/>
+          <a:lstStyle/>
+          <a:p>
+            <a:r>
+              <a:t> Track 5</a:t>
+            </a:r>
+          </a:p>
+        </p:txBody>
+      </p:sp>
     </p:spTree>
   </p:cSld>
   <p:clrMapOvr>
@@ -11009,7 +12039,55 @@
                   </p:stCondLst>
                 </p:cTn>
                 <p:tgtEl>
-                  <p:spTgt spid="3"/>
+                  <p:spTgt spid="4"/>
+                </p:tgtEl>
+              </p:cMediaNode>
+            </p:video>
+            <p:video>
+              <p:cMediaNode vol="80000">
+                <p:cTn id="3" fill="hold" display="0">
+                  <p:stCondLst>
+                    <p:cond delay="indefinite"/>
+                  </p:stCondLst>
+                </p:cTn>
+                <p:tgtEl>
+                  <p:spTgt spid="5"/>
+                </p:tgtEl>
+              </p:cMediaNode>
+            </p:video>
+            <p:video>
+              <p:cMediaNode vol="80000">
+                <p:cTn id="4" fill="hold" display="0">
+                  <p:stCondLst>
+                    <p:cond delay="indefinite"/>
+                  </p:stCondLst>
+                </p:cTn>
+                <p:tgtEl>
+                  <p:spTgt spid="6"/>
+                </p:tgtEl>
+              </p:cMediaNode>
+            </p:video>
+            <p:video>
+              <p:cMediaNode vol="80000">
+                <p:cTn id="5" fill="hold" display="0">
+                  <p:stCondLst>
+                    <p:cond delay="indefinite"/>
+                  </p:stCondLst>
+                </p:cTn>
+                <p:tgtEl>
+                  <p:spTgt spid="7"/>
+                </p:tgtEl>
+              </p:cMediaNode>
+            </p:video>
+            <p:video>
+              <p:cMediaNode vol="80000">
+                <p:cTn id="6" fill="hold" display="0">
+                  <p:stCondLst>
+                    <p:cond delay="indefinite"/>
+                  </p:stCondLst>
+                </p:cTn>
+                <p:tgtEl>
+                  <p:spTgt spid="8"/>
                 </p:tgtEl>
               </p:cMediaNode>
             </p:video>

--- a/VGMC 2022 Spring Slides.pptx
+++ b/VGMC 2022 Spring Slides.pptx
@@ -31,6 +31,48 @@
     <p:sldId id="279" r:id="rId29"/>
     <p:sldId id="280" r:id="rId30"/>
     <p:sldId id="281" r:id="rId31"/>
+    <p:sldId id="282" r:id="rId32"/>
+    <p:sldId id="283" r:id="rId33"/>
+    <p:sldId id="284" r:id="rId34"/>
+    <p:sldId id="285" r:id="rId35"/>
+    <p:sldId id="286" r:id="rId36"/>
+    <p:sldId id="287" r:id="rId37"/>
+    <p:sldId id="288" r:id="rId38"/>
+    <p:sldId id="289" r:id="rId39"/>
+    <p:sldId id="290" r:id="rId40"/>
+    <p:sldId id="291" r:id="rId41"/>
+    <p:sldId id="292" r:id="rId42"/>
+    <p:sldId id="293" r:id="rId43"/>
+    <p:sldId id="294" r:id="rId44"/>
+    <p:sldId id="295" r:id="rId45"/>
+    <p:sldId id="296" r:id="rId46"/>
+    <p:sldId id="297" r:id="rId47"/>
+    <p:sldId id="298" r:id="rId48"/>
+    <p:sldId id="299" r:id="rId49"/>
+    <p:sldId id="300" r:id="rId50"/>
+    <p:sldId id="301" r:id="rId51"/>
+    <p:sldId id="302" r:id="rId52"/>
+    <p:sldId id="303" r:id="rId53"/>
+    <p:sldId id="304" r:id="rId54"/>
+    <p:sldId id="305" r:id="rId55"/>
+    <p:sldId id="306" r:id="rId56"/>
+    <p:sldId id="307" r:id="rId57"/>
+    <p:sldId id="308" r:id="rId58"/>
+    <p:sldId id="309" r:id="rId59"/>
+    <p:sldId id="310" r:id="rId60"/>
+    <p:sldId id="311" r:id="rId61"/>
+    <p:sldId id="312" r:id="rId62"/>
+    <p:sldId id="313" r:id="rId63"/>
+    <p:sldId id="314" r:id="rId64"/>
+    <p:sldId id="315" r:id="rId65"/>
+    <p:sldId id="316" r:id="rId66"/>
+    <p:sldId id="317" r:id="rId67"/>
+    <p:sldId id="318" r:id="rId68"/>
+    <p:sldId id="319" r:id="rId69"/>
+    <p:sldId id="320" r:id="rId70"/>
+    <p:sldId id="321" r:id="rId71"/>
+    <p:sldId id="322" r:id="rId72"/>
+    <p:sldId id="323" r:id="rId73"/>
   </p:sldIdLst>
   <p:sldSz cx="14630400" cy="8229600"/>
   <p:notesSz cx="6858000" cy="9144000"/>
@@ -4176,34 +4218,46 @@
       </p:grpSp>
       <p:sp>
         <p:nvSpPr>
-          <p:cNvPr id="2" name="Title 1"/>
+          <p:cNvPr id="4" name="Content Placeholder 3">
+            <a:extLst>
+              <a:ext uri="{FF2B5EF4-FFF2-40B4-BE49-F238E27FC236}">
+                <a16:creationId xmlns:a16="http://schemas.microsoft.com/office/drawing/2014/main" id="{F7FEF419-8A35-45DF-BB81-959A83ADD754}"/>
+              </a:ext>
+            </a:extLst>
+          </p:cNvPr>
           <p:cNvSpPr>
             <a:spLocks noGrp="1"/>
           </p:cNvSpPr>
           <p:nvPr>
-            <p:ph type="title" hasCustomPrompt="1"/>
+            <p:ph sz="quarter" idx="10" hasCustomPrompt="1"/>
           </p:nvPr>
         </p:nvSpPr>
         <p:spPr>
           <a:xfrm>
-            <a:off x="4013059" y="2489676"/>
-            <a:ext cx="6588269" cy="3754866"/>
+            <a:off x="4005072" y="2478024"/>
+            <a:ext cx="6620256" cy="3803904"/>
           </a:xfrm>
         </p:spPr>
         <p:txBody>
-          <a:bodyPr bIns="0" anchor="ctr">
-            <a:noAutofit/>
+          <a:bodyPr anchor="ctr">
+            <a:normAutofit/>
           </a:bodyPr>
           <a:lstStyle>
-            <a:lvl1pPr algn="ctr">
+            <a:lvl1pPr marL="0" indent="0" algn="ctr">
+              <a:lnSpc>
+                <a:spcPct val="85000"/>
+              </a:lnSpc>
+              <a:spcBef>
+                <a:spcPts val="0"/>
+              </a:spcBef>
+              <a:buNone/>
               <a:defRPr sz="11500">
-                <a:solidFill>
-                  <a:srgbClr val="FFFEFF"/>
-                </a:solidFill>
+                <a:latin typeface="+mj-lt"/>
               </a:defRPr>
             </a:lvl1pPr>
           </a:lstStyle>
           <a:p>
+            <a:pPr lvl="0"/>
             <a:r>
               <a:rPr lang="en-US" dirty="0"/>
               <a:t>Round #</a:t>
@@ -8892,107 +8946,71 @@
           <a:lstStyle/>
           <a:p>
             <a:r>
-              <a:t>Round 1 Answers</a:t>
+              <a:t>Track 7</a:t>
             </a:r>
           </a:p>
         </p:txBody>
       </p:sp>
-      <p:sp>
-        <p:nvSpPr>
-          <p:cNvPr id="3" name="Content Placeholder 2"/>
-          <p:cNvSpPr>
-            <a:spLocks noGrp="1"/>
-          </p:cNvSpPr>
-          <p:nvPr>
-            <p:ph idx="1"/>
-          </p:nvPr>
-        </p:nvSpPr>
-        <p:spPr/>
-        <p:txBody>
-          <a:bodyPr/>
-          <a:lstStyle/>
-          <a:p>
-            <a:pPr/>
-            <a:r>
-              <a:rPr b="0" i="0"/>
-              <a:t>1 Super Mario Brothers: </a:t>
-            </a:r>
-            <a:r>
-              <a:rPr b="0" i="1"/>
-              <a:t>Super Mario Galaxy</a:t>
-            </a:r>
-            <a:r>
-              <a:rPr b="0" i="0"/>
-              <a:t> – Good Egg Galaxy</a:t>
-            </a:r>
-          </a:p>
-          <a:p>
-            <a:pPr/>
-            <a:r>
-              <a:rPr b="0" i="0"/>
-              <a:t>2 Deltarune: </a:t>
-            </a:r>
-            <a:r>
-              <a:rPr b="0" i="1"/>
-              <a:t>Deltarune</a:t>
-            </a:r>
-            <a:r>
-              <a:rPr b="0" i="0"/>
-              <a:t> – Field of Hopes and Dreams</a:t>
-            </a:r>
-          </a:p>
-          <a:p>
-            <a:pPr/>
-            <a:r>
-              <a:rPr b="0" i="0"/>
-              <a:t>3 Danganronpa: </a:t>
-            </a:r>
-            <a:r>
-              <a:rPr b="0" i="1"/>
-              <a:t>Danganronpa V3: Killing Harmony</a:t>
-            </a:r>
-            <a:r>
-              <a:rPr b="0" i="0"/>
-              <a:t> – Danganronpa V3 (Full Version)*</a:t>
-            </a:r>
-          </a:p>
-          <a:p>
-            <a:pPr/>
-            <a:r>
-              <a:rPr b="0" i="0"/>
-              <a:t>4 Genshin Impact: </a:t>
-            </a:r>
-            <a:r>
-              <a:rPr b="0" i="1"/>
-              <a:t>Genshin Impact</a:t>
-            </a:r>
-            <a:r>
-              <a:rPr b="0" i="0"/>
-              <a:t> – Photon of Fluctuation</a:t>
-            </a:r>
-          </a:p>
-          <a:p>
-            <a:pPr/>
-            <a:r>
-              <a:rPr b="0" i="0"/>
-              <a:t>5 Lego Star Wars: </a:t>
-            </a:r>
-            <a:r>
-              <a:rPr b="0" i="1"/>
-              <a:t>Lego Star Wars: The Complete Saga</a:t>
-            </a:r>
-            <a:r>
-              <a:rPr b="0" i="0"/>
-              <a:t> – Mos Eisley Cantina</a:t>
-            </a:r>
-          </a:p>
-        </p:txBody>
-      </p:sp>
+      <p:pic>
+        <p:nvPicPr>
+          <p:cNvPr id="3" name="movie.vid">
+            <a:hlinkClick r:id="" action="ppaction://media"/>
+          </p:cNvPr>
+          <p:cNvPicPr>
+            <a:picLocks noChangeAspect="1"/>
+          </p:cNvPicPr>
+          <p:nvPr>
+            <a:videoFile r:link="rId3"/>
+            <p:extLst>
+              <p:ext uri="{DAA4B4D4-6D71-4841-9C94-3DE7FCFB9230}">
+                <p14:media xmlns:p14="http://schemas.microsoft.com/office/powerpoint/2010/main" r:embed="rId2"/>
+              </p:ext>
+            </p:extLst>
+          </p:nvPr>
+        </p:nvPicPr>
+        <p:blipFill>
+          <a:blip r:embed="rId4"/>
+          <a:stretch>
+            <a:fillRect/>
+          </a:stretch>
+        </p:blipFill>
+        <p:spPr>
+          <a:xfrm>
+            <a:off x="7315200" y="1371600"/>
+            <a:ext cx="5486400" cy="5486400"/>
+          </a:xfrm>
+          <a:prstGeom prst="rect">
+            <a:avLst/>
+          </a:prstGeom>
+        </p:spPr>
+      </p:pic>
     </p:spTree>
   </p:cSld>
   <p:clrMapOvr>
     <a:masterClrMapping/>
   </p:clrMapOvr>
+  <p:timing>
+    <p:tnLst>
+      <p:par>
+        <p:cTn id="1" dur="indefinite" restart="never" nodeType="tmRoot">
+          <p:childTnLst>
+            <p:video>
+              <p:cMediaNode vol="80000">
+                <p:cTn id="2" fill="hold" display="0">
+                  <p:stCondLst>
+                    <p:cond delay="indefinite"/>
+                  </p:stCondLst>
+                </p:cTn>
+                <p:tgtEl>
+                  <p:spTgt spid="3"/>
+                </p:tgtEl>
+              </p:cMediaNode>
+            </p:video>
+          </p:childTnLst>
+        </p:cTn>
+      </p:par>
+    </p:tnLst>
+  </p:timing>
 </p:sld>
 </file>
 
@@ -9022,16 +9040,71 @@
           <a:lstStyle/>
           <a:p>
             <a:r>
-              <a:t>Round 2</a:t>
+              <a:t>Track 8</a:t>
             </a:r>
           </a:p>
         </p:txBody>
       </p:sp>
+      <p:pic>
+        <p:nvPicPr>
+          <p:cNvPr id="3" name="movie.vid">
+            <a:hlinkClick r:id="" action="ppaction://media"/>
+          </p:cNvPr>
+          <p:cNvPicPr>
+            <a:picLocks noChangeAspect="1"/>
+          </p:cNvPicPr>
+          <p:nvPr>
+            <a:videoFile r:link="rId3"/>
+            <p:extLst>
+              <p:ext uri="{DAA4B4D4-6D71-4841-9C94-3DE7FCFB9230}">
+                <p14:media xmlns:p14="http://schemas.microsoft.com/office/powerpoint/2010/main" r:embed="rId2"/>
+              </p:ext>
+            </p:extLst>
+          </p:nvPr>
+        </p:nvPicPr>
+        <p:blipFill>
+          <a:blip r:embed="rId4"/>
+          <a:stretch>
+            <a:fillRect/>
+          </a:stretch>
+        </p:blipFill>
+        <p:spPr>
+          <a:xfrm>
+            <a:off x="7315200" y="1371600"/>
+            <a:ext cx="5486400" cy="5486400"/>
+          </a:xfrm>
+          <a:prstGeom prst="rect">
+            <a:avLst/>
+          </a:prstGeom>
+        </p:spPr>
+      </p:pic>
     </p:spTree>
   </p:cSld>
   <p:clrMapOvr>
     <a:masterClrMapping/>
   </p:clrMapOvr>
+  <p:timing>
+    <p:tnLst>
+      <p:par>
+        <p:cTn id="1" dur="indefinite" restart="never" nodeType="tmRoot">
+          <p:childTnLst>
+            <p:video>
+              <p:cMediaNode vol="80000">
+                <p:cTn id="2" fill="hold" display="0">
+                  <p:stCondLst>
+                    <p:cond delay="indefinite"/>
+                  </p:stCondLst>
+                </p:cTn>
+                <p:tgtEl>
+                  <p:spTgt spid="3"/>
+                </p:tgtEl>
+              </p:cMediaNode>
+            </p:video>
+          </p:childTnLst>
+        </p:cTn>
+      </p:par>
+    </p:tnLst>
+  </p:timing>
 </p:sld>
 </file>
 
@@ -9061,7 +9134,7 @@
           <a:lstStyle/>
           <a:p>
             <a:r>
-              <a:t>Track 1</a:t>
+              <a:t>Track 9</a:t>
             </a:r>
           </a:p>
         </p:txBody>
@@ -9155,7 +9228,7 @@
           <a:lstStyle/>
           <a:p>
             <a:r>
-              <a:t>Track 2</a:t>
+              <a:t>Track 10</a:t>
             </a:r>
           </a:p>
         </p:txBody>
@@ -9249,14 +9322,14 @@
           <a:lstStyle/>
           <a:p>
             <a:r>
-              <a:t>Track 3</a:t>
+              <a:t>Round 1 Review</a:t>
             </a:r>
           </a:p>
         </p:txBody>
       </p:sp>
       <p:pic>
         <p:nvPicPr>
-          <p:cNvPr id="3" name="movie.vid">
+          <p:cNvPr id="4" name="movie.vid">
             <a:hlinkClick r:id="" action="ppaction://media"/>
           </p:cNvPr>
           <p:cNvPicPr>
@@ -9279,78 +9352,43 @@
         </p:blipFill>
         <p:spPr>
           <a:xfrm>
-            <a:off x="7315200" y="1371600"/>
-            <a:ext cx="5486400" cy="5486400"/>
+            <a:off x="5943600" y="914400"/>
+            <a:ext cx="914400" cy="914400"/>
           </a:xfrm>
           <a:prstGeom prst="rect">
             <a:avLst/>
           </a:prstGeom>
         </p:spPr>
       </p:pic>
-    </p:spTree>
-  </p:cSld>
-  <p:clrMapOvr>
-    <a:masterClrMapping/>
-  </p:clrMapOvr>
-  <p:timing>
-    <p:tnLst>
-      <p:par>
-        <p:cTn id="1" dur="indefinite" restart="never" nodeType="tmRoot">
-          <p:childTnLst>
-            <p:video>
-              <p:cMediaNode vol="80000">
-                <p:cTn id="2" fill="hold" display="0">
-                  <p:stCondLst>
-                    <p:cond delay="indefinite"/>
-                  </p:stCondLst>
-                </p:cTn>
-                <p:tgtEl>
-                  <p:spTgt spid="3"/>
-                </p:tgtEl>
-              </p:cMediaNode>
-            </p:video>
-          </p:childTnLst>
-        </p:cTn>
-      </p:par>
-    </p:tnLst>
-  </p:timing>
-</p:sld>
-</file>
-
-<file path=ppt/slides/slide15.xml><?xml version="1.0" encoding="utf-8"?>
-<p:sld xmlns:a="http://schemas.openxmlformats.org/drawingml/2006/main" xmlns:p="http://schemas.openxmlformats.org/presentationml/2006/main" xmlns:r="http://schemas.openxmlformats.org/officeDocument/2006/relationships">
-  <p:cSld>
-    <p:spTree>
-      <p:nvGrpSpPr>
-        <p:cNvPr id="1" name=""/>
-        <p:cNvGrpSpPr/>
-        <p:nvPr/>
-      </p:nvGrpSpPr>
-      <p:grpSpPr/>
       <p:sp>
         <p:nvSpPr>
-          <p:cNvPr id="2" name="Title 1"/>
+          <p:cNvPr id="3" name="Content Placeholder 2"/>
           <p:cNvSpPr>
             <a:spLocks noGrp="1"/>
           </p:cNvSpPr>
           <p:nvPr>
-            <p:ph type="title"/>
+            <p:ph idx="10" sz="quarter"/>
           </p:nvPr>
         </p:nvSpPr>
-        <p:spPr/>
+        <p:spPr>
+          <a:xfrm>
+            <a:off x="6858000" y="914400"/>
+            <a:ext cx="2834640" cy="914400"/>
+          </a:xfrm>
+        </p:spPr>
         <p:txBody>
           <a:bodyPr/>
           <a:lstStyle/>
           <a:p>
             <a:r>
-              <a:t>Track 4</a:t>
+              <a:t> Track 1</a:t>
             </a:r>
           </a:p>
         </p:txBody>
       </p:sp>
       <p:pic>
         <p:nvPicPr>
-          <p:cNvPr id="3" name="movie.vid">
+          <p:cNvPr id="5" name="movie.vid">
             <a:hlinkClick r:id="" action="ppaction://media"/>
           </p:cNvPr>
           <p:cNvPicPr>
@@ -9373,172 +9411,43 @@
         </p:blipFill>
         <p:spPr>
           <a:xfrm>
-            <a:off x="7315200" y="1371600"/>
-            <a:ext cx="5486400" cy="5486400"/>
+            <a:off x="10058400" y="914400"/>
+            <a:ext cx="914400" cy="914400"/>
           </a:xfrm>
           <a:prstGeom prst="rect">
             <a:avLst/>
           </a:prstGeom>
         </p:spPr>
       </p:pic>
-    </p:spTree>
-  </p:cSld>
-  <p:clrMapOvr>
-    <a:masterClrMapping/>
-  </p:clrMapOvr>
-  <p:timing>
-    <p:tnLst>
-      <p:par>
-        <p:cTn id="1" dur="indefinite" restart="never" nodeType="tmRoot">
-          <p:childTnLst>
-            <p:video>
-              <p:cMediaNode vol="80000">
-                <p:cTn id="2" fill="hold" display="0">
-                  <p:stCondLst>
-                    <p:cond delay="indefinite"/>
-                  </p:stCondLst>
-                </p:cTn>
-                <p:tgtEl>
-                  <p:spTgt spid="3"/>
-                </p:tgtEl>
-              </p:cMediaNode>
-            </p:video>
-          </p:childTnLst>
-        </p:cTn>
-      </p:par>
-    </p:tnLst>
-  </p:timing>
-</p:sld>
-</file>
-
-<file path=ppt/slides/slide16.xml><?xml version="1.0" encoding="utf-8"?>
-<p:sld xmlns:a="http://schemas.openxmlformats.org/drawingml/2006/main" xmlns:p="http://schemas.openxmlformats.org/presentationml/2006/main" xmlns:r="http://schemas.openxmlformats.org/officeDocument/2006/relationships">
-  <p:cSld>
-    <p:spTree>
-      <p:nvGrpSpPr>
-        <p:cNvPr id="1" name=""/>
-        <p:cNvGrpSpPr/>
-        <p:nvPr/>
-      </p:nvGrpSpPr>
-      <p:grpSpPr/>
       <p:sp>
         <p:nvSpPr>
-          <p:cNvPr id="2" name="Title 1"/>
+          <p:cNvPr id="3" name="Content Placeholder 2"/>
           <p:cNvSpPr>
             <a:spLocks noGrp="1"/>
           </p:cNvSpPr>
           <p:nvPr>
-            <p:ph type="title"/>
+            <p:ph idx="10" sz="quarter"/>
           </p:nvPr>
         </p:nvSpPr>
-        <p:spPr/>
+        <p:spPr>
+          <a:xfrm>
+            <a:off x="10972800" y="914400"/>
+            <a:ext cx="2834640" cy="914400"/>
+          </a:xfrm>
+        </p:spPr>
         <p:txBody>
           <a:bodyPr/>
           <a:lstStyle/>
           <a:p>
             <a:r>
-              <a:t>Track 5</a:t>
+              <a:t> Track 2</a:t>
             </a:r>
           </a:p>
         </p:txBody>
       </p:sp>
       <p:pic>
         <p:nvPicPr>
-          <p:cNvPr id="3" name="movie.vid">
-            <a:hlinkClick r:id="" action="ppaction://media"/>
-          </p:cNvPr>
-          <p:cNvPicPr>
-            <a:picLocks noChangeAspect="1"/>
-          </p:cNvPicPr>
-          <p:nvPr>
-            <a:videoFile r:link="rId3"/>
-            <p:extLst>
-              <p:ext uri="{DAA4B4D4-6D71-4841-9C94-3DE7FCFB9230}">
-                <p14:media xmlns:p14="http://schemas.microsoft.com/office/powerpoint/2010/main" r:embed="rId2"/>
-              </p:ext>
-            </p:extLst>
-          </p:nvPr>
-        </p:nvPicPr>
-        <p:blipFill>
-          <a:blip r:embed="rId4"/>
-          <a:stretch>
-            <a:fillRect/>
-          </a:stretch>
-        </p:blipFill>
-        <p:spPr>
-          <a:xfrm>
-            <a:off x="7315200" y="1371600"/>
-            <a:ext cx="5486400" cy="5486400"/>
-          </a:xfrm>
-          <a:prstGeom prst="rect">
-            <a:avLst/>
-          </a:prstGeom>
-        </p:spPr>
-      </p:pic>
-    </p:spTree>
-  </p:cSld>
-  <p:clrMapOvr>
-    <a:masterClrMapping/>
-  </p:clrMapOvr>
-  <p:timing>
-    <p:tnLst>
-      <p:par>
-        <p:cTn id="1" dur="indefinite" restart="never" nodeType="tmRoot">
-          <p:childTnLst>
-            <p:video>
-              <p:cMediaNode vol="80000">
-                <p:cTn id="2" fill="hold" display="0">
-                  <p:stCondLst>
-                    <p:cond delay="indefinite"/>
-                  </p:stCondLst>
-                </p:cTn>
-                <p:tgtEl>
-                  <p:spTgt spid="3"/>
-                </p:tgtEl>
-              </p:cMediaNode>
-            </p:video>
-          </p:childTnLst>
-        </p:cTn>
-      </p:par>
-    </p:tnLst>
-  </p:timing>
-</p:sld>
-</file>
-
-<file path=ppt/slides/slide17.xml><?xml version="1.0" encoding="utf-8"?>
-<p:sld xmlns:a="http://schemas.openxmlformats.org/drawingml/2006/main" xmlns:p="http://schemas.openxmlformats.org/presentationml/2006/main" xmlns:r="http://schemas.openxmlformats.org/officeDocument/2006/relationships">
-  <p:cSld>
-    <p:spTree>
-      <p:nvGrpSpPr>
-        <p:cNvPr id="1" name=""/>
-        <p:cNvGrpSpPr/>
-        <p:nvPr/>
-      </p:nvGrpSpPr>
-      <p:grpSpPr/>
-      <p:sp>
-        <p:nvSpPr>
-          <p:cNvPr id="2" name="Title 1"/>
-          <p:cNvSpPr>
-            <a:spLocks noGrp="1"/>
-          </p:cNvSpPr>
-          <p:nvPr>
-            <p:ph type="title"/>
-          </p:nvPr>
-        </p:nvSpPr>
-        <p:spPr/>
-        <p:txBody>
-          <a:bodyPr/>
-          <a:lstStyle/>
-          <a:p>
-            <a:r>
-              <a:t>Round 2 Review</a:t>
-            </a:r>
-          </a:p>
-        </p:txBody>
-      </p:sp>
-      <p:pic>
-        <p:nvPicPr>
-          <p:cNvPr id="4" name="movie.vid">
+          <p:cNvPr id="6" name="movie.vid">
             <a:hlinkClick r:id="" action="ppaction://media"/>
           </p:cNvPr>
           <p:cNvPicPr>
@@ -9590,14 +9499,14 @@
           <a:lstStyle/>
           <a:p>
             <a:r>
-              <a:t> Track 1</a:t>
+              <a:t> Track 3</a:t>
             </a:r>
           </a:p>
         </p:txBody>
       </p:sp>
       <p:pic>
         <p:nvPicPr>
-          <p:cNvPr id="5" name="movie.vid">
+          <p:cNvPr id="7" name="movie.vid">
             <a:hlinkClick r:id="" action="ppaction://media"/>
           </p:cNvPr>
           <p:cNvPicPr>
@@ -9649,14 +9558,14 @@
           <a:lstStyle/>
           <a:p>
             <a:r>
-              <a:t> Track 2</a:t>
+              <a:t> Track 4</a:t>
             </a:r>
           </a:p>
         </p:txBody>
       </p:sp>
       <p:pic>
         <p:nvPicPr>
-          <p:cNvPr id="6" name="movie.vid">
+          <p:cNvPr id="8" name="movie.vid">
             <a:hlinkClick r:id="" action="ppaction://media"/>
           </p:cNvPr>
           <p:cNvPicPr>
@@ -9708,14 +9617,14 @@
           <a:lstStyle/>
           <a:p>
             <a:r>
-              <a:t> Track 3</a:t>
+              <a:t> Track 5</a:t>
             </a:r>
           </a:p>
         </p:txBody>
       </p:sp>
       <p:pic>
         <p:nvPicPr>
-          <p:cNvPr id="7" name="movie.vid">
+          <p:cNvPr id="9" name="movie.vid">
             <a:hlinkClick r:id="" action="ppaction://media"/>
           </p:cNvPr>
           <p:cNvPicPr>
@@ -9767,14 +9676,14 @@
           <a:lstStyle/>
           <a:p>
             <a:r>
-              <a:t> Track 4</a:t>
+              <a:t> Track 6</a:t>
             </a:r>
           </a:p>
         </p:txBody>
       </p:sp>
       <p:pic>
         <p:nvPicPr>
-          <p:cNvPr id="8" name="movie.vid">
+          <p:cNvPr id="10" name="movie.vid">
             <a:hlinkClick r:id="" action="ppaction://media"/>
           </p:cNvPr>
           <p:cNvPicPr>
@@ -9797,7 +9706,7 @@
         </p:blipFill>
         <p:spPr>
           <a:xfrm>
-            <a:off x="8001000" y="5029200"/>
+            <a:off x="5943600" y="5029200"/>
             <a:ext cx="914400" cy="914400"/>
           </a:xfrm>
           <a:prstGeom prst="rect">
@@ -9817,7 +9726,7 @@
         </p:nvSpPr>
         <p:spPr>
           <a:xfrm>
-            <a:off x="8915400" y="5029200"/>
+            <a:off x="6858000" y="5029200"/>
             <a:ext cx="2834640" cy="914400"/>
           </a:xfrm>
         </p:spPr>
@@ -9826,7 +9735,184 @@
           <a:lstStyle/>
           <a:p>
             <a:r>
-              <a:t> Track 5</a:t>
+              <a:t> Track 7</a:t>
+            </a:r>
+          </a:p>
+        </p:txBody>
+      </p:sp>
+      <p:pic>
+        <p:nvPicPr>
+          <p:cNvPr id="11" name="movie.vid">
+            <a:hlinkClick r:id="" action="ppaction://media"/>
+          </p:cNvPr>
+          <p:cNvPicPr>
+            <a:picLocks noChangeAspect="1"/>
+          </p:cNvPicPr>
+          <p:nvPr>
+            <a:videoFile r:link="rId3"/>
+            <p:extLst>
+              <p:ext uri="{DAA4B4D4-6D71-4841-9C94-3DE7FCFB9230}">
+                <p14:media xmlns:p14="http://schemas.microsoft.com/office/powerpoint/2010/main" r:embed="rId2"/>
+              </p:ext>
+            </p:extLst>
+          </p:nvPr>
+        </p:nvPicPr>
+        <p:blipFill>
+          <a:blip r:embed="rId4"/>
+          <a:stretch>
+            <a:fillRect/>
+          </a:stretch>
+        </p:blipFill>
+        <p:spPr>
+          <a:xfrm>
+            <a:off x="10058400" y="5029200"/>
+            <a:ext cx="914400" cy="914400"/>
+          </a:xfrm>
+          <a:prstGeom prst="rect">
+            <a:avLst/>
+          </a:prstGeom>
+        </p:spPr>
+      </p:pic>
+      <p:sp>
+        <p:nvSpPr>
+          <p:cNvPr id="3" name="Content Placeholder 2"/>
+          <p:cNvSpPr>
+            <a:spLocks noGrp="1"/>
+          </p:cNvSpPr>
+          <p:nvPr>
+            <p:ph idx="10" sz="quarter"/>
+          </p:nvPr>
+        </p:nvSpPr>
+        <p:spPr>
+          <a:xfrm>
+            <a:off x="10972800" y="5029200"/>
+            <a:ext cx="2834640" cy="914400"/>
+          </a:xfrm>
+        </p:spPr>
+        <p:txBody>
+          <a:bodyPr/>
+          <a:lstStyle/>
+          <a:p>
+            <a:r>
+              <a:t> Track 8</a:t>
+            </a:r>
+          </a:p>
+        </p:txBody>
+      </p:sp>
+      <p:pic>
+        <p:nvPicPr>
+          <p:cNvPr id="12" name="movie.vid">
+            <a:hlinkClick r:id="" action="ppaction://media"/>
+          </p:cNvPr>
+          <p:cNvPicPr>
+            <a:picLocks noChangeAspect="1"/>
+          </p:cNvPicPr>
+          <p:nvPr>
+            <a:videoFile r:link="rId3"/>
+            <p:extLst>
+              <p:ext uri="{DAA4B4D4-6D71-4841-9C94-3DE7FCFB9230}">
+                <p14:media xmlns:p14="http://schemas.microsoft.com/office/powerpoint/2010/main" r:embed="rId2"/>
+              </p:ext>
+            </p:extLst>
+          </p:nvPr>
+        </p:nvPicPr>
+        <p:blipFill>
+          <a:blip r:embed="rId4"/>
+          <a:stretch>
+            <a:fillRect/>
+          </a:stretch>
+        </p:blipFill>
+        <p:spPr>
+          <a:xfrm>
+            <a:off x="5943600" y="6400800"/>
+            <a:ext cx="914400" cy="914400"/>
+          </a:xfrm>
+          <a:prstGeom prst="rect">
+            <a:avLst/>
+          </a:prstGeom>
+        </p:spPr>
+      </p:pic>
+      <p:sp>
+        <p:nvSpPr>
+          <p:cNvPr id="3" name="Content Placeholder 2"/>
+          <p:cNvSpPr>
+            <a:spLocks noGrp="1"/>
+          </p:cNvSpPr>
+          <p:nvPr>
+            <p:ph idx="10" sz="quarter"/>
+          </p:nvPr>
+        </p:nvSpPr>
+        <p:spPr>
+          <a:xfrm>
+            <a:off x="6858000" y="6400800"/>
+            <a:ext cx="2834640" cy="914400"/>
+          </a:xfrm>
+        </p:spPr>
+        <p:txBody>
+          <a:bodyPr/>
+          <a:lstStyle/>
+          <a:p>
+            <a:r>
+              <a:t> Track 9</a:t>
+            </a:r>
+          </a:p>
+        </p:txBody>
+      </p:sp>
+      <p:pic>
+        <p:nvPicPr>
+          <p:cNvPr id="13" name="movie.vid">
+            <a:hlinkClick r:id="" action="ppaction://media"/>
+          </p:cNvPr>
+          <p:cNvPicPr>
+            <a:picLocks noChangeAspect="1"/>
+          </p:cNvPicPr>
+          <p:nvPr>
+            <a:videoFile r:link="rId3"/>
+            <p:extLst>
+              <p:ext uri="{DAA4B4D4-6D71-4841-9C94-3DE7FCFB9230}">
+                <p14:media xmlns:p14="http://schemas.microsoft.com/office/powerpoint/2010/main" r:embed="rId2"/>
+              </p:ext>
+            </p:extLst>
+          </p:nvPr>
+        </p:nvPicPr>
+        <p:blipFill>
+          <a:blip r:embed="rId4"/>
+          <a:stretch>
+            <a:fillRect/>
+          </a:stretch>
+        </p:blipFill>
+        <p:spPr>
+          <a:xfrm>
+            <a:off x="10058400" y="6400800"/>
+            <a:ext cx="914400" cy="914400"/>
+          </a:xfrm>
+          <a:prstGeom prst="rect">
+            <a:avLst/>
+          </a:prstGeom>
+        </p:spPr>
+      </p:pic>
+      <p:sp>
+        <p:nvSpPr>
+          <p:cNvPr id="3" name="Content Placeholder 2"/>
+          <p:cNvSpPr>
+            <a:spLocks noGrp="1"/>
+          </p:cNvSpPr>
+          <p:nvPr>
+            <p:ph idx="10" sz="quarter"/>
+          </p:nvPr>
+        </p:nvSpPr>
+        <p:spPr>
+          <a:xfrm>
+            <a:off x="10972800" y="6400800"/>
+            <a:ext cx="2834640" cy="914400"/>
+          </a:xfrm>
+        </p:spPr>
+        <p:txBody>
+          <a:bodyPr/>
+          <a:lstStyle/>
+          <a:p>
+            <a:r>
+              <a:t> Track 10</a:t>
             </a:r>
           </a:p>
         </p:txBody>
@@ -9901,6 +9987,404 @@
                 </p:tgtEl>
               </p:cMediaNode>
             </p:video>
+            <p:video>
+              <p:cMediaNode vol="80000">
+                <p:cTn id="7" fill="hold" display="0">
+                  <p:stCondLst>
+                    <p:cond delay="indefinite"/>
+                  </p:stCondLst>
+                </p:cTn>
+                <p:tgtEl>
+                  <p:spTgt spid="9"/>
+                </p:tgtEl>
+              </p:cMediaNode>
+            </p:video>
+            <p:video>
+              <p:cMediaNode vol="80000">
+                <p:cTn id="8" fill="hold" display="0">
+                  <p:stCondLst>
+                    <p:cond delay="indefinite"/>
+                  </p:stCondLst>
+                </p:cTn>
+                <p:tgtEl>
+                  <p:spTgt spid="10"/>
+                </p:tgtEl>
+              </p:cMediaNode>
+            </p:video>
+            <p:video>
+              <p:cMediaNode vol="80000">
+                <p:cTn id="9" fill="hold" display="0">
+                  <p:stCondLst>
+                    <p:cond delay="indefinite"/>
+                  </p:stCondLst>
+                </p:cTn>
+                <p:tgtEl>
+                  <p:spTgt spid="11"/>
+                </p:tgtEl>
+              </p:cMediaNode>
+            </p:video>
+            <p:video>
+              <p:cMediaNode vol="80000">
+                <p:cTn id="10" fill="hold" display="0">
+                  <p:stCondLst>
+                    <p:cond delay="indefinite"/>
+                  </p:stCondLst>
+                </p:cTn>
+                <p:tgtEl>
+                  <p:spTgt spid="12"/>
+                </p:tgtEl>
+              </p:cMediaNode>
+            </p:video>
+            <p:video>
+              <p:cMediaNode vol="80000">
+                <p:cTn id="11" fill="hold" display="0">
+                  <p:stCondLst>
+                    <p:cond delay="indefinite"/>
+                  </p:stCondLst>
+                </p:cTn>
+                <p:tgtEl>
+                  <p:spTgt spid="13"/>
+                </p:tgtEl>
+              </p:cMediaNode>
+            </p:video>
+          </p:childTnLst>
+        </p:cTn>
+      </p:par>
+    </p:tnLst>
+  </p:timing>
+</p:sld>
+</file>
+
+<file path=ppt/slides/slide15.xml><?xml version="1.0" encoding="utf-8"?>
+<p:sld xmlns:a="http://schemas.openxmlformats.org/drawingml/2006/main" xmlns:p="http://schemas.openxmlformats.org/presentationml/2006/main" xmlns:r="http://schemas.openxmlformats.org/officeDocument/2006/relationships">
+  <p:cSld>
+    <p:spTree>
+      <p:nvGrpSpPr>
+        <p:cNvPr id="1" name=""/>
+        <p:cNvGrpSpPr/>
+        <p:nvPr/>
+      </p:nvGrpSpPr>
+      <p:grpSpPr/>
+      <p:sp>
+        <p:nvSpPr>
+          <p:cNvPr id="2" name="Title 1"/>
+          <p:cNvSpPr>
+            <a:spLocks noGrp="1"/>
+          </p:cNvSpPr>
+          <p:nvPr>
+            <p:ph type="title"/>
+          </p:nvPr>
+        </p:nvSpPr>
+        <p:spPr/>
+        <p:txBody>
+          <a:bodyPr/>
+          <a:lstStyle/>
+          <a:p>
+            <a:r>
+              <a:t>Round 1 Answers</a:t>
+            </a:r>
+          </a:p>
+        </p:txBody>
+      </p:sp>
+      <p:sp>
+        <p:nvSpPr>
+          <p:cNvPr id="3" name="Content Placeholder 2"/>
+          <p:cNvSpPr>
+            <a:spLocks noGrp="1"/>
+          </p:cNvSpPr>
+          <p:nvPr>
+            <p:ph idx="1"/>
+          </p:nvPr>
+        </p:nvSpPr>
+        <p:spPr/>
+        <p:txBody>
+          <a:bodyPr/>
+          <a:lstStyle/>
+          <a:p>
+            <a:pPr/>
+            <a:r>
+              <a:rPr b="0" i="0"/>
+              <a:t>Super Mario Brothers: </a:t>
+            </a:r>
+            <a:r>
+              <a:rPr b="0" i="1"/>
+              <a:t>Super Mario Galaxy</a:t>
+            </a:r>
+            <a:r>
+              <a:rPr b="0" i="0"/>
+              <a:t> – Good Egg Galaxy</a:t>
+            </a:r>
+          </a:p>
+          <a:p>
+            <a:pPr/>
+            <a:r>
+              <a:rPr b="0" i="0"/>
+              <a:t>Deltarune: </a:t>
+            </a:r>
+            <a:r>
+              <a:rPr b="0" i="1"/>
+              <a:t>Deltarune</a:t>
+            </a:r>
+            <a:r>
+              <a:rPr b="0" i="0"/>
+              <a:t> – Field of Hopes and Dreams</a:t>
+            </a:r>
+          </a:p>
+          <a:p>
+            <a:pPr/>
+            <a:r>
+              <a:rPr b="0" i="0"/>
+              <a:t>Danganronpa: </a:t>
+            </a:r>
+            <a:r>
+              <a:rPr b="0" i="1"/>
+              <a:t>Danganronpa V3: Killing Harmony</a:t>
+            </a:r>
+            <a:r>
+              <a:rPr b="0" i="0"/>
+              <a:t> – Danganronpa V3 (Full Version)*</a:t>
+            </a:r>
+          </a:p>
+          <a:p>
+            <a:pPr/>
+            <a:r>
+              <a:rPr b="0" i="0"/>
+              <a:t>Genshin Impact: </a:t>
+            </a:r>
+            <a:r>
+              <a:rPr b="0" i="1"/>
+              <a:t>Genshin Impact</a:t>
+            </a:r>
+            <a:r>
+              <a:rPr b="0" i="0"/>
+              <a:t> – Photon of Fluctuation</a:t>
+            </a:r>
+          </a:p>
+          <a:p>
+            <a:pPr/>
+            <a:r>
+              <a:rPr b="0" i="0"/>
+              <a:t>Lego Star Wars: </a:t>
+            </a:r>
+            <a:r>
+              <a:rPr b="0" i="1"/>
+              <a:t>Lego Star Wars: The Complete Saga</a:t>
+            </a:r>
+            <a:r>
+              <a:rPr b="0" i="0"/>
+              <a:t> – Mos Eisley Cantina</a:t>
+            </a:r>
+          </a:p>
+          <a:p>
+            <a:pPr/>
+            <a:r>
+              <a:rPr b="0" i="0"/>
+              <a:t>Tetris: </a:t>
+            </a:r>
+            <a:r>
+              <a:rPr b="0" i="1"/>
+              <a:t>Tetris 99</a:t>
+            </a:r>
+            <a:r>
+              <a:rPr b="0" i="0"/>
+              <a:t> – Main Theme*</a:t>
+            </a:r>
+          </a:p>
+          <a:p>
+            <a:pPr/>
+            <a:r>
+              <a:rPr b="0" i="0"/>
+              <a:t>Plants vs. Zombies: </a:t>
+            </a:r>
+            <a:r>
+              <a:rPr b="0" i="1"/>
+              <a:t>Plants vs. Zombies</a:t>
+            </a:r>
+            <a:r>
+              <a:rPr b="0" i="0"/>
+              <a:t> – Main Menu*</a:t>
+            </a:r>
+          </a:p>
+          <a:p>
+            <a:pPr/>
+            <a:r>
+              <a:rPr b="0" i="0"/>
+              <a:t>Katamari: </a:t>
+            </a:r>
+            <a:r>
+              <a:rPr b="0" i="1"/>
+              <a:t>Katamari Forever</a:t>
+            </a:r>
+            <a:r>
+              <a:rPr b="0" i="0"/>
+              <a:t> – Katamari on the Wings</a:t>
+            </a:r>
+          </a:p>
+          <a:p>
+            <a:pPr/>
+            <a:r>
+              <a:rPr b="0" i="0"/>
+              <a:t>Shovel Knight: </a:t>
+            </a:r>
+            <a:r>
+              <a:rPr b="0" i="1"/>
+              <a:t>Shovel Knight</a:t>
+            </a:r>
+            <a:r>
+              <a:rPr b="0" i="0"/>
+              <a:t> – In the Halls of the Usurper (Pridemoor Keep)</a:t>
+            </a:r>
+          </a:p>
+          <a:p>
+            <a:pPr/>
+            <a:r>
+              <a:rPr b="0" i="0"/>
+              <a:t>Sonic the Hedgehog: </a:t>
+            </a:r>
+            <a:r>
+              <a:rPr b="0" i="1"/>
+              <a:t>Sonic Forces </a:t>
+            </a:r>
+            <a:r>
+              <a:rPr b="0" i="0"/>
+              <a:t> – Fist Bump</a:t>
+            </a:r>
+          </a:p>
+        </p:txBody>
+      </p:sp>
+    </p:spTree>
+  </p:cSld>
+  <p:clrMapOvr>
+    <a:masterClrMapping/>
+  </p:clrMapOvr>
+</p:sld>
+</file>
+
+<file path=ppt/slides/slide16.xml><?xml version="1.0" encoding="utf-8"?>
+<p:sld xmlns:a="http://schemas.openxmlformats.org/drawingml/2006/main" xmlns:p="http://schemas.openxmlformats.org/presentationml/2006/main" xmlns:r="http://schemas.openxmlformats.org/officeDocument/2006/relationships">
+  <p:cSld>
+    <p:spTree>
+      <p:nvGrpSpPr>
+        <p:cNvPr id="1" name=""/>
+        <p:cNvGrpSpPr/>
+        <p:nvPr/>
+      </p:nvGrpSpPr>
+      <p:grpSpPr/>
+      <p:sp>
+        <p:nvSpPr>
+          <p:cNvPr id="2" name="Content Placeholder 1"/>
+          <p:cNvSpPr>
+            <a:spLocks noGrp="1"/>
+          </p:cNvSpPr>
+          <p:nvPr>
+            <p:ph idx="10" sz="quarter"/>
+          </p:nvPr>
+        </p:nvSpPr>
+        <p:spPr/>
+        <p:txBody>
+          <a:bodyPr/>
+          <a:lstStyle/>
+          <a:p>
+            <a:r>
+              <a:t>Round 2</a:t>
+            </a:r>
+          </a:p>
+        </p:txBody>
+      </p:sp>
+    </p:spTree>
+  </p:cSld>
+  <p:clrMapOvr>
+    <a:masterClrMapping/>
+  </p:clrMapOvr>
+</p:sld>
+</file>
+
+<file path=ppt/slides/slide17.xml><?xml version="1.0" encoding="utf-8"?>
+<p:sld xmlns:a="http://schemas.openxmlformats.org/drawingml/2006/main" xmlns:p="http://schemas.openxmlformats.org/presentationml/2006/main" xmlns:r="http://schemas.openxmlformats.org/officeDocument/2006/relationships">
+  <p:cSld>
+    <p:spTree>
+      <p:nvGrpSpPr>
+        <p:cNvPr id="1" name=""/>
+        <p:cNvGrpSpPr/>
+        <p:nvPr/>
+      </p:nvGrpSpPr>
+      <p:grpSpPr/>
+      <p:sp>
+        <p:nvSpPr>
+          <p:cNvPr id="2" name="Title 1"/>
+          <p:cNvSpPr>
+            <a:spLocks noGrp="1"/>
+          </p:cNvSpPr>
+          <p:nvPr>
+            <p:ph type="title"/>
+          </p:nvPr>
+        </p:nvSpPr>
+        <p:spPr/>
+        <p:txBody>
+          <a:bodyPr/>
+          <a:lstStyle/>
+          <a:p>
+            <a:r>
+              <a:t>Track 1</a:t>
+            </a:r>
+          </a:p>
+        </p:txBody>
+      </p:sp>
+      <p:pic>
+        <p:nvPicPr>
+          <p:cNvPr id="3" name="movie.vid">
+            <a:hlinkClick r:id="" action="ppaction://media"/>
+          </p:cNvPr>
+          <p:cNvPicPr>
+            <a:picLocks noChangeAspect="1"/>
+          </p:cNvPicPr>
+          <p:nvPr>
+            <a:videoFile r:link="rId3"/>
+            <p:extLst>
+              <p:ext uri="{DAA4B4D4-6D71-4841-9C94-3DE7FCFB9230}">
+                <p14:media xmlns:p14="http://schemas.microsoft.com/office/powerpoint/2010/main" r:embed="rId2"/>
+              </p:ext>
+            </p:extLst>
+          </p:nvPr>
+        </p:nvPicPr>
+        <p:blipFill>
+          <a:blip r:embed="rId4"/>
+          <a:stretch>
+            <a:fillRect/>
+          </a:stretch>
+        </p:blipFill>
+        <p:spPr>
+          <a:xfrm>
+            <a:off x="7315200" y="1371600"/>
+            <a:ext cx="5486400" cy="5486400"/>
+          </a:xfrm>
+          <a:prstGeom prst="rect">
+            <a:avLst/>
+          </a:prstGeom>
+        </p:spPr>
+      </p:pic>
+    </p:spTree>
+  </p:cSld>
+  <p:clrMapOvr>
+    <a:masterClrMapping/>
+  </p:clrMapOvr>
+  <p:timing>
+    <p:tnLst>
+      <p:par>
+        <p:cTn id="1" dur="indefinite" restart="never" nodeType="tmRoot">
+          <p:childTnLst>
+            <p:video>
+              <p:cMediaNode vol="80000">
+                <p:cTn id="2" fill="hold" display="0">
+                  <p:stCondLst>
+                    <p:cond delay="indefinite"/>
+                  </p:stCondLst>
+                </p:cTn>
+                <p:tgtEl>
+                  <p:spTgt spid="3"/>
+                </p:tgtEl>
+              </p:cMediaNode>
+            </p:video>
           </p:childTnLst>
         </p:cTn>
       </p:par>
@@ -9935,107 +10419,71 @@
           <a:lstStyle/>
           <a:p>
             <a:r>
-              <a:t>Round 2 Answers</a:t>
+              <a:t>Track 2</a:t>
             </a:r>
           </a:p>
         </p:txBody>
       </p:sp>
-      <p:sp>
-        <p:nvSpPr>
-          <p:cNvPr id="3" name="Content Placeholder 2"/>
-          <p:cNvSpPr>
-            <a:spLocks noGrp="1"/>
-          </p:cNvSpPr>
-          <p:nvPr>
-            <p:ph idx="1"/>
-          </p:nvPr>
-        </p:nvSpPr>
-        <p:spPr/>
-        <p:txBody>
-          <a:bodyPr/>
-          <a:lstStyle/>
-          <a:p>
-            <a:pPr/>
-            <a:r>
-              <a:rPr b="0" i="0"/>
-              <a:t>6 Super Mario Brothers: </a:t>
-            </a:r>
-            <a:r>
-              <a:rPr b="0" i="1"/>
-              <a:t>Super Mario Galaxy</a:t>
-            </a:r>
-            <a:r>
-              <a:rPr b="0" i="0"/>
-              <a:t> – Good Egg Galaxy</a:t>
-            </a:r>
-          </a:p>
-          <a:p>
-            <a:pPr/>
-            <a:r>
-              <a:rPr b="0" i="0"/>
-              <a:t>7 Deltarune: </a:t>
-            </a:r>
-            <a:r>
-              <a:rPr b="0" i="1"/>
-              <a:t>Deltarune</a:t>
-            </a:r>
-            <a:r>
-              <a:rPr b="0" i="0"/>
-              <a:t> – Field of Hopes and Dreams</a:t>
-            </a:r>
-          </a:p>
-          <a:p>
-            <a:pPr/>
-            <a:r>
-              <a:rPr b="0" i="0"/>
-              <a:t>8 Danganronpa: </a:t>
-            </a:r>
-            <a:r>
-              <a:rPr b="0" i="1"/>
-              <a:t>Danganronpa V3: Killing Harmony</a:t>
-            </a:r>
-            <a:r>
-              <a:rPr b="0" i="0"/>
-              <a:t> – Danganronpa V3 (Full Version)*</a:t>
-            </a:r>
-          </a:p>
-          <a:p>
-            <a:pPr/>
-            <a:r>
-              <a:rPr b="0" i="0"/>
-              <a:t>9 Genshin Impact: </a:t>
-            </a:r>
-            <a:r>
-              <a:rPr b="0" i="1"/>
-              <a:t>Genshin Impact</a:t>
-            </a:r>
-            <a:r>
-              <a:rPr b="0" i="0"/>
-              <a:t> – Photon of Fluctuation</a:t>
-            </a:r>
-          </a:p>
-          <a:p>
-            <a:pPr/>
-            <a:r>
-              <a:rPr b="0" i="0"/>
-              <a:t>10 Lego Star Wars: </a:t>
-            </a:r>
-            <a:r>
-              <a:rPr b="0" i="1"/>
-              <a:t>Lego Star Wars: The Complete Saga</a:t>
-            </a:r>
-            <a:r>
-              <a:rPr b="0" i="0"/>
-              <a:t> – Mos Eisley Cantina</a:t>
-            </a:r>
-          </a:p>
-        </p:txBody>
-      </p:sp>
+      <p:pic>
+        <p:nvPicPr>
+          <p:cNvPr id="3" name="movie.vid">
+            <a:hlinkClick r:id="" action="ppaction://media"/>
+          </p:cNvPr>
+          <p:cNvPicPr>
+            <a:picLocks noChangeAspect="1"/>
+          </p:cNvPicPr>
+          <p:nvPr>
+            <a:videoFile r:link="rId3"/>
+            <p:extLst>
+              <p:ext uri="{DAA4B4D4-6D71-4841-9C94-3DE7FCFB9230}">
+                <p14:media xmlns:p14="http://schemas.microsoft.com/office/powerpoint/2010/main" r:embed="rId2"/>
+              </p:ext>
+            </p:extLst>
+          </p:nvPr>
+        </p:nvPicPr>
+        <p:blipFill>
+          <a:blip r:embed="rId4"/>
+          <a:stretch>
+            <a:fillRect/>
+          </a:stretch>
+        </p:blipFill>
+        <p:spPr>
+          <a:xfrm>
+            <a:off x="7315200" y="1371600"/>
+            <a:ext cx="5486400" cy="5486400"/>
+          </a:xfrm>
+          <a:prstGeom prst="rect">
+            <a:avLst/>
+          </a:prstGeom>
+        </p:spPr>
+      </p:pic>
     </p:spTree>
   </p:cSld>
   <p:clrMapOvr>
     <a:masterClrMapping/>
   </p:clrMapOvr>
+  <p:timing>
+    <p:tnLst>
+      <p:par>
+        <p:cTn id="1" dur="indefinite" restart="never" nodeType="tmRoot">
+          <p:childTnLst>
+            <p:video>
+              <p:cMediaNode vol="80000">
+                <p:cTn id="2" fill="hold" display="0">
+                  <p:stCondLst>
+                    <p:cond delay="indefinite"/>
+                  </p:stCondLst>
+                </p:cTn>
+                <p:tgtEl>
+                  <p:spTgt spid="3"/>
+                </p:tgtEl>
+              </p:cMediaNode>
+            </p:video>
+          </p:childTnLst>
+        </p:cTn>
+      </p:par>
+    </p:tnLst>
+  </p:timing>
 </p:sld>
 </file>
 
@@ -10065,16 +10513,71 @@
           <a:lstStyle/>
           <a:p>
             <a:r>
-              <a:t>Round 3</a:t>
+              <a:t>Track 3</a:t>
             </a:r>
           </a:p>
         </p:txBody>
       </p:sp>
+      <p:pic>
+        <p:nvPicPr>
+          <p:cNvPr id="3" name="movie.vid">
+            <a:hlinkClick r:id="" action="ppaction://media"/>
+          </p:cNvPr>
+          <p:cNvPicPr>
+            <a:picLocks noChangeAspect="1"/>
+          </p:cNvPicPr>
+          <p:nvPr>
+            <a:videoFile r:link="rId3"/>
+            <p:extLst>
+              <p:ext uri="{DAA4B4D4-6D71-4841-9C94-3DE7FCFB9230}">
+                <p14:media xmlns:p14="http://schemas.microsoft.com/office/powerpoint/2010/main" r:embed="rId2"/>
+              </p:ext>
+            </p:extLst>
+          </p:nvPr>
+        </p:nvPicPr>
+        <p:blipFill>
+          <a:blip r:embed="rId4"/>
+          <a:stretch>
+            <a:fillRect/>
+          </a:stretch>
+        </p:blipFill>
+        <p:spPr>
+          <a:xfrm>
+            <a:off x="7315200" y="1371600"/>
+            <a:ext cx="5486400" cy="5486400"/>
+          </a:xfrm>
+          <a:prstGeom prst="rect">
+            <a:avLst/>
+          </a:prstGeom>
+        </p:spPr>
+      </p:pic>
     </p:spTree>
   </p:cSld>
   <p:clrMapOvr>
     <a:masterClrMapping/>
   </p:clrMapOvr>
+  <p:timing>
+    <p:tnLst>
+      <p:par>
+        <p:cTn id="1" dur="indefinite" restart="never" nodeType="tmRoot">
+          <p:childTnLst>
+            <p:video>
+              <p:cMediaNode vol="80000">
+                <p:cTn id="2" fill="hold" display="0">
+                  <p:stCondLst>
+                    <p:cond delay="indefinite"/>
+                  </p:stCondLst>
+                </p:cTn>
+                <p:tgtEl>
+                  <p:spTgt spid="3"/>
+                </p:tgtEl>
+              </p:cMediaNode>
+            </p:video>
+          </p:childTnLst>
+        </p:cTn>
+      </p:par>
+    </p:tnLst>
+  </p:timing>
 </p:sld>
 </file>
 
@@ -10127,7 +10630,7 @@
             <a:pPr/>
             <a:r>
               <a:rPr b="0" i="0"/>
-              <a:t>There will be 3 Rounds of 5 Tracks</a:t>
+              <a:t>There will be 5 Rounds each with 10 Tracks.</a:t>
             </a:r>
           </a:p>
           <a:p>
@@ -10169,7 +10672,7 @@
             <a:pPr/>
             <a:r>
               <a:rPr b="0" i="0"/>
-              <a:t>A couple songs don’t have official releases, or play in multiple places. Those have a star listed on the answer key, and if you put something close to it you’ll still receive the point.</a:t>
+              <a:t>Some songs don’t have official releases, or play in multiple games/areas. Those songs will have a star listed on the answer key, so if you put something close to the listing you’ll still receive the point.</a:t>
             </a:r>
           </a:p>
         </p:txBody>
@@ -10208,7 +10711,7 @@
           <a:lstStyle/>
           <a:p>
             <a:r>
-              <a:t>Track 1</a:t>
+              <a:t>Track 4</a:t>
             </a:r>
           </a:p>
         </p:txBody>
@@ -10302,7 +10805,7 @@
           <a:lstStyle/>
           <a:p>
             <a:r>
-              <a:t>Track 2</a:t>
+              <a:t>Track 5</a:t>
             </a:r>
           </a:p>
         </p:txBody>
@@ -10396,7 +10899,7 @@
           <a:lstStyle/>
           <a:p>
             <a:r>
-              <a:t>Track 3</a:t>
+              <a:t>Track 6</a:t>
             </a:r>
           </a:p>
         </p:txBody>
@@ -10490,7 +10993,7 @@
           <a:lstStyle/>
           <a:p>
             <a:r>
-              <a:t>Track 4</a:t>
+              <a:t>Track 7</a:t>
             </a:r>
           </a:p>
         </p:txBody>
@@ -10584,7 +11087,7 @@
           <a:lstStyle/>
           <a:p>
             <a:r>
-              <a:t>Track 5</a:t>
+              <a:t>Track 8</a:t>
             </a:r>
           </a:p>
         </p:txBody>
@@ -10678,7 +11181,195 @@
           <a:lstStyle/>
           <a:p>
             <a:r>
-              <a:t>Round 3 Review</a:t>
+              <a:t>Track 9</a:t>
+            </a:r>
+          </a:p>
+        </p:txBody>
+      </p:sp>
+      <p:pic>
+        <p:nvPicPr>
+          <p:cNvPr id="3" name="movie.vid">
+            <a:hlinkClick r:id="" action="ppaction://media"/>
+          </p:cNvPr>
+          <p:cNvPicPr>
+            <a:picLocks noChangeAspect="1"/>
+          </p:cNvPicPr>
+          <p:nvPr>
+            <a:videoFile r:link="rId3"/>
+            <p:extLst>
+              <p:ext uri="{DAA4B4D4-6D71-4841-9C94-3DE7FCFB9230}">
+                <p14:media xmlns:p14="http://schemas.microsoft.com/office/powerpoint/2010/main" r:embed="rId2"/>
+              </p:ext>
+            </p:extLst>
+          </p:nvPr>
+        </p:nvPicPr>
+        <p:blipFill>
+          <a:blip r:embed="rId4"/>
+          <a:stretch>
+            <a:fillRect/>
+          </a:stretch>
+        </p:blipFill>
+        <p:spPr>
+          <a:xfrm>
+            <a:off x="7315200" y="1371600"/>
+            <a:ext cx="5486400" cy="5486400"/>
+          </a:xfrm>
+          <a:prstGeom prst="rect">
+            <a:avLst/>
+          </a:prstGeom>
+        </p:spPr>
+      </p:pic>
+    </p:spTree>
+  </p:cSld>
+  <p:clrMapOvr>
+    <a:masterClrMapping/>
+  </p:clrMapOvr>
+  <p:timing>
+    <p:tnLst>
+      <p:par>
+        <p:cTn id="1" dur="indefinite" restart="never" nodeType="tmRoot">
+          <p:childTnLst>
+            <p:video>
+              <p:cMediaNode vol="80000">
+                <p:cTn id="2" fill="hold" display="0">
+                  <p:stCondLst>
+                    <p:cond delay="indefinite"/>
+                  </p:stCondLst>
+                </p:cTn>
+                <p:tgtEl>
+                  <p:spTgt spid="3"/>
+                </p:tgtEl>
+              </p:cMediaNode>
+            </p:video>
+          </p:childTnLst>
+        </p:cTn>
+      </p:par>
+    </p:tnLst>
+  </p:timing>
+</p:sld>
+</file>
+
+<file path=ppt/slides/slide26.xml><?xml version="1.0" encoding="utf-8"?>
+<p:sld xmlns:a="http://schemas.openxmlformats.org/drawingml/2006/main" xmlns:p="http://schemas.openxmlformats.org/presentationml/2006/main" xmlns:r="http://schemas.openxmlformats.org/officeDocument/2006/relationships">
+  <p:cSld>
+    <p:spTree>
+      <p:nvGrpSpPr>
+        <p:cNvPr id="1" name=""/>
+        <p:cNvGrpSpPr/>
+        <p:nvPr/>
+      </p:nvGrpSpPr>
+      <p:grpSpPr/>
+      <p:sp>
+        <p:nvSpPr>
+          <p:cNvPr id="2" name="Title 1"/>
+          <p:cNvSpPr>
+            <a:spLocks noGrp="1"/>
+          </p:cNvSpPr>
+          <p:nvPr>
+            <p:ph type="title"/>
+          </p:nvPr>
+        </p:nvSpPr>
+        <p:spPr/>
+        <p:txBody>
+          <a:bodyPr/>
+          <a:lstStyle/>
+          <a:p>
+            <a:r>
+              <a:t>Track 10</a:t>
+            </a:r>
+          </a:p>
+        </p:txBody>
+      </p:sp>
+      <p:pic>
+        <p:nvPicPr>
+          <p:cNvPr id="3" name="movie.vid">
+            <a:hlinkClick r:id="" action="ppaction://media"/>
+          </p:cNvPr>
+          <p:cNvPicPr>
+            <a:picLocks noChangeAspect="1"/>
+          </p:cNvPicPr>
+          <p:nvPr>
+            <a:videoFile r:link="rId3"/>
+            <p:extLst>
+              <p:ext uri="{DAA4B4D4-6D71-4841-9C94-3DE7FCFB9230}">
+                <p14:media xmlns:p14="http://schemas.microsoft.com/office/powerpoint/2010/main" r:embed="rId2"/>
+              </p:ext>
+            </p:extLst>
+          </p:nvPr>
+        </p:nvPicPr>
+        <p:blipFill>
+          <a:blip r:embed="rId4"/>
+          <a:stretch>
+            <a:fillRect/>
+          </a:stretch>
+        </p:blipFill>
+        <p:spPr>
+          <a:xfrm>
+            <a:off x="7315200" y="1371600"/>
+            <a:ext cx="5486400" cy="5486400"/>
+          </a:xfrm>
+          <a:prstGeom prst="rect">
+            <a:avLst/>
+          </a:prstGeom>
+        </p:spPr>
+      </p:pic>
+    </p:spTree>
+  </p:cSld>
+  <p:clrMapOvr>
+    <a:masterClrMapping/>
+  </p:clrMapOvr>
+  <p:timing>
+    <p:tnLst>
+      <p:par>
+        <p:cTn id="1" dur="indefinite" restart="never" nodeType="tmRoot">
+          <p:childTnLst>
+            <p:video>
+              <p:cMediaNode vol="80000">
+                <p:cTn id="2" fill="hold" display="0">
+                  <p:stCondLst>
+                    <p:cond delay="indefinite"/>
+                  </p:stCondLst>
+                </p:cTn>
+                <p:tgtEl>
+                  <p:spTgt spid="3"/>
+                </p:tgtEl>
+              </p:cMediaNode>
+            </p:video>
+          </p:childTnLst>
+        </p:cTn>
+      </p:par>
+    </p:tnLst>
+  </p:timing>
+</p:sld>
+</file>
+
+<file path=ppt/slides/slide27.xml><?xml version="1.0" encoding="utf-8"?>
+<p:sld xmlns:a="http://schemas.openxmlformats.org/drawingml/2006/main" xmlns:p="http://schemas.openxmlformats.org/presentationml/2006/main" xmlns:r="http://schemas.openxmlformats.org/officeDocument/2006/relationships">
+  <p:cSld>
+    <p:spTree>
+      <p:nvGrpSpPr>
+        <p:cNvPr id="1" name=""/>
+        <p:cNvGrpSpPr/>
+        <p:nvPr/>
+      </p:nvGrpSpPr>
+      <p:grpSpPr/>
+      <p:sp>
+        <p:nvSpPr>
+          <p:cNvPr id="2" name="Title 1"/>
+          <p:cNvSpPr>
+            <a:spLocks noGrp="1"/>
+          </p:cNvSpPr>
+          <p:nvPr>
+            <p:ph type="title"/>
+          </p:nvPr>
+        </p:nvSpPr>
+        <p:spPr/>
+        <p:txBody>
+          <a:bodyPr/>
+          <a:lstStyle/>
+          <a:p>
+            <a:r>
+              <a:t>Round 2 Review</a:t>
             </a:r>
           </a:p>
         </p:txBody>
@@ -10686,6 +11377,124 @@
       <p:pic>
         <p:nvPicPr>
           <p:cNvPr id="4" name="movie.vid">
+            <a:hlinkClick r:id="" action="ppaction://media"/>
+          </p:cNvPr>
+          <p:cNvPicPr>
+            <a:picLocks noChangeAspect="1"/>
+          </p:cNvPicPr>
+          <p:nvPr>
+            <a:videoFile r:link="rId3"/>
+            <p:extLst>
+              <p:ext uri="{DAA4B4D4-6D71-4841-9C94-3DE7FCFB9230}">
+                <p14:media xmlns:p14="http://schemas.microsoft.com/office/powerpoint/2010/main" r:embed="rId2"/>
+              </p:ext>
+            </p:extLst>
+          </p:nvPr>
+        </p:nvPicPr>
+        <p:blipFill>
+          <a:blip r:embed="rId4"/>
+          <a:stretch>
+            <a:fillRect/>
+          </a:stretch>
+        </p:blipFill>
+        <p:spPr>
+          <a:xfrm>
+            <a:off x="5943600" y="914400"/>
+            <a:ext cx="914400" cy="914400"/>
+          </a:xfrm>
+          <a:prstGeom prst="rect">
+            <a:avLst/>
+          </a:prstGeom>
+        </p:spPr>
+      </p:pic>
+      <p:sp>
+        <p:nvSpPr>
+          <p:cNvPr id="3" name="Content Placeholder 2"/>
+          <p:cNvSpPr>
+            <a:spLocks noGrp="1"/>
+          </p:cNvSpPr>
+          <p:nvPr>
+            <p:ph idx="10" sz="quarter"/>
+          </p:nvPr>
+        </p:nvSpPr>
+        <p:spPr>
+          <a:xfrm>
+            <a:off x="6858000" y="914400"/>
+            <a:ext cx="2834640" cy="914400"/>
+          </a:xfrm>
+        </p:spPr>
+        <p:txBody>
+          <a:bodyPr/>
+          <a:lstStyle/>
+          <a:p>
+            <a:r>
+              <a:t> Track 1</a:t>
+            </a:r>
+          </a:p>
+        </p:txBody>
+      </p:sp>
+      <p:pic>
+        <p:nvPicPr>
+          <p:cNvPr id="5" name="movie.vid">
+            <a:hlinkClick r:id="" action="ppaction://media"/>
+          </p:cNvPr>
+          <p:cNvPicPr>
+            <a:picLocks noChangeAspect="1"/>
+          </p:cNvPicPr>
+          <p:nvPr>
+            <a:videoFile r:link="rId3"/>
+            <p:extLst>
+              <p:ext uri="{DAA4B4D4-6D71-4841-9C94-3DE7FCFB9230}">
+                <p14:media xmlns:p14="http://schemas.microsoft.com/office/powerpoint/2010/main" r:embed="rId2"/>
+              </p:ext>
+            </p:extLst>
+          </p:nvPr>
+        </p:nvPicPr>
+        <p:blipFill>
+          <a:blip r:embed="rId4"/>
+          <a:stretch>
+            <a:fillRect/>
+          </a:stretch>
+        </p:blipFill>
+        <p:spPr>
+          <a:xfrm>
+            <a:off x="10058400" y="914400"/>
+            <a:ext cx="914400" cy="914400"/>
+          </a:xfrm>
+          <a:prstGeom prst="rect">
+            <a:avLst/>
+          </a:prstGeom>
+        </p:spPr>
+      </p:pic>
+      <p:sp>
+        <p:nvSpPr>
+          <p:cNvPr id="3" name="Content Placeholder 2"/>
+          <p:cNvSpPr>
+            <a:spLocks noGrp="1"/>
+          </p:cNvSpPr>
+          <p:nvPr>
+            <p:ph idx="10" sz="quarter"/>
+          </p:nvPr>
+        </p:nvSpPr>
+        <p:spPr>
+          <a:xfrm>
+            <a:off x="10972800" y="914400"/>
+            <a:ext cx="2834640" cy="914400"/>
+          </a:xfrm>
+        </p:spPr>
+        <p:txBody>
+          <a:bodyPr/>
+          <a:lstStyle/>
+          <a:p>
+            <a:r>
+              <a:t> Track 2</a:t>
+            </a:r>
+          </a:p>
+        </p:txBody>
+      </p:sp>
+      <p:pic>
+        <p:nvPicPr>
+          <p:cNvPr id="6" name="movie.vid">
             <a:hlinkClick r:id="" action="ppaction://media"/>
           </p:cNvPr>
           <p:cNvPicPr>
@@ -10737,14 +11546,14 @@
           <a:lstStyle/>
           <a:p>
             <a:r>
-              <a:t> Track 1</a:t>
+              <a:t> Track 3</a:t>
             </a:r>
           </a:p>
         </p:txBody>
       </p:sp>
       <p:pic>
         <p:nvPicPr>
-          <p:cNvPr id="5" name="movie.vid">
+          <p:cNvPr id="7" name="movie.vid">
             <a:hlinkClick r:id="" action="ppaction://media"/>
           </p:cNvPr>
           <p:cNvPicPr>
@@ -10796,14 +11605,14 @@
           <a:lstStyle/>
           <a:p>
             <a:r>
-              <a:t> Track 2</a:t>
+              <a:t> Track 4</a:t>
             </a:r>
           </a:p>
         </p:txBody>
       </p:sp>
       <p:pic>
         <p:nvPicPr>
-          <p:cNvPr id="6" name="movie.vid">
+          <p:cNvPr id="8" name="movie.vid">
             <a:hlinkClick r:id="" action="ppaction://media"/>
           </p:cNvPr>
           <p:cNvPicPr>
@@ -10855,14 +11664,14 @@
           <a:lstStyle/>
           <a:p>
             <a:r>
-              <a:t> Track 3</a:t>
+              <a:t> Track 5</a:t>
             </a:r>
           </a:p>
         </p:txBody>
       </p:sp>
       <p:pic>
         <p:nvPicPr>
-          <p:cNvPr id="7" name="movie.vid">
+          <p:cNvPr id="9" name="movie.vid">
             <a:hlinkClick r:id="" action="ppaction://media"/>
           </p:cNvPr>
           <p:cNvPicPr>
@@ -10914,14 +11723,14 @@
           <a:lstStyle/>
           <a:p>
             <a:r>
-              <a:t> Track 4</a:t>
+              <a:t> Track 6</a:t>
             </a:r>
           </a:p>
         </p:txBody>
       </p:sp>
       <p:pic>
         <p:nvPicPr>
-          <p:cNvPr id="8" name="movie.vid">
+          <p:cNvPr id="10" name="movie.vid">
             <a:hlinkClick r:id="" action="ppaction://media"/>
           </p:cNvPr>
           <p:cNvPicPr>
@@ -10944,7 +11753,7 @@
         </p:blipFill>
         <p:spPr>
           <a:xfrm>
-            <a:off x="8001000" y="5029200"/>
+            <a:off x="5943600" y="5029200"/>
             <a:ext cx="914400" cy="914400"/>
           </a:xfrm>
           <a:prstGeom prst="rect">
@@ -10964,7 +11773,7 @@
         </p:nvSpPr>
         <p:spPr>
           <a:xfrm>
-            <a:off x="8915400" y="5029200"/>
+            <a:off x="6858000" y="5029200"/>
             <a:ext cx="2834640" cy="914400"/>
           </a:xfrm>
         </p:spPr>
@@ -10973,7 +11782,184 @@
           <a:lstStyle/>
           <a:p>
             <a:r>
-              <a:t> Track 5</a:t>
+              <a:t> Track 7</a:t>
+            </a:r>
+          </a:p>
+        </p:txBody>
+      </p:sp>
+      <p:pic>
+        <p:nvPicPr>
+          <p:cNvPr id="11" name="movie.vid">
+            <a:hlinkClick r:id="" action="ppaction://media"/>
+          </p:cNvPr>
+          <p:cNvPicPr>
+            <a:picLocks noChangeAspect="1"/>
+          </p:cNvPicPr>
+          <p:nvPr>
+            <a:videoFile r:link="rId3"/>
+            <p:extLst>
+              <p:ext uri="{DAA4B4D4-6D71-4841-9C94-3DE7FCFB9230}">
+                <p14:media xmlns:p14="http://schemas.microsoft.com/office/powerpoint/2010/main" r:embed="rId2"/>
+              </p:ext>
+            </p:extLst>
+          </p:nvPr>
+        </p:nvPicPr>
+        <p:blipFill>
+          <a:blip r:embed="rId4"/>
+          <a:stretch>
+            <a:fillRect/>
+          </a:stretch>
+        </p:blipFill>
+        <p:spPr>
+          <a:xfrm>
+            <a:off x="10058400" y="5029200"/>
+            <a:ext cx="914400" cy="914400"/>
+          </a:xfrm>
+          <a:prstGeom prst="rect">
+            <a:avLst/>
+          </a:prstGeom>
+        </p:spPr>
+      </p:pic>
+      <p:sp>
+        <p:nvSpPr>
+          <p:cNvPr id="3" name="Content Placeholder 2"/>
+          <p:cNvSpPr>
+            <a:spLocks noGrp="1"/>
+          </p:cNvSpPr>
+          <p:nvPr>
+            <p:ph idx="10" sz="quarter"/>
+          </p:nvPr>
+        </p:nvSpPr>
+        <p:spPr>
+          <a:xfrm>
+            <a:off x="10972800" y="5029200"/>
+            <a:ext cx="2834640" cy="914400"/>
+          </a:xfrm>
+        </p:spPr>
+        <p:txBody>
+          <a:bodyPr/>
+          <a:lstStyle/>
+          <a:p>
+            <a:r>
+              <a:t> Track 8</a:t>
+            </a:r>
+          </a:p>
+        </p:txBody>
+      </p:sp>
+      <p:pic>
+        <p:nvPicPr>
+          <p:cNvPr id="12" name="movie.vid">
+            <a:hlinkClick r:id="" action="ppaction://media"/>
+          </p:cNvPr>
+          <p:cNvPicPr>
+            <a:picLocks noChangeAspect="1"/>
+          </p:cNvPicPr>
+          <p:nvPr>
+            <a:videoFile r:link="rId3"/>
+            <p:extLst>
+              <p:ext uri="{DAA4B4D4-6D71-4841-9C94-3DE7FCFB9230}">
+                <p14:media xmlns:p14="http://schemas.microsoft.com/office/powerpoint/2010/main" r:embed="rId2"/>
+              </p:ext>
+            </p:extLst>
+          </p:nvPr>
+        </p:nvPicPr>
+        <p:blipFill>
+          <a:blip r:embed="rId4"/>
+          <a:stretch>
+            <a:fillRect/>
+          </a:stretch>
+        </p:blipFill>
+        <p:spPr>
+          <a:xfrm>
+            <a:off x="5943600" y="6400800"/>
+            <a:ext cx="914400" cy="914400"/>
+          </a:xfrm>
+          <a:prstGeom prst="rect">
+            <a:avLst/>
+          </a:prstGeom>
+        </p:spPr>
+      </p:pic>
+      <p:sp>
+        <p:nvSpPr>
+          <p:cNvPr id="3" name="Content Placeholder 2"/>
+          <p:cNvSpPr>
+            <a:spLocks noGrp="1"/>
+          </p:cNvSpPr>
+          <p:nvPr>
+            <p:ph idx="10" sz="quarter"/>
+          </p:nvPr>
+        </p:nvSpPr>
+        <p:spPr>
+          <a:xfrm>
+            <a:off x="6858000" y="6400800"/>
+            <a:ext cx="2834640" cy="914400"/>
+          </a:xfrm>
+        </p:spPr>
+        <p:txBody>
+          <a:bodyPr/>
+          <a:lstStyle/>
+          <a:p>
+            <a:r>
+              <a:t> Track 9</a:t>
+            </a:r>
+          </a:p>
+        </p:txBody>
+      </p:sp>
+      <p:pic>
+        <p:nvPicPr>
+          <p:cNvPr id="13" name="movie.vid">
+            <a:hlinkClick r:id="" action="ppaction://media"/>
+          </p:cNvPr>
+          <p:cNvPicPr>
+            <a:picLocks noChangeAspect="1"/>
+          </p:cNvPicPr>
+          <p:nvPr>
+            <a:videoFile r:link="rId3"/>
+            <p:extLst>
+              <p:ext uri="{DAA4B4D4-6D71-4841-9C94-3DE7FCFB9230}">
+                <p14:media xmlns:p14="http://schemas.microsoft.com/office/powerpoint/2010/main" r:embed="rId2"/>
+              </p:ext>
+            </p:extLst>
+          </p:nvPr>
+        </p:nvPicPr>
+        <p:blipFill>
+          <a:blip r:embed="rId4"/>
+          <a:stretch>
+            <a:fillRect/>
+          </a:stretch>
+        </p:blipFill>
+        <p:spPr>
+          <a:xfrm>
+            <a:off x="10058400" y="6400800"/>
+            <a:ext cx="914400" cy="914400"/>
+          </a:xfrm>
+          <a:prstGeom prst="rect">
+            <a:avLst/>
+          </a:prstGeom>
+        </p:spPr>
+      </p:pic>
+      <p:sp>
+        <p:nvSpPr>
+          <p:cNvPr id="3" name="Content Placeholder 2"/>
+          <p:cNvSpPr>
+            <a:spLocks noGrp="1"/>
+          </p:cNvSpPr>
+          <p:nvPr>
+            <p:ph idx="10" sz="quarter"/>
+          </p:nvPr>
+        </p:nvSpPr>
+        <p:spPr>
+          <a:xfrm>
+            <a:off x="10972800" y="6400800"/>
+            <a:ext cx="2834640" cy="914400"/>
+          </a:xfrm>
+        </p:spPr>
+        <p:txBody>
+          <a:bodyPr/>
+          <a:lstStyle/>
+          <a:p>
+            <a:r>
+              <a:t> Track 10</a:t>
             </a:r>
           </a:p>
         </p:txBody>
@@ -11048,6 +12034,66 @@
                 </p:tgtEl>
               </p:cMediaNode>
             </p:video>
+            <p:video>
+              <p:cMediaNode vol="80000">
+                <p:cTn id="7" fill="hold" display="0">
+                  <p:stCondLst>
+                    <p:cond delay="indefinite"/>
+                  </p:stCondLst>
+                </p:cTn>
+                <p:tgtEl>
+                  <p:spTgt spid="9"/>
+                </p:tgtEl>
+              </p:cMediaNode>
+            </p:video>
+            <p:video>
+              <p:cMediaNode vol="80000">
+                <p:cTn id="8" fill="hold" display="0">
+                  <p:stCondLst>
+                    <p:cond delay="indefinite"/>
+                  </p:stCondLst>
+                </p:cTn>
+                <p:tgtEl>
+                  <p:spTgt spid="10"/>
+                </p:tgtEl>
+              </p:cMediaNode>
+            </p:video>
+            <p:video>
+              <p:cMediaNode vol="80000">
+                <p:cTn id="9" fill="hold" display="0">
+                  <p:stCondLst>
+                    <p:cond delay="indefinite"/>
+                  </p:stCondLst>
+                </p:cTn>
+                <p:tgtEl>
+                  <p:spTgt spid="11"/>
+                </p:tgtEl>
+              </p:cMediaNode>
+            </p:video>
+            <p:video>
+              <p:cMediaNode vol="80000">
+                <p:cTn id="10" fill="hold" display="0">
+                  <p:stCondLst>
+                    <p:cond delay="indefinite"/>
+                  </p:stCondLst>
+                </p:cTn>
+                <p:tgtEl>
+                  <p:spTgt spid="12"/>
+                </p:tgtEl>
+              </p:cMediaNode>
+            </p:video>
+            <p:video>
+              <p:cMediaNode vol="80000">
+                <p:cTn id="11" fill="hold" display="0">
+                  <p:stCondLst>
+                    <p:cond delay="indefinite"/>
+                  </p:stCondLst>
+                </p:cTn>
+                <p:tgtEl>
+                  <p:spTgt spid="13"/>
+                </p:tgtEl>
+              </p:cMediaNode>
+            </p:video>
           </p:childTnLst>
         </p:cTn>
       </p:par>
@@ -11056,7 +12102,7 @@
 </p:sld>
 </file>
 
-<file path=ppt/slides/slide26.xml><?xml version="1.0" encoding="utf-8"?>
+<file path=ppt/slides/slide28.xml><?xml version="1.0" encoding="utf-8"?>
 <p:sld xmlns:a="http://schemas.openxmlformats.org/drawingml/2006/main" xmlns:p="http://schemas.openxmlformats.org/presentationml/2006/main" xmlns:r="http://schemas.openxmlformats.org/officeDocument/2006/relationships">
   <p:cSld>
     <p:spTree>
@@ -11082,7 +12128,7 @@
           <a:lstStyle/>
           <a:p>
             <a:r>
-              <a:t>Round 3 Answers</a:t>
+              <a:t>Round 2 Answers</a:t>
             </a:r>
           </a:p>
         </p:txBody>
@@ -11174,6 +12220,120 @@
             <a:r>
               <a:rPr b="0" i="0"/>
               <a:t> – Mos Eisley Cantina</a:t>
+            </a:r>
+          </a:p>
+          <a:p>
+            <a:pPr/>
+            <a:r>
+              <a:rPr b="0" i="0"/>
+              <a:t>16 Super Mario Brothers: </a:t>
+            </a:r>
+            <a:r>
+              <a:rPr b="0" i="1"/>
+              <a:t>Super Mario Galaxy</a:t>
+            </a:r>
+            <a:r>
+              <a:rPr b="0" i="0"/>
+              <a:t> – Good Egg Galaxy</a:t>
+            </a:r>
+          </a:p>
+          <a:p>
+            <a:pPr/>
+            <a:r>
+              <a:rPr b="0" i="0"/>
+              <a:t>17 Deltarune: </a:t>
+            </a:r>
+            <a:r>
+              <a:rPr b="0" i="1"/>
+              <a:t>Deltarune</a:t>
+            </a:r>
+            <a:r>
+              <a:rPr b="0" i="0"/>
+              <a:t> – Field of Hopes and Dreams</a:t>
+            </a:r>
+          </a:p>
+          <a:p>
+            <a:pPr/>
+            <a:r>
+              <a:rPr b="0" i="0"/>
+              <a:t>18 Danganronpa: </a:t>
+            </a:r>
+            <a:r>
+              <a:rPr b="0" i="1"/>
+              <a:t>Danganronpa V3: Killing Harmony</a:t>
+            </a:r>
+            <a:r>
+              <a:rPr b="0" i="0"/>
+              <a:t> – Danganronpa V3 (Full Version)*</a:t>
+            </a:r>
+          </a:p>
+          <a:p>
+            <a:pPr/>
+            <a:r>
+              <a:rPr b="0" i="0"/>
+              <a:t>19 Genshin Impact: </a:t>
+            </a:r>
+            <a:r>
+              <a:rPr b="0" i="1"/>
+              <a:t>Genshin Impact</a:t>
+            </a:r>
+            <a:r>
+              <a:rPr b="0" i="0"/>
+              <a:t> – Photon of Fluctuation</a:t>
+            </a:r>
+          </a:p>
+          <a:p>
+            <a:pPr/>
+            <a:r>
+              <a:rPr b="0" i="0"/>
+              <a:t>20 Lego Star Wars: </a:t>
+            </a:r>
+            <a:r>
+              <a:rPr b="0" i="1"/>
+              <a:t>Lego Star Wars: The Complete Saga</a:t>
+            </a:r>
+            <a:r>
+              <a:rPr b="0" i="0"/>
+              <a:t> – Mos Eisley Cantina</a:t>
+            </a:r>
+          </a:p>
+        </p:txBody>
+      </p:sp>
+    </p:spTree>
+  </p:cSld>
+  <p:clrMapOvr>
+    <a:masterClrMapping/>
+  </p:clrMapOvr>
+</p:sld>
+</file>
+
+<file path=ppt/slides/slide29.xml><?xml version="1.0" encoding="utf-8"?>
+<p:sld xmlns:a="http://schemas.openxmlformats.org/drawingml/2006/main" xmlns:p="http://schemas.openxmlformats.org/presentationml/2006/main" xmlns:r="http://schemas.openxmlformats.org/officeDocument/2006/relationships">
+  <p:cSld>
+    <p:spTree>
+      <p:nvGrpSpPr>
+        <p:cNvPr id="1" name=""/>
+        <p:cNvGrpSpPr/>
+        <p:nvPr/>
+      </p:nvGrpSpPr>
+      <p:grpSpPr/>
+      <p:sp>
+        <p:nvSpPr>
+          <p:cNvPr id="2" name="Content Placeholder 1"/>
+          <p:cNvSpPr>
+            <a:spLocks noGrp="1"/>
+          </p:cNvSpPr>
+          <p:nvPr>
+            <p:ph idx="10" sz="quarter"/>
+          </p:nvPr>
+        </p:nvSpPr>
+        <p:spPr/>
+        <p:txBody>
+          <a:bodyPr/>
+          <a:lstStyle/>
+          <a:p>
+            <a:r>
+              <a:t>Round 3</a:t>
             </a:r>
           </a:p>
         </p:txBody>
@@ -11198,12 +12358,12 @@
       <p:grpSpPr/>
       <p:sp>
         <p:nvSpPr>
-          <p:cNvPr id="2" name="Title 1"/>
+          <p:cNvPr id="2" name="Content Placeholder 1"/>
           <p:cNvSpPr>
             <a:spLocks noGrp="1"/>
           </p:cNvSpPr>
           <p:nvPr>
-            <p:ph type="title"/>
+            <p:ph idx="10" sz="quarter"/>
           </p:nvPr>
         </p:nvSpPr>
         <p:spPr/>
@@ -11225,7 +12385,7 @@
 </p:sld>
 </file>
 
-<file path=ppt/slides/slide4.xml><?xml version="1.0" encoding="utf-8"?>
+<file path=ppt/slides/slide30.xml><?xml version="1.0" encoding="utf-8"?>
 <p:sld xmlns:a="http://schemas.openxmlformats.org/drawingml/2006/main" xmlns:p="http://schemas.openxmlformats.org/presentationml/2006/main" xmlns:r="http://schemas.openxmlformats.org/officeDocument/2006/relationships">
   <p:cSld>
     <p:spTree>
@@ -11319,7 +12479,7 @@
 </p:sld>
 </file>
 
-<file path=ppt/slides/slide5.xml><?xml version="1.0" encoding="utf-8"?>
+<file path=ppt/slides/slide31.xml><?xml version="1.0" encoding="utf-8"?>
 <p:sld xmlns:a="http://schemas.openxmlformats.org/drawingml/2006/main" xmlns:p="http://schemas.openxmlformats.org/presentationml/2006/main" xmlns:r="http://schemas.openxmlformats.org/officeDocument/2006/relationships">
   <p:cSld>
     <p:spTree>
@@ -11413,7 +12573,7 @@
 </p:sld>
 </file>
 
-<file path=ppt/slides/slide6.xml><?xml version="1.0" encoding="utf-8"?>
+<file path=ppt/slides/slide32.xml><?xml version="1.0" encoding="utf-8"?>
 <p:sld xmlns:a="http://schemas.openxmlformats.org/drawingml/2006/main" xmlns:p="http://schemas.openxmlformats.org/presentationml/2006/main" xmlns:r="http://schemas.openxmlformats.org/officeDocument/2006/relationships">
   <p:cSld>
     <p:spTree>
@@ -11507,7 +12667,7 @@
 </p:sld>
 </file>
 
-<file path=ppt/slides/slide7.xml><?xml version="1.0" encoding="utf-8"?>
+<file path=ppt/slides/slide33.xml><?xml version="1.0" encoding="utf-8"?>
 <p:sld xmlns:a="http://schemas.openxmlformats.org/drawingml/2006/main" xmlns:p="http://schemas.openxmlformats.org/presentationml/2006/main" xmlns:r="http://schemas.openxmlformats.org/officeDocument/2006/relationships">
   <p:cSld>
     <p:spTree>
@@ -11601,7 +12761,7 @@
 </p:sld>
 </file>
 
-<file path=ppt/slides/slide8.xml><?xml version="1.0" encoding="utf-8"?>
+<file path=ppt/slides/slide34.xml><?xml version="1.0" encoding="utf-8"?>
 <p:sld xmlns:a="http://schemas.openxmlformats.org/drawingml/2006/main" xmlns:p="http://schemas.openxmlformats.org/presentationml/2006/main" xmlns:r="http://schemas.openxmlformats.org/officeDocument/2006/relationships">
   <p:cSld>
     <p:spTree>
@@ -11695,7 +12855,7 @@
 </p:sld>
 </file>
 
-<file path=ppt/slides/slide9.xml><?xml version="1.0" encoding="utf-8"?>
+<file path=ppt/slides/slide35.xml><?xml version="1.0" encoding="utf-8"?>
 <p:sld xmlns:a="http://schemas.openxmlformats.org/drawingml/2006/main" xmlns:p="http://schemas.openxmlformats.org/presentationml/2006/main" xmlns:r="http://schemas.openxmlformats.org/officeDocument/2006/relationships">
   <p:cSld>
     <p:spTree>
@@ -11721,7 +12881,571 @@
           <a:lstStyle/>
           <a:p>
             <a:r>
-              <a:t>Round 1 Review</a:t>
+              <a:t>Track 6</a:t>
+            </a:r>
+          </a:p>
+        </p:txBody>
+      </p:sp>
+      <p:pic>
+        <p:nvPicPr>
+          <p:cNvPr id="3" name="movie.vid">
+            <a:hlinkClick r:id="" action="ppaction://media"/>
+          </p:cNvPr>
+          <p:cNvPicPr>
+            <a:picLocks noChangeAspect="1"/>
+          </p:cNvPicPr>
+          <p:nvPr>
+            <a:videoFile r:link="rId3"/>
+            <p:extLst>
+              <p:ext uri="{DAA4B4D4-6D71-4841-9C94-3DE7FCFB9230}">
+                <p14:media xmlns:p14="http://schemas.microsoft.com/office/powerpoint/2010/main" r:embed="rId2"/>
+              </p:ext>
+            </p:extLst>
+          </p:nvPr>
+        </p:nvPicPr>
+        <p:blipFill>
+          <a:blip r:embed="rId4"/>
+          <a:stretch>
+            <a:fillRect/>
+          </a:stretch>
+        </p:blipFill>
+        <p:spPr>
+          <a:xfrm>
+            <a:off x="7315200" y="1371600"/>
+            <a:ext cx="5486400" cy="5486400"/>
+          </a:xfrm>
+          <a:prstGeom prst="rect">
+            <a:avLst/>
+          </a:prstGeom>
+        </p:spPr>
+      </p:pic>
+    </p:spTree>
+  </p:cSld>
+  <p:clrMapOvr>
+    <a:masterClrMapping/>
+  </p:clrMapOvr>
+  <p:timing>
+    <p:tnLst>
+      <p:par>
+        <p:cTn id="1" dur="indefinite" restart="never" nodeType="tmRoot">
+          <p:childTnLst>
+            <p:video>
+              <p:cMediaNode vol="80000">
+                <p:cTn id="2" fill="hold" display="0">
+                  <p:stCondLst>
+                    <p:cond delay="indefinite"/>
+                  </p:stCondLst>
+                </p:cTn>
+                <p:tgtEl>
+                  <p:spTgt spid="3"/>
+                </p:tgtEl>
+              </p:cMediaNode>
+            </p:video>
+          </p:childTnLst>
+        </p:cTn>
+      </p:par>
+    </p:tnLst>
+  </p:timing>
+</p:sld>
+</file>
+
+<file path=ppt/slides/slide36.xml><?xml version="1.0" encoding="utf-8"?>
+<p:sld xmlns:a="http://schemas.openxmlformats.org/drawingml/2006/main" xmlns:p="http://schemas.openxmlformats.org/presentationml/2006/main" xmlns:r="http://schemas.openxmlformats.org/officeDocument/2006/relationships">
+  <p:cSld>
+    <p:spTree>
+      <p:nvGrpSpPr>
+        <p:cNvPr id="1" name=""/>
+        <p:cNvGrpSpPr/>
+        <p:nvPr/>
+      </p:nvGrpSpPr>
+      <p:grpSpPr/>
+      <p:sp>
+        <p:nvSpPr>
+          <p:cNvPr id="2" name="Title 1"/>
+          <p:cNvSpPr>
+            <a:spLocks noGrp="1"/>
+          </p:cNvSpPr>
+          <p:nvPr>
+            <p:ph type="title"/>
+          </p:nvPr>
+        </p:nvSpPr>
+        <p:spPr/>
+        <p:txBody>
+          <a:bodyPr/>
+          <a:lstStyle/>
+          <a:p>
+            <a:r>
+              <a:t>Track 7</a:t>
+            </a:r>
+          </a:p>
+        </p:txBody>
+      </p:sp>
+      <p:pic>
+        <p:nvPicPr>
+          <p:cNvPr id="3" name="movie.vid">
+            <a:hlinkClick r:id="" action="ppaction://media"/>
+          </p:cNvPr>
+          <p:cNvPicPr>
+            <a:picLocks noChangeAspect="1"/>
+          </p:cNvPicPr>
+          <p:nvPr>
+            <a:videoFile r:link="rId3"/>
+            <p:extLst>
+              <p:ext uri="{DAA4B4D4-6D71-4841-9C94-3DE7FCFB9230}">
+                <p14:media xmlns:p14="http://schemas.microsoft.com/office/powerpoint/2010/main" r:embed="rId2"/>
+              </p:ext>
+            </p:extLst>
+          </p:nvPr>
+        </p:nvPicPr>
+        <p:blipFill>
+          <a:blip r:embed="rId4"/>
+          <a:stretch>
+            <a:fillRect/>
+          </a:stretch>
+        </p:blipFill>
+        <p:spPr>
+          <a:xfrm>
+            <a:off x="7315200" y="1371600"/>
+            <a:ext cx="5486400" cy="5486400"/>
+          </a:xfrm>
+          <a:prstGeom prst="rect">
+            <a:avLst/>
+          </a:prstGeom>
+        </p:spPr>
+      </p:pic>
+    </p:spTree>
+  </p:cSld>
+  <p:clrMapOvr>
+    <a:masterClrMapping/>
+  </p:clrMapOvr>
+  <p:timing>
+    <p:tnLst>
+      <p:par>
+        <p:cTn id="1" dur="indefinite" restart="never" nodeType="tmRoot">
+          <p:childTnLst>
+            <p:video>
+              <p:cMediaNode vol="80000">
+                <p:cTn id="2" fill="hold" display="0">
+                  <p:stCondLst>
+                    <p:cond delay="indefinite"/>
+                  </p:stCondLst>
+                </p:cTn>
+                <p:tgtEl>
+                  <p:spTgt spid="3"/>
+                </p:tgtEl>
+              </p:cMediaNode>
+            </p:video>
+          </p:childTnLst>
+        </p:cTn>
+      </p:par>
+    </p:tnLst>
+  </p:timing>
+</p:sld>
+</file>
+
+<file path=ppt/slides/slide37.xml><?xml version="1.0" encoding="utf-8"?>
+<p:sld xmlns:a="http://schemas.openxmlformats.org/drawingml/2006/main" xmlns:p="http://schemas.openxmlformats.org/presentationml/2006/main" xmlns:r="http://schemas.openxmlformats.org/officeDocument/2006/relationships">
+  <p:cSld>
+    <p:spTree>
+      <p:nvGrpSpPr>
+        <p:cNvPr id="1" name=""/>
+        <p:cNvGrpSpPr/>
+        <p:nvPr/>
+      </p:nvGrpSpPr>
+      <p:grpSpPr/>
+      <p:sp>
+        <p:nvSpPr>
+          <p:cNvPr id="2" name="Title 1"/>
+          <p:cNvSpPr>
+            <a:spLocks noGrp="1"/>
+          </p:cNvSpPr>
+          <p:nvPr>
+            <p:ph type="title"/>
+          </p:nvPr>
+        </p:nvSpPr>
+        <p:spPr/>
+        <p:txBody>
+          <a:bodyPr/>
+          <a:lstStyle/>
+          <a:p>
+            <a:r>
+              <a:t>Track 8</a:t>
+            </a:r>
+          </a:p>
+        </p:txBody>
+      </p:sp>
+      <p:pic>
+        <p:nvPicPr>
+          <p:cNvPr id="3" name="movie.vid">
+            <a:hlinkClick r:id="" action="ppaction://media"/>
+          </p:cNvPr>
+          <p:cNvPicPr>
+            <a:picLocks noChangeAspect="1"/>
+          </p:cNvPicPr>
+          <p:nvPr>
+            <a:videoFile r:link="rId3"/>
+            <p:extLst>
+              <p:ext uri="{DAA4B4D4-6D71-4841-9C94-3DE7FCFB9230}">
+                <p14:media xmlns:p14="http://schemas.microsoft.com/office/powerpoint/2010/main" r:embed="rId2"/>
+              </p:ext>
+            </p:extLst>
+          </p:nvPr>
+        </p:nvPicPr>
+        <p:blipFill>
+          <a:blip r:embed="rId4"/>
+          <a:stretch>
+            <a:fillRect/>
+          </a:stretch>
+        </p:blipFill>
+        <p:spPr>
+          <a:xfrm>
+            <a:off x="7315200" y="1371600"/>
+            <a:ext cx="5486400" cy="5486400"/>
+          </a:xfrm>
+          <a:prstGeom prst="rect">
+            <a:avLst/>
+          </a:prstGeom>
+        </p:spPr>
+      </p:pic>
+    </p:spTree>
+  </p:cSld>
+  <p:clrMapOvr>
+    <a:masterClrMapping/>
+  </p:clrMapOvr>
+  <p:timing>
+    <p:tnLst>
+      <p:par>
+        <p:cTn id="1" dur="indefinite" restart="never" nodeType="tmRoot">
+          <p:childTnLst>
+            <p:video>
+              <p:cMediaNode vol="80000">
+                <p:cTn id="2" fill="hold" display="0">
+                  <p:stCondLst>
+                    <p:cond delay="indefinite"/>
+                  </p:stCondLst>
+                </p:cTn>
+                <p:tgtEl>
+                  <p:spTgt spid="3"/>
+                </p:tgtEl>
+              </p:cMediaNode>
+            </p:video>
+          </p:childTnLst>
+        </p:cTn>
+      </p:par>
+    </p:tnLst>
+  </p:timing>
+</p:sld>
+</file>
+
+<file path=ppt/slides/slide38.xml><?xml version="1.0" encoding="utf-8"?>
+<p:sld xmlns:a="http://schemas.openxmlformats.org/drawingml/2006/main" xmlns:p="http://schemas.openxmlformats.org/presentationml/2006/main" xmlns:r="http://schemas.openxmlformats.org/officeDocument/2006/relationships">
+  <p:cSld>
+    <p:spTree>
+      <p:nvGrpSpPr>
+        <p:cNvPr id="1" name=""/>
+        <p:cNvGrpSpPr/>
+        <p:nvPr/>
+      </p:nvGrpSpPr>
+      <p:grpSpPr/>
+      <p:sp>
+        <p:nvSpPr>
+          <p:cNvPr id="2" name="Title 1"/>
+          <p:cNvSpPr>
+            <a:spLocks noGrp="1"/>
+          </p:cNvSpPr>
+          <p:nvPr>
+            <p:ph type="title"/>
+          </p:nvPr>
+        </p:nvSpPr>
+        <p:spPr/>
+        <p:txBody>
+          <a:bodyPr/>
+          <a:lstStyle/>
+          <a:p>
+            <a:r>
+              <a:t>Track 9</a:t>
+            </a:r>
+          </a:p>
+        </p:txBody>
+      </p:sp>
+      <p:pic>
+        <p:nvPicPr>
+          <p:cNvPr id="3" name="movie.vid">
+            <a:hlinkClick r:id="" action="ppaction://media"/>
+          </p:cNvPr>
+          <p:cNvPicPr>
+            <a:picLocks noChangeAspect="1"/>
+          </p:cNvPicPr>
+          <p:nvPr>
+            <a:videoFile r:link="rId3"/>
+            <p:extLst>
+              <p:ext uri="{DAA4B4D4-6D71-4841-9C94-3DE7FCFB9230}">
+                <p14:media xmlns:p14="http://schemas.microsoft.com/office/powerpoint/2010/main" r:embed="rId2"/>
+              </p:ext>
+            </p:extLst>
+          </p:nvPr>
+        </p:nvPicPr>
+        <p:blipFill>
+          <a:blip r:embed="rId4"/>
+          <a:stretch>
+            <a:fillRect/>
+          </a:stretch>
+        </p:blipFill>
+        <p:spPr>
+          <a:xfrm>
+            <a:off x="7315200" y="1371600"/>
+            <a:ext cx="5486400" cy="5486400"/>
+          </a:xfrm>
+          <a:prstGeom prst="rect">
+            <a:avLst/>
+          </a:prstGeom>
+        </p:spPr>
+      </p:pic>
+    </p:spTree>
+  </p:cSld>
+  <p:clrMapOvr>
+    <a:masterClrMapping/>
+  </p:clrMapOvr>
+  <p:timing>
+    <p:tnLst>
+      <p:par>
+        <p:cTn id="1" dur="indefinite" restart="never" nodeType="tmRoot">
+          <p:childTnLst>
+            <p:video>
+              <p:cMediaNode vol="80000">
+                <p:cTn id="2" fill="hold" display="0">
+                  <p:stCondLst>
+                    <p:cond delay="indefinite"/>
+                  </p:stCondLst>
+                </p:cTn>
+                <p:tgtEl>
+                  <p:spTgt spid="3"/>
+                </p:tgtEl>
+              </p:cMediaNode>
+            </p:video>
+          </p:childTnLst>
+        </p:cTn>
+      </p:par>
+    </p:tnLst>
+  </p:timing>
+</p:sld>
+</file>
+
+<file path=ppt/slides/slide39.xml><?xml version="1.0" encoding="utf-8"?>
+<p:sld xmlns:a="http://schemas.openxmlformats.org/drawingml/2006/main" xmlns:p="http://schemas.openxmlformats.org/presentationml/2006/main" xmlns:r="http://schemas.openxmlformats.org/officeDocument/2006/relationships">
+  <p:cSld>
+    <p:spTree>
+      <p:nvGrpSpPr>
+        <p:cNvPr id="1" name=""/>
+        <p:cNvGrpSpPr/>
+        <p:nvPr/>
+      </p:nvGrpSpPr>
+      <p:grpSpPr/>
+      <p:sp>
+        <p:nvSpPr>
+          <p:cNvPr id="2" name="Title 1"/>
+          <p:cNvSpPr>
+            <a:spLocks noGrp="1"/>
+          </p:cNvSpPr>
+          <p:nvPr>
+            <p:ph type="title"/>
+          </p:nvPr>
+        </p:nvSpPr>
+        <p:spPr/>
+        <p:txBody>
+          <a:bodyPr/>
+          <a:lstStyle/>
+          <a:p>
+            <a:r>
+              <a:t>Track 10</a:t>
+            </a:r>
+          </a:p>
+        </p:txBody>
+      </p:sp>
+      <p:pic>
+        <p:nvPicPr>
+          <p:cNvPr id="3" name="movie.vid">
+            <a:hlinkClick r:id="" action="ppaction://media"/>
+          </p:cNvPr>
+          <p:cNvPicPr>
+            <a:picLocks noChangeAspect="1"/>
+          </p:cNvPicPr>
+          <p:nvPr>
+            <a:videoFile r:link="rId3"/>
+            <p:extLst>
+              <p:ext uri="{DAA4B4D4-6D71-4841-9C94-3DE7FCFB9230}">
+                <p14:media xmlns:p14="http://schemas.microsoft.com/office/powerpoint/2010/main" r:embed="rId2"/>
+              </p:ext>
+            </p:extLst>
+          </p:nvPr>
+        </p:nvPicPr>
+        <p:blipFill>
+          <a:blip r:embed="rId4"/>
+          <a:stretch>
+            <a:fillRect/>
+          </a:stretch>
+        </p:blipFill>
+        <p:spPr>
+          <a:xfrm>
+            <a:off x="7315200" y="1371600"/>
+            <a:ext cx="5486400" cy="5486400"/>
+          </a:xfrm>
+          <a:prstGeom prst="rect">
+            <a:avLst/>
+          </a:prstGeom>
+        </p:spPr>
+      </p:pic>
+    </p:spTree>
+  </p:cSld>
+  <p:clrMapOvr>
+    <a:masterClrMapping/>
+  </p:clrMapOvr>
+  <p:timing>
+    <p:tnLst>
+      <p:par>
+        <p:cTn id="1" dur="indefinite" restart="never" nodeType="tmRoot">
+          <p:childTnLst>
+            <p:video>
+              <p:cMediaNode vol="80000">
+                <p:cTn id="2" fill="hold" display="0">
+                  <p:stCondLst>
+                    <p:cond delay="indefinite"/>
+                  </p:stCondLst>
+                </p:cTn>
+                <p:tgtEl>
+                  <p:spTgt spid="3"/>
+                </p:tgtEl>
+              </p:cMediaNode>
+            </p:video>
+          </p:childTnLst>
+        </p:cTn>
+      </p:par>
+    </p:tnLst>
+  </p:timing>
+</p:sld>
+</file>
+
+<file path=ppt/slides/slide4.xml><?xml version="1.0" encoding="utf-8"?>
+<p:sld xmlns:a="http://schemas.openxmlformats.org/drawingml/2006/main" xmlns:p="http://schemas.openxmlformats.org/presentationml/2006/main" xmlns:r="http://schemas.openxmlformats.org/officeDocument/2006/relationships">
+  <p:cSld>
+    <p:spTree>
+      <p:nvGrpSpPr>
+        <p:cNvPr id="1" name=""/>
+        <p:cNvGrpSpPr/>
+        <p:nvPr/>
+      </p:nvGrpSpPr>
+      <p:grpSpPr/>
+      <p:sp>
+        <p:nvSpPr>
+          <p:cNvPr id="2" name="Title 1"/>
+          <p:cNvSpPr>
+            <a:spLocks noGrp="1"/>
+          </p:cNvSpPr>
+          <p:nvPr>
+            <p:ph type="title"/>
+          </p:nvPr>
+        </p:nvSpPr>
+        <p:spPr/>
+        <p:txBody>
+          <a:bodyPr/>
+          <a:lstStyle/>
+          <a:p>
+            <a:r>
+              <a:t>Track 1</a:t>
+            </a:r>
+          </a:p>
+        </p:txBody>
+      </p:sp>
+      <p:pic>
+        <p:nvPicPr>
+          <p:cNvPr id="3" name="movie.vid">
+            <a:hlinkClick r:id="" action="ppaction://media"/>
+          </p:cNvPr>
+          <p:cNvPicPr>
+            <a:picLocks noChangeAspect="1"/>
+          </p:cNvPicPr>
+          <p:nvPr>
+            <a:videoFile r:link="rId3"/>
+            <p:extLst>
+              <p:ext uri="{DAA4B4D4-6D71-4841-9C94-3DE7FCFB9230}">
+                <p14:media xmlns:p14="http://schemas.microsoft.com/office/powerpoint/2010/main" r:embed="rId2"/>
+              </p:ext>
+            </p:extLst>
+          </p:nvPr>
+        </p:nvPicPr>
+        <p:blipFill>
+          <a:blip r:embed="rId4"/>
+          <a:stretch>
+            <a:fillRect/>
+          </a:stretch>
+        </p:blipFill>
+        <p:spPr>
+          <a:xfrm>
+            <a:off x="7315200" y="1371600"/>
+            <a:ext cx="5486400" cy="5486400"/>
+          </a:xfrm>
+          <a:prstGeom prst="rect">
+            <a:avLst/>
+          </a:prstGeom>
+        </p:spPr>
+      </p:pic>
+    </p:spTree>
+  </p:cSld>
+  <p:clrMapOvr>
+    <a:masterClrMapping/>
+  </p:clrMapOvr>
+  <p:timing>
+    <p:tnLst>
+      <p:par>
+        <p:cTn id="1" dur="indefinite" restart="never" nodeType="tmRoot">
+          <p:childTnLst>
+            <p:video>
+              <p:cMediaNode vol="80000">
+                <p:cTn id="2" fill="hold" display="0">
+                  <p:stCondLst>
+                    <p:cond delay="indefinite"/>
+                  </p:stCondLst>
+                </p:cTn>
+                <p:tgtEl>
+                  <p:spTgt spid="3"/>
+                </p:tgtEl>
+              </p:cMediaNode>
+            </p:video>
+          </p:childTnLst>
+        </p:cTn>
+      </p:par>
+    </p:tnLst>
+  </p:timing>
+</p:sld>
+</file>
+
+<file path=ppt/slides/slide40.xml><?xml version="1.0" encoding="utf-8"?>
+<p:sld xmlns:a="http://schemas.openxmlformats.org/drawingml/2006/main" xmlns:p="http://schemas.openxmlformats.org/presentationml/2006/main" xmlns:r="http://schemas.openxmlformats.org/officeDocument/2006/relationships">
+  <p:cSld>
+    <p:spTree>
+      <p:nvGrpSpPr>
+        <p:cNvPr id="1" name=""/>
+        <p:cNvGrpSpPr/>
+        <p:nvPr/>
+      </p:nvGrpSpPr>
+      <p:grpSpPr/>
+      <p:sp>
+        <p:nvSpPr>
+          <p:cNvPr id="2" name="Title 1"/>
+          <p:cNvSpPr>
+            <a:spLocks noGrp="1"/>
+          </p:cNvSpPr>
+          <p:nvPr>
+            <p:ph type="title"/>
+          </p:nvPr>
+        </p:nvSpPr>
+        <p:spPr/>
+        <p:txBody>
+          <a:bodyPr/>
+          <a:lstStyle/>
+          <a:p>
+            <a:r>
+              <a:t>Round 3 Review</a:t>
             </a:r>
           </a:p>
         </p:txBody>
@@ -11729,6 +13453,124 @@
       <p:pic>
         <p:nvPicPr>
           <p:cNvPr id="4" name="movie.vid">
+            <a:hlinkClick r:id="" action="ppaction://media"/>
+          </p:cNvPr>
+          <p:cNvPicPr>
+            <a:picLocks noChangeAspect="1"/>
+          </p:cNvPicPr>
+          <p:nvPr>
+            <a:videoFile r:link="rId3"/>
+            <p:extLst>
+              <p:ext uri="{DAA4B4D4-6D71-4841-9C94-3DE7FCFB9230}">
+                <p14:media xmlns:p14="http://schemas.microsoft.com/office/powerpoint/2010/main" r:embed="rId2"/>
+              </p:ext>
+            </p:extLst>
+          </p:nvPr>
+        </p:nvPicPr>
+        <p:blipFill>
+          <a:blip r:embed="rId4"/>
+          <a:stretch>
+            <a:fillRect/>
+          </a:stretch>
+        </p:blipFill>
+        <p:spPr>
+          <a:xfrm>
+            <a:off x="5943600" y="914400"/>
+            <a:ext cx="914400" cy="914400"/>
+          </a:xfrm>
+          <a:prstGeom prst="rect">
+            <a:avLst/>
+          </a:prstGeom>
+        </p:spPr>
+      </p:pic>
+      <p:sp>
+        <p:nvSpPr>
+          <p:cNvPr id="3" name="Content Placeholder 2"/>
+          <p:cNvSpPr>
+            <a:spLocks noGrp="1"/>
+          </p:cNvSpPr>
+          <p:nvPr>
+            <p:ph idx="10" sz="quarter"/>
+          </p:nvPr>
+        </p:nvSpPr>
+        <p:spPr>
+          <a:xfrm>
+            <a:off x="6858000" y="914400"/>
+            <a:ext cx="2834640" cy="914400"/>
+          </a:xfrm>
+        </p:spPr>
+        <p:txBody>
+          <a:bodyPr/>
+          <a:lstStyle/>
+          <a:p>
+            <a:r>
+              <a:t> Track 1</a:t>
+            </a:r>
+          </a:p>
+        </p:txBody>
+      </p:sp>
+      <p:pic>
+        <p:nvPicPr>
+          <p:cNvPr id="5" name="movie.vid">
+            <a:hlinkClick r:id="" action="ppaction://media"/>
+          </p:cNvPr>
+          <p:cNvPicPr>
+            <a:picLocks noChangeAspect="1"/>
+          </p:cNvPicPr>
+          <p:nvPr>
+            <a:videoFile r:link="rId3"/>
+            <p:extLst>
+              <p:ext uri="{DAA4B4D4-6D71-4841-9C94-3DE7FCFB9230}">
+                <p14:media xmlns:p14="http://schemas.microsoft.com/office/powerpoint/2010/main" r:embed="rId2"/>
+              </p:ext>
+            </p:extLst>
+          </p:nvPr>
+        </p:nvPicPr>
+        <p:blipFill>
+          <a:blip r:embed="rId4"/>
+          <a:stretch>
+            <a:fillRect/>
+          </a:stretch>
+        </p:blipFill>
+        <p:spPr>
+          <a:xfrm>
+            <a:off x="10058400" y="914400"/>
+            <a:ext cx="914400" cy="914400"/>
+          </a:xfrm>
+          <a:prstGeom prst="rect">
+            <a:avLst/>
+          </a:prstGeom>
+        </p:spPr>
+      </p:pic>
+      <p:sp>
+        <p:nvSpPr>
+          <p:cNvPr id="3" name="Content Placeholder 2"/>
+          <p:cNvSpPr>
+            <a:spLocks noGrp="1"/>
+          </p:cNvSpPr>
+          <p:nvPr>
+            <p:ph idx="10" sz="quarter"/>
+          </p:nvPr>
+        </p:nvSpPr>
+        <p:spPr>
+          <a:xfrm>
+            <a:off x="10972800" y="914400"/>
+            <a:ext cx="2834640" cy="914400"/>
+          </a:xfrm>
+        </p:spPr>
+        <p:txBody>
+          <a:bodyPr/>
+          <a:lstStyle/>
+          <a:p>
+            <a:r>
+              <a:t> Track 2</a:t>
+            </a:r>
+          </a:p>
+        </p:txBody>
+      </p:sp>
+      <p:pic>
+        <p:nvPicPr>
+          <p:cNvPr id="6" name="movie.vid">
             <a:hlinkClick r:id="" action="ppaction://media"/>
           </p:cNvPr>
           <p:cNvPicPr>
@@ -11780,14 +13622,14 @@
           <a:lstStyle/>
           <a:p>
             <a:r>
-              <a:t> Track 1</a:t>
+              <a:t> Track 3</a:t>
             </a:r>
           </a:p>
         </p:txBody>
       </p:sp>
       <p:pic>
         <p:nvPicPr>
-          <p:cNvPr id="5" name="movie.vid">
+          <p:cNvPr id="7" name="movie.vid">
             <a:hlinkClick r:id="" action="ppaction://media"/>
           </p:cNvPr>
           <p:cNvPicPr>
@@ -11839,14 +13681,14 @@
           <a:lstStyle/>
           <a:p>
             <a:r>
-              <a:t> Track 2</a:t>
+              <a:t> Track 4</a:t>
             </a:r>
           </a:p>
         </p:txBody>
       </p:sp>
       <p:pic>
         <p:nvPicPr>
-          <p:cNvPr id="6" name="movie.vid">
+          <p:cNvPr id="8" name="movie.vid">
             <a:hlinkClick r:id="" action="ppaction://media"/>
           </p:cNvPr>
           <p:cNvPicPr>
@@ -11898,14 +13740,14 @@
           <a:lstStyle/>
           <a:p>
             <a:r>
-              <a:t> Track 3</a:t>
+              <a:t> Track 5</a:t>
             </a:r>
           </a:p>
         </p:txBody>
       </p:sp>
       <p:pic>
         <p:nvPicPr>
-          <p:cNvPr id="7" name="movie.vid">
+          <p:cNvPr id="9" name="movie.vid">
             <a:hlinkClick r:id="" action="ppaction://media"/>
           </p:cNvPr>
           <p:cNvPicPr>
@@ -11957,14 +13799,14 @@
           <a:lstStyle/>
           <a:p>
             <a:r>
-              <a:t> Track 4</a:t>
+              <a:t> Track 6</a:t>
             </a:r>
           </a:p>
         </p:txBody>
       </p:sp>
       <p:pic>
         <p:nvPicPr>
-          <p:cNvPr id="8" name="movie.vid">
+          <p:cNvPr id="10" name="movie.vid">
             <a:hlinkClick r:id="" action="ppaction://media"/>
           </p:cNvPr>
           <p:cNvPicPr>
@@ -11987,7 +13829,7 @@
         </p:blipFill>
         <p:spPr>
           <a:xfrm>
-            <a:off x="8001000" y="5029200"/>
+            <a:off x="5943600" y="5029200"/>
             <a:ext cx="914400" cy="914400"/>
           </a:xfrm>
           <a:prstGeom prst="rect">
@@ -12007,7 +13849,7 @@
         </p:nvSpPr>
         <p:spPr>
           <a:xfrm>
-            <a:off x="8915400" y="5029200"/>
+            <a:off x="6858000" y="5029200"/>
             <a:ext cx="2834640" cy="914400"/>
           </a:xfrm>
         </p:spPr>
@@ -12016,7 +13858,184 @@
           <a:lstStyle/>
           <a:p>
             <a:r>
-              <a:t> Track 5</a:t>
+              <a:t> Track 7</a:t>
+            </a:r>
+          </a:p>
+        </p:txBody>
+      </p:sp>
+      <p:pic>
+        <p:nvPicPr>
+          <p:cNvPr id="11" name="movie.vid">
+            <a:hlinkClick r:id="" action="ppaction://media"/>
+          </p:cNvPr>
+          <p:cNvPicPr>
+            <a:picLocks noChangeAspect="1"/>
+          </p:cNvPicPr>
+          <p:nvPr>
+            <a:videoFile r:link="rId3"/>
+            <p:extLst>
+              <p:ext uri="{DAA4B4D4-6D71-4841-9C94-3DE7FCFB9230}">
+                <p14:media xmlns:p14="http://schemas.microsoft.com/office/powerpoint/2010/main" r:embed="rId2"/>
+              </p:ext>
+            </p:extLst>
+          </p:nvPr>
+        </p:nvPicPr>
+        <p:blipFill>
+          <a:blip r:embed="rId4"/>
+          <a:stretch>
+            <a:fillRect/>
+          </a:stretch>
+        </p:blipFill>
+        <p:spPr>
+          <a:xfrm>
+            <a:off x="10058400" y="5029200"/>
+            <a:ext cx="914400" cy="914400"/>
+          </a:xfrm>
+          <a:prstGeom prst="rect">
+            <a:avLst/>
+          </a:prstGeom>
+        </p:spPr>
+      </p:pic>
+      <p:sp>
+        <p:nvSpPr>
+          <p:cNvPr id="3" name="Content Placeholder 2"/>
+          <p:cNvSpPr>
+            <a:spLocks noGrp="1"/>
+          </p:cNvSpPr>
+          <p:nvPr>
+            <p:ph idx="10" sz="quarter"/>
+          </p:nvPr>
+        </p:nvSpPr>
+        <p:spPr>
+          <a:xfrm>
+            <a:off x="10972800" y="5029200"/>
+            <a:ext cx="2834640" cy="914400"/>
+          </a:xfrm>
+        </p:spPr>
+        <p:txBody>
+          <a:bodyPr/>
+          <a:lstStyle/>
+          <a:p>
+            <a:r>
+              <a:t> Track 8</a:t>
+            </a:r>
+          </a:p>
+        </p:txBody>
+      </p:sp>
+      <p:pic>
+        <p:nvPicPr>
+          <p:cNvPr id="12" name="movie.vid">
+            <a:hlinkClick r:id="" action="ppaction://media"/>
+          </p:cNvPr>
+          <p:cNvPicPr>
+            <a:picLocks noChangeAspect="1"/>
+          </p:cNvPicPr>
+          <p:nvPr>
+            <a:videoFile r:link="rId3"/>
+            <p:extLst>
+              <p:ext uri="{DAA4B4D4-6D71-4841-9C94-3DE7FCFB9230}">
+                <p14:media xmlns:p14="http://schemas.microsoft.com/office/powerpoint/2010/main" r:embed="rId2"/>
+              </p:ext>
+            </p:extLst>
+          </p:nvPr>
+        </p:nvPicPr>
+        <p:blipFill>
+          <a:blip r:embed="rId4"/>
+          <a:stretch>
+            <a:fillRect/>
+          </a:stretch>
+        </p:blipFill>
+        <p:spPr>
+          <a:xfrm>
+            <a:off x="5943600" y="6400800"/>
+            <a:ext cx="914400" cy="914400"/>
+          </a:xfrm>
+          <a:prstGeom prst="rect">
+            <a:avLst/>
+          </a:prstGeom>
+        </p:spPr>
+      </p:pic>
+      <p:sp>
+        <p:nvSpPr>
+          <p:cNvPr id="3" name="Content Placeholder 2"/>
+          <p:cNvSpPr>
+            <a:spLocks noGrp="1"/>
+          </p:cNvSpPr>
+          <p:nvPr>
+            <p:ph idx="10" sz="quarter"/>
+          </p:nvPr>
+        </p:nvSpPr>
+        <p:spPr>
+          <a:xfrm>
+            <a:off x="6858000" y="6400800"/>
+            <a:ext cx="2834640" cy="914400"/>
+          </a:xfrm>
+        </p:spPr>
+        <p:txBody>
+          <a:bodyPr/>
+          <a:lstStyle/>
+          <a:p>
+            <a:r>
+              <a:t> Track 9</a:t>
+            </a:r>
+          </a:p>
+        </p:txBody>
+      </p:sp>
+      <p:pic>
+        <p:nvPicPr>
+          <p:cNvPr id="13" name="movie.vid">
+            <a:hlinkClick r:id="" action="ppaction://media"/>
+          </p:cNvPr>
+          <p:cNvPicPr>
+            <a:picLocks noChangeAspect="1"/>
+          </p:cNvPicPr>
+          <p:nvPr>
+            <a:videoFile r:link="rId3"/>
+            <p:extLst>
+              <p:ext uri="{DAA4B4D4-6D71-4841-9C94-3DE7FCFB9230}">
+                <p14:media xmlns:p14="http://schemas.microsoft.com/office/powerpoint/2010/main" r:embed="rId2"/>
+              </p:ext>
+            </p:extLst>
+          </p:nvPr>
+        </p:nvPicPr>
+        <p:blipFill>
+          <a:blip r:embed="rId4"/>
+          <a:stretch>
+            <a:fillRect/>
+          </a:stretch>
+        </p:blipFill>
+        <p:spPr>
+          <a:xfrm>
+            <a:off x="10058400" y="6400800"/>
+            <a:ext cx="914400" cy="914400"/>
+          </a:xfrm>
+          <a:prstGeom prst="rect">
+            <a:avLst/>
+          </a:prstGeom>
+        </p:spPr>
+      </p:pic>
+      <p:sp>
+        <p:nvSpPr>
+          <p:cNvPr id="3" name="Content Placeholder 2"/>
+          <p:cNvSpPr>
+            <a:spLocks noGrp="1"/>
+          </p:cNvSpPr>
+          <p:nvPr>
+            <p:ph idx="10" sz="quarter"/>
+          </p:nvPr>
+        </p:nvSpPr>
+        <p:spPr>
+          <a:xfrm>
+            <a:off x="10972800" y="6400800"/>
+            <a:ext cx="2834640" cy="914400"/>
+          </a:xfrm>
+        </p:spPr>
+        <p:txBody>
+          <a:bodyPr/>
+          <a:lstStyle/>
+          <a:p>
+            <a:r>
+              <a:t> Track 10</a:t>
             </a:r>
           </a:p>
         </p:txBody>
@@ -12088,6 +14107,4693 @@
                 </p:cTn>
                 <p:tgtEl>
                   <p:spTgt spid="8"/>
+                </p:tgtEl>
+              </p:cMediaNode>
+            </p:video>
+            <p:video>
+              <p:cMediaNode vol="80000">
+                <p:cTn id="7" fill="hold" display="0">
+                  <p:stCondLst>
+                    <p:cond delay="indefinite"/>
+                  </p:stCondLst>
+                </p:cTn>
+                <p:tgtEl>
+                  <p:spTgt spid="9"/>
+                </p:tgtEl>
+              </p:cMediaNode>
+            </p:video>
+            <p:video>
+              <p:cMediaNode vol="80000">
+                <p:cTn id="8" fill="hold" display="0">
+                  <p:stCondLst>
+                    <p:cond delay="indefinite"/>
+                  </p:stCondLst>
+                </p:cTn>
+                <p:tgtEl>
+                  <p:spTgt spid="10"/>
+                </p:tgtEl>
+              </p:cMediaNode>
+            </p:video>
+            <p:video>
+              <p:cMediaNode vol="80000">
+                <p:cTn id="9" fill="hold" display="0">
+                  <p:stCondLst>
+                    <p:cond delay="indefinite"/>
+                  </p:stCondLst>
+                </p:cTn>
+                <p:tgtEl>
+                  <p:spTgt spid="11"/>
+                </p:tgtEl>
+              </p:cMediaNode>
+            </p:video>
+            <p:video>
+              <p:cMediaNode vol="80000">
+                <p:cTn id="10" fill="hold" display="0">
+                  <p:stCondLst>
+                    <p:cond delay="indefinite"/>
+                  </p:stCondLst>
+                </p:cTn>
+                <p:tgtEl>
+                  <p:spTgt spid="12"/>
+                </p:tgtEl>
+              </p:cMediaNode>
+            </p:video>
+            <p:video>
+              <p:cMediaNode vol="80000">
+                <p:cTn id="11" fill="hold" display="0">
+                  <p:stCondLst>
+                    <p:cond delay="indefinite"/>
+                  </p:stCondLst>
+                </p:cTn>
+                <p:tgtEl>
+                  <p:spTgt spid="13"/>
+                </p:tgtEl>
+              </p:cMediaNode>
+            </p:video>
+          </p:childTnLst>
+        </p:cTn>
+      </p:par>
+    </p:tnLst>
+  </p:timing>
+</p:sld>
+</file>
+
+<file path=ppt/slides/slide41.xml><?xml version="1.0" encoding="utf-8"?>
+<p:sld xmlns:a="http://schemas.openxmlformats.org/drawingml/2006/main" xmlns:p="http://schemas.openxmlformats.org/presentationml/2006/main" xmlns:r="http://schemas.openxmlformats.org/officeDocument/2006/relationships">
+  <p:cSld>
+    <p:spTree>
+      <p:nvGrpSpPr>
+        <p:cNvPr id="1" name=""/>
+        <p:cNvGrpSpPr/>
+        <p:nvPr/>
+      </p:nvGrpSpPr>
+      <p:grpSpPr/>
+      <p:sp>
+        <p:nvSpPr>
+          <p:cNvPr id="2" name="Title 1"/>
+          <p:cNvSpPr>
+            <a:spLocks noGrp="1"/>
+          </p:cNvSpPr>
+          <p:nvPr>
+            <p:ph type="title"/>
+          </p:nvPr>
+        </p:nvSpPr>
+        <p:spPr/>
+        <p:txBody>
+          <a:bodyPr/>
+          <a:lstStyle/>
+          <a:p>
+            <a:r>
+              <a:t>Round 3 Answers</a:t>
+            </a:r>
+          </a:p>
+        </p:txBody>
+      </p:sp>
+      <p:sp>
+        <p:nvSpPr>
+          <p:cNvPr id="3" name="Content Placeholder 2"/>
+          <p:cNvSpPr>
+            <a:spLocks noGrp="1"/>
+          </p:cNvSpPr>
+          <p:nvPr>
+            <p:ph idx="1"/>
+          </p:nvPr>
+        </p:nvSpPr>
+        <p:spPr/>
+        <p:txBody>
+          <a:bodyPr/>
+          <a:lstStyle/>
+          <a:p>
+            <a:pPr/>
+            <a:r>
+              <a:rPr b="0" i="0"/>
+              <a:t>21 Super Mario Brothers: </a:t>
+            </a:r>
+            <a:r>
+              <a:rPr b="0" i="1"/>
+              <a:t>Super Mario Galaxy</a:t>
+            </a:r>
+            <a:r>
+              <a:rPr b="0" i="0"/>
+              <a:t> – Good Egg Galaxy</a:t>
+            </a:r>
+          </a:p>
+          <a:p>
+            <a:pPr/>
+            <a:r>
+              <a:rPr b="0" i="0"/>
+              <a:t>22 Deltarune: </a:t>
+            </a:r>
+            <a:r>
+              <a:rPr b="0" i="1"/>
+              <a:t>Deltarune</a:t>
+            </a:r>
+            <a:r>
+              <a:rPr b="0" i="0"/>
+              <a:t> – Field of Hopes and Dreams</a:t>
+            </a:r>
+          </a:p>
+          <a:p>
+            <a:pPr/>
+            <a:r>
+              <a:rPr b="0" i="0"/>
+              <a:t>23Danganronpa: </a:t>
+            </a:r>
+            <a:r>
+              <a:rPr b="0" i="1"/>
+              <a:t>Danganronpa V3: Killing Harmony</a:t>
+            </a:r>
+            <a:r>
+              <a:rPr b="0" i="0"/>
+              <a:t> – Danganronpa V3 (Full Version)*</a:t>
+            </a:r>
+          </a:p>
+          <a:p>
+            <a:pPr/>
+            <a:r>
+              <a:rPr b="0" i="0"/>
+              <a:t>24 Genshin Impact: </a:t>
+            </a:r>
+            <a:r>
+              <a:rPr b="0" i="1"/>
+              <a:t>Genshin Impact</a:t>
+            </a:r>
+            <a:r>
+              <a:rPr b="0" i="0"/>
+              <a:t> – Photon of Fluctuation</a:t>
+            </a:r>
+          </a:p>
+          <a:p>
+            <a:pPr/>
+            <a:r>
+              <a:rPr b="0" i="0"/>
+              <a:t>25 Lego Star Wars: </a:t>
+            </a:r>
+            <a:r>
+              <a:rPr b="0" i="1"/>
+              <a:t>Lego Star Wars: The Complete Saga</a:t>
+            </a:r>
+            <a:r>
+              <a:rPr b="0" i="0"/>
+              <a:t> – Mos Eisley Cantina</a:t>
+            </a:r>
+          </a:p>
+          <a:p>
+            <a:pPr/>
+            <a:r>
+              <a:rPr b="0" i="0"/>
+              <a:t>26 Super Mario Brothers: </a:t>
+            </a:r>
+            <a:r>
+              <a:rPr b="0" i="1"/>
+              <a:t>Super Mario Galaxy</a:t>
+            </a:r>
+            <a:r>
+              <a:rPr b="0" i="0"/>
+              <a:t> – Good Egg Galaxy</a:t>
+            </a:r>
+          </a:p>
+          <a:p>
+            <a:pPr/>
+            <a:r>
+              <a:rPr b="0" i="0"/>
+              <a:t>27 Deltarune: </a:t>
+            </a:r>
+            <a:r>
+              <a:rPr b="0" i="1"/>
+              <a:t>Deltarune</a:t>
+            </a:r>
+            <a:r>
+              <a:rPr b="0" i="0"/>
+              <a:t> – Field of Hopes and Dreams</a:t>
+            </a:r>
+          </a:p>
+          <a:p>
+            <a:pPr/>
+            <a:r>
+              <a:rPr b="0" i="0"/>
+              <a:t>28 Danganronpa: </a:t>
+            </a:r>
+            <a:r>
+              <a:rPr b="0" i="1"/>
+              <a:t>Danganronpa V3: Killing Harmony</a:t>
+            </a:r>
+            <a:r>
+              <a:rPr b="0" i="0"/>
+              <a:t> – Danganronpa V3 (Full Version)*</a:t>
+            </a:r>
+          </a:p>
+          <a:p>
+            <a:pPr/>
+            <a:r>
+              <a:rPr b="0" i="0"/>
+              <a:t>29 Genshin Impact: </a:t>
+            </a:r>
+            <a:r>
+              <a:rPr b="0" i="1"/>
+              <a:t>Genshin Impact</a:t>
+            </a:r>
+            <a:r>
+              <a:rPr b="0" i="0"/>
+              <a:t> – Photon of Fluctuation</a:t>
+            </a:r>
+          </a:p>
+          <a:p>
+            <a:pPr/>
+            <a:r>
+              <a:rPr b="0" i="0"/>
+              <a:t>30 Lego Star Wars: </a:t>
+            </a:r>
+            <a:r>
+              <a:rPr b="0" i="1"/>
+              <a:t>Lego Star Wars: The Complete Saga</a:t>
+            </a:r>
+            <a:r>
+              <a:rPr b="0" i="0"/>
+              <a:t> – Mos Eisley Cantina</a:t>
+            </a:r>
+          </a:p>
+        </p:txBody>
+      </p:sp>
+    </p:spTree>
+  </p:cSld>
+  <p:clrMapOvr>
+    <a:masterClrMapping/>
+  </p:clrMapOvr>
+</p:sld>
+</file>
+
+<file path=ppt/slides/slide42.xml><?xml version="1.0" encoding="utf-8"?>
+<p:sld xmlns:a="http://schemas.openxmlformats.org/drawingml/2006/main" xmlns:p="http://schemas.openxmlformats.org/presentationml/2006/main" xmlns:r="http://schemas.openxmlformats.org/officeDocument/2006/relationships">
+  <p:cSld>
+    <p:spTree>
+      <p:nvGrpSpPr>
+        <p:cNvPr id="1" name=""/>
+        <p:cNvGrpSpPr/>
+        <p:nvPr/>
+      </p:nvGrpSpPr>
+      <p:grpSpPr/>
+      <p:sp>
+        <p:nvSpPr>
+          <p:cNvPr id="2" name="Content Placeholder 1"/>
+          <p:cNvSpPr>
+            <a:spLocks noGrp="1"/>
+          </p:cNvSpPr>
+          <p:nvPr>
+            <p:ph idx="10" sz="quarter"/>
+          </p:nvPr>
+        </p:nvSpPr>
+        <p:spPr/>
+        <p:txBody>
+          <a:bodyPr/>
+          <a:lstStyle/>
+          <a:p>
+            <a:r>
+              <a:t>Round 4</a:t>
+            </a:r>
+          </a:p>
+        </p:txBody>
+      </p:sp>
+    </p:spTree>
+  </p:cSld>
+  <p:clrMapOvr>
+    <a:masterClrMapping/>
+  </p:clrMapOvr>
+</p:sld>
+</file>
+
+<file path=ppt/slides/slide43.xml><?xml version="1.0" encoding="utf-8"?>
+<p:sld xmlns:a="http://schemas.openxmlformats.org/drawingml/2006/main" xmlns:p="http://schemas.openxmlformats.org/presentationml/2006/main" xmlns:r="http://schemas.openxmlformats.org/officeDocument/2006/relationships">
+  <p:cSld>
+    <p:spTree>
+      <p:nvGrpSpPr>
+        <p:cNvPr id="1" name=""/>
+        <p:cNvGrpSpPr/>
+        <p:nvPr/>
+      </p:nvGrpSpPr>
+      <p:grpSpPr/>
+      <p:sp>
+        <p:nvSpPr>
+          <p:cNvPr id="2" name="Title 1"/>
+          <p:cNvSpPr>
+            <a:spLocks noGrp="1"/>
+          </p:cNvSpPr>
+          <p:nvPr>
+            <p:ph type="title"/>
+          </p:nvPr>
+        </p:nvSpPr>
+        <p:spPr/>
+        <p:txBody>
+          <a:bodyPr/>
+          <a:lstStyle/>
+          <a:p>
+            <a:r>
+              <a:t>Track 1</a:t>
+            </a:r>
+          </a:p>
+        </p:txBody>
+      </p:sp>
+      <p:pic>
+        <p:nvPicPr>
+          <p:cNvPr id="3" name="movie.vid">
+            <a:hlinkClick r:id="" action="ppaction://media"/>
+          </p:cNvPr>
+          <p:cNvPicPr>
+            <a:picLocks noChangeAspect="1"/>
+          </p:cNvPicPr>
+          <p:nvPr>
+            <a:videoFile r:link="rId3"/>
+            <p:extLst>
+              <p:ext uri="{DAA4B4D4-6D71-4841-9C94-3DE7FCFB9230}">
+                <p14:media xmlns:p14="http://schemas.microsoft.com/office/powerpoint/2010/main" r:embed="rId2"/>
+              </p:ext>
+            </p:extLst>
+          </p:nvPr>
+        </p:nvPicPr>
+        <p:blipFill>
+          <a:blip r:embed="rId4"/>
+          <a:stretch>
+            <a:fillRect/>
+          </a:stretch>
+        </p:blipFill>
+        <p:spPr>
+          <a:xfrm>
+            <a:off x="7315200" y="1371600"/>
+            <a:ext cx="5486400" cy="5486400"/>
+          </a:xfrm>
+          <a:prstGeom prst="rect">
+            <a:avLst/>
+          </a:prstGeom>
+        </p:spPr>
+      </p:pic>
+    </p:spTree>
+  </p:cSld>
+  <p:clrMapOvr>
+    <a:masterClrMapping/>
+  </p:clrMapOvr>
+  <p:timing>
+    <p:tnLst>
+      <p:par>
+        <p:cTn id="1" dur="indefinite" restart="never" nodeType="tmRoot">
+          <p:childTnLst>
+            <p:video>
+              <p:cMediaNode vol="80000">
+                <p:cTn id="2" fill="hold" display="0">
+                  <p:stCondLst>
+                    <p:cond delay="indefinite"/>
+                  </p:stCondLst>
+                </p:cTn>
+                <p:tgtEl>
+                  <p:spTgt spid="3"/>
+                </p:tgtEl>
+              </p:cMediaNode>
+            </p:video>
+          </p:childTnLst>
+        </p:cTn>
+      </p:par>
+    </p:tnLst>
+  </p:timing>
+</p:sld>
+</file>
+
+<file path=ppt/slides/slide44.xml><?xml version="1.0" encoding="utf-8"?>
+<p:sld xmlns:a="http://schemas.openxmlformats.org/drawingml/2006/main" xmlns:p="http://schemas.openxmlformats.org/presentationml/2006/main" xmlns:r="http://schemas.openxmlformats.org/officeDocument/2006/relationships">
+  <p:cSld>
+    <p:spTree>
+      <p:nvGrpSpPr>
+        <p:cNvPr id="1" name=""/>
+        <p:cNvGrpSpPr/>
+        <p:nvPr/>
+      </p:nvGrpSpPr>
+      <p:grpSpPr/>
+      <p:sp>
+        <p:nvSpPr>
+          <p:cNvPr id="2" name="Title 1"/>
+          <p:cNvSpPr>
+            <a:spLocks noGrp="1"/>
+          </p:cNvSpPr>
+          <p:nvPr>
+            <p:ph type="title"/>
+          </p:nvPr>
+        </p:nvSpPr>
+        <p:spPr/>
+        <p:txBody>
+          <a:bodyPr/>
+          <a:lstStyle/>
+          <a:p>
+            <a:r>
+              <a:t>Track 2</a:t>
+            </a:r>
+          </a:p>
+        </p:txBody>
+      </p:sp>
+      <p:pic>
+        <p:nvPicPr>
+          <p:cNvPr id="3" name="movie.vid">
+            <a:hlinkClick r:id="" action="ppaction://media"/>
+          </p:cNvPr>
+          <p:cNvPicPr>
+            <a:picLocks noChangeAspect="1"/>
+          </p:cNvPicPr>
+          <p:nvPr>
+            <a:videoFile r:link="rId3"/>
+            <p:extLst>
+              <p:ext uri="{DAA4B4D4-6D71-4841-9C94-3DE7FCFB9230}">
+                <p14:media xmlns:p14="http://schemas.microsoft.com/office/powerpoint/2010/main" r:embed="rId2"/>
+              </p:ext>
+            </p:extLst>
+          </p:nvPr>
+        </p:nvPicPr>
+        <p:blipFill>
+          <a:blip r:embed="rId4"/>
+          <a:stretch>
+            <a:fillRect/>
+          </a:stretch>
+        </p:blipFill>
+        <p:spPr>
+          <a:xfrm>
+            <a:off x="7315200" y="1371600"/>
+            <a:ext cx="5486400" cy="5486400"/>
+          </a:xfrm>
+          <a:prstGeom prst="rect">
+            <a:avLst/>
+          </a:prstGeom>
+        </p:spPr>
+      </p:pic>
+    </p:spTree>
+  </p:cSld>
+  <p:clrMapOvr>
+    <a:masterClrMapping/>
+  </p:clrMapOvr>
+  <p:timing>
+    <p:tnLst>
+      <p:par>
+        <p:cTn id="1" dur="indefinite" restart="never" nodeType="tmRoot">
+          <p:childTnLst>
+            <p:video>
+              <p:cMediaNode vol="80000">
+                <p:cTn id="2" fill="hold" display="0">
+                  <p:stCondLst>
+                    <p:cond delay="indefinite"/>
+                  </p:stCondLst>
+                </p:cTn>
+                <p:tgtEl>
+                  <p:spTgt spid="3"/>
+                </p:tgtEl>
+              </p:cMediaNode>
+            </p:video>
+          </p:childTnLst>
+        </p:cTn>
+      </p:par>
+    </p:tnLst>
+  </p:timing>
+</p:sld>
+</file>
+
+<file path=ppt/slides/slide45.xml><?xml version="1.0" encoding="utf-8"?>
+<p:sld xmlns:a="http://schemas.openxmlformats.org/drawingml/2006/main" xmlns:p="http://schemas.openxmlformats.org/presentationml/2006/main" xmlns:r="http://schemas.openxmlformats.org/officeDocument/2006/relationships">
+  <p:cSld>
+    <p:spTree>
+      <p:nvGrpSpPr>
+        <p:cNvPr id="1" name=""/>
+        <p:cNvGrpSpPr/>
+        <p:nvPr/>
+      </p:nvGrpSpPr>
+      <p:grpSpPr/>
+      <p:sp>
+        <p:nvSpPr>
+          <p:cNvPr id="2" name="Title 1"/>
+          <p:cNvSpPr>
+            <a:spLocks noGrp="1"/>
+          </p:cNvSpPr>
+          <p:nvPr>
+            <p:ph type="title"/>
+          </p:nvPr>
+        </p:nvSpPr>
+        <p:spPr/>
+        <p:txBody>
+          <a:bodyPr/>
+          <a:lstStyle/>
+          <a:p>
+            <a:r>
+              <a:t>Track 3</a:t>
+            </a:r>
+          </a:p>
+        </p:txBody>
+      </p:sp>
+      <p:pic>
+        <p:nvPicPr>
+          <p:cNvPr id="3" name="movie.vid">
+            <a:hlinkClick r:id="" action="ppaction://media"/>
+          </p:cNvPr>
+          <p:cNvPicPr>
+            <a:picLocks noChangeAspect="1"/>
+          </p:cNvPicPr>
+          <p:nvPr>
+            <a:videoFile r:link="rId3"/>
+            <p:extLst>
+              <p:ext uri="{DAA4B4D4-6D71-4841-9C94-3DE7FCFB9230}">
+                <p14:media xmlns:p14="http://schemas.microsoft.com/office/powerpoint/2010/main" r:embed="rId2"/>
+              </p:ext>
+            </p:extLst>
+          </p:nvPr>
+        </p:nvPicPr>
+        <p:blipFill>
+          <a:blip r:embed="rId4"/>
+          <a:stretch>
+            <a:fillRect/>
+          </a:stretch>
+        </p:blipFill>
+        <p:spPr>
+          <a:xfrm>
+            <a:off x="7315200" y="1371600"/>
+            <a:ext cx="5486400" cy="5486400"/>
+          </a:xfrm>
+          <a:prstGeom prst="rect">
+            <a:avLst/>
+          </a:prstGeom>
+        </p:spPr>
+      </p:pic>
+    </p:spTree>
+  </p:cSld>
+  <p:clrMapOvr>
+    <a:masterClrMapping/>
+  </p:clrMapOvr>
+  <p:timing>
+    <p:tnLst>
+      <p:par>
+        <p:cTn id="1" dur="indefinite" restart="never" nodeType="tmRoot">
+          <p:childTnLst>
+            <p:video>
+              <p:cMediaNode vol="80000">
+                <p:cTn id="2" fill="hold" display="0">
+                  <p:stCondLst>
+                    <p:cond delay="indefinite"/>
+                  </p:stCondLst>
+                </p:cTn>
+                <p:tgtEl>
+                  <p:spTgt spid="3"/>
+                </p:tgtEl>
+              </p:cMediaNode>
+            </p:video>
+          </p:childTnLst>
+        </p:cTn>
+      </p:par>
+    </p:tnLst>
+  </p:timing>
+</p:sld>
+</file>
+
+<file path=ppt/slides/slide46.xml><?xml version="1.0" encoding="utf-8"?>
+<p:sld xmlns:a="http://schemas.openxmlformats.org/drawingml/2006/main" xmlns:p="http://schemas.openxmlformats.org/presentationml/2006/main" xmlns:r="http://schemas.openxmlformats.org/officeDocument/2006/relationships">
+  <p:cSld>
+    <p:spTree>
+      <p:nvGrpSpPr>
+        <p:cNvPr id="1" name=""/>
+        <p:cNvGrpSpPr/>
+        <p:nvPr/>
+      </p:nvGrpSpPr>
+      <p:grpSpPr/>
+      <p:sp>
+        <p:nvSpPr>
+          <p:cNvPr id="2" name="Title 1"/>
+          <p:cNvSpPr>
+            <a:spLocks noGrp="1"/>
+          </p:cNvSpPr>
+          <p:nvPr>
+            <p:ph type="title"/>
+          </p:nvPr>
+        </p:nvSpPr>
+        <p:spPr/>
+        <p:txBody>
+          <a:bodyPr/>
+          <a:lstStyle/>
+          <a:p>
+            <a:r>
+              <a:t>Track 4</a:t>
+            </a:r>
+          </a:p>
+        </p:txBody>
+      </p:sp>
+      <p:pic>
+        <p:nvPicPr>
+          <p:cNvPr id="3" name="movie.vid">
+            <a:hlinkClick r:id="" action="ppaction://media"/>
+          </p:cNvPr>
+          <p:cNvPicPr>
+            <a:picLocks noChangeAspect="1"/>
+          </p:cNvPicPr>
+          <p:nvPr>
+            <a:videoFile r:link="rId3"/>
+            <p:extLst>
+              <p:ext uri="{DAA4B4D4-6D71-4841-9C94-3DE7FCFB9230}">
+                <p14:media xmlns:p14="http://schemas.microsoft.com/office/powerpoint/2010/main" r:embed="rId2"/>
+              </p:ext>
+            </p:extLst>
+          </p:nvPr>
+        </p:nvPicPr>
+        <p:blipFill>
+          <a:blip r:embed="rId4"/>
+          <a:stretch>
+            <a:fillRect/>
+          </a:stretch>
+        </p:blipFill>
+        <p:spPr>
+          <a:xfrm>
+            <a:off x="7315200" y="1371600"/>
+            <a:ext cx="5486400" cy="5486400"/>
+          </a:xfrm>
+          <a:prstGeom prst="rect">
+            <a:avLst/>
+          </a:prstGeom>
+        </p:spPr>
+      </p:pic>
+    </p:spTree>
+  </p:cSld>
+  <p:clrMapOvr>
+    <a:masterClrMapping/>
+  </p:clrMapOvr>
+  <p:timing>
+    <p:tnLst>
+      <p:par>
+        <p:cTn id="1" dur="indefinite" restart="never" nodeType="tmRoot">
+          <p:childTnLst>
+            <p:video>
+              <p:cMediaNode vol="80000">
+                <p:cTn id="2" fill="hold" display="0">
+                  <p:stCondLst>
+                    <p:cond delay="indefinite"/>
+                  </p:stCondLst>
+                </p:cTn>
+                <p:tgtEl>
+                  <p:spTgt spid="3"/>
+                </p:tgtEl>
+              </p:cMediaNode>
+            </p:video>
+          </p:childTnLst>
+        </p:cTn>
+      </p:par>
+    </p:tnLst>
+  </p:timing>
+</p:sld>
+</file>
+
+<file path=ppt/slides/slide47.xml><?xml version="1.0" encoding="utf-8"?>
+<p:sld xmlns:a="http://schemas.openxmlformats.org/drawingml/2006/main" xmlns:p="http://schemas.openxmlformats.org/presentationml/2006/main" xmlns:r="http://schemas.openxmlformats.org/officeDocument/2006/relationships">
+  <p:cSld>
+    <p:spTree>
+      <p:nvGrpSpPr>
+        <p:cNvPr id="1" name=""/>
+        <p:cNvGrpSpPr/>
+        <p:nvPr/>
+      </p:nvGrpSpPr>
+      <p:grpSpPr/>
+      <p:sp>
+        <p:nvSpPr>
+          <p:cNvPr id="2" name="Title 1"/>
+          <p:cNvSpPr>
+            <a:spLocks noGrp="1"/>
+          </p:cNvSpPr>
+          <p:nvPr>
+            <p:ph type="title"/>
+          </p:nvPr>
+        </p:nvSpPr>
+        <p:spPr/>
+        <p:txBody>
+          <a:bodyPr/>
+          <a:lstStyle/>
+          <a:p>
+            <a:r>
+              <a:t>Track 5</a:t>
+            </a:r>
+          </a:p>
+        </p:txBody>
+      </p:sp>
+      <p:pic>
+        <p:nvPicPr>
+          <p:cNvPr id="3" name="movie.vid">
+            <a:hlinkClick r:id="" action="ppaction://media"/>
+          </p:cNvPr>
+          <p:cNvPicPr>
+            <a:picLocks noChangeAspect="1"/>
+          </p:cNvPicPr>
+          <p:nvPr>
+            <a:videoFile r:link="rId3"/>
+            <p:extLst>
+              <p:ext uri="{DAA4B4D4-6D71-4841-9C94-3DE7FCFB9230}">
+                <p14:media xmlns:p14="http://schemas.microsoft.com/office/powerpoint/2010/main" r:embed="rId2"/>
+              </p:ext>
+            </p:extLst>
+          </p:nvPr>
+        </p:nvPicPr>
+        <p:blipFill>
+          <a:blip r:embed="rId4"/>
+          <a:stretch>
+            <a:fillRect/>
+          </a:stretch>
+        </p:blipFill>
+        <p:spPr>
+          <a:xfrm>
+            <a:off x="7315200" y="1371600"/>
+            <a:ext cx="5486400" cy="5486400"/>
+          </a:xfrm>
+          <a:prstGeom prst="rect">
+            <a:avLst/>
+          </a:prstGeom>
+        </p:spPr>
+      </p:pic>
+    </p:spTree>
+  </p:cSld>
+  <p:clrMapOvr>
+    <a:masterClrMapping/>
+  </p:clrMapOvr>
+  <p:timing>
+    <p:tnLst>
+      <p:par>
+        <p:cTn id="1" dur="indefinite" restart="never" nodeType="tmRoot">
+          <p:childTnLst>
+            <p:video>
+              <p:cMediaNode vol="80000">
+                <p:cTn id="2" fill="hold" display="0">
+                  <p:stCondLst>
+                    <p:cond delay="indefinite"/>
+                  </p:stCondLst>
+                </p:cTn>
+                <p:tgtEl>
+                  <p:spTgt spid="3"/>
+                </p:tgtEl>
+              </p:cMediaNode>
+            </p:video>
+          </p:childTnLst>
+        </p:cTn>
+      </p:par>
+    </p:tnLst>
+  </p:timing>
+</p:sld>
+</file>
+
+<file path=ppt/slides/slide48.xml><?xml version="1.0" encoding="utf-8"?>
+<p:sld xmlns:a="http://schemas.openxmlformats.org/drawingml/2006/main" xmlns:p="http://schemas.openxmlformats.org/presentationml/2006/main" xmlns:r="http://schemas.openxmlformats.org/officeDocument/2006/relationships">
+  <p:cSld>
+    <p:spTree>
+      <p:nvGrpSpPr>
+        <p:cNvPr id="1" name=""/>
+        <p:cNvGrpSpPr/>
+        <p:nvPr/>
+      </p:nvGrpSpPr>
+      <p:grpSpPr/>
+      <p:sp>
+        <p:nvSpPr>
+          <p:cNvPr id="2" name="Title 1"/>
+          <p:cNvSpPr>
+            <a:spLocks noGrp="1"/>
+          </p:cNvSpPr>
+          <p:nvPr>
+            <p:ph type="title"/>
+          </p:nvPr>
+        </p:nvSpPr>
+        <p:spPr/>
+        <p:txBody>
+          <a:bodyPr/>
+          <a:lstStyle/>
+          <a:p>
+            <a:r>
+              <a:t>Track 6</a:t>
+            </a:r>
+          </a:p>
+        </p:txBody>
+      </p:sp>
+      <p:pic>
+        <p:nvPicPr>
+          <p:cNvPr id="3" name="movie.vid">
+            <a:hlinkClick r:id="" action="ppaction://media"/>
+          </p:cNvPr>
+          <p:cNvPicPr>
+            <a:picLocks noChangeAspect="1"/>
+          </p:cNvPicPr>
+          <p:nvPr>
+            <a:videoFile r:link="rId3"/>
+            <p:extLst>
+              <p:ext uri="{DAA4B4D4-6D71-4841-9C94-3DE7FCFB9230}">
+                <p14:media xmlns:p14="http://schemas.microsoft.com/office/powerpoint/2010/main" r:embed="rId2"/>
+              </p:ext>
+            </p:extLst>
+          </p:nvPr>
+        </p:nvPicPr>
+        <p:blipFill>
+          <a:blip r:embed="rId4"/>
+          <a:stretch>
+            <a:fillRect/>
+          </a:stretch>
+        </p:blipFill>
+        <p:spPr>
+          <a:xfrm>
+            <a:off x="7315200" y="1371600"/>
+            <a:ext cx="5486400" cy="5486400"/>
+          </a:xfrm>
+          <a:prstGeom prst="rect">
+            <a:avLst/>
+          </a:prstGeom>
+        </p:spPr>
+      </p:pic>
+    </p:spTree>
+  </p:cSld>
+  <p:clrMapOvr>
+    <a:masterClrMapping/>
+  </p:clrMapOvr>
+  <p:timing>
+    <p:tnLst>
+      <p:par>
+        <p:cTn id="1" dur="indefinite" restart="never" nodeType="tmRoot">
+          <p:childTnLst>
+            <p:video>
+              <p:cMediaNode vol="80000">
+                <p:cTn id="2" fill="hold" display="0">
+                  <p:stCondLst>
+                    <p:cond delay="indefinite"/>
+                  </p:stCondLst>
+                </p:cTn>
+                <p:tgtEl>
+                  <p:spTgt spid="3"/>
+                </p:tgtEl>
+              </p:cMediaNode>
+            </p:video>
+          </p:childTnLst>
+        </p:cTn>
+      </p:par>
+    </p:tnLst>
+  </p:timing>
+</p:sld>
+</file>
+
+<file path=ppt/slides/slide49.xml><?xml version="1.0" encoding="utf-8"?>
+<p:sld xmlns:a="http://schemas.openxmlformats.org/drawingml/2006/main" xmlns:p="http://schemas.openxmlformats.org/presentationml/2006/main" xmlns:r="http://schemas.openxmlformats.org/officeDocument/2006/relationships">
+  <p:cSld>
+    <p:spTree>
+      <p:nvGrpSpPr>
+        <p:cNvPr id="1" name=""/>
+        <p:cNvGrpSpPr/>
+        <p:nvPr/>
+      </p:nvGrpSpPr>
+      <p:grpSpPr/>
+      <p:sp>
+        <p:nvSpPr>
+          <p:cNvPr id="2" name="Title 1"/>
+          <p:cNvSpPr>
+            <a:spLocks noGrp="1"/>
+          </p:cNvSpPr>
+          <p:nvPr>
+            <p:ph type="title"/>
+          </p:nvPr>
+        </p:nvSpPr>
+        <p:spPr/>
+        <p:txBody>
+          <a:bodyPr/>
+          <a:lstStyle/>
+          <a:p>
+            <a:r>
+              <a:t>Track 7</a:t>
+            </a:r>
+          </a:p>
+        </p:txBody>
+      </p:sp>
+      <p:pic>
+        <p:nvPicPr>
+          <p:cNvPr id="3" name="movie.vid">
+            <a:hlinkClick r:id="" action="ppaction://media"/>
+          </p:cNvPr>
+          <p:cNvPicPr>
+            <a:picLocks noChangeAspect="1"/>
+          </p:cNvPicPr>
+          <p:nvPr>
+            <a:videoFile r:link="rId3"/>
+            <p:extLst>
+              <p:ext uri="{DAA4B4D4-6D71-4841-9C94-3DE7FCFB9230}">
+                <p14:media xmlns:p14="http://schemas.microsoft.com/office/powerpoint/2010/main" r:embed="rId2"/>
+              </p:ext>
+            </p:extLst>
+          </p:nvPr>
+        </p:nvPicPr>
+        <p:blipFill>
+          <a:blip r:embed="rId4"/>
+          <a:stretch>
+            <a:fillRect/>
+          </a:stretch>
+        </p:blipFill>
+        <p:spPr>
+          <a:xfrm>
+            <a:off x="7315200" y="1371600"/>
+            <a:ext cx="5486400" cy="5486400"/>
+          </a:xfrm>
+          <a:prstGeom prst="rect">
+            <a:avLst/>
+          </a:prstGeom>
+        </p:spPr>
+      </p:pic>
+    </p:spTree>
+  </p:cSld>
+  <p:clrMapOvr>
+    <a:masterClrMapping/>
+  </p:clrMapOvr>
+  <p:timing>
+    <p:tnLst>
+      <p:par>
+        <p:cTn id="1" dur="indefinite" restart="never" nodeType="tmRoot">
+          <p:childTnLst>
+            <p:video>
+              <p:cMediaNode vol="80000">
+                <p:cTn id="2" fill="hold" display="0">
+                  <p:stCondLst>
+                    <p:cond delay="indefinite"/>
+                  </p:stCondLst>
+                </p:cTn>
+                <p:tgtEl>
+                  <p:spTgt spid="3"/>
+                </p:tgtEl>
+              </p:cMediaNode>
+            </p:video>
+          </p:childTnLst>
+        </p:cTn>
+      </p:par>
+    </p:tnLst>
+  </p:timing>
+</p:sld>
+</file>
+
+<file path=ppt/slides/slide5.xml><?xml version="1.0" encoding="utf-8"?>
+<p:sld xmlns:a="http://schemas.openxmlformats.org/drawingml/2006/main" xmlns:p="http://schemas.openxmlformats.org/presentationml/2006/main" xmlns:r="http://schemas.openxmlformats.org/officeDocument/2006/relationships">
+  <p:cSld>
+    <p:spTree>
+      <p:nvGrpSpPr>
+        <p:cNvPr id="1" name=""/>
+        <p:cNvGrpSpPr/>
+        <p:nvPr/>
+      </p:nvGrpSpPr>
+      <p:grpSpPr/>
+      <p:sp>
+        <p:nvSpPr>
+          <p:cNvPr id="2" name="Title 1"/>
+          <p:cNvSpPr>
+            <a:spLocks noGrp="1"/>
+          </p:cNvSpPr>
+          <p:nvPr>
+            <p:ph type="title"/>
+          </p:nvPr>
+        </p:nvSpPr>
+        <p:spPr/>
+        <p:txBody>
+          <a:bodyPr/>
+          <a:lstStyle/>
+          <a:p>
+            <a:r>
+              <a:t>Track 2</a:t>
+            </a:r>
+          </a:p>
+        </p:txBody>
+      </p:sp>
+      <p:pic>
+        <p:nvPicPr>
+          <p:cNvPr id="3" name="movie.vid">
+            <a:hlinkClick r:id="" action="ppaction://media"/>
+          </p:cNvPr>
+          <p:cNvPicPr>
+            <a:picLocks noChangeAspect="1"/>
+          </p:cNvPicPr>
+          <p:nvPr>
+            <a:videoFile r:link="rId3"/>
+            <p:extLst>
+              <p:ext uri="{DAA4B4D4-6D71-4841-9C94-3DE7FCFB9230}">
+                <p14:media xmlns:p14="http://schemas.microsoft.com/office/powerpoint/2010/main" r:embed="rId2"/>
+              </p:ext>
+            </p:extLst>
+          </p:nvPr>
+        </p:nvPicPr>
+        <p:blipFill>
+          <a:blip r:embed="rId4"/>
+          <a:stretch>
+            <a:fillRect/>
+          </a:stretch>
+        </p:blipFill>
+        <p:spPr>
+          <a:xfrm>
+            <a:off x="7315200" y="1371600"/>
+            <a:ext cx="5486400" cy="5486400"/>
+          </a:xfrm>
+          <a:prstGeom prst="rect">
+            <a:avLst/>
+          </a:prstGeom>
+        </p:spPr>
+      </p:pic>
+    </p:spTree>
+  </p:cSld>
+  <p:clrMapOvr>
+    <a:masterClrMapping/>
+  </p:clrMapOvr>
+  <p:timing>
+    <p:tnLst>
+      <p:par>
+        <p:cTn id="1" dur="indefinite" restart="never" nodeType="tmRoot">
+          <p:childTnLst>
+            <p:video>
+              <p:cMediaNode vol="80000">
+                <p:cTn id="2" fill="hold" display="0">
+                  <p:stCondLst>
+                    <p:cond delay="indefinite"/>
+                  </p:stCondLst>
+                </p:cTn>
+                <p:tgtEl>
+                  <p:spTgt spid="3"/>
+                </p:tgtEl>
+              </p:cMediaNode>
+            </p:video>
+          </p:childTnLst>
+        </p:cTn>
+      </p:par>
+    </p:tnLst>
+  </p:timing>
+</p:sld>
+</file>
+
+<file path=ppt/slides/slide50.xml><?xml version="1.0" encoding="utf-8"?>
+<p:sld xmlns:a="http://schemas.openxmlformats.org/drawingml/2006/main" xmlns:p="http://schemas.openxmlformats.org/presentationml/2006/main" xmlns:r="http://schemas.openxmlformats.org/officeDocument/2006/relationships">
+  <p:cSld>
+    <p:spTree>
+      <p:nvGrpSpPr>
+        <p:cNvPr id="1" name=""/>
+        <p:cNvGrpSpPr/>
+        <p:nvPr/>
+      </p:nvGrpSpPr>
+      <p:grpSpPr/>
+      <p:sp>
+        <p:nvSpPr>
+          <p:cNvPr id="2" name="Title 1"/>
+          <p:cNvSpPr>
+            <a:spLocks noGrp="1"/>
+          </p:cNvSpPr>
+          <p:nvPr>
+            <p:ph type="title"/>
+          </p:nvPr>
+        </p:nvSpPr>
+        <p:spPr/>
+        <p:txBody>
+          <a:bodyPr/>
+          <a:lstStyle/>
+          <a:p>
+            <a:r>
+              <a:t>Track 8</a:t>
+            </a:r>
+          </a:p>
+        </p:txBody>
+      </p:sp>
+      <p:pic>
+        <p:nvPicPr>
+          <p:cNvPr id="3" name="movie.vid">
+            <a:hlinkClick r:id="" action="ppaction://media"/>
+          </p:cNvPr>
+          <p:cNvPicPr>
+            <a:picLocks noChangeAspect="1"/>
+          </p:cNvPicPr>
+          <p:nvPr>
+            <a:videoFile r:link="rId3"/>
+            <p:extLst>
+              <p:ext uri="{DAA4B4D4-6D71-4841-9C94-3DE7FCFB9230}">
+                <p14:media xmlns:p14="http://schemas.microsoft.com/office/powerpoint/2010/main" r:embed="rId2"/>
+              </p:ext>
+            </p:extLst>
+          </p:nvPr>
+        </p:nvPicPr>
+        <p:blipFill>
+          <a:blip r:embed="rId4"/>
+          <a:stretch>
+            <a:fillRect/>
+          </a:stretch>
+        </p:blipFill>
+        <p:spPr>
+          <a:xfrm>
+            <a:off x="7315200" y="1371600"/>
+            <a:ext cx="5486400" cy="5486400"/>
+          </a:xfrm>
+          <a:prstGeom prst="rect">
+            <a:avLst/>
+          </a:prstGeom>
+        </p:spPr>
+      </p:pic>
+    </p:spTree>
+  </p:cSld>
+  <p:clrMapOvr>
+    <a:masterClrMapping/>
+  </p:clrMapOvr>
+  <p:timing>
+    <p:tnLst>
+      <p:par>
+        <p:cTn id="1" dur="indefinite" restart="never" nodeType="tmRoot">
+          <p:childTnLst>
+            <p:video>
+              <p:cMediaNode vol="80000">
+                <p:cTn id="2" fill="hold" display="0">
+                  <p:stCondLst>
+                    <p:cond delay="indefinite"/>
+                  </p:stCondLst>
+                </p:cTn>
+                <p:tgtEl>
+                  <p:spTgt spid="3"/>
+                </p:tgtEl>
+              </p:cMediaNode>
+            </p:video>
+          </p:childTnLst>
+        </p:cTn>
+      </p:par>
+    </p:tnLst>
+  </p:timing>
+</p:sld>
+</file>
+
+<file path=ppt/slides/slide51.xml><?xml version="1.0" encoding="utf-8"?>
+<p:sld xmlns:a="http://schemas.openxmlformats.org/drawingml/2006/main" xmlns:p="http://schemas.openxmlformats.org/presentationml/2006/main" xmlns:r="http://schemas.openxmlformats.org/officeDocument/2006/relationships">
+  <p:cSld>
+    <p:spTree>
+      <p:nvGrpSpPr>
+        <p:cNvPr id="1" name=""/>
+        <p:cNvGrpSpPr/>
+        <p:nvPr/>
+      </p:nvGrpSpPr>
+      <p:grpSpPr/>
+      <p:sp>
+        <p:nvSpPr>
+          <p:cNvPr id="2" name="Title 1"/>
+          <p:cNvSpPr>
+            <a:spLocks noGrp="1"/>
+          </p:cNvSpPr>
+          <p:nvPr>
+            <p:ph type="title"/>
+          </p:nvPr>
+        </p:nvSpPr>
+        <p:spPr/>
+        <p:txBody>
+          <a:bodyPr/>
+          <a:lstStyle/>
+          <a:p>
+            <a:r>
+              <a:t>Track 9</a:t>
+            </a:r>
+          </a:p>
+        </p:txBody>
+      </p:sp>
+      <p:pic>
+        <p:nvPicPr>
+          <p:cNvPr id="3" name="movie.vid">
+            <a:hlinkClick r:id="" action="ppaction://media"/>
+          </p:cNvPr>
+          <p:cNvPicPr>
+            <a:picLocks noChangeAspect="1"/>
+          </p:cNvPicPr>
+          <p:nvPr>
+            <a:videoFile r:link="rId3"/>
+            <p:extLst>
+              <p:ext uri="{DAA4B4D4-6D71-4841-9C94-3DE7FCFB9230}">
+                <p14:media xmlns:p14="http://schemas.microsoft.com/office/powerpoint/2010/main" r:embed="rId2"/>
+              </p:ext>
+            </p:extLst>
+          </p:nvPr>
+        </p:nvPicPr>
+        <p:blipFill>
+          <a:blip r:embed="rId4"/>
+          <a:stretch>
+            <a:fillRect/>
+          </a:stretch>
+        </p:blipFill>
+        <p:spPr>
+          <a:xfrm>
+            <a:off x="7315200" y="1371600"/>
+            <a:ext cx="5486400" cy="5486400"/>
+          </a:xfrm>
+          <a:prstGeom prst="rect">
+            <a:avLst/>
+          </a:prstGeom>
+        </p:spPr>
+      </p:pic>
+    </p:spTree>
+  </p:cSld>
+  <p:clrMapOvr>
+    <a:masterClrMapping/>
+  </p:clrMapOvr>
+  <p:timing>
+    <p:tnLst>
+      <p:par>
+        <p:cTn id="1" dur="indefinite" restart="never" nodeType="tmRoot">
+          <p:childTnLst>
+            <p:video>
+              <p:cMediaNode vol="80000">
+                <p:cTn id="2" fill="hold" display="0">
+                  <p:stCondLst>
+                    <p:cond delay="indefinite"/>
+                  </p:stCondLst>
+                </p:cTn>
+                <p:tgtEl>
+                  <p:spTgt spid="3"/>
+                </p:tgtEl>
+              </p:cMediaNode>
+            </p:video>
+          </p:childTnLst>
+        </p:cTn>
+      </p:par>
+    </p:tnLst>
+  </p:timing>
+</p:sld>
+</file>
+
+<file path=ppt/slides/slide52.xml><?xml version="1.0" encoding="utf-8"?>
+<p:sld xmlns:a="http://schemas.openxmlformats.org/drawingml/2006/main" xmlns:p="http://schemas.openxmlformats.org/presentationml/2006/main" xmlns:r="http://schemas.openxmlformats.org/officeDocument/2006/relationships">
+  <p:cSld>
+    <p:spTree>
+      <p:nvGrpSpPr>
+        <p:cNvPr id="1" name=""/>
+        <p:cNvGrpSpPr/>
+        <p:nvPr/>
+      </p:nvGrpSpPr>
+      <p:grpSpPr/>
+      <p:sp>
+        <p:nvSpPr>
+          <p:cNvPr id="2" name="Title 1"/>
+          <p:cNvSpPr>
+            <a:spLocks noGrp="1"/>
+          </p:cNvSpPr>
+          <p:nvPr>
+            <p:ph type="title"/>
+          </p:nvPr>
+        </p:nvSpPr>
+        <p:spPr/>
+        <p:txBody>
+          <a:bodyPr/>
+          <a:lstStyle/>
+          <a:p>
+            <a:r>
+              <a:t>Track 10</a:t>
+            </a:r>
+          </a:p>
+        </p:txBody>
+      </p:sp>
+      <p:pic>
+        <p:nvPicPr>
+          <p:cNvPr id="3" name="movie.vid">
+            <a:hlinkClick r:id="" action="ppaction://media"/>
+          </p:cNvPr>
+          <p:cNvPicPr>
+            <a:picLocks noChangeAspect="1"/>
+          </p:cNvPicPr>
+          <p:nvPr>
+            <a:videoFile r:link="rId3"/>
+            <p:extLst>
+              <p:ext uri="{DAA4B4D4-6D71-4841-9C94-3DE7FCFB9230}">
+                <p14:media xmlns:p14="http://schemas.microsoft.com/office/powerpoint/2010/main" r:embed="rId2"/>
+              </p:ext>
+            </p:extLst>
+          </p:nvPr>
+        </p:nvPicPr>
+        <p:blipFill>
+          <a:blip r:embed="rId4"/>
+          <a:stretch>
+            <a:fillRect/>
+          </a:stretch>
+        </p:blipFill>
+        <p:spPr>
+          <a:xfrm>
+            <a:off x="7315200" y="1371600"/>
+            <a:ext cx="5486400" cy="5486400"/>
+          </a:xfrm>
+          <a:prstGeom prst="rect">
+            <a:avLst/>
+          </a:prstGeom>
+        </p:spPr>
+      </p:pic>
+    </p:spTree>
+  </p:cSld>
+  <p:clrMapOvr>
+    <a:masterClrMapping/>
+  </p:clrMapOvr>
+  <p:timing>
+    <p:tnLst>
+      <p:par>
+        <p:cTn id="1" dur="indefinite" restart="never" nodeType="tmRoot">
+          <p:childTnLst>
+            <p:video>
+              <p:cMediaNode vol="80000">
+                <p:cTn id="2" fill="hold" display="0">
+                  <p:stCondLst>
+                    <p:cond delay="indefinite"/>
+                  </p:stCondLst>
+                </p:cTn>
+                <p:tgtEl>
+                  <p:spTgt spid="3"/>
+                </p:tgtEl>
+              </p:cMediaNode>
+            </p:video>
+          </p:childTnLst>
+        </p:cTn>
+      </p:par>
+    </p:tnLst>
+  </p:timing>
+</p:sld>
+</file>
+
+<file path=ppt/slides/slide53.xml><?xml version="1.0" encoding="utf-8"?>
+<p:sld xmlns:a="http://schemas.openxmlformats.org/drawingml/2006/main" xmlns:p="http://schemas.openxmlformats.org/presentationml/2006/main" xmlns:r="http://schemas.openxmlformats.org/officeDocument/2006/relationships">
+  <p:cSld>
+    <p:spTree>
+      <p:nvGrpSpPr>
+        <p:cNvPr id="1" name=""/>
+        <p:cNvGrpSpPr/>
+        <p:nvPr/>
+      </p:nvGrpSpPr>
+      <p:grpSpPr/>
+      <p:sp>
+        <p:nvSpPr>
+          <p:cNvPr id="2" name="Title 1"/>
+          <p:cNvSpPr>
+            <a:spLocks noGrp="1"/>
+          </p:cNvSpPr>
+          <p:nvPr>
+            <p:ph type="title"/>
+          </p:nvPr>
+        </p:nvSpPr>
+        <p:spPr/>
+        <p:txBody>
+          <a:bodyPr/>
+          <a:lstStyle/>
+          <a:p>
+            <a:r>
+              <a:t>Round 4 Review</a:t>
+            </a:r>
+          </a:p>
+        </p:txBody>
+      </p:sp>
+      <p:pic>
+        <p:nvPicPr>
+          <p:cNvPr id="4" name="movie.vid">
+            <a:hlinkClick r:id="" action="ppaction://media"/>
+          </p:cNvPr>
+          <p:cNvPicPr>
+            <a:picLocks noChangeAspect="1"/>
+          </p:cNvPicPr>
+          <p:nvPr>
+            <a:videoFile r:link="rId3"/>
+            <p:extLst>
+              <p:ext uri="{DAA4B4D4-6D71-4841-9C94-3DE7FCFB9230}">
+                <p14:media xmlns:p14="http://schemas.microsoft.com/office/powerpoint/2010/main" r:embed="rId2"/>
+              </p:ext>
+            </p:extLst>
+          </p:nvPr>
+        </p:nvPicPr>
+        <p:blipFill>
+          <a:blip r:embed="rId4"/>
+          <a:stretch>
+            <a:fillRect/>
+          </a:stretch>
+        </p:blipFill>
+        <p:spPr>
+          <a:xfrm>
+            <a:off x="5943600" y="914400"/>
+            <a:ext cx="914400" cy="914400"/>
+          </a:xfrm>
+          <a:prstGeom prst="rect">
+            <a:avLst/>
+          </a:prstGeom>
+        </p:spPr>
+      </p:pic>
+      <p:sp>
+        <p:nvSpPr>
+          <p:cNvPr id="3" name="Content Placeholder 2"/>
+          <p:cNvSpPr>
+            <a:spLocks noGrp="1"/>
+          </p:cNvSpPr>
+          <p:nvPr>
+            <p:ph idx="10" sz="quarter"/>
+          </p:nvPr>
+        </p:nvSpPr>
+        <p:spPr>
+          <a:xfrm>
+            <a:off x="6858000" y="914400"/>
+            <a:ext cx="2834640" cy="914400"/>
+          </a:xfrm>
+        </p:spPr>
+        <p:txBody>
+          <a:bodyPr/>
+          <a:lstStyle/>
+          <a:p>
+            <a:r>
+              <a:t> Track 1</a:t>
+            </a:r>
+          </a:p>
+        </p:txBody>
+      </p:sp>
+      <p:pic>
+        <p:nvPicPr>
+          <p:cNvPr id="5" name="movie.vid">
+            <a:hlinkClick r:id="" action="ppaction://media"/>
+          </p:cNvPr>
+          <p:cNvPicPr>
+            <a:picLocks noChangeAspect="1"/>
+          </p:cNvPicPr>
+          <p:nvPr>
+            <a:videoFile r:link="rId3"/>
+            <p:extLst>
+              <p:ext uri="{DAA4B4D4-6D71-4841-9C94-3DE7FCFB9230}">
+                <p14:media xmlns:p14="http://schemas.microsoft.com/office/powerpoint/2010/main" r:embed="rId2"/>
+              </p:ext>
+            </p:extLst>
+          </p:nvPr>
+        </p:nvPicPr>
+        <p:blipFill>
+          <a:blip r:embed="rId4"/>
+          <a:stretch>
+            <a:fillRect/>
+          </a:stretch>
+        </p:blipFill>
+        <p:spPr>
+          <a:xfrm>
+            <a:off x="10058400" y="914400"/>
+            <a:ext cx="914400" cy="914400"/>
+          </a:xfrm>
+          <a:prstGeom prst="rect">
+            <a:avLst/>
+          </a:prstGeom>
+        </p:spPr>
+      </p:pic>
+      <p:sp>
+        <p:nvSpPr>
+          <p:cNvPr id="3" name="Content Placeholder 2"/>
+          <p:cNvSpPr>
+            <a:spLocks noGrp="1"/>
+          </p:cNvSpPr>
+          <p:nvPr>
+            <p:ph idx="10" sz="quarter"/>
+          </p:nvPr>
+        </p:nvSpPr>
+        <p:spPr>
+          <a:xfrm>
+            <a:off x="10972800" y="914400"/>
+            <a:ext cx="2834640" cy="914400"/>
+          </a:xfrm>
+        </p:spPr>
+        <p:txBody>
+          <a:bodyPr/>
+          <a:lstStyle/>
+          <a:p>
+            <a:r>
+              <a:t> Track 2</a:t>
+            </a:r>
+          </a:p>
+        </p:txBody>
+      </p:sp>
+      <p:pic>
+        <p:nvPicPr>
+          <p:cNvPr id="6" name="movie.vid">
+            <a:hlinkClick r:id="" action="ppaction://media"/>
+          </p:cNvPr>
+          <p:cNvPicPr>
+            <a:picLocks noChangeAspect="1"/>
+          </p:cNvPicPr>
+          <p:nvPr>
+            <a:videoFile r:link="rId3"/>
+            <p:extLst>
+              <p:ext uri="{DAA4B4D4-6D71-4841-9C94-3DE7FCFB9230}">
+                <p14:media xmlns:p14="http://schemas.microsoft.com/office/powerpoint/2010/main" r:embed="rId2"/>
+              </p:ext>
+            </p:extLst>
+          </p:nvPr>
+        </p:nvPicPr>
+        <p:blipFill>
+          <a:blip r:embed="rId4"/>
+          <a:stretch>
+            <a:fillRect/>
+          </a:stretch>
+        </p:blipFill>
+        <p:spPr>
+          <a:xfrm>
+            <a:off x="5943600" y="2286000"/>
+            <a:ext cx="914400" cy="914400"/>
+          </a:xfrm>
+          <a:prstGeom prst="rect">
+            <a:avLst/>
+          </a:prstGeom>
+        </p:spPr>
+      </p:pic>
+      <p:sp>
+        <p:nvSpPr>
+          <p:cNvPr id="3" name="Content Placeholder 2"/>
+          <p:cNvSpPr>
+            <a:spLocks noGrp="1"/>
+          </p:cNvSpPr>
+          <p:nvPr>
+            <p:ph idx="10" sz="quarter"/>
+          </p:nvPr>
+        </p:nvSpPr>
+        <p:spPr>
+          <a:xfrm>
+            <a:off x="6858000" y="2286000"/>
+            <a:ext cx="2834640" cy="914400"/>
+          </a:xfrm>
+        </p:spPr>
+        <p:txBody>
+          <a:bodyPr/>
+          <a:lstStyle/>
+          <a:p>
+            <a:r>
+              <a:t> Track 3</a:t>
+            </a:r>
+          </a:p>
+        </p:txBody>
+      </p:sp>
+      <p:pic>
+        <p:nvPicPr>
+          <p:cNvPr id="7" name="movie.vid">
+            <a:hlinkClick r:id="" action="ppaction://media"/>
+          </p:cNvPr>
+          <p:cNvPicPr>
+            <a:picLocks noChangeAspect="1"/>
+          </p:cNvPicPr>
+          <p:nvPr>
+            <a:videoFile r:link="rId3"/>
+            <p:extLst>
+              <p:ext uri="{DAA4B4D4-6D71-4841-9C94-3DE7FCFB9230}">
+                <p14:media xmlns:p14="http://schemas.microsoft.com/office/powerpoint/2010/main" r:embed="rId2"/>
+              </p:ext>
+            </p:extLst>
+          </p:nvPr>
+        </p:nvPicPr>
+        <p:blipFill>
+          <a:blip r:embed="rId4"/>
+          <a:stretch>
+            <a:fillRect/>
+          </a:stretch>
+        </p:blipFill>
+        <p:spPr>
+          <a:xfrm>
+            <a:off x="10058400" y="2286000"/>
+            <a:ext cx="914400" cy="914400"/>
+          </a:xfrm>
+          <a:prstGeom prst="rect">
+            <a:avLst/>
+          </a:prstGeom>
+        </p:spPr>
+      </p:pic>
+      <p:sp>
+        <p:nvSpPr>
+          <p:cNvPr id="3" name="Content Placeholder 2"/>
+          <p:cNvSpPr>
+            <a:spLocks noGrp="1"/>
+          </p:cNvSpPr>
+          <p:nvPr>
+            <p:ph idx="10" sz="quarter"/>
+          </p:nvPr>
+        </p:nvSpPr>
+        <p:spPr>
+          <a:xfrm>
+            <a:off x="10972800" y="2286000"/>
+            <a:ext cx="2834640" cy="914400"/>
+          </a:xfrm>
+        </p:spPr>
+        <p:txBody>
+          <a:bodyPr/>
+          <a:lstStyle/>
+          <a:p>
+            <a:r>
+              <a:t> Track 4</a:t>
+            </a:r>
+          </a:p>
+        </p:txBody>
+      </p:sp>
+      <p:pic>
+        <p:nvPicPr>
+          <p:cNvPr id="8" name="movie.vid">
+            <a:hlinkClick r:id="" action="ppaction://media"/>
+          </p:cNvPr>
+          <p:cNvPicPr>
+            <a:picLocks noChangeAspect="1"/>
+          </p:cNvPicPr>
+          <p:nvPr>
+            <a:videoFile r:link="rId3"/>
+            <p:extLst>
+              <p:ext uri="{DAA4B4D4-6D71-4841-9C94-3DE7FCFB9230}">
+                <p14:media xmlns:p14="http://schemas.microsoft.com/office/powerpoint/2010/main" r:embed="rId2"/>
+              </p:ext>
+            </p:extLst>
+          </p:nvPr>
+        </p:nvPicPr>
+        <p:blipFill>
+          <a:blip r:embed="rId4"/>
+          <a:stretch>
+            <a:fillRect/>
+          </a:stretch>
+        </p:blipFill>
+        <p:spPr>
+          <a:xfrm>
+            <a:off x="5943600" y="3657600"/>
+            <a:ext cx="914400" cy="914400"/>
+          </a:xfrm>
+          <a:prstGeom prst="rect">
+            <a:avLst/>
+          </a:prstGeom>
+        </p:spPr>
+      </p:pic>
+      <p:sp>
+        <p:nvSpPr>
+          <p:cNvPr id="3" name="Content Placeholder 2"/>
+          <p:cNvSpPr>
+            <a:spLocks noGrp="1"/>
+          </p:cNvSpPr>
+          <p:nvPr>
+            <p:ph idx="10" sz="quarter"/>
+          </p:nvPr>
+        </p:nvSpPr>
+        <p:spPr>
+          <a:xfrm>
+            <a:off x="6858000" y="3657600"/>
+            <a:ext cx="2834640" cy="914400"/>
+          </a:xfrm>
+        </p:spPr>
+        <p:txBody>
+          <a:bodyPr/>
+          <a:lstStyle/>
+          <a:p>
+            <a:r>
+              <a:t> Track 5</a:t>
+            </a:r>
+          </a:p>
+        </p:txBody>
+      </p:sp>
+      <p:pic>
+        <p:nvPicPr>
+          <p:cNvPr id="9" name="movie.vid">
+            <a:hlinkClick r:id="" action="ppaction://media"/>
+          </p:cNvPr>
+          <p:cNvPicPr>
+            <a:picLocks noChangeAspect="1"/>
+          </p:cNvPicPr>
+          <p:nvPr>
+            <a:videoFile r:link="rId3"/>
+            <p:extLst>
+              <p:ext uri="{DAA4B4D4-6D71-4841-9C94-3DE7FCFB9230}">
+                <p14:media xmlns:p14="http://schemas.microsoft.com/office/powerpoint/2010/main" r:embed="rId2"/>
+              </p:ext>
+            </p:extLst>
+          </p:nvPr>
+        </p:nvPicPr>
+        <p:blipFill>
+          <a:blip r:embed="rId4"/>
+          <a:stretch>
+            <a:fillRect/>
+          </a:stretch>
+        </p:blipFill>
+        <p:spPr>
+          <a:xfrm>
+            <a:off x="10058400" y="3657600"/>
+            <a:ext cx="914400" cy="914400"/>
+          </a:xfrm>
+          <a:prstGeom prst="rect">
+            <a:avLst/>
+          </a:prstGeom>
+        </p:spPr>
+      </p:pic>
+      <p:sp>
+        <p:nvSpPr>
+          <p:cNvPr id="3" name="Content Placeholder 2"/>
+          <p:cNvSpPr>
+            <a:spLocks noGrp="1"/>
+          </p:cNvSpPr>
+          <p:nvPr>
+            <p:ph idx="10" sz="quarter"/>
+          </p:nvPr>
+        </p:nvSpPr>
+        <p:spPr>
+          <a:xfrm>
+            <a:off x="10972800" y="3657600"/>
+            <a:ext cx="2834640" cy="914400"/>
+          </a:xfrm>
+        </p:spPr>
+        <p:txBody>
+          <a:bodyPr/>
+          <a:lstStyle/>
+          <a:p>
+            <a:r>
+              <a:t> Track 6</a:t>
+            </a:r>
+          </a:p>
+        </p:txBody>
+      </p:sp>
+      <p:pic>
+        <p:nvPicPr>
+          <p:cNvPr id="10" name="movie.vid">
+            <a:hlinkClick r:id="" action="ppaction://media"/>
+          </p:cNvPr>
+          <p:cNvPicPr>
+            <a:picLocks noChangeAspect="1"/>
+          </p:cNvPicPr>
+          <p:nvPr>
+            <a:videoFile r:link="rId3"/>
+            <p:extLst>
+              <p:ext uri="{DAA4B4D4-6D71-4841-9C94-3DE7FCFB9230}">
+                <p14:media xmlns:p14="http://schemas.microsoft.com/office/powerpoint/2010/main" r:embed="rId2"/>
+              </p:ext>
+            </p:extLst>
+          </p:nvPr>
+        </p:nvPicPr>
+        <p:blipFill>
+          <a:blip r:embed="rId4"/>
+          <a:stretch>
+            <a:fillRect/>
+          </a:stretch>
+        </p:blipFill>
+        <p:spPr>
+          <a:xfrm>
+            <a:off x="5943600" y="5029200"/>
+            <a:ext cx="914400" cy="914400"/>
+          </a:xfrm>
+          <a:prstGeom prst="rect">
+            <a:avLst/>
+          </a:prstGeom>
+        </p:spPr>
+      </p:pic>
+      <p:sp>
+        <p:nvSpPr>
+          <p:cNvPr id="3" name="Content Placeholder 2"/>
+          <p:cNvSpPr>
+            <a:spLocks noGrp="1"/>
+          </p:cNvSpPr>
+          <p:nvPr>
+            <p:ph idx="10" sz="quarter"/>
+          </p:nvPr>
+        </p:nvSpPr>
+        <p:spPr>
+          <a:xfrm>
+            <a:off x="6858000" y="5029200"/>
+            <a:ext cx="2834640" cy="914400"/>
+          </a:xfrm>
+        </p:spPr>
+        <p:txBody>
+          <a:bodyPr/>
+          <a:lstStyle/>
+          <a:p>
+            <a:r>
+              <a:t> Track 7</a:t>
+            </a:r>
+          </a:p>
+        </p:txBody>
+      </p:sp>
+      <p:pic>
+        <p:nvPicPr>
+          <p:cNvPr id="11" name="movie.vid">
+            <a:hlinkClick r:id="" action="ppaction://media"/>
+          </p:cNvPr>
+          <p:cNvPicPr>
+            <a:picLocks noChangeAspect="1"/>
+          </p:cNvPicPr>
+          <p:nvPr>
+            <a:videoFile r:link="rId3"/>
+            <p:extLst>
+              <p:ext uri="{DAA4B4D4-6D71-4841-9C94-3DE7FCFB9230}">
+                <p14:media xmlns:p14="http://schemas.microsoft.com/office/powerpoint/2010/main" r:embed="rId2"/>
+              </p:ext>
+            </p:extLst>
+          </p:nvPr>
+        </p:nvPicPr>
+        <p:blipFill>
+          <a:blip r:embed="rId4"/>
+          <a:stretch>
+            <a:fillRect/>
+          </a:stretch>
+        </p:blipFill>
+        <p:spPr>
+          <a:xfrm>
+            <a:off x="10058400" y="5029200"/>
+            <a:ext cx="914400" cy="914400"/>
+          </a:xfrm>
+          <a:prstGeom prst="rect">
+            <a:avLst/>
+          </a:prstGeom>
+        </p:spPr>
+      </p:pic>
+      <p:sp>
+        <p:nvSpPr>
+          <p:cNvPr id="3" name="Content Placeholder 2"/>
+          <p:cNvSpPr>
+            <a:spLocks noGrp="1"/>
+          </p:cNvSpPr>
+          <p:nvPr>
+            <p:ph idx="10" sz="quarter"/>
+          </p:nvPr>
+        </p:nvSpPr>
+        <p:spPr>
+          <a:xfrm>
+            <a:off x="10972800" y="5029200"/>
+            <a:ext cx="2834640" cy="914400"/>
+          </a:xfrm>
+        </p:spPr>
+        <p:txBody>
+          <a:bodyPr/>
+          <a:lstStyle/>
+          <a:p>
+            <a:r>
+              <a:t> Track 8</a:t>
+            </a:r>
+          </a:p>
+        </p:txBody>
+      </p:sp>
+      <p:pic>
+        <p:nvPicPr>
+          <p:cNvPr id="12" name="movie.vid">
+            <a:hlinkClick r:id="" action="ppaction://media"/>
+          </p:cNvPr>
+          <p:cNvPicPr>
+            <a:picLocks noChangeAspect="1"/>
+          </p:cNvPicPr>
+          <p:nvPr>
+            <a:videoFile r:link="rId3"/>
+            <p:extLst>
+              <p:ext uri="{DAA4B4D4-6D71-4841-9C94-3DE7FCFB9230}">
+                <p14:media xmlns:p14="http://schemas.microsoft.com/office/powerpoint/2010/main" r:embed="rId2"/>
+              </p:ext>
+            </p:extLst>
+          </p:nvPr>
+        </p:nvPicPr>
+        <p:blipFill>
+          <a:blip r:embed="rId4"/>
+          <a:stretch>
+            <a:fillRect/>
+          </a:stretch>
+        </p:blipFill>
+        <p:spPr>
+          <a:xfrm>
+            <a:off x="5943600" y="6400800"/>
+            <a:ext cx="914400" cy="914400"/>
+          </a:xfrm>
+          <a:prstGeom prst="rect">
+            <a:avLst/>
+          </a:prstGeom>
+        </p:spPr>
+      </p:pic>
+      <p:sp>
+        <p:nvSpPr>
+          <p:cNvPr id="3" name="Content Placeholder 2"/>
+          <p:cNvSpPr>
+            <a:spLocks noGrp="1"/>
+          </p:cNvSpPr>
+          <p:nvPr>
+            <p:ph idx="10" sz="quarter"/>
+          </p:nvPr>
+        </p:nvSpPr>
+        <p:spPr>
+          <a:xfrm>
+            <a:off x="6858000" y="6400800"/>
+            <a:ext cx="2834640" cy="914400"/>
+          </a:xfrm>
+        </p:spPr>
+        <p:txBody>
+          <a:bodyPr/>
+          <a:lstStyle/>
+          <a:p>
+            <a:r>
+              <a:t> Track 9</a:t>
+            </a:r>
+          </a:p>
+        </p:txBody>
+      </p:sp>
+      <p:pic>
+        <p:nvPicPr>
+          <p:cNvPr id="13" name="movie.vid">
+            <a:hlinkClick r:id="" action="ppaction://media"/>
+          </p:cNvPr>
+          <p:cNvPicPr>
+            <a:picLocks noChangeAspect="1"/>
+          </p:cNvPicPr>
+          <p:nvPr>
+            <a:videoFile r:link="rId3"/>
+            <p:extLst>
+              <p:ext uri="{DAA4B4D4-6D71-4841-9C94-3DE7FCFB9230}">
+                <p14:media xmlns:p14="http://schemas.microsoft.com/office/powerpoint/2010/main" r:embed="rId2"/>
+              </p:ext>
+            </p:extLst>
+          </p:nvPr>
+        </p:nvPicPr>
+        <p:blipFill>
+          <a:blip r:embed="rId4"/>
+          <a:stretch>
+            <a:fillRect/>
+          </a:stretch>
+        </p:blipFill>
+        <p:spPr>
+          <a:xfrm>
+            <a:off x="10058400" y="6400800"/>
+            <a:ext cx="914400" cy="914400"/>
+          </a:xfrm>
+          <a:prstGeom prst="rect">
+            <a:avLst/>
+          </a:prstGeom>
+        </p:spPr>
+      </p:pic>
+      <p:sp>
+        <p:nvSpPr>
+          <p:cNvPr id="3" name="Content Placeholder 2"/>
+          <p:cNvSpPr>
+            <a:spLocks noGrp="1"/>
+          </p:cNvSpPr>
+          <p:nvPr>
+            <p:ph idx="10" sz="quarter"/>
+          </p:nvPr>
+        </p:nvSpPr>
+        <p:spPr>
+          <a:xfrm>
+            <a:off x="10972800" y="6400800"/>
+            <a:ext cx="2834640" cy="914400"/>
+          </a:xfrm>
+        </p:spPr>
+        <p:txBody>
+          <a:bodyPr/>
+          <a:lstStyle/>
+          <a:p>
+            <a:r>
+              <a:t> Track 10</a:t>
+            </a:r>
+          </a:p>
+        </p:txBody>
+      </p:sp>
+    </p:spTree>
+  </p:cSld>
+  <p:clrMapOvr>
+    <a:masterClrMapping/>
+  </p:clrMapOvr>
+  <p:timing>
+    <p:tnLst>
+      <p:par>
+        <p:cTn id="1" dur="indefinite" restart="never" nodeType="tmRoot">
+          <p:childTnLst>
+            <p:video>
+              <p:cMediaNode vol="80000">
+                <p:cTn id="2" fill="hold" display="0">
+                  <p:stCondLst>
+                    <p:cond delay="indefinite"/>
+                  </p:stCondLst>
+                </p:cTn>
+                <p:tgtEl>
+                  <p:spTgt spid="4"/>
+                </p:tgtEl>
+              </p:cMediaNode>
+            </p:video>
+            <p:video>
+              <p:cMediaNode vol="80000">
+                <p:cTn id="3" fill="hold" display="0">
+                  <p:stCondLst>
+                    <p:cond delay="indefinite"/>
+                  </p:stCondLst>
+                </p:cTn>
+                <p:tgtEl>
+                  <p:spTgt spid="5"/>
+                </p:tgtEl>
+              </p:cMediaNode>
+            </p:video>
+            <p:video>
+              <p:cMediaNode vol="80000">
+                <p:cTn id="4" fill="hold" display="0">
+                  <p:stCondLst>
+                    <p:cond delay="indefinite"/>
+                  </p:stCondLst>
+                </p:cTn>
+                <p:tgtEl>
+                  <p:spTgt spid="6"/>
+                </p:tgtEl>
+              </p:cMediaNode>
+            </p:video>
+            <p:video>
+              <p:cMediaNode vol="80000">
+                <p:cTn id="5" fill="hold" display="0">
+                  <p:stCondLst>
+                    <p:cond delay="indefinite"/>
+                  </p:stCondLst>
+                </p:cTn>
+                <p:tgtEl>
+                  <p:spTgt spid="7"/>
+                </p:tgtEl>
+              </p:cMediaNode>
+            </p:video>
+            <p:video>
+              <p:cMediaNode vol="80000">
+                <p:cTn id="6" fill="hold" display="0">
+                  <p:stCondLst>
+                    <p:cond delay="indefinite"/>
+                  </p:stCondLst>
+                </p:cTn>
+                <p:tgtEl>
+                  <p:spTgt spid="8"/>
+                </p:tgtEl>
+              </p:cMediaNode>
+            </p:video>
+            <p:video>
+              <p:cMediaNode vol="80000">
+                <p:cTn id="7" fill="hold" display="0">
+                  <p:stCondLst>
+                    <p:cond delay="indefinite"/>
+                  </p:stCondLst>
+                </p:cTn>
+                <p:tgtEl>
+                  <p:spTgt spid="9"/>
+                </p:tgtEl>
+              </p:cMediaNode>
+            </p:video>
+            <p:video>
+              <p:cMediaNode vol="80000">
+                <p:cTn id="8" fill="hold" display="0">
+                  <p:stCondLst>
+                    <p:cond delay="indefinite"/>
+                  </p:stCondLst>
+                </p:cTn>
+                <p:tgtEl>
+                  <p:spTgt spid="10"/>
+                </p:tgtEl>
+              </p:cMediaNode>
+            </p:video>
+            <p:video>
+              <p:cMediaNode vol="80000">
+                <p:cTn id="9" fill="hold" display="0">
+                  <p:stCondLst>
+                    <p:cond delay="indefinite"/>
+                  </p:stCondLst>
+                </p:cTn>
+                <p:tgtEl>
+                  <p:spTgt spid="11"/>
+                </p:tgtEl>
+              </p:cMediaNode>
+            </p:video>
+            <p:video>
+              <p:cMediaNode vol="80000">
+                <p:cTn id="10" fill="hold" display="0">
+                  <p:stCondLst>
+                    <p:cond delay="indefinite"/>
+                  </p:stCondLst>
+                </p:cTn>
+                <p:tgtEl>
+                  <p:spTgt spid="12"/>
+                </p:tgtEl>
+              </p:cMediaNode>
+            </p:video>
+            <p:video>
+              <p:cMediaNode vol="80000">
+                <p:cTn id="11" fill="hold" display="0">
+                  <p:stCondLst>
+                    <p:cond delay="indefinite"/>
+                  </p:stCondLst>
+                </p:cTn>
+                <p:tgtEl>
+                  <p:spTgt spid="13"/>
+                </p:tgtEl>
+              </p:cMediaNode>
+            </p:video>
+          </p:childTnLst>
+        </p:cTn>
+      </p:par>
+    </p:tnLst>
+  </p:timing>
+</p:sld>
+</file>
+
+<file path=ppt/slides/slide54.xml><?xml version="1.0" encoding="utf-8"?>
+<p:sld xmlns:a="http://schemas.openxmlformats.org/drawingml/2006/main" xmlns:p="http://schemas.openxmlformats.org/presentationml/2006/main" xmlns:r="http://schemas.openxmlformats.org/officeDocument/2006/relationships">
+  <p:cSld>
+    <p:spTree>
+      <p:nvGrpSpPr>
+        <p:cNvPr id="1" name=""/>
+        <p:cNvGrpSpPr/>
+        <p:nvPr/>
+      </p:nvGrpSpPr>
+      <p:grpSpPr/>
+      <p:sp>
+        <p:nvSpPr>
+          <p:cNvPr id="2" name="Title 1"/>
+          <p:cNvSpPr>
+            <a:spLocks noGrp="1"/>
+          </p:cNvSpPr>
+          <p:nvPr>
+            <p:ph type="title"/>
+          </p:nvPr>
+        </p:nvSpPr>
+        <p:spPr/>
+        <p:txBody>
+          <a:bodyPr/>
+          <a:lstStyle/>
+          <a:p>
+            <a:r>
+              <a:t>Round 4 Answers</a:t>
+            </a:r>
+          </a:p>
+        </p:txBody>
+      </p:sp>
+      <p:sp>
+        <p:nvSpPr>
+          <p:cNvPr id="3" name="Content Placeholder 2"/>
+          <p:cNvSpPr>
+            <a:spLocks noGrp="1"/>
+          </p:cNvSpPr>
+          <p:nvPr>
+            <p:ph idx="1"/>
+          </p:nvPr>
+        </p:nvSpPr>
+        <p:spPr/>
+        <p:txBody>
+          <a:bodyPr/>
+          <a:lstStyle/>
+          <a:p>
+            <a:pPr/>
+            <a:r>
+              <a:rPr b="0" i="0"/>
+              <a:t>31 Super Mario Brothers: </a:t>
+            </a:r>
+            <a:r>
+              <a:rPr b="0" i="1"/>
+              <a:t>Super Mario Galaxy</a:t>
+            </a:r>
+            <a:r>
+              <a:rPr b="0" i="0"/>
+              <a:t> – Good Egg Galaxy</a:t>
+            </a:r>
+          </a:p>
+          <a:p>
+            <a:pPr/>
+            <a:r>
+              <a:rPr b="0" i="0"/>
+              <a:t>32 Deltarune: </a:t>
+            </a:r>
+            <a:r>
+              <a:rPr b="0" i="1"/>
+              <a:t>Deltarune</a:t>
+            </a:r>
+            <a:r>
+              <a:rPr b="0" i="0"/>
+              <a:t> – Field of Hopes and Dreams</a:t>
+            </a:r>
+          </a:p>
+          <a:p>
+            <a:pPr/>
+            <a:r>
+              <a:rPr b="0" i="0"/>
+              <a:t>33 Danganronpa: </a:t>
+            </a:r>
+            <a:r>
+              <a:rPr b="0" i="1"/>
+              <a:t>Danganronpa V3: Killing Harmony</a:t>
+            </a:r>
+            <a:r>
+              <a:rPr b="0" i="0"/>
+              <a:t> – Danganronpa V3 (Full Version)*</a:t>
+            </a:r>
+          </a:p>
+          <a:p>
+            <a:pPr/>
+            <a:r>
+              <a:rPr b="0" i="0"/>
+              <a:t>34 Genshin Impact: </a:t>
+            </a:r>
+            <a:r>
+              <a:rPr b="0" i="1"/>
+              <a:t>Genshin Impact</a:t>
+            </a:r>
+            <a:r>
+              <a:rPr b="0" i="0"/>
+              <a:t> – Photon of Fluctuation</a:t>
+            </a:r>
+          </a:p>
+          <a:p>
+            <a:pPr/>
+            <a:r>
+              <a:rPr b="0" i="0"/>
+              <a:t>35 Lego Star Wars: </a:t>
+            </a:r>
+            <a:r>
+              <a:rPr b="0" i="1"/>
+              <a:t>Lego Star Wars: The Complete Saga</a:t>
+            </a:r>
+            <a:r>
+              <a:rPr b="0" i="0"/>
+              <a:t> – Mos Eisley Cantina</a:t>
+            </a:r>
+          </a:p>
+          <a:p>
+            <a:pPr/>
+            <a:r>
+              <a:rPr b="0" i="0"/>
+              <a:t>36 Super Mario Brothers: </a:t>
+            </a:r>
+            <a:r>
+              <a:rPr b="0" i="1"/>
+              <a:t>Super Mario Galaxy</a:t>
+            </a:r>
+            <a:r>
+              <a:rPr b="0" i="0"/>
+              <a:t> – Good Egg Galaxy</a:t>
+            </a:r>
+          </a:p>
+          <a:p>
+            <a:pPr/>
+            <a:r>
+              <a:rPr b="0" i="0"/>
+              <a:t>37 Deltarune: </a:t>
+            </a:r>
+            <a:r>
+              <a:rPr b="0" i="1"/>
+              <a:t>Deltarune</a:t>
+            </a:r>
+            <a:r>
+              <a:rPr b="0" i="0"/>
+              <a:t> – Field of Hopes and Dreams</a:t>
+            </a:r>
+          </a:p>
+          <a:p>
+            <a:pPr/>
+            <a:r>
+              <a:rPr b="0" i="0"/>
+              <a:t>38 Danganronpa: </a:t>
+            </a:r>
+            <a:r>
+              <a:rPr b="0" i="1"/>
+              <a:t>Danganronpa V3: Killing Harmony</a:t>
+            </a:r>
+            <a:r>
+              <a:rPr b="0" i="0"/>
+              <a:t> – Danganronpa V3 (Full Version)*</a:t>
+            </a:r>
+          </a:p>
+          <a:p>
+            <a:pPr/>
+            <a:r>
+              <a:rPr b="0" i="0"/>
+              <a:t>39 Genshin Impact: </a:t>
+            </a:r>
+            <a:r>
+              <a:rPr b="0" i="1"/>
+              <a:t>Genshin Impact</a:t>
+            </a:r>
+            <a:r>
+              <a:rPr b="0" i="0"/>
+              <a:t> – Photon of Fluctuation</a:t>
+            </a:r>
+          </a:p>
+          <a:p>
+            <a:pPr/>
+            <a:r>
+              <a:rPr b="0" i="0"/>
+              <a:t>40 Lego Star Wars: </a:t>
+            </a:r>
+            <a:r>
+              <a:rPr b="0" i="1"/>
+              <a:t>Lego Star Wars: The Complete Saga</a:t>
+            </a:r>
+            <a:r>
+              <a:rPr b="0" i="0"/>
+              <a:t> – Mos Eisley Cantina</a:t>
+            </a:r>
+          </a:p>
+        </p:txBody>
+      </p:sp>
+    </p:spTree>
+  </p:cSld>
+  <p:clrMapOvr>
+    <a:masterClrMapping/>
+  </p:clrMapOvr>
+</p:sld>
+</file>
+
+<file path=ppt/slides/slide55.xml><?xml version="1.0" encoding="utf-8"?>
+<p:sld xmlns:a="http://schemas.openxmlformats.org/drawingml/2006/main" xmlns:p="http://schemas.openxmlformats.org/presentationml/2006/main" xmlns:r="http://schemas.openxmlformats.org/officeDocument/2006/relationships">
+  <p:cSld>
+    <p:spTree>
+      <p:nvGrpSpPr>
+        <p:cNvPr id="1" name=""/>
+        <p:cNvGrpSpPr/>
+        <p:nvPr/>
+      </p:nvGrpSpPr>
+      <p:grpSpPr/>
+      <p:sp>
+        <p:nvSpPr>
+          <p:cNvPr id="2" name="Content Placeholder 1"/>
+          <p:cNvSpPr>
+            <a:spLocks noGrp="1"/>
+          </p:cNvSpPr>
+          <p:nvPr>
+            <p:ph idx="10" sz="quarter"/>
+          </p:nvPr>
+        </p:nvSpPr>
+        <p:spPr/>
+        <p:txBody>
+          <a:bodyPr/>
+          <a:lstStyle/>
+          <a:p>
+            <a:r>
+              <a:t>Round 5</a:t>
+            </a:r>
+          </a:p>
+          <a:p>
+            <a:pPr>
+              <a:defRPr sz="6600"/>
+            </a:pPr>
+            <a:r>
+              <a:t>(Challenge Round)</a:t>
+            </a:r>
+          </a:p>
+        </p:txBody>
+      </p:sp>
+    </p:spTree>
+  </p:cSld>
+  <p:clrMapOvr>
+    <a:masterClrMapping/>
+  </p:clrMapOvr>
+</p:sld>
+</file>
+
+<file path=ppt/slides/slide56.xml><?xml version="1.0" encoding="utf-8"?>
+<p:sld xmlns:a="http://schemas.openxmlformats.org/drawingml/2006/main" xmlns:p="http://schemas.openxmlformats.org/presentationml/2006/main" xmlns:r="http://schemas.openxmlformats.org/officeDocument/2006/relationships">
+  <p:cSld>
+    <p:spTree>
+      <p:nvGrpSpPr>
+        <p:cNvPr id="1" name=""/>
+        <p:cNvGrpSpPr/>
+        <p:nvPr/>
+      </p:nvGrpSpPr>
+      <p:grpSpPr/>
+      <p:sp>
+        <p:nvSpPr>
+          <p:cNvPr id="2" name="Title 1"/>
+          <p:cNvSpPr>
+            <a:spLocks noGrp="1"/>
+          </p:cNvSpPr>
+          <p:nvPr>
+            <p:ph type="title"/>
+          </p:nvPr>
+        </p:nvSpPr>
+        <p:spPr/>
+        <p:txBody>
+          <a:bodyPr/>
+          <a:lstStyle/>
+          <a:p>
+            <a:r>
+              <a:t>Special Rules</a:t>
+            </a:r>
+          </a:p>
+        </p:txBody>
+      </p:sp>
+      <p:sp>
+        <p:nvSpPr>
+          <p:cNvPr id="3" name="Content Placeholder 2"/>
+          <p:cNvSpPr>
+            <a:spLocks noGrp="1"/>
+          </p:cNvSpPr>
+          <p:nvPr>
+            <p:ph idx="1"/>
+          </p:nvPr>
+        </p:nvSpPr>
+        <p:spPr/>
+        <p:txBody>
+          <a:bodyPr/>
+          <a:lstStyle/>
+          <a:p>
+            <a:pPr/>
+            <a:r>
+              <a:rPr b="0" i="0"/>
+              <a:t>This will be the hardest round.</a:t>
+            </a:r>
+          </a:p>
+          <a:p>
+            <a:pPr/>
+            <a:r>
+              <a:rPr b="0" i="0"/>
+              <a:t>This time you only need the game’s name, with a correct guess earning </a:t>
+            </a:r>
+            <a:r>
+              <a:rPr b="1" i="0" u="sng"/>
+              <a:t>5 points</a:t>
+            </a:r>
+            <a:r>
+              <a:rPr b="0" i="0"/>
+              <a:t>.</a:t>
+            </a:r>
+          </a:p>
+          <a:p>
+            <a:pPr/>
+            <a:r>
+              <a:rPr b="0" i="0"/>
+              <a:t>Because of this, we are going to be much stricter about getting the name right.</a:t>
+            </a:r>
+          </a:p>
+          <a:p>
+            <a:pPr/>
+            <a:r>
+              <a:rPr b="0" i="0"/>
+              <a:t>All songs chosen here are ones on my personal playlists, but might not be the most popular from its associated game.</a:t>
+            </a:r>
+          </a:p>
+          <a:p>
+            <a:pPr/>
+            <a:r>
+              <a:rPr b="0" i="0"/>
+              <a:t>Good luck!</a:t>
+            </a:r>
+          </a:p>
+        </p:txBody>
+      </p:sp>
+    </p:spTree>
+  </p:cSld>
+  <p:clrMapOvr>
+    <a:masterClrMapping/>
+  </p:clrMapOvr>
+</p:sld>
+</file>
+
+<file path=ppt/slides/slide57.xml><?xml version="1.0" encoding="utf-8"?>
+<p:sld xmlns:a="http://schemas.openxmlformats.org/drawingml/2006/main" xmlns:p="http://schemas.openxmlformats.org/presentationml/2006/main" xmlns:r="http://schemas.openxmlformats.org/officeDocument/2006/relationships">
+  <p:cSld>
+    <p:spTree>
+      <p:nvGrpSpPr>
+        <p:cNvPr id="1" name=""/>
+        <p:cNvGrpSpPr/>
+        <p:nvPr/>
+      </p:nvGrpSpPr>
+      <p:grpSpPr/>
+      <p:sp>
+        <p:nvSpPr>
+          <p:cNvPr id="2" name="Title 1"/>
+          <p:cNvSpPr>
+            <a:spLocks noGrp="1"/>
+          </p:cNvSpPr>
+          <p:nvPr>
+            <p:ph type="title"/>
+          </p:nvPr>
+        </p:nvSpPr>
+        <p:spPr/>
+        <p:txBody>
+          <a:bodyPr/>
+          <a:lstStyle/>
+          <a:p>
+            <a:r>
+              <a:t>Track 1</a:t>
+            </a:r>
+          </a:p>
+        </p:txBody>
+      </p:sp>
+      <p:pic>
+        <p:nvPicPr>
+          <p:cNvPr id="3" name="movie.vid">
+            <a:hlinkClick r:id="" action="ppaction://media"/>
+          </p:cNvPr>
+          <p:cNvPicPr>
+            <a:picLocks noChangeAspect="1"/>
+          </p:cNvPicPr>
+          <p:nvPr>
+            <a:videoFile r:link="rId3"/>
+            <p:extLst>
+              <p:ext uri="{DAA4B4D4-6D71-4841-9C94-3DE7FCFB9230}">
+                <p14:media xmlns:p14="http://schemas.microsoft.com/office/powerpoint/2010/main" r:embed="rId2"/>
+              </p:ext>
+            </p:extLst>
+          </p:nvPr>
+        </p:nvPicPr>
+        <p:blipFill>
+          <a:blip r:embed="rId4"/>
+          <a:stretch>
+            <a:fillRect/>
+          </a:stretch>
+        </p:blipFill>
+        <p:spPr>
+          <a:xfrm>
+            <a:off x="7315200" y="1371600"/>
+            <a:ext cx="5486400" cy="5486400"/>
+          </a:xfrm>
+          <a:prstGeom prst="rect">
+            <a:avLst/>
+          </a:prstGeom>
+        </p:spPr>
+      </p:pic>
+    </p:spTree>
+  </p:cSld>
+  <p:clrMapOvr>
+    <a:masterClrMapping/>
+  </p:clrMapOvr>
+  <p:timing>
+    <p:tnLst>
+      <p:par>
+        <p:cTn id="1" dur="indefinite" restart="never" nodeType="tmRoot">
+          <p:childTnLst>
+            <p:video>
+              <p:cMediaNode vol="80000">
+                <p:cTn id="2" fill="hold" display="0">
+                  <p:stCondLst>
+                    <p:cond delay="indefinite"/>
+                  </p:stCondLst>
+                </p:cTn>
+                <p:tgtEl>
+                  <p:spTgt spid="3"/>
+                </p:tgtEl>
+              </p:cMediaNode>
+            </p:video>
+          </p:childTnLst>
+        </p:cTn>
+      </p:par>
+    </p:tnLst>
+  </p:timing>
+</p:sld>
+</file>
+
+<file path=ppt/slides/slide58.xml><?xml version="1.0" encoding="utf-8"?>
+<p:sld xmlns:a="http://schemas.openxmlformats.org/drawingml/2006/main" xmlns:p="http://schemas.openxmlformats.org/presentationml/2006/main" xmlns:r="http://schemas.openxmlformats.org/officeDocument/2006/relationships">
+  <p:cSld>
+    <p:spTree>
+      <p:nvGrpSpPr>
+        <p:cNvPr id="1" name=""/>
+        <p:cNvGrpSpPr/>
+        <p:nvPr/>
+      </p:nvGrpSpPr>
+      <p:grpSpPr/>
+      <p:sp>
+        <p:nvSpPr>
+          <p:cNvPr id="2" name="Title 1"/>
+          <p:cNvSpPr>
+            <a:spLocks noGrp="1"/>
+          </p:cNvSpPr>
+          <p:nvPr>
+            <p:ph type="title"/>
+          </p:nvPr>
+        </p:nvSpPr>
+        <p:spPr/>
+        <p:txBody>
+          <a:bodyPr/>
+          <a:lstStyle/>
+          <a:p>
+            <a:r>
+              <a:t>Track 2</a:t>
+            </a:r>
+          </a:p>
+        </p:txBody>
+      </p:sp>
+      <p:pic>
+        <p:nvPicPr>
+          <p:cNvPr id="3" name="movie.vid">
+            <a:hlinkClick r:id="" action="ppaction://media"/>
+          </p:cNvPr>
+          <p:cNvPicPr>
+            <a:picLocks noChangeAspect="1"/>
+          </p:cNvPicPr>
+          <p:nvPr>
+            <a:videoFile r:link="rId3"/>
+            <p:extLst>
+              <p:ext uri="{DAA4B4D4-6D71-4841-9C94-3DE7FCFB9230}">
+                <p14:media xmlns:p14="http://schemas.microsoft.com/office/powerpoint/2010/main" r:embed="rId2"/>
+              </p:ext>
+            </p:extLst>
+          </p:nvPr>
+        </p:nvPicPr>
+        <p:blipFill>
+          <a:blip r:embed="rId4"/>
+          <a:stretch>
+            <a:fillRect/>
+          </a:stretch>
+        </p:blipFill>
+        <p:spPr>
+          <a:xfrm>
+            <a:off x="7315200" y="1371600"/>
+            <a:ext cx="5486400" cy="5486400"/>
+          </a:xfrm>
+          <a:prstGeom prst="rect">
+            <a:avLst/>
+          </a:prstGeom>
+        </p:spPr>
+      </p:pic>
+    </p:spTree>
+  </p:cSld>
+  <p:clrMapOvr>
+    <a:masterClrMapping/>
+  </p:clrMapOvr>
+  <p:timing>
+    <p:tnLst>
+      <p:par>
+        <p:cTn id="1" dur="indefinite" restart="never" nodeType="tmRoot">
+          <p:childTnLst>
+            <p:video>
+              <p:cMediaNode vol="80000">
+                <p:cTn id="2" fill="hold" display="0">
+                  <p:stCondLst>
+                    <p:cond delay="indefinite"/>
+                  </p:stCondLst>
+                </p:cTn>
+                <p:tgtEl>
+                  <p:spTgt spid="3"/>
+                </p:tgtEl>
+              </p:cMediaNode>
+            </p:video>
+          </p:childTnLst>
+        </p:cTn>
+      </p:par>
+    </p:tnLst>
+  </p:timing>
+</p:sld>
+</file>
+
+<file path=ppt/slides/slide59.xml><?xml version="1.0" encoding="utf-8"?>
+<p:sld xmlns:a="http://schemas.openxmlformats.org/drawingml/2006/main" xmlns:p="http://schemas.openxmlformats.org/presentationml/2006/main" xmlns:r="http://schemas.openxmlformats.org/officeDocument/2006/relationships">
+  <p:cSld>
+    <p:spTree>
+      <p:nvGrpSpPr>
+        <p:cNvPr id="1" name=""/>
+        <p:cNvGrpSpPr/>
+        <p:nvPr/>
+      </p:nvGrpSpPr>
+      <p:grpSpPr/>
+      <p:sp>
+        <p:nvSpPr>
+          <p:cNvPr id="2" name="Title 1"/>
+          <p:cNvSpPr>
+            <a:spLocks noGrp="1"/>
+          </p:cNvSpPr>
+          <p:nvPr>
+            <p:ph type="title"/>
+          </p:nvPr>
+        </p:nvSpPr>
+        <p:spPr/>
+        <p:txBody>
+          <a:bodyPr/>
+          <a:lstStyle/>
+          <a:p>
+            <a:r>
+              <a:t>Track 3</a:t>
+            </a:r>
+          </a:p>
+        </p:txBody>
+      </p:sp>
+      <p:pic>
+        <p:nvPicPr>
+          <p:cNvPr id="3" name="movie.vid">
+            <a:hlinkClick r:id="" action="ppaction://media"/>
+          </p:cNvPr>
+          <p:cNvPicPr>
+            <a:picLocks noChangeAspect="1"/>
+          </p:cNvPicPr>
+          <p:nvPr>
+            <a:videoFile r:link="rId3"/>
+            <p:extLst>
+              <p:ext uri="{DAA4B4D4-6D71-4841-9C94-3DE7FCFB9230}">
+                <p14:media xmlns:p14="http://schemas.microsoft.com/office/powerpoint/2010/main" r:embed="rId2"/>
+              </p:ext>
+            </p:extLst>
+          </p:nvPr>
+        </p:nvPicPr>
+        <p:blipFill>
+          <a:blip r:embed="rId4"/>
+          <a:stretch>
+            <a:fillRect/>
+          </a:stretch>
+        </p:blipFill>
+        <p:spPr>
+          <a:xfrm>
+            <a:off x="7315200" y="1371600"/>
+            <a:ext cx="5486400" cy="5486400"/>
+          </a:xfrm>
+          <a:prstGeom prst="rect">
+            <a:avLst/>
+          </a:prstGeom>
+        </p:spPr>
+      </p:pic>
+    </p:spTree>
+  </p:cSld>
+  <p:clrMapOvr>
+    <a:masterClrMapping/>
+  </p:clrMapOvr>
+  <p:timing>
+    <p:tnLst>
+      <p:par>
+        <p:cTn id="1" dur="indefinite" restart="never" nodeType="tmRoot">
+          <p:childTnLst>
+            <p:video>
+              <p:cMediaNode vol="80000">
+                <p:cTn id="2" fill="hold" display="0">
+                  <p:stCondLst>
+                    <p:cond delay="indefinite"/>
+                  </p:stCondLst>
+                </p:cTn>
+                <p:tgtEl>
+                  <p:spTgt spid="3"/>
+                </p:tgtEl>
+              </p:cMediaNode>
+            </p:video>
+          </p:childTnLst>
+        </p:cTn>
+      </p:par>
+    </p:tnLst>
+  </p:timing>
+</p:sld>
+</file>
+
+<file path=ppt/slides/slide6.xml><?xml version="1.0" encoding="utf-8"?>
+<p:sld xmlns:a="http://schemas.openxmlformats.org/drawingml/2006/main" xmlns:p="http://schemas.openxmlformats.org/presentationml/2006/main" xmlns:r="http://schemas.openxmlformats.org/officeDocument/2006/relationships">
+  <p:cSld>
+    <p:spTree>
+      <p:nvGrpSpPr>
+        <p:cNvPr id="1" name=""/>
+        <p:cNvGrpSpPr/>
+        <p:nvPr/>
+      </p:nvGrpSpPr>
+      <p:grpSpPr/>
+      <p:sp>
+        <p:nvSpPr>
+          <p:cNvPr id="2" name="Title 1"/>
+          <p:cNvSpPr>
+            <a:spLocks noGrp="1"/>
+          </p:cNvSpPr>
+          <p:nvPr>
+            <p:ph type="title"/>
+          </p:nvPr>
+        </p:nvSpPr>
+        <p:spPr/>
+        <p:txBody>
+          <a:bodyPr/>
+          <a:lstStyle/>
+          <a:p>
+            <a:r>
+              <a:t>Track 3</a:t>
+            </a:r>
+          </a:p>
+        </p:txBody>
+      </p:sp>
+      <p:pic>
+        <p:nvPicPr>
+          <p:cNvPr id="3" name="movie.vid">
+            <a:hlinkClick r:id="" action="ppaction://media"/>
+          </p:cNvPr>
+          <p:cNvPicPr>
+            <a:picLocks noChangeAspect="1"/>
+          </p:cNvPicPr>
+          <p:nvPr>
+            <a:videoFile r:link="rId3"/>
+            <p:extLst>
+              <p:ext uri="{DAA4B4D4-6D71-4841-9C94-3DE7FCFB9230}">
+                <p14:media xmlns:p14="http://schemas.microsoft.com/office/powerpoint/2010/main" r:embed="rId2"/>
+              </p:ext>
+            </p:extLst>
+          </p:nvPr>
+        </p:nvPicPr>
+        <p:blipFill>
+          <a:blip r:embed="rId4"/>
+          <a:stretch>
+            <a:fillRect/>
+          </a:stretch>
+        </p:blipFill>
+        <p:spPr>
+          <a:xfrm>
+            <a:off x="7315200" y="1371600"/>
+            <a:ext cx="5486400" cy="5486400"/>
+          </a:xfrm>
+          <a:prstGeom prst="rect">
+            <a:avLst/>
+          </a:prstGeom>
+        </p:spPr>
+      </p:pic>
+    </p:spTree>
+  </p:cSld>
+  <p:clrMapOvr>
+    <a:masterClrMapping/>
+  </p:clrMapOvr>
+  <p:timing>
+    <p:tnLst>
+      <p:par>
+        <p:cTn id="1" dur="indefinite" restart="never" nodeType="tmRoot">
+          <p:childTnLst>
+            <p:video>
+              <p:cMediaNode vol="80000">
+                <p:cTn id="2" fill="hold" display="0">
+                  <p:stCondLst>
+                    <p:cond delay="indefinite"/>
+                  </p:stCondLst>
+                </p:cTn>
+                <p:tgtEl>
+                  <p:spTgt spid="3"/>
+                </p:tgtEl>
+              </p:cMediaNode>
+            </p:video>
+          </p:childTnLst>
+        </p:cTn>
+      </p:par>
+    </p:tnLst>
+  </p:timing>
+</p:sld>
+</file>
+
+<file path=ppt/slides/slide60.xml><?xml version="1.0" encoding="utf-8"?>
+<p:sld xmlns:a="http://schemas.openxmlformats.org/drawingml/2006/main" xmlns:p="http://schemas.openxmlformats.org/presentationml/2006/main" xmlns:r="http://schemas.openxmlformats.org/officeDocument/2006/relationships">
+  <p:cSld>
+    <p:spTree>
+      <p:nvGrpSpPr>
+        <p:cNvPr id="1" name=""/>
+        <p:cNvGrpSpPr/>
+        <p:nvPr/>
+      </p:nvGrpSpPr>
+      <p:grpSpPr/>
+      <p:sp>
+        <p:nvSpPr>
+          <p:cNvPr id="2" name="Title 1"/>
+          <p:cNvSpPr>
+            <a:spLocks noGrp="1"/>
+          </p:cNvSpPr>
+          <p:nvPr>
+            <p:ph type="title"/>
+          </p:nvPr>
+        </p:nvSpPr>
+        <p:spPr/>
+        <p:txBody>
+          <a:bodyPr/>
+          <a:lstStyle/>
+          <a:p>
+            <a:r>
+              <a:t>Track 4</a:t>
+            </a:r>
+          </a:p>
+        </p:txBody>
+      </p:sp>
+      <p:pic>
+        <p:nvPicPr>
+          <p:cNvPr id="3" name="movie.vid">
+            <a:hlinkClick r:id="" action="ppaction://media"/>
+          </p:cNvPr>
+          <p:cNvPicPr>
+            <a:picLocks noChangeAspect="1"/>
+          </p:cNvPicPr>
+          <p:nvPr>
+            <a:videoFile r:link="rId3"/>
+            <p:extLst>
+              <p:ext uri="{DAA4B4D4-6D71-4841-9C94-3DE7FCFB9230}">
+                <p14:media xmlns:p14="http://schemas.microsoft.com/office/powerpoint/2010/main" r:embed="rId2"/>
+              </p:ext>
+            </p:extLst>
+          </p:nvPr>
+        </p:nvPicPr>
+        <p:blipFill>
+          <a:blip r:embed="rId4"/>
+          <a:stretch>
+            <a:fillRect/>
+          </a:stretch>
+        </p:blipFill>
+        <p:spPr>
+          <a:xfrm>
+            <a:off x="7315200" y="1371600"/>
+            <a:ext cx="5486400" cy="5486400"/>
+          </a:xfrm>
+          <a:prstGeom prst="rect">
+            <a:avLst/>
+          </a:prstGeom>
+        </p:spPr>
+      </p:pic>
+    </p:spTree>
+  </p:cSld>
+  <p:clrMapOvr>
+    <a:masterClrMapping/>
+  </p:clrMapOvr>
+  <p:timing>
+    <p:tnLst>
+      <p:par>
+        <p:cTn id="1" dur="indefinite" restart="never" nodeType="tmRoot">
+          <p:childTnLst>
+            <p:video>
+              <p:cMediaNode vol="80000">
+                <p:cTn id="2" fill="hold" display="0">
+                  <p:stCondLst>
+                    <p:cond delay="indefinite"/>
+                  </p:stCondLst>
+                </p:cTn>
+                <p:tgtEl>
+                  <p:spTgt spid="3"/>
+                </p:tgtEl>
+              </p:cMediaNode>
+            </p:video>
+          </p:childTnLst>
+        </p:cTn>
+      </p:par>
+    </p:tnLst>
+  </p:timing>
+</p:sld>
+</file>
+
+<file path=ppt/slides/slide61.xml><?xml version="1.0" encoding="utf-8"?>
+<p:sld xmlns:a="http://schemas.openxmlformats.org/drawingml/2006/main" xmlns:p="http://schemas.openxmlformats.org/presentationml/2006/main" xmlns:r="http://schemas.openxmlformats.org/officeDocument/2006/relationships">
+  <p:cSld>
+    <p:spTree>
+      <p:nvGrpSpPr>
+        <p:cNvPr id="1" name=""/>
+        <p:cNvGrpSpPr/>
+        <p:nvPr/>
+      </p:nvGrpSpPr>
+      <p:grpSpPr/>
+      <p:sp>
+        <p:nvSpPr>
+          <p:cNvPr id="2" name="Title 1"/>
+          <p:cNvSpPr>
+            <a:spLocks noGrp="1"/>
+          </p:cNvSpPr>
+          <p:nvPr>
+            <p:ph type="title"/>
+          </p:nvPr>
+        </p:nvSpPr>
+        <p:spPr/>
+        <p:txBody>
+          <a:bodyPr/>
+          <a:lstStyle/>
+          <a:p>
+            <a:r>
+              <a:t>Track 5</a:t>
+            </a:r>
+          </a:p>
+        </p:txBody>
+      </p:sp>
+      <p:pic>
+        <p:nvPicPr>
+          <p:cNvPr id="3" name="movie.vid">
+            <a:hlinkClick r:id="" action="ppaction://media"/>
+          </p:cNvPr>
+          <p:cNvPicPr>
+            <a:picLocks noChangeAspect="1"/>
+          </p:cNvPicPr>
+          <p:nvPr>
+            <a:videoFile r:link="rId3"/>
+            <p:extLst>
+              <p:ext uri="{DAA4B4D4-6D71-4841-9C94-3DE7FCFB9230}">
+                <p14:media xmlns:p14="http://schemas.microsoft.com/office/powerpoint/2010/main" r:embed="rId2"/>
+              </p:ext>
+            </p:extLst>
+          </p:nvPr>
+        </p:nvPicPr>
+        <p:blipFill>
+          <a:blip r:embed="rId4"/>
+          <a:stretch>
+            <a:fillRect/>
+          </a:stretch>
+        </p:blipFill>
+        <p:spPr>
+          <a:xfrm>
+            <a:off x="7315200" y="1371600"/>
+            <a:ext cx="5486400" cy="5486400"/>
+          </a:xfrm>
+          <a:prstGeom prst="rect">
+            <a:avLst/>
+          </a:prstGeom>
+        </p:spPr>
+      </p:pic>
+    </p:spTree>
+  </p:cSld>
+  <p:clrMapOvr>
+    <a:masterClrMapping/>
+  </p:clrMapOvr>
+  <p:timing>
+    <p:tnLst>
+      <p:par>
+        <p:cTn id="1" dur="indefinite" restart="never" nodeType="tmRoot">
+          <p:childTnLst>
+            <p:video>
+              <p:cMediaNode vol="80000">
+                <p:cTn id="2" fill="hold" display="0">
+                  <p:stCondLst>
+                    <p:cond delay="indefinite"/>
+                  </p:stCondLst>
+                </p:cTn>
+                <p:tgtEl>
+                  <p:spTgt spid="3"/>
+                </p:tgtEl>
+              </p:cMediaNode>
+            </p:video>
+          </p:childTnLst>
+        </p:cTn>
+      </p:par>
+    </p:tnLst>
+  </p:timing>
+</p:sld>
+</file>
+
+<file path=ppt/slides/slide62.xml><?xml version="1.0" encoding="utf-8"?>
+<p:sld xmlns:a="http://schemas.openxmlformats.org/drawingml/2006/main" xmlns:p="http://schemas.openxmlformats.org/presentationml/2006/main" xmlns:r="http://schemas.openxmlformats.org/officeDocument/2006/relationships">
+  <p:cSld>
+    <p:spTree>
+      <p:nvGrpSpPr>
+        <p:cNvPr id="1" name=""/>
+        <p:cNvGrpSpPr/>
+        <p:nvPr/>
+      </p:nvGrpSpPr>
+      <p:grpSpPr/>
+      <p:sp>
+        <p:nvSpPr>
+          <p:cNvPr id="2" name="Title 1"/>
+          <p:cNvSpPr>
+            <a:spLocks noGrp="1"/>
+          </p:cNvSpPr>
+          <p:nvPr>
+            <p:ph type="title"/>
+          </p:nvPr>
+        </p:nvSpPr>
+        <p:spPr/>
+        <p:txBody>
+          <a:bodyPr/>
+          <a:lstStyle/>
+          <a:p>
+            <a:r>
+              <a:t>Track 6</a:t>
+            </a:r>
+          </a:p>
+        </p:txBody>
+      </p:sp>
+      <p:pic>
+        <p:nvPicPr>
+          <p:cNvPr id="3" name="movie.vid">
+            <a:hlinkClick r:id="" action="ppaction://media"/>
+          </p:cNvPr>
+          <p:cNvPicPr>
+            <a:picLocks noChangeAspect="1"/>
+          </p:cNvPicPr>
+          <p:nvPr>
+            <a:videoFile r:link="rId3"/>
+            <p:extLst>
+              <p:ext uri="{DAA4B4D4-6D71-4841-9C94-3DE7FCFB9230}">
+                <p14:media xmlns:p14="http://schemas.microsoft.com/office/powerpoint/2010/main" r:embed="rId2"/>
+              </p:ext>
+            </p:extLst>
+          </p:nvPr>
+        </p:nvPicPr>
+        <p:blipFill>
+          <a:blip r:embed="rId4"/>
+          <a:stretch>
+            <a:fillRect/>
+          </a:stretch>
+        </p:blipFill>
+        <p:spPr>
+          <a:xfrm>
+            <a:off x="7315200" y="1371600"/>
+            <a:ext cx="5486400" cy="5486400"/>
+          </a:xfrm>
+          <a:prstGeom prst="rect">
+            <a:avLst/>
+          </a:prstGeom>
+        </p:spPr>
+      </p:pic>
+    </p:spTree>
+  </p:cSld>
+  <p:clrMapOvr>
+    <a:masterClrMapping/>
+  </p:clrMapOvr>
+  <p:timing>
+    <p:tnLst>
+      <p:par>
+        <p:cTn id="1" dur="indefinite" restart="never" nodeType="tmRoot">
+          <p:childTnLst>
+            <p:video>
+              <p:cMediaNode vol="80000">
+                <p:cTn id="2" fill="hold" display="0">
+                  <p:stCondLst>
+                    <p:cond delay="indefinite"/>
+                  </p:stCondLst>
+                </p:cTn>
+                <p:tgtEl>
+                  <p:spTgt spid="3"/>
+                </p:tgtEl>
+              </p:cMediaNode>
+            </p:video>
+          </p:childTnLst>
+        </p:cTn>
+      </p:par>
+    </p:tnLst>
+  </p:timing>
+</p:sld>
+</file>
+
+<file path=ppt/slides/slide63.xml><?xml version="1.0" encoding="utf-8"?>
+<p:sld xmlns:a="http://schemas.openxmlformats.org/drawingml/2006/main" xmlns:p="http://schemas.openxmlformats.org/presentationml/2006/main" xmlns:r="http://schemas.openxmlformats.org/officeDocument/2006/relationships">
+  <p:cSld>
+    <p:spTree>
+      <p:nvGrpSpPr>
+        <p:cNvPr id="1" name=""/>
+        <p:cNvGrpSpPr/>
+        <p:nvPr/>
+      </p:nvGrpSpPr>
+      <p:grpSpPr/>
+      <p:sp>
+        <p:nvSpPr>
+          <p:cNvPr id="2" name="Title 1"/>
+          <p:cNvSpPr>
+            <a:spLocks noGrp="1"/>
+          </p:cNvSpPr>
+          <p:nvPr>
+            <p:ph type="title"/>
+          </p:nvPr>
+        </p:nvSpPr>
+        <p:spPr/>
+        <p:txBody>
+          <a:bodyPr/>
+          <a:lstStyle/>
+          <a:p>
+            <a:r>
+              <a:t>Track 7</a:t>
+            </a:r>
+          </a:p>
+        </p:txBody>
+      </p:sp>
+      <p:pic>
+        <p:nvPicPr>
+          <p:cNvPr id="3" name="movie.vid">
+            <a:hlinkClick r:id="" action="ppaction://media"/>
+          </p:cNvPr>
+          <p:cNvPicPr>
+            <a:picLocks noChangeAspect="1"/>
+          </p:cNvPicPr>
+          <p:nvPr>
+            <a:videoFile r:link="rId3"/>
+            <p:extLst>
+              <p:ext uri="{DAA4B4D4-6D71-4841-9C94-3DE7FCFB9230}">
+                <p14:media xmlns:p14="http://schemas.microsoft.com/office/powerpoint/2010/main" r:embed="rId2"/>
+              </p:ext>
+            </p:extLst>
+          </p:nvPr>
+        </p:nvPicPr>
+        <p:blipFill>
+          <a:blip r:embed="rId4"/>
+          <a:stretch>
+            <a:fillRect/>
+          </a:stretch>
+        </p:blipFill>
+        <p:spPr>
+          <a:xfrm>
+            <a:off x="7315200" y="1371600"/>
+            <a:ext cx="5486400" cy="5486400"/>
+          </a:xfrm>
+          <a:prstGeom prst="rect">
+            <a:avLst/>
+          </a:prstGeom>
+        </p:spPr>
+      </p:pic>
+    </p:spTree>
+  </p:cSld>
+  <p:clrMapOvr>
+    <a:masterClrMapping/>
+  </p:clrMapOvr>
+  <p:timing>
+    <p:tnLst>
+      <p:par>
+        <p:cTn id="1" dur="indefinite" restart="never" nodeType="tmRoot">
+          <p:childTnLst>
+            <p:video>
+              <p:cMediaNode vol="80000">
+                <p:cTn id="2" fill="hold" display="0">
+                  <p:stCondLst>
+                    <p:cond delay="indefinite"/>
+                  </p:stCondLst>
+                </p:cTn>
+                <p:tgtEl>
+                  <p:spTgt spid="3"/>
+                </p:tgtEl>
+              </p:cMediaNode>
+            </p:video>
+          </p:childTnLst>
+        </p:cTn>
+      </p:par>
+    </p:tnLst>
+  </p:timing>
+</p:sld>
+</file>
+
+<file path=ppt/slides/slide64.xml><?xml version="1.0" encoding="utf-8"?>
+<p:sld xmlns:a="http://schemas.openxmlformats.org/drawingml/2006/main" xmlns:p="http://schemas.openxmlformats.org/presentationml/2006/main" xmlns:r="http://schemas.openxmlformats.org/officeDocument/2006/relationships">
+  <p:cSld>
+    <p:spTree>
+      <p:nvGrpSpPr>
+        <p:cNvPr id="1" name=""/>
+        <p:cNvGrpSpPr/>
+        <p:nvPr/>
+      </p:nvGrpSpPr>
+      <p:grpSpPr/>
+      <p:sp>
+        <p:nvSpPr>
+          <p:cNvPr id="2" name="Title 1"/>
+          <p:cNvSpPr>
+            <a:spLocks noGrp="1"/>
+          </p:cNvSpPr>
+          <p:nvPr>
+            <p:ph type="title"/>
+          </p:nvPr>
+        </p:nvSpPr>
+        <p:spPr/>
+        <p:txBody>
+          <a:bodyPr/>
+          <a:lstStyle/>
+          <a:p>
+            <a:r>
+              <a:t>Track 8</a:t>
+            </a:r>
+          </a:p>
+        </p:txBody>
+      </p:sp>
+      <p:pic>
+        <p:nvPicPr>
+          <p:cNvPr id="3" name="movie.vid">
+            <a:hlinkClick r:id="" action="ppaction://media"/>
+          </p:cNvPr>
+          <p:cNvPicPr>
+            <a:picLocks noChangeAspect="1"/>
+          </p:cNvPicPr>
+          <p:nvPr>
+            <a:videoFile r:link="rId3"/>
+            <p:extLst>
+              <p:ext uri="{DAA4B4D4-6D71-4841-9C94-3DE7FCFB9230}">
+                <p14:media xmlns:p14="http://schemas.microsoft.com/office/powerpoint/2010/main" r:embed="rId2"/>
+              </p:ext>
+            </p:extLst>
+          </p:nvPr>
+        </p:nvPicPr>
+        <p:blipFill>
+          <a:blip r:embed="rId4"/>
+          <a:stretch>
+            <a:fillRect/>
+          </a:stretch>
+        </p:blipFill>
+        <p:spPr>
+          <a:xfrm>
+            <a:off x="7315200" y="1371600"/>
+            <a:ext cx="5486400" cy="5486400"/>
+          </a:xfrm>
+          <a:prstGeom prst="rect">
+            <a:avLst/>
+          </a:prstGeom>
+        </p:spPr>
+      </p:pic>
+    </p:spTree>
+  </p:cSld>
+  <p:clrMapOvr>
+    <a:masterClrMapping/>
+  </p:clrMapOvr>
+  <p:timing>
+    <p:tnLst>
+      <p:par>
+        <p:cTn id="1" dur="indefinite" restart="never" nodeType="tmRoot">
+          <p:childTnLst>
+            <p:video>
+              <p:cMediaNode vol="80000">
+                <p:cTn id="2" fill="hold" display="0">
+                  <p:stCondLst>
+                    <p:cond delay="indefinite"/>
+                  </p:stCondLst>
+                </p:cTn>
+                <p:tgtEl>
+                  <p:spTgt spid="3"/>
+                </p:tgtEl>
+              </p:cMediaNode>
+            </p:video>
+          </p:childTnLst>
+        </p:cTn>
+      </p:par>
+    </p:tnLst>
+  </p:timing>
+</p:sld>
+</file>
+
+<file path=ppt/slides/slide65.xml><?xml version="1.0" encoding="utf-8"?>
+<p:sld xmlns:a="http://schemas.openxmlformats.org/drawingml/2006/main" xmlns:p="http://schemas.openxmlformats.org/presentationml/2006/main" xmlns:r="http://schemas.openxmlformats.org/officeDocument/2006/relationships">
+  <p:cSld>
+    <p:spTree>
+      <p:nvGrpSpPr>
+        <p:cNvPr id="1" name=""/>
+        <p:cNvGrpSpPr/>
+        <p:nvPr/>
+      </p:nvGrpSpPr>
+      <p:grpSpPr/>
+      <p:sp>
+        <p:nvSpPr>
+          <p:cNvPr id="2" name="Title 1"/>
+          <p:cNvSpPr>
+            <a:spLocks noGrp="1"/>
+          </p:cNvSpPr>
+          <p:nvPr>
+            <p:ph type="title"/>
+          </p:nvPr>
+        </p:nvSpPr>
+        <p:spPr/>
+        <p:txBody>
+          <a:bodyPr/>
+          <a:lstStyle/>
+          <a:p>
+            <a:r>
+              <a:t>Track 9</a:t>
+            </a:r>
+          </a:p>
+        </p:txBody>
+      </p:sp>
+      <p:pic>
+        <p:nvPicPr>
+          <p:cNvPr id="3" name="movie.vid">
+            <a:hlinkClick r:id="" action="ppaction://media"/>
+          </p:cNvPr>
+          <p:cNvPicPr>
+            <a:picLocks noChangeAspect="1"/>
+          </p:cNvPicPr>
+          <p:nvPr>
+            <a:videoFile r:link="rId3"/>
+            <p:extLst>
+              <p:ext uri="{DAA4B4D4-6D71-4841-9C94-3DE7FCFB9230}">
+                <p14:media xmlns:p14="http://schemas.microsoft.com/office/powerpoint/2010/main" r:embed="rId2"/>
+              </p:ext>
+            </p:extLst>
+          </p:nvPr>
+        </p:nvPicPr>
+        <p:blipFill>
+          <a:blip r:embed="rId4"/>
+          <a:stretch>
+            <a:fillRect/>
+          </a:stretch>
+        </p:blipFill>
+        <p:spPr>
+          <a:xfrm>
+            <a:off x="7315200" y="1371600"/>
+            <a:ext cx="5486400" cy="5486400"/>
+          </a:xfrm>
+          <a:prstGeom prst="rect">
+            <a:avLst/>
+          </a:prstGeom>
+        </p:spPr>
+      </p:pic>
+    </p:spTree>
+  </p:cSld>
+  <p:clrMapOvr>
+    <a:masterClrMapping/>
+  </p:clrMapOvr>
+  <p:timing>
+    <p:tnLst>
+      <p:par>
+        <p:cTn id="1" dur="indefinite" restart="never" nodeType="tmRoot">
+          <p:childTnLst>
+            <p:video>
+              <p:cMediaNode vol="80000">
+                <p:cTn id="2" fill="hold" display="0">
+                  <p:stCondLst>
+                    <p:cond delay="indefinite"/>
+                  </p:stCondLst>
+                </p:cTn>
+                <p:tgtEl>
+                  <p:spTgt spid="3"/>
+                </p:tgtEl>
+              </p:cMediaNode>
+            </p:video>
+          </p:childTnLst>
+        </p:cTn>
+      </p:par>
+    </p:tnLst>
+  </p:timing>
+</p:sld>
+</file>
+
+<file path=ppt/slides/slide66.xml><?xml version="1.0" encoding="utf-8"?>
+<p:sld xmlns:a="http://schemas.openxmlformats.org/drawingml/2006/main" xmlns:p="http://schemas.openxmlformats.org/presentationml/2006/main" xmlns:r="http://schemas.openxmlformats.org/officeDocument/2006/relationships">
+  <p:cSld>
+    <p:spTree>
+      <p:nvGrpSpPr>
+        <p:cNvPr id="1" name=""/>
+        <p:cNvGrpSpPr/>
+        <p:nvPr/>
+      </p:nvGrpSpPr>
+      <p:grpSpPr/>
+      <p:sp>
+        <p:nvSpPr>
+          <p:cNvPr id="2" name="Title 1"/>
+          <p:cNvSpPr>
+            <a:spLocks noGrp="1"/>
+          </p:cNvSpPr>
+          <p:nvPr>
+            <p:ph type="title"/>
+          </p:nvPr>
+        </p:nvSpPr>
+        <p:spPr/>
+        <p:txBody>
+          <a:bodyPr/>
+          <a:lstStyle/>
+          <a:p>
+            <a:r>
+              <a:t>Track 10</a:t>
+            </a:r>
+          </a:p>
+        </p:txBody>
+      </p:sp>
+      <p:pic>
+        <p:nvPicPr>
+          <p:cNvPr id="3" name="movie.vid">
+            <a:hlinkClick r:id="" action="ppaction://media"/>
+          </p:cNvPr>
+          <p:cNvPicPr>
+            <a:picLocks noChangeAspect="1"/>
+          </p:cNvPicPr>
+          <p:nvPr>
+            <a:videoFile r:link="rId3"/>
+            <p:extLst>
+              <p:ext uri="{DAA4B4D4-6D71-4841-9C94-3DE7FCFB9230}">
+                <p14:media xmlns:p14="http://schemas.microsoft.com/office/powerpoint/2010/main" r:embed="rId2"/>
+              </p:ext>
+            </p:extLst>
+          </p:nvPr>
+        </p:nvPicPr>
+        <p:blipFill>
+          <a:blip r:embed="rId4"/>
+          <a:stretch>
+            <a:fillRect/>
+          </a:stretch>
+        </p:blipFill>
+        <p:spPr>
+          <a:xfrm>
+            <a:off x="7315200" y="1371600"/>
+            <a:ext cx="5486400" cy="5486400"/>
+          </a:xfrm>
+          <a:prstGeom prst="rect">
+            <a:avLst/>
+          </a:prstGeom>
+        </p:spPr>
+      </p:pic>
+    </p:spTree>
+  </p:cSld>
+  <p:clrMapOvr>
+    <a:masterClrMapping/>
+  </p:clrMapOvr>
+  <p:timing>
+    <p:tnLst>
+      <p:par>
+        <p:cTn id="1" dur="indefinite" restart="never" nodeType="tmRoot">
+          <p:childTnLst>
+            <p:video>
+              <p:cMediaNode vol="80000">
+                <p:cTn id="2" fill="hold" display="0">
+                  <p:stCondLst>
+                    <p:cond delay="indefinite"/>
+                  </p:stCondLst>
+                </p:cTn>
+                <p:tgtEl>
+                  <p:spTgt spid="3"/>
+                </p:tgtEl>
+              </p:cMediaNode>
+            </p:video>
+          </p:childTnLst>
+        </p:cTn>
+      </p:par>
+    </p:tnLst>
+  </p:timing>
+</p:sld>
+</file>
+
+<file path=ppt/slides/slide67.xml><?xml version="1.0" encoding="utf-8"?>
+<p:sld xmlns:a="http://schemas.openxmlformats.org/drawingml/2006/main" xmlns:p="http://schemas.openxmlformats.org/presentationml/2006/main" xmlns:r="http://schemas.openxmlformats.org/officeDocument/2006/relationships">
+  <p:cSld>
+    <p:spTree>
+      <p:nvGrpSpPr>
+        <p:cNvPr id="1" name=""/>
+        <p:cNvGrpSpPr/>
+        <p:nvPr/>
+      </p:nvGrpSpPr>
+      <p:grpSpPr/>
+      <p:sp>
+        <p:nvSpPr>
+          <p:cNvPr id="2" name="Title 1"/>
+          <p:cNvSpPr>
+            <a:spLocks noGrp="1"/>
+          </p:cNvSpPr>
+          <p:nvPr>
+            <p:ph type="title"/>
+          </p:nvPr>
+        </p:nvSpPr>
+        <p:spPr/>
+        <p:txBody>
+          <a:bodyPr/>
+          <a:lstStyle/>
+          <a:p>
+            <a:r>
+              <a:t>Round 5 Review</a:t>
+            </a:r>
+          </a:p>
+        </p:txBody>
+      </p:sp>
+      <p:pic>
+        <p:nvPicPr>
+          <p:cNvPr id="4" name="movie.vid">
+            <a:hlinkClick r:id="" action="ppaction://media"/>
+          </p:cNvPr>
+          <p:cNvPicPr>
+            <a:picLocks noChangeAspect="1"/>
+          </p:cNvPicPr>
+          <p:nvPr>
+            <a:videoFile r:link="rId3"/>
+            <p:extLst>
+              <p:ext uri="{DAA4B4D4-6D71-4841-9C94-3DE7FCFB9230}">
+                <p14:media xmlns:p14="http://schemas.microsoft.com/office/powerpoint/2010/main" r:embed="rId2"/>
+              </p:ext>
+            </p:extLst>
+          </p:nvPr>
+        </p:nvPicPr>
+        <p:blipFill>
+          <a:blip r:embed="rId4"/>
+          <a:stretch>
+            <a:fillRect/>
+          </a:stretch>
+        </p:blipFill>
+        <p:spPr>
+          <a:xfrm>
+            <a:off x="5943600" y="914400"/>
+            <a:ext cx="914400" cy="914400"/>
+          </a:xfrm>
+          <a:prstGeom prst="rect">
+            <a:avLst/>
+          </a:prstGeom>
+        </p:spPr>
+      </p:pic>
+      <p:sp>
+        <p:nvSpPr>
+          <p:cNvPr id="3" name="Content Placeholder 2"/>
+          <p:cNvSpPr>
+            <a:spLocks noGrp="1"/>
+          </p:cNvSpPr>
+          <p:nvPr>
+            <p:ph idx="10" sz="quarter"/>
+          </p:nvPr>
+        </p:nvSpPr>
+        <p:spPr>
+          <a:xfrm>
+            <a:off x="6858000" y="914400"/>
+            <a:ext cx="2834640" cy="914400"/>
+          </a:xfrm>
+        </p:spPr>
+        <p:txBody>
+          <a:bodyPr/>
+          <a:lstStyle/>
+          <a:p>
+            <a:r>
+              <a:t> Track 1</a:t>
+            </a:r>
+          </a:p>
+        </p:txBody>
+      </p:sp>
+      <p:pic>
+        <p:nvPicPr>
+          <p:cNvPr id="5" name="movie.vid">
+            <a:hlinkClick r:id="" action="ppaction://media"/>
+          </p:cNvPr>
+          <p:cNvPicPr>
+            <a:picLocks noChangeAspect="1"/>
+          </p:cNvPicPr>
+          <p:nvPr>
+            <a:videoFile r:link="rId3"/>
+            <p:extLst>
+              <p:ext uri="{DAA4B4D4-6D71-4841-9C94-3DE7FCFB9230}">
+                <p14:media xmlns:p14="http://schemas.microsoft.com/office/powerpoint/2010/main" r:embed="rId2"/>
+              </p:ext>
+            </p:extLst>
+          </p:nvPr>
+        </p:nvPicPr>
+        <p:blipFill>
+          <a:blip r:embed="rId4"/>
+          <a:stretch>
+            <a:fillRect/>
+          </a:stretch>
+        </p:blipFill>
+        <p:spPr>
+          <a:xfrm>
+            <a:off x="10058400" y="914400"/>
+            <a:ext cx="914400" cy="914400"/>
+          </a:xfrm>
+          <a:prstGeom prst="rect">
+            <a:avLst/>
+          </a:prstGeom>
+        </p:spPr>
+      </p:pic>
+      <p:sp>
+        <p:nvSpPr>
+          <p:cNvPr id="3" name="Content Placeholder 2"/>
+          <p:cNvSpPr>
+            <a:spLocks noGrp="1"/>
+          </p:cNvSpPr>
+          <p:nvPr>
+            <p:ph idx="10" sz="quarter"/>
+          </p:nvPr>
+        </p:nvSpPr>
+        <p:spPr>
+          <a:xfrm>
+            <a:off x="10972800" y="914400"/>
+            <a:ext cx="2834640" cy="914400"/>
+          </a:xfrm>
+        </p:spPr>
+        <p:txBody>
+          <a:bodyPr/>
+          <a:lstStyle/>
+          <a:p>
+            <a:r>
+              <a:t> Track 2</a:t>
+            </a:r>
+          </a:p>
+        </p:txBody>
+      </p:sp>
+      <p:pic>
+        <p:nvPicPr>
+          <p:cNvPr id="6" name="movie.vid">
+            <a:hlinkClick r:id="" action="ppaction://media"/>
+          </p:cNvPr>
+          <p:cNvPicPr>
+            <a:picLocks noChangeAspect="1"/>
+          </p:cNvPicPr>
+          <p:nvPr>
+            <a:videoFile r:link="rId3"/>
+            <p:extLst>
+              <p:ext uri="{DAA4B4D4-6D71-4841-9C94-3DE7FCFB9230}">
+                <p14:media xmlns:p14="http://schemas.microsoft.com/office/powerpoint/2010/main" r:embed="rId2"/>
+              </p:ext>
+            </p:extLst>
+          </p:nvPr>
+        </p:nvPicPr>
+        <p:blipFill>
+          <a:blip r:embed="rId4"/>
+          <a:stretch>
+            <a:fillRect/>
+          </a:stretch>
+        </p:blipFill>
+        <p:spPr>
+          <a:xfrm>
+            <a:off x="5943600" y="2286000"/>
+            <a:ext cx="914400" cy="914400"/>
+          </a:xfrm>
+          <a:prstGeom prst="rect">
+            <a:avLst/>
+          </a:prstGeom>
+        </p:spPr>
+      </p:pic>
+      <p:sp>
+        <p:nvSpPr>
+          <p:cNvPr id="3" name="Content Placeholder 2"/>
+          <p:cNvSpPr>
+            <a:spLocks noGrp="1"/>
+          </p:cNvSpPr>
+          <p:nvPr>
+            <p:ph idx="10" sz="quarter"/>
+          </p:nvPr>
+        </p:nvSpPr>
+        <p:spPr>
+          <a:xfrm>
+            <a:off x="6858000" y="2286000"/>
+            <a:ext cx="2834640" cy="914400"/>
+          </a:xfrm>
+        </p:spPr>
+        <p:txBody>
+          <a:bodyPr/>
+          <a:lstStyle/>
+          <a:p>
+            <a:r>
+              <a:t> Track 3</a:t>
+            </a:r>
+          </a:p>
+        </p:txBody>
+      </p:sp>
+      <p:pic>
+        <p:nvPicPr>
+          <p:cNvPr id="7" name="movie.vid">
+            <a:hlinkClick r:id="" action="ppaction://media"/>
+          </p:cNvPr>
+          <p:cNvPicPr>
+            <a:picLocks noChangeAspect="1"/>
+          </p:cNvPicPr>
+          <p:nvPr>
+            <a:videoFile r:link="rId3"/>
+            <p:extLst>
+              <p:ext uri="{DAA4B4D4-6D71-4841-9C94-3DE7FCFB9230}">
+                <p14:media xmlns:p14="http://schemas.microsoft.com/office/powerpoint/2010/main" r:embed="rId2"/>
+              </p:ext>
+            </p:extLst>
+          </p:nvPr>
+        </p:nvPicPr>
+        <p:blipFill>
+          <a:blip r:embed="rId4"/>
+          <a:stretch>
+            <a:fillRect/>
+          </a:stretch>
+        </p:blipFill>
+        <p:spPr>
+          <a:xfrm>
+            <a:off x="10058400" y="2286000"/>
+            <a:ext cx="914400" cy="914400"/>
+          </a:xfrm>
+          <a:prstGeom prst="rect">
+            <a:avLst/>
+          </a:prstGeom>
+        </p:spPr>
+      </p:pic>
+      <p:sp>
+        <p:nvSpPr>
+          <p:cNvPr id="3" name="Content Placeholder 2"/>
+          <p:cNvSpPr>
+            <a:spLocks noGrp="1"/>
+          </p:cNvSpPr>
+          <p:nvPr>
+            <p:ph idx="10" sz="quarter"/>
+          </p:nvPr>
+        </p:nvSpPr>
+        <p:spPr>
+          <a:xfrm>
+            <a:off x="10972800" y="2286000"/>
+            <a:ext cx="2834640" cy="914400"/>
+          </a:xfrm>
+        </p:spPr>
+        <p:txBody>
+          <a:bodyPr/>
+          <a:lstStyle/>
+          <a:p>
+            <a:r>
+              <a:t> Track 4</a:t>
+            </a:r>
+          </a:p>
+        </p:txBody>
+      </p:sp>
+      <p:pic>
+        <p:nvPicPr>
+          <p:cNvPr id="8" name="movie.vid">
+            <a:hlinkClick r:id="" action="ppaction://media"/>
+          </p:cNvPr>
+          <p:cNvPicPr>
+            <a:picLocks noChangeAspect="1"/>
+          </p:cNvPicPr>
+          <p:nvPr>
+            <a:videoFile r:link="rId3"/>
+            <p:extLst>
+              <p:ext uri="{DAA4B4D4-6D71-4841-9C94-3DE7FCFB9230}">
+                <p14:media xmlns:p14="http://schemas.microsoft.com/office/powerpoint/2010/main" r:embed="rId2"/>
+              </p:ext>
+            </p:extLst>
+          </p:nvPr>
+        </p:nvPicPr>
+        <p:blipFill>
+          <a:blip r:embed="rId4"/>
+          <a:stretch>
+            <a:fillRect/>
+          </a:stretch>
+        </p:blipFill>
+        <p:spPr>
+          <a:xfrm>
+            <a:off x="5943600" y="3657600"/>
+            <a:ext cx="914400" cy="914400"/>
+          </a:xfrm>
+          <a:prstGeom prst="rect">
+            <a:avLst/>
+          </a:prstGeom>
+        </p:spPr>
+      </p:pic>
+      <p:sp>
+        <p:nvSpPr>
+          <p:cNvPr id="3" name="Content Placeholder 2"/>
+          <p:cNvSpPr>
+            <a:spLocks noGrp="1"/>
+          </p:cNvSpPr>
+          <p:nvPr>
+            <p:ph idx="10" sz="quarter"/>
+          </p:nvPr>
+        </p:nvSpPr>
+        <p:spPr>
+          <a:xfrm>
+            <a:off x="6858000" y="3657600"/>
+            <a:ext cx="2834640" cy="914400"/>
+          </a:xfrm>
+        </p:spPr>
+        <p:txBody>
+          <a:bodyPr/>
+          <a:lstStyle/>
+          <a:p>
+            <a:r>
+              <a:t> Track 5</a:t>
+            </a:r>
+          </a:p>
+        </p:txBody>
+      </p:sp>
+      <p:pic>
+        <p:nvPicPr>
+          <p:cNvPr id="9" name="movie.vid">
+            <a:hlinkClick r:id="" action="ppaction://media"/>
+          </p:cNvPr>
+          <p:cNvPicPr>
+            <a:picLocks noChangeAspect="1"/>
+          </p:cNvPicPr>
+          <p:nvPr>
+            <a:videoFile r:link="rId3"/>
+            <p:extLst>
+              <p:ext uri="{DAA4B4D4-6D71-4841-9C94-3DE7FCFB9230}">
+                <p14:media xmlns:p14="http://schemas.microsoft.com/office/powerpoint/2010/main" r:embed="rId2"/>
+              </p:ext>
+            </p:extLst>
+          </p:nvPr>
+        </p:nvPicPr>
+        <p:blipFill>
+          <a:blip r:embed="rId4"/>
+          <a:stretch>
+            <a:fillRect/>
+          </a:stretch>
+        </p:blipFill>
+        <p:spPr>
+          <a:xfrm>
+            <a:off x="10058400" y="3657600"/>
+            <a:ext cx="914400" cy="914400"/>
+          </a:xfrm>
+          <a:prstGeom prst="rect">
+            <a:avLst/>
+          </a:prstGeom>
+        </p:spPr>
+      </p:pic>
+      <p:sp>
+        <p:nvSpPr>
+          <p:cNvPr id="3" name="Content Placeholder 2"/>
+          <p:cNvSpPr>
+            <a:spLocks noGrp="1"/>
+          </p:cNvSpPr>
+          <p:nvPr>
+            <p:ph idx="10" sz="quarter"/>
+          </p:nvPr>
+        </p:nvSpPr>
+        <p:spPr>
+          <a:xfrm>
+            <a:off x="10972800" y="3657600"/>
+            <a:ext cx="2834640" cy="914400"/>
+          </a:xfrm>
+        </p:spPr>
+        <p:txBody>
+          <a:bodyPr/>
+          <a:lstStyle/>
+          <a:p>
+            <a:r>
+              <a:t> Track 6</a:t>
+            </a:r>
+          </a:p>
+        </p:txBody>
+      </p:sp>
+      <p:pic>
+        <p:nvPicPr>
+          <p:cNvPr id="10" name="movie.vid">
+            <a:hlinkClick r:id="" action="ppaction://media"/>
+          </p:cNvPr>
+          <p:cNvPicPr>
+            <a:picLocks noChangeAspect="1"/>
+          </p:cNvPicPr>
+          <p:nvPr>
+            <a:videoFile r:link="rId3"/>
+            <p:extLst>
+              <p:ext uri="{DAA4B4D4-6D71-4841-9C94-3DE7FCFB9230}">
+                <p14:media xmlns:p14="http://schemas.microsoft.com/office/powerpoint/2010/main" r:embed="rId2"/>
+              </p:ext>
+            </p:extLst>
+          </p:nvPr>
+        </p:nvPicPr>
+        <p:blipFill>
+          <a:blip r:embed="rId4"/>
+          <a:stretch>
+            <a:fillRect/>
+          </a:stretch>
+        </p:blipFill>
+        <p:spPr>
+          <a:xfrm>
+            <a:off x="5943600" y="5029200"/>
+            <a:ext cx="914400" cy="914400"/>
+          </a:xfrm>
+          <a:prstGeom prst="rect">
+            <a:avLst/>
+          </a:prstGeom>
+        </p:spPr>
+      </p:pic>
+      <p:sp>
+        <p:nvSpPr>
+          <p:cNvPr id="3" name="Content Placeholder 2"/>
+          <p:cNvSpPr>
+            <a:spLocks noGrp="1"/>
+          </p:cNvSpPr>
+          <p:nvPr>
+            <p:ph idx="10" sz="quarter"/>
+          </p:nvPr>
+        </p:nvSpPr>
+        <p:spPr>
+          <a:xfrm>
+            <a:off x="6858000" y="5029200"/>
+            <a:ext cx="2834640" cy="914400"/>
+          </a:xfrm>
+        </p:spPr>
+        <p:txBody>
+          <a:bodyPr/>
+          <a:lstStyle/>
+          <a:p>
+            <a:r>
+              <a:t> Track 7</a:t>
+            </a:r>
+          </a:p>
+        </p:txBody>
+      </p:sp>
+      <p:pic>
+        <p:nvPicPr>
+          <p:cNvPr id="11" name="movie.vid">
+            <a:hlinkClick r:id="" action="ppaction://media"/>
+          </p:cNvPr>
+          <p:cNvPicPr>
+            <a:picLocks noChangeAspect="1"/>
+          </p:cNvPicPr>
+          <p:nvPr>
+            <a:videoFile r:link="rId3"/>
+            <p:extLst>
+              <p:ext uri="{DAA4B4D4-6D71-4841-9C94-3DE7FCFB9230}">
+                <p14:media xmlns:p14="http://schemas.microsoft.com/office/powerpoint/2010/main" r:embed="rId2"/>
+              </p:ext>
+            </p:extLst>
+          </p:nvPr>
+        </p:nvPicPr>
+        <p:blipFill>
+          <a:blip r:embed="rId4"/>
+          <a:stretch>
+            <a:fillRect/>
+          </a:stretch>
+        </p:blipFill>
+        <p:spPr>
+          <a:xfrm>
+            <a:off x="10058400" y="5029200"/>
+            <a:ext cx="914400" cy="914400"/>
+          </a:xfrm>
+          <a:prstGeom prst="rect">
+            <a:avLst/>
+          </a:prstGeom>
+        </p:spPr>
+      </p:pic>
+      <p:sp>
+        <p:nvSpPr>
+          <p:cNvPr id="3" name="Content Placeholder 2"/>
+          <p:cNvSpPr>
+            <a:spLocks noGrp="1"/>
+          </p:cNvSpPr>
+          <p:nvPr>
+            <p:ph idx="10" sz="quarter"/>
+          </p:nvPr>
+        </p:nvSpPr>
+        <p:spPr>
+          <a:xfrm>
+            <a:off x="10972800" y="5029200"/>
+            <a:ext cx="2834640" cy="914400"/>
+          </a:xfrm>
+        </p:spPr>
+        <p:txBody>
+          <a:bodyPr/>
+          <a:lstStyle/>
+          <a:p>
+            <a:r>
+              <a:t> Track 8</a:t>
+            </a:r>
+          </a:p>
+        </p:txBody>
+      </p:sp>
+      <p:pic>
+        <p:nvPicPr>
+          <p:cNvPr id="12" name="movie.vid">
+            <a:hlinkClick r:id="" action="ppaction://media"/>
+          </p:cNvPr>
+          <p:cNvPicPr>
+            <a:picLocks noChangeAspect="1"/>
+          </p:cNvPicPr>
+          <p:nvPr>
+            <a:videoFile r:link="rId3"/>
+            <p:extLst>
+              <p:ext uri="{DAA4B4D4-6D71-4841-9C94-3DE7FCFB9230}">
+                <p14:media xmlns:p14="http://schemas.microsoft.com/office/powerpoint/2010/main" r:embed="rId2"/>
+              </p:ext>
+            </p:extLst>
+          </p:nvPr>
+        </p:nvPicPr>
+        <p:blipFill>
+          <a:blip r:embed="rId4"/>
+          <a:stretch>
+            <a:fillRect/>
+          </a:stretch>
+        </p:blipFill>
+        <p:spPr>
+          <a:xfrm>
+            <a:off x="5943600" y="6400800"/>
+            <a:ext cx="914400" cy="914400"/>
+          </a:xfrm>
+          <a:prstGeom prst="rect">
+            <a:avLst/>
+          </a:prstGeom>
+        </p:spPr>
+      </p:pic>
+      <p:sp>
+        <p:nvSpPr>
+          <p:cNvPr id="3" name="Content Placeholder 2"/>
+          <p:cNvSpPr>
+            <a:spLocks noGrp="1"/>
+          </p:cNvSpPr>
+          <p:nvPr>
+            <p:ph idx="10" sz="quarter"/>
+          </p:nvPr>
+        </p:nvSpPr>
+        <p:spPr>
+          <a:xfrm>
+            <a:off x="6858000" y="6400800"/>
+            <a:ext cx="2834640" cy="914400"/>
+          </a:xfrm>
+        </p:spPr>
+        <p:txBody>
+          <a:bodyPr/>
+          <a:lstStyle/>
+          <a:p>
+            <a:r>
+              <a:t> Track 9</a:t>
+            </a:r>
+          </a:p>
+        </p:txBody>
+      </p:sp>
+      <p:pic>
+        <p:nvPicPr>
+          <p:cNvPr id="13" name="movie.vid">
+            <a:hlinkClick r:id="" action="ppaction://media"/>
+          </p:cNvPr>
+          <p:cNvPicPr>
+            <a:picLocks noChangeAspect="1"/>
+          </p:cNvPicPr>
+          <p:nvPr>
+            <a:videoFile r:link="rId3"/>
+            <p:extLst>
+              <p:ext uri="{DAA4B4D4-6D71-4841-9C94-3DE7FCFB9230}">
+                <p14:media xmlns:p14="http://schemas.microsoft.com/office/powerpoint/2010/main" r:embed="rId2"/>
+              </p:ext>
+            </p:extLst>
+          </p:nvPr>
+        </p:nvPicPr>
+        <p:blipFill>
+          <a:blip r:embed="rId4"/>
+          <a:stretch>
+            <a:fillRect/>
+          </a:stretch>
+        </p:blipFill>
+        <p:spPr>
+          <a:xfrm>
+            <a:off x="10058400" y="6400800"/>
+            <a:ext cx="914400" cy="914400"/>
+          </a:xfrm>
+          <a:prstGeom prst="rect">
+            <a:avLst/>
+          </a:prstGeom>
+        </p:spPr>
+      </p:pic>
+      <p:sp>
+        <p:nvSpPr>
+          <p:cNvPr id="3" name="Content Placeholder 2"/>
+          <p:cNvSpPr>
+            <a:spLocks noGrp="1"/>
+          </p:cNvSpPr>
+          <p:nvPr>
+            <p:ph idx="10" sz="quarter"/>
+          </p:nvPr>
+        </p:nvSpPr>
+        <p:spPr>
+          <a:xfrm>
+            <a:off x="10972800" y="6400800"/>
+            <a:ext cx="2834640" cy="914400"/>
+          </a:xfrm>
+        </p:spPr>
+        <p:txBody>
+          <a:bodyPr/>
+          <a:lstStyle/>
+          <a:p>
+            <a:r>
+              <a:t> Track 10</a:t>
+            </a:r>
+          </a:p>
+        </p:txBody>
+      </p:sp>
+    </p:spTree>
+  </p:cSld>
+  <p:clrMapOvr>
+    <a:masterClrMapping/>
+  </p:clrMapOvr>
+  <p:timing>
+    <p:tnLst>
+      <p:par>
+        <p:cTn id="1" dur="indefinite" restart="never" nodeType="tmRoot">
+          <p:childTnLst>
+            <p:video>
+              <p:cMediaNode vol="80000">
+                <p:cTn id="2" fill="hold" display="0">
+                  <p:stCondLst>
+                    <p:cond delay="indefinite"/>
+                  </p:stCondLst>
+                </p:cTn>
+                <p:tgtEl>
+                  <p:spTgt spid="4"/>
+                </p:tgtEl>
+              </p:cMediaNode>
+            </p:video>
+            <p:video>
+              <p:cMediaNode vol="80000">
+                <p:cTn id="3" fill="hold" display="0">
+                  <p:stCondLst>
+                    <p:cond delay="indefinite"/>
+                  </p:stCondLst>
+                </p:cTn>
+                <p:tgtEl>
+                  <p:spTgt spid="5"/>
+                </p:tgtEl>
+              </p:cMediaNode>
+            </p:video>
+            <p:video>
+              <p:cMediaNode vol="80000">
+                <p:cTn id="4" fill="hold" display="0">
+                  <p:stCondLst>
+                    <p:cond delay="indefinite"/>
+                  </p:stCondLst>
+                </p:cTn>
+                <p:tgtEl>
+                  <p:spTgt spid="6"/>
+                </p:tgtEl>
+              </p:cMediaNode>
+            </p:video>
+            <p:video>
+              <p:cMediaNode vol="80000">
+                <p:cTn id="5" fill="hold" display="0">
+                  <p:stCondLst>
+                    <p:cond delay="indefinite"/>
+                  </p:stCondLst>
+                </p:cTn>
+                <p:tgtEl>
+                  <p:spTgt spid="7"/>
+                </p:tgtEl>
+              </p:cMediaNode>
+            </p:video>
+            <p:video>
+              <p:cMediaNode vol="80000">
+                <p:cTn id="6" fill="hold" display="0">
+                  <p:stCondLst>
+                    <p:cond delay="indefinite"/>
+                  </p:stCondLst>
+                </p:cTn>
+                <p:tgtEl>
+                  <p:spTgt spid="8"/>
+                </p:tgtEl>
+              </p:cMediaNode>
+            </p:video>
+            <p:video>
+              <p:cMediaNode vol="80000">
+                <p:cTn id="7" fill="hold" display="0">
+                  <p:stCondLst>
+                    <p:cond delay="indefinite"/>
+                  </p:stCondLst>
+                </p:cTn>
+                <p:tgtEl>
+                  <p:spTgt spid="9"/>
+                </p:tgtEl>
+              </p:cMediaNode>
+            </p:video>
+            <p:video>
+              <p:cMediaNode vol="80000">
+                <p:cTn id="8" fill="hold" display="0">
+                  <p:stCondLst>
+                    <p:cond delay="indefinite"/>
+                  </p:stCondLst>
+                </p:cTn>
+                <p:tgtEl>
+                  <p:spTgt spid="10"/>
+                </p:tgtEl>
+              </p:cMediaNode>
+            </p:video>
+            <p:video>
+              <p:cMediaNode vol="80000">
+                <p:cTn id="9" fill="hold" display="0">
+                  <p:stCondLst>
+                    <p:cond delay="indefinite"/>
+                  </p:stCondLst>
+                </p:cTn>
+                <p:tgtEl>
+                  <p:spTgt spid="11"/>
+                </p:tgtEl>
+              </p:cMediaNode>
+            </p:video>
+            <p:video>
+              <p:cMediaNode vol="80000">
+                <p:cTn id="10" fill="hold" display="0">
+                  <p:stCondLst>
+                    <p:cond delay="indefinite"/>
+                  </p:stCondLst>
+                </p:cTn>
+                <p:tgtEl>
+                  <p:spTgt spid="12"/>
+                </p:tgtEl>
+              </p:cMediaNode>
+            </p:video>
+            <p:video>
+              <p:cMediaNode vol="80000">
+                <p:cTn id="11" fill="hold" display="0">
+                  <p:stCondLst>
+                    <p:cond delay="indefinite"/>
+                  </p:stCondLst>
+                </p:cTn>
+                <p:tgtEl>
+                  <p:spTgt spid="13"/>
+                </p:tgtEl>
+              </p:cMediaNode>
+            </p:video>
+          </p:childTnLst>
+        </p:cTn>
+      </p:par>
+    </p:tnLst>
+  </p:timing>
+</p:sld>
+</file>
+
+<file path=ppt/slides/slide68.xml><?xml version="1.0" encoding="utf-8"?>
+<p:sld xmlns:a="http://schemas.openxmlformats.org/drawingml/2006/main" xmlns:p="http://schemas.openxmlformats.org/presentationml/2006/main" xmlns:r="http://schemas.openxmlformats.org/officeDocument/2006/relationships">
+  <p:cSld>
+    <p:spTree>
+      <p:nvGrpSpPr>
+        <p:cNvPr id="1" name=""/>
+        <p:cNvGrpSpPr/>
+        <p:nvPr/>
+      </p:nvGrpSpPr>
+      <p:grpSpPr/>
+      <p:sp>
+        <p:nvSpPr>
+          <p:cNvPr id="2" name="Title 1"/>
+          <p:cNvSpPr>
+            <a:spLocks noGrp="1"/>
+          </p:cNvSpPr>
+          <p:nvPr>
+            <p:ph type="title"/>
+          </p:nvPr>
+        </p:nvSpPr>
+        <p:spPr/>
+        <p:txBody>
+          <a:bodyPr/>
+          <a:lstStyle/>
+          <a:p>
+            <a:r>
+              <a:t>Round 5 Answers</a:t>
+            </a:r>
+          </a:p>
+        </p:txBody>
+      </p:sp>
+      <p:sp>
+        <p:nvSpPr>
+          <p:cNvPr id="3" name="Content Placeholder 2"/>
+          <p:cNvSpPr>
+            <a:spLocks noGrp="1"/>
+          </p:cNvSpPr>
+          <p:nvPr>
+            <p:ph idx="1"/>
+          </p:nvPr>
+        </p:nvSpPr>
+        <p:spPr/>
+        <p:txBody>
+          <a:bodyPr/>
+          <a:lstStyle/>
+          <a:p>
+            <a:pPr/>
+            <a:r>
+              <a:rPr b="0" i="1"/>
+              <a:t>Super Mario Galaxy</a:t>
+            </a:r>
+            <a:r>
+              <a:rPr b="0" i="0"/>
+              <a:t> – Good Egg Galaxy</a:t>
+            </a:r>
+          </a:p>
+          <a:p>
+            <a:pPr/>
+            <a:r>
+              <a:rPr b="0" i="1"/>
+              <a:t>Deltarune</a:t>
+            </a:r>
+            <a:r>
+              <a:rPr b="0" i="0"/>
+              <a:t> – Field of Hopes and Dreams</a:t>
+            </a:r>
+          </a:p>
+          <a:p>
+            <a:pPr/>
+            <a:r>
+              <a:rPr b="0" i="1"/>
+              <a:t>Danganronpa V3: Killing Harmony</a:t>
+            </a:r>
+            <a:r>
+              <a:rPr b="0" i="0"/>
+              <a:t> – Danganronpa V3 (Full Version)*</a:t>
+            </a:r>
+          </a:p>
+          <a:p>
+            <a:pPr/>
+            <a:r>
+              <a:rPr b="0" i="1"/>
+              <a:t>Genshin Impact</a:t>
+            </a:r>
+            <a:r>
+              <a:rPr b="0" i="0"/>
+              <a:t> – Photon of Fluctuation</a:t>
+            </a:r>
+          </a:p>
+          <a:p>
+            <a:pPr/>
+            <a:r>
+              <a:rPr b="0" i="1"/>
+              <a:t>Lego Star Wars: The Complete Saga</a:t>
+            </a:r>
+            <a:r>
+              <a:rPr b="0" i="0"/>
+              <a:t> – Mos Eisley Cantina</a:t>
+            </a:r>
+          </a:p>
+          <a:p>
+            <a:pPr/>
+            <a:r>
+              <a:rPr b="0" i="1"/>
+              <a:t>Super Mario Galaxy</a:t>
+            </a:r>
+            <a:r>
+              <a:rPr b="0" i="0"/>
+              <a:t> – Good Egg Galaxy</a:t>
+            </a:r>
+          </a:p>
+          <a:p>
+            <a:pPr/>
+            <a:r>
+              <a:rPr b="0" i="1"/>
+              <a:t>Deltarune</a:t>
+            </a:r>
+            <a:r>
+              <a:rPr b="0" i="0"/>
+              <a:t> – Field of Hopes and Dreams</a:t>
+            </a:r>
+          </a:p>
+          <a:p>
+            <a:pPr/>
+            <a:r>
+              <a:rPr b="0" i="1"/>
+              <a:t>Danganronpa V3: Killing Harmony</a:t>
+            </a:r>
+            <a:r>
+              <a:rPr b="0" i="0"/>
+              <a:t> – Danganronpa V3 (Full Version)*</a:t>
+            </a:r>
+          </a:p>
+          <a:p>
+            <a:pPr/>
+            <a:r>
+              <a:rPr b="0" i="1"/>
+              <a:t>Genshin Impact</a:t>
+            </a:r>
+            <a:r>
+              <a:rPr b="0" i="0"/>
+              <a:t> – Photon of Fluctuation</a:t>
+            </a:r>
+          </a:p>
+          <a:p>
+            <a:pPr/>
+            <a:r>
+              <a:rPr b="0" i="1"/>
+              <a:t>Lego Star Wars: The Complete Saga</a:t>
+            </a:r>
+            <a:r>
+              <a:rPr b="0" i="0"/>
+              <a:t> – Mos Eisley Cantina</a:t>
+            </a:r>
+          </a:p>
+        </p:txBody>
+      </p:sp>
+    </p:spTree>
+  </p:cSld>
+  <p:clrMapOvr>
+    <a:masterClrMapping/>
+  </p:clrMapOvr>
+</p:sld>
+</file>
+
+<file path=ppt/slides/slide7.xml><?xml version="1.0" encoding="utf-8"?>
+<p:sld xmlns:a="http://schemas.openxmlformats.org/drawingml/2006/main" xmlns:p="http://schemas.openxmlformats.org/presentationml/2006/main" xmlns:r="http://schemas.openxmlformats.org/officeDocument/2006/relationships">
+  <p:cSld>
+    <p:spTree>
+      <p:nvGrpSpPr>
+        <p:cNvPr id="1" name=""/>
+        <p:cNvGrpSpPr/>
+        <p:nvPr/>
+      </p:nvGrpSpPr>
+      <p:grpSpPr/>
+      <p:sp>
+        <p:nvSpPr>
+          <p:cNvPr id="2" name="Title 1"/>
+          <p:cNvSpPr>
+            <a:spLocks noGrp="1"/>
+          </p:cNvSpPr>
+          <p:nvPr>
+            <p:ph type="title"/>
+          </p:nvPr>
+        </p:nvSpPr>
+        <p:spPr/>
+        <p:txBody>
+          <a:bodyPr/>
+          <a:lstStyle/>
+          <a:p>
+            <a:r>
+              <a:t>Track 4</a:t>
+            </a:r>
+          </a:p>
+        </p:txBody>
+      </p:sp>
+      <p:pic>
+        <p:nvPicPr>
+          <p:cNvPr id="3" name="movie.vid">
+            <a:hlinkClick r:id="" action="ppaction://media"/>
+          </p:cNvPr>
+          <p:cNvPicPr>
+            <a:picLocks noChangeAspect="1"/>
+          </p:cNvPicPr>
+          <p:nvPr>
+            <a:videoFile r:link="rId3"/>
+            <p:extLst>
+              <p:ext uri="{DAA4B4D4-6D71-4841-9C94-3DE7FCFB9230}">
+                <p14:media xmlns:p14="http://schemas.microsoft.com/office/powerpoint/2010/main" r:embed="rId2"/>
+              </p:ext>
+            </p:extLst>
+          </p:nvPr>
+        </p:nvPicPr>
+        <p:blipFill>
+          <a:blip r:embed="rId4"/>
+          <a:stretch>
+            <a:fillRect/>
+          </a:stretch>
+        </p:blipFill>
+        <p:spPr>
+          <a:xfrm>
+            <a:off x="7315200" y="1371600"/>
+            <a:ext cx="5486400" cy="5486400"/>
+          </a:xfrm>
+          <a:prstGeom prst="rect">
+            <a:avLst/>
+          </a:prstGeom>
+        </p:spPr>
+      </p:pic>
+    </p:spTree>
+  </p:cSld>
+  <p:clrMapOvr>
+    <a:masterClrMapping/>
+  </p:clrMapOvr>
+  <p:timing>
+    <p:tnLst>
+      <p:par>
+        <p:cTn id="1" dur="indefinite" restart="never" nodeType="tmRoot">
+          <p:childTnLst>
+            <p:video>
+              <p:cMediaNode vol="80000">
+                <p:cTn id="2" fill="hold" display="0">
+                  <p:stCondLst>
+                    <p:cond delay="indefinite"/>
+                  </p:stCondLst>
+                </p:cTn>
+                <p:tgtEl>
+                  <p:spTgt spid="3"/>
+                </p:tgtEl>
+              </p:cMediaNode>
+            </p:video>
+          </p:childTnLst>
+        </p:cTn>
+      </p:par>
+    </p:tnLst>
+  </p:timing>
+</p:sld>
+</file>
+
+<file path=ppt/slides/slide8.xml><?xml version="1.0" encoding="utf-8"?>
+<p:sld xmlns:a="http://schemas.openxmlformats.org/drawingml/2006/main" xmlns:p="http://schemas.openxmlformats.org/presentationml/2006/main" xmlns:r="http://schemas.openxmlformats.org/officeDocument/2006/relationships">
+  <p:cSld>
+    <p:spTree>
+      <p:nvGrpSpPr>
+        <p:cNvPr id="1" name=""/>
+        <p:cNvGrpSpPr/>
+        <p:nvPr/>
+      </p:nvGrpSpPr>
+      <p:grpSpPr/>
+      <p:sp>
+        <p:nvSpPr>
+          <p:cNvPr id="2" name="Title 1"/>
+          <p:cNvSpPr>
+            <a:spLocks noGrp="1"/>
+          </p:cNvSpPr>
+          <p:nvPr>
+            <p:ph type="title"/>
+          </p:nvPr>
+        </p:nvSpPr>
+        <p:spPr/>
+        <p:txBody>
+          <a:bodyPr/>
+          <a:lstStyle/>
+          <a:p>
+            <a:r>
+              <a:t>Track 5</a:t>
+            </a:r>
+          </a:p>
+        </p:txBody>
+      </p:sp>
+      <p:pic>
+        <p:nvPicPr>
+          <p:cNvPr id="3" name="movie.vid">
+            <a:hlinkClick r:id="" action="ppaction://media"/>
+          </p:cNvPr>
+          <p:cNvPicPr>
+            <a:picLocks noChangeAspect="1"/>
+          </p:cNvPicPr>
+          <p:nvPr>
+            <a:videoFile r:link="rId3"/>
+            <p:extLst>
+              <p:ext uri="{DAA4B4D4-6D71-4841-9C94-3DE7FCFB9230}">
+                <p14:media xmlns:p14="http://schemas.microsoft.com/office/powerpoint/2010/main" r:embed="rId2"/>
+              </p:ext>
+            </p:extLst>
+          </p:nvPr>
+        </p:nvPicPr>
+        <p:blipFill>
+          <a:blip r:embed="rId4"/>
+          <a:stretch>
+            <a:fillRect/>
+          </a:stretch>
+        </p:blipFill>
+        <p:spPr>
+          <a:xfrm>
+            <a:off x="7315200" y="1371600"/>
+            <a:ext cx="5486400" cy="5486400"/>
+          </a:xfrm>
+          <a:prstGeom prst="rect">
+            <a:avLst/>
+          </a:prstGeom>
+        </p:spPr>
+      </p:pic>
+    </p:spTree>
+  </p:cSld>
+  <p:clrMapOvr>
+    <a:masterClrMapping/>
+  </p:clrMapOvr>
+  <p:timing>
+    <p:tnLst>
+      <p:par>
+        <p:cTn id="1" dur="indefinite" restart="never" nodeType="tmRoot">
+          <p:childTnLst>
+            <p:video>
+              <p:cMediaNode vol="80000">
+                <p:cTn id="2" fill="hold" display="0">
+                  <p:stCondLst>
+                    <p:cond delay="indefinite"/>
+                  </p:stCondLst>
+                </p:cTn>
+                <p:tgtEl>
+                  <p:spTgt spid="3"/>
+                </p:tgtEl>
+              </p:cMediaNode>
+            </p:video>
+          </p:childTnLst>
+        </p:cTn>
+      </p:par>
+    </p:tnLst>
+  </p:timing>
+</p:sld>
+</file>
+
+<file path=ppt/slides/slide9.xml><?xml version="1.0" encoding="utf-8"?>
+<p:sld xmlns:a="http://schemas.openxmlformats.org/drawingml/2006/main" xmlns:p="http://schemas.openxmlformats.org/presentationml/2006/main" xmlns:r="http://schemas.openxmlformats.org/officeDocument/2006/relationships">
+  <p:cSld>
+    <p:spTree>
+      <p:nvGrpSpPr>
+        <p:cNvPr id="1" name=""/>
+        <p:cNvGrpSpPr/>
+        <p:nvPr/>
+      </p:nvGrpSpPr>
+      <p:grpSpPr/>
+      <p:sp>
+        <p:nvSpPr>
+          <p:cNvPr id="2" name="Title 1"/>
+          <p:cNvSpPr>
+            <a:spLocks noGrp="1"/>
+          </p:cNvSpPr>
+          <p:nvPr>
+            <p:ph type="title"/>
+          </p:nvPr>
+        </p:nvSpPr>
+        <p:spPr/>
+        <p:txBody>
+          <a:bodyPr/>
+          <a:lstStyle/>
+          <a:p>
+            <a:r>
+              <a:t>Track 6</a:t>
+            </a:r>
+          </a:p>
+        </p:txBody>
+      </p:sp>
+      <p:pic>
+        <p:nvPicPr>
+          <p:cNvPr id="3" name="movie.vid">
+            <a:hlinkClick r:id="" action="ppaction://media"/>
+          </p:cNvPr>
+          <p:cNvPicPr>
+            <a:picLocks noChangeAspect="1"/>
+          </p:cNvPicPr>
+          <p:nvPr>
+            <a:videoFile r:link="rId3"/>
+            <p:extLst>
+              <p:ext uri="{DAA4B4D4-6D71-4841-9C94-3DE7FCFB9230}">
+                <p14:media xmlns:p14="http://schemas.microsoft.com/office/powerpoint/2010/main" r:embed="rId2"/>
+              </p:ext>
+            </p:extLst>
+          </p:nvPr>
+        </p:nvPicPr>
+        <p:blipFill>
+          <a:blip r:embed="rId4"/>
+          <a:stretch>
+            <a:fillRect/>
+          </a:stretch>
+        </p:blipFill>
+        <p:spPr>
+          <a:xfrm>
+            <a:off x="7315200" y="1371600"/>
+            <a:ext cx="5486400" cy="5486400"/>
+          </a:xfrm>
+          <a:prstGeom prst="rect">
+            <a:avLst/>
+          </a:prstGeom>
+        </p:spPr>
+      </p:pic>
+    </p:spTree>
+  </p:cSld>
+  <p:clrMapOvr>
+    <a:masterClrMapping/>
+  </p:clrMapOvr>
+  <p:timing>
+    <p:tnLst>
+      <p:par>
+        <p:cTn id="1" dur="indefinite" restart="never" nodeType="tmRoot">
+          <p:childTnLst>
+            <p:video>
+              <p:cMediaNode vol="80000">
+                <p:cTn id="2" fill="hold" display="0">
+                  <p:stCondLst>
+                    <p:cond delay="indefinite"/>
+                  </p:stCondLst>
+                </p:cTn>
+                <p:tgtEl>
+                  <p:spTgt spid="3"/>
                 </p:tgtEl>
               </p:cMediaNode>
             </p:video>
